--- a/papers/dallin_skouson/SpyDrNetFlow.pptx
+++ b/papers/dallin_skouson/SpyDrNetFlow.pptx
@@ -1,19 +1,19 @@
 
 <file path=ppt/presentation.xml><?xml version="1.0" encoding="utf-8"?>
-<p:presentation xmlns:a="http://schemas.openxmlformats.org/drawingml/2006/main" xmlns:r="http://schemas.openxmlformats.org/officeDocument/2006/relationships" xmlns:mc="http://schemas.openxmlformats.org/markup-compatibility/2006" xmlns:mv="urn:schemas-microsoft-com:mac:vml" xmlns:p="http://schemas.openxmlformats.org/presentationml/2006/main" xmlns:c="http://schemas.openxmlformats.org/drawingml/2006/chart" xmlns:dgm="http://schemas.openxmlformats.org/drawingml/2006/diagram" xmlns:o="urn:schemas-microsoft-com:office:office" xmlns:v="urn:schemas-microsoft-com:vml" xmlns:pvml="urn:schemas-microsoft-com:office:powerpoint" xmlns:com="http://schemas.openxmlformats.org/drawingml/2006/compatibility" xmlns:p14="http://schemas.microsoft.com/office/powerpoint/2010/main" xmlns:p15="http://schemas.microsoft.com/office/powerpoint/2012/main" autoCompressPictures="0" strictFirstAndLastChars="0" saveSubsetFonts="1">
+<p:presentation xmlns:a="http://schemas.openxmlformats.org/drawingml/2006/main" xmlns:r="http://schemas.openxmlformats.org/officeDocument/2006/relationships" xmlns:p="http://schemas.openxmlformats.org/presentationml/2006/main" strictFirstAndLastChars="0" saveSubsetFonts="1" autoCompressPictures="0">
   <p:sldMasterIdLst>
-    <p:sldMasterId id="2147483659" r:id="rId4"/>
+    <p:sldMasterId id="2147483659" r:id="rId1"/>
   </p:sldMasterIdLst>
   <p:notesMasterIdLst>
-    <p:notesMasterId r:id="rId5"/>
+    <p:notesMasterId r:id="rId3"/>
   </p:notesMasterIdLst>
   <p:sldIdLst>
-    <p:sldId id="256" r:id="rId6"/>
+    <p:sldId id="257" r:id="rId2"/>
   </p:sldIdLst>
-  <p:sldSz cy="5143500" cx="9144000"/>
+  <p:sldSz cx="9144000" cy="914400"/>
   <p:notesSz cx="6858000" cy="9144000"/>
   <p:defaultTextStyle>
-    <a:defPPr lvl="0" marR="0" rtl="0" algn="l">
+    <a:defPPr marR="0" lvl="0" algn="l" rtl="0">
       <a:lnSpc>
         <a:spcPct val="100000"/>
       </a:lnSpc>
@@ -24,7 +24,7 @@
         <a:spcPts val="0"/>
       </a:spcAft>
     </a:defPPr>
-    <a:lvl1pPr lvl="0" marR="0" rtl="0" algn="l">
+    <a:lvl1pPr marR="0" lvl="0" algn="l" rtl="0">
       <a:lnSpc>
         <a:spcPct val="100000"/>
       </a:lnSpc>
@@ -38,7 +38,7 @@
         <a:srgbClr val="000000"/>
       </a:buClr>
       <a:buFont typeface="Arial"/>
-      <a:defRPr b="0" i="0" sz="1400" u="none" cap="none" strike="noStrike">
+      <a:defRPr sz="1400" b="0" i="0" u="none" strike="noStrike" cap="none">
         <a:solidFill>
           <a:srgbClr val="000000"/>
         </a:solidFill>
@@ -48,7 +48,7 @@
         <a:sym typeface="Arial"/>
       </a:defRPr>
     </a:lvl1pPr>
-    <a:lvl2pPr lvl="1" marR="0" rtl="0" algn="l">
+    <a:lvl2pPr marR="0" lvl="1" algn="l" rtl="0">
       <a:lnSpc>
         <a:spcPct val="100000"/>
       </a:lnSpc>
@@ -62,7 +62,7 @@
         <a:srgbClr val="000000"/>
       </a:buClr>
       <a:buFont typeface="Arial"/>
-      <a:defRPr b="0" i="0" sz="1400" u="none" cap="none" strike="noStrike">
+      <a:defRPr sz="1400" b="0" i="0" u="none" strike="noStrike" cap="none">
         <a:solidFill>
           <a:srgbClr val="000000"/>
         </a:solidFill>
@@ -72,7 +72,7 @@
         <a:sym typeface="Arial"/>
       </a:defRPr>
     </a:lvl2pPr>
-    <a:lvl3pPr lvl="2" marR="0" rtl="0" algn="l">
+    <a:lvl3pPr marR="0" lvl="2" algn="l" rtl="0">
       <a:lnSpc>
         <a:spcPct val="100000"/>
       </a:lnSpc>
@@ -86,7 +86,7 @@
         <a:srgbClr val="000000"/>
       </a:buClr>
       <a:buFont typeface="Arial"/>
-      <a:defRPr b="0" i="0" sz="1400" u="none" cap="none" strike="noStrike">
+      <a:defRPr sz="1400" b="0" i="0" u="none" strike="noStrike" cap="none">
         <a:solidFill>
           <a:srgbClr val="000000"/>
         </a:solidFill>
@@ -96,7 +96,7 @@
         <a:sym typeface="Arial"/>
       </a:defRPr>
     </a:lvl3pPr>
-    <a:lvl4pPr lvl="3" marR="0" rtl="0" algn="l">
+    <a:lvl4pPr marR="0" lvl="3" algn="l" rtl="0">
       <a:lnSpc>
         <a:spcPct val="100000"/>
       </a:lnSpc>
@@ -110,7 +110,7 @@
         <a:srgbClr val="000000"/>
       </a:buClr>
       <a:buFont typeface="Arial"/>
-      <a:defRPr b="0" i="0" sz="1400" u="none" cap="none" strike="noStrike">
+      <a:defRPr sz="1400" b="0" i="0" u="none" strike="noStrike" cap="none">
         <a:solidFill>
           <a:srgbClr val="000000"/>
         </a:solidFill>
@@ -120,7 +120,7 @@
         <a:sym typeface="Arial"/>
       </a:defRPr>
     </a:lvl4pPr>
-    <a:lvl5pPr lvl="4" marR="0" rtl="0" algn="l">
+    <a:lvl5pPr marR="0" lvl="4" algn="l" rtl="0">
       <a:lnSpc>
         <a:spcPct val="100000"/>
       </a:lnSpc>
@@ -134,7 +134,7 @@
         <a:srgbClr val="000000"/>
       </a:buClr>
       <a:buFont typeface="Arial"/>
-      <a:defRPr b="0" i="0" sz="1400" u="none" cap="none" strike="noStrike">
+      <a:defRPr sz="1400" b="0" i="0" u="none" strike="noStrike" cap="none">
         <a:solidFill>
           <a:srgbClr val="000000"/>
         </a:solidFill>
@@ -144,7 +144,7 @@
         <a:sym typeface="Arial"/>
       </a:defRPr>
     </a:lvl5pPr>
-    <a:lvl6pPr lvl="5" marR="0" rtl="0" algn="l">
+    <a:lvl6pPr marR="0" lvl="5" algn="l" rtl="0">
       <a:lnSpc>
         <a:spcPct val="100000"/>
       </a:lnSpc>
@@ -158,7 +158,7 @@
         <a:srgbClr val="000000"/>
       </a:buClr>
       <a:buFont typeface="Arial"/>
-      <a:defRPr b="0" i="0" sz="1400" u="none" cap="none" strike="noStrike">
+      <a:defRPr sz="1400" b="0" i="0" u="none" strike="noStrike" cap="none">
         <a:solidFill>
           <a:srgbClr val="000000"/>
         </a:solidFill>
@@ -168,7 +168,7 @@
         <a:sym typeface="Arial"/>
       </a:defRPr>
     </a:lvl6pPr>
-    <a:lvl7pPr lvl="6" marR="0" rtl="0" algn="l">
+    <a:lvl7pPr marR="0" lvl="6" algn="l" rtl="0">
       <a:lnSpc>
         <a:spcPct val="100000"/>
       </a:lnSpc>
@@ -182,7 +182,7 @@
         <a:srgbClr val="000000"/>
       </a:buClr>
       <a:buFont typeface="Arial"/>
-      <a:defRPr b="0" i="0" sz="1400" u="none" cap="none" strike="noStrike">
+      <a:defRPr sz="1400" b="0" i="0" u="none" strike="noStrike" cap="none">
         <a:solidFill>
           <a:srgbClr val="000000"/>
         </a:solidFill>
@@ -192,7 +192,7 @@
         <a:sym typeface="Arial"/>
       </a:defRPr>
     </a:lvl7pPr>
-    <a:lvl8pPr lvl="7" marR="0" rtl="0" algn="l">
+    <a:lvl8pPr marR="0" lvl="7" algn="l" rtl="0">
       <a:lnSpc>
         <a:spcPct val="100000"/>
       </a:lnSpc>
@@ -206,7 +206,7 @@
         <a:srgbClr val="000000"/>
       </a:buClr>
       <a:buFont typeface="Arial"/>
-      <a:defRPr b="0" i="0" sz="1400" u="none" cap="none" strike="noStrike">
+      <a:defRPr sz="1400" b="0" i="0" u="none" strike="noStrike" cap="none">
         <a:solidFill>
           <a:srgbClr val="000000"/>
         </a:solidFill>
@@ -216,7 +216,7 @@
         <a:sym typeface="Arial"/>
       </a:defRPr>
     </a:lvl8pPr>
-    <a:lvl9pPr lvl="8" marR="0" rtl="0" algn="l">
+    <a:lvl9pPr marR="0" lvl="8" algn="l" rtl="0">
       <a:lnSpc>
         <a:spcPct val="100000"/>
       </a:lnSpc>
@@ -230,7 +230,7 @@
         <a:srgbClr val="000000"/>
       </a:buClr>
       <a:buFont typeface="Arial"/>
-      <a:defRPr b="0" i="0" sz="1400" u="none" cap="none" strike="noStrike">
+      <a:defRPr sz="1400" b="0" i="0" u="none" strike="noStrike" cap="none">
         <a:solidFill>
           <a:srgbClr val="000000"/>
         </a:solidFill>
@@ -243,13 +243,13 @@
   </p:defaultTextStyle>
   <p:extLst>
     <p:ext uri="{EFAFB233-063F-42B5-8137-9DF3F51BA10A}">
-      <p15:sldGuideLst>
-        <p15:guide id="1" orient="horz" pos="1620">
+      <p15:sldGuideLst xmlns:p15="http://schemas.microsoft.com/office/powerpoint/2012/main">
+        <p15:guide id="1" orient="horz" pos="288" userDrawn="1">
           <p15:clr>
             <a:srgbClr val="A4A3A4"/>
           </p15:clr>
         </p15:guide>
-        <p15:guide id="2" pos="2880">
+        <p15:guide id="2" pos="2880" userDrawn="1">
           <p15:clr>
             <a:srgbClr val="A4A3A4"/>
           </p15:clr>
@@ -260,12 +260,3007 @@
 </p:presentation>
 </file>
 
+<file path=ppt/diagrams/colors1.xml><?xml version="1.0" encoding="utf-8"?>
+<dgm:colorsDef xmlns:dgm="http://schemas.openxmlformats.org/drawingml/2006/diagram" xmlns:a="http://schemas.openxmlformats.org/drawingml/2006/main" uniqueId="urn:microsoft.com/office/officeart/2005/8/colors/accent0_1">
+  <dgm:title val=""/>
+  <dgm:desc val=""/>
+  <dgm:catLst>
+    <dgm:cat type="mainScheme" pri="10100"/>
+  </dgm:catLst>
+  <dgm:styleLbl name="node0">
+    <dgm:fillClrLst meth="repeat">
+      <a:schemeClr val="lt1"/>
+    </dgm:fillClrLst>
+    <dgm:linClrLst meth="repeat">
+      <a:schemeClr val="dk1">
+        <a:shade val="80000"/>
+      </a:schemeClr>
+    </dgm:linClrLst>
+    <dgm:effectClrLst/>
+    <dgm:txLinClrLst/>
+    <dgm:txFillClrLst meth="repeat">
+      <a:schemeClr val="dk1"/>
+    </dgm:txFillClrLst>
+    <dgm:txEffectClrLst/>
+  </dgm:styleLbl>
+  <dgm:styleLbl name="node1">
+    <dgm:fillClrLst meth="repeat">
+      <a:schemeClr val="lt1"/>
+    </dgm:fillClrLst>
+    <dgm:linClrLst meth="repeat">
+      <a:schemeClr val="dk1">
+        <a:shade val="80000"/>
+      </a:schemeClr>
+    </dgm:linClrLst>
+    <dgm:effectClrLst/>
+    <dgm:txLinClrLst/>
+    <dgm:txFillClrLst meth="repeat">
+      <a:schemeClr val="dk1"/>
+    </dgm:txFillClrLst>
+    <dgm:txEffectClrLst/>
+  </dgm:styleLbl>
+  <dgm:styleLbl name="alignNode1">
+    <dgm:fillClrLst meth="repeat">
+      <a:schemeClr val="lt1"/>
+    </dgm:fillClrLst>
+    <dgm:linClrLst meth="repeat">
+      <a:schemeClr val="dk1">
+        <a:shade val="80000"/>
+      </a:schemeClr>
+    </dgm:linClrLst>
+    <dgm:effectClrLst/>
+    <dgm:txLinClrLst/>
+    <dgm:txFillClrLst meth="repeat">
+      <a:schemeClr val="dk1"/>
+    </dgm:txFillClrLst>
+    <dgm:txEffectClrLst/>
+  </dgm:styleLbl>
+  <dgm:styleLbl name="lnNode1">
+    <dgm:fillClrLst meth="repeat">
+      <a:schemeClr val="lt1"/>
+    </dgm:fillClrLst>
+    <dgm:linClrLst meth="repeat">
+      <a:schemeClr val="dk1">
+        <a:shade val="80000"/>
+      </a:schemeClr>
+    </dgm:linClrLst>
+    <dgm:effectClrLst/>
+    <dgm:txLinClrLst/>
+    <dgm:txFillClrLst meth="repeat">
+      <a:schemeClr val="dk1"/>
+    </dgm:txFillClrLst>
+    <dgm:txEffectClrLst/>
+  </dgm:styleLbl>
+  <dgm:styleLbl name="vennNode1">
+    <dgm:fillClrLst meth="repeat">
+      <a:schemeClr val="lt1">
+        <a:alpha val="50000"/>
+      </a:schemeClr>
+    </dgm:fillClrLst>
+    <dgm:linClrLst meth="repeat">
+      <a:schemeClr val="dk1">
+        <a:shade val="80000"/>
+      </a:schemeClr>
+    </dgm:linClrLst>
+    <dgm:effectClrLst/>
+    <dgm:txLinClrLst/>
+    <dgm:txFillClrLst/>
+    <dgm:txEffectClrLst/>
+  </dgm:styleLbl>
+  <dgm:styleLbl name="node2">
+    <dgm:fillClrLst meth="repeat">
+      <a:schemeClr val="lt1"/>
+    </dgm:fillClrLst>
+    <dgm:linClrLst meth="repeat">
+      <a:schemeClr val="dk1">
+        <a:shade val="80000"/>
+      </a:schemeClr>
+    </dgm:linClrLst>
+    <dgm:effectClrLst/>
+    <dgm:txLinClrLst/>
+    <dgm:txFillClrLst meth="repeat">
+      <a:schemeClr val="dk1"/>
+    </dgm:txFillClrLst>
+    <dgm:txEffectClrLst/>
+  </dgm:styleLbl>
+  <dgm:styleLbl name="node3">
+    <dgm:fillClrLst meth="repeat">
+      <a:schemeClr val="lt1"/>
+    </dgm:fillClrLst>
+    <dgm:linClrLst meth="repeat">
+      <a:schemeClr val="dk1">
+        <a:shade val="80000"/>
+      </a:schemeClr>
+    </dgm:linClrLst>
+    <dgm:effectClrLst/>
+    <dgm:txLinClrLst/>
+    <dgm:txFillClrLst meth="repeat">
+      <a:schemeClr val="dk1"/>
+    </dgm:txFillClrLst>
+    <dgm:txEffectClrLst/>
+  </dgm:styleLbl>
+  <dgm:styleLbl name="node4">
+    <dgm:fillClrLst meth="repeat">
+      <a:schemeClr val="lt1"/>
+    </dgm:fillClrLst>
+    <dgm:linClrLst meth="repeat">
+      <a:schemeClr val="dk1">
+        <a:shade val="80000"/>
+      </a:schemeClr>
+    </dgm:linClrLst>
+    <dgm:effectClrLst/>
+    <dgm:txLinClrLst/>
+    <dgm:txFillClrLst meth="repeat">
+      <a:schemeClr val="dk1"/>
+    </dgm:txFillClrLst>
+    <dgm:txEffectClrLst/>
+  </dgm:styleLbl>
+  <dgm:styleLbl name="fgImgPlace1">
+    <dgm:fillClrLst meth="repeat">
+      <a:schemeClr val="dk1">
+        <a:tint val="40000"/>
+      </a:schemeClr>
+    </dgm:fillClrLst>
+    <dgm:linClrLst meth="repeat">
+      <a:schemeClr val="dk1">
+        <a:shade val="80000"/>
+      </a:schemeClr>
+    </dgm:linClrLst>
+    <dgm:effectClrLst/>
+    <dgm:txLinClrLst/>
+    <dgm:txFillClrLst meth="repeat">
+      <a:schemeClr val="lt1"/>
+    </dgm:txFillClrLst>
+    <dgm:txEffectClrLst/>
+  </dgm:styleLbl>
+  <dgm:styleLbl name="alignImgPlace1">
+    <dgm:fillClrLst meth="repeat">
+      <a:schemeClr val="dk1">
+        <a:tint val="40000"/>
+      </a:schemeClr>
+    </dgm:fillClrLst>
+    <dgm:linClrLst meth="repeat">
+      <a:schemeClr val="dk1">
+        <a:shade val="80000"/>
+      </a:schemeClr>
+    </dgm:linClrLst>
+    <dgm:effectClrLst/>
+    <dgm:txLinClrLst/>
+    <dgm:txFillClrLst meth="repeat">
+      <a:schemeClr val="lt1"/>
+    </dgm:txFillClrLst>
+    <dgm:txEffectClrLst/>
+  </dgm:styleLbl>
+  <dgm:styleLbl name="bgImgPlace1">
+    <dgm:fillClrLst meth="repeat">
+      <a:schemeClr val="dk1">
+        <a:tint val="40000"/>
+      </a:schemeClr>
+    </dgm:fillClrLst>
+    <dgm:linClrLst meth="repeat">
+      <a:schemeClr val="dk1">
+        <a:shade val="80000"/>
+      </a:schemeClr>
+    </dgm:linClrLst>
+    <dgm:effectClrLst/>
+    <dgm:txLinClrLst/>
+    <dgm:txFillClrLst meth="repeat">
+      <a:schemeClr val="lt1"/>
+    </dgm:txFillClrLst>
+    <dgm:txEffectClrLst/>
+  </dgm:styleLbl>
+  <dgm:styleLbl name="sibTrans2D1">
+    <dgm:fillClrLst meth="repeat">
+      <a:schemeClr val="dk1">
+        <a:tint val="60000"/>
+      </a:schemeClr>
+    </dgm:fillClrLst>
+    <dgm:linClrLst meth="repeat">
+      <a:schemeClr val="dk1">
+        <a:tint val="60000"/>
+      </a:schemeClr>
+    </dgm:linClrLst>
+    <dgm:effectClrLst/>
+    <dgm:txLinClrLst/>
+    <dgm:txFillClrLst meth="repeat">
+      <a:schemeClr val="dk1"/>
+    </dgm:txFillClrLst>
+    <dgm:txEffectClrLst/>
+  </dgm:styleLbl>
+  <dgm:styleLbl name="fgSibTrans2D1">
+    <dgm:fillClrLst meth="repeat">
+      <a:schemeClr val="dk1">
+        <a:tint val="60000"/>
+      </a:schemeClr>
+    </dgm:fillClrLst>
+    <dgm:linClrLst meth="repeat">
+      <a:schemeClr val="dk1">
+        <a:tint val="60000"/>
+      </a:schemeClr>
+    </dgm:linClrLst>
+    <dgm:effectClrLst/>
+    <dgm:txLinClrLst/>
+    <dgm:txFillClrLst meth="repeat">
+      <a:schemeClr val="dk1"/>
+    </dgm:txFillClrLst>
+    <dgm:txEffectClrLst/>
+  </dgm:styleLbl>
+  <dgm:styleLbl name="bgSibTrans2D1">
+    <dgm:fillClrLst meth="repeat">
+      <a:schemeClr val="dk1">
+        <a:tint val="60000"/>
+      </a:schemeClr>
+    </dgm:fillClrLst>
+    <dgm:linClrLst meth="repeat">
+      <a:schemeClr val="dk1">
+        <a:tint val="60000"/>
+      </a:schemeClr>
+    </dgm:linClrLst>
+    <dgm:effectClrLst/>
+    <dgm:txLinClrLst/>
+    <dgm:txFillClrLst meth="repeat">
+      <a:schemeClr val="dk1"/>
+    </dgm:txFillClrLst>
+    <dgm:txEffectClrLst/>
+  </dgm:styleLbl>
+  <dgm:styleLbl name="sibTrans1D1">
+    <dgm:fillClrLst meth="repeat">
+      <a:schemeClr val="dk1"/>
+    </dgm:fillClrLst>
+    <dgm:linClrLst meth="repeat">
+      <a:schemeClr val="dk1"/>
+    </dgm:linClrLst>
+    <dgm:effectClrLst/>
+    <dgm:txLinClrLst/>
+    <dgm:txFillClrLst meth="repeat">
+      <a:schemeClr val="tx1"/>
+    </dgm:txFillClrLst>
+    <dgm:txEffectClrLst/>
+  </dgm:styleLbl>
+  <dgm:styleLbl name="callout">
+    <dgm:fillClrLst meth="repeat">
+      <a:schemeClr val="dk1"/>
+    </dgm:fillClrLst>
+    <dgm:linClrLst meth="repeat">
+      <a:schemeClr val="dk1"/>
+    </dgm:linClrLst>
+    <dgm:effectClrLst/>
+    <dgm:txLinClrLst/>
+    <dgm:txFillClrLst meth="repeat">
+      <a:schemeClr val="tx1"/>
+    </dgm:txFillClrLst>
+    <dgm:txEffectClrLst/>
+  </dgm:styleLbl>
+  <dgm:styleLbl name="asst0">
+    <dgm:fillClrLst meth="repeat">
+      <a:schemeClr val="lt1"/>
+    </dgm:fillClrLst>
+    <dgm:linClrLst meth="repeat">
+      <a:schemeClr val="dk1">
+        <a:shade val="80000"/>
+      </a:schemeClr>
+    </dgm:linClrLst>
+    <dgm:effectClrLst/>
+    <dgm:txLinClrLst/>
+    <dgm:txFillClrLst meth="repeat">
+      <a:schemeClr val="dk1"/>
+    </dgm:txFillClrLst>
+    <dgm:txEffectClrLst/>
+  </dgm:styleLbl>
+  <dgm:styleLbl name="asst1">
+    <dgm:fillClrLst meth="repeat">
+      <a:schemeClr val="lt1"/>
+    </dgm:fillClrLst>
+    <dgm:linClrLst meth="repeat">
+      <a:schemeClr val="dk1">
+        <a:shade val="80000"/>
+      </a:schemeClr>
+    </dgm:linClrLst>
+    <dgm:effectClrLst/>
+    <dgm:txLinClrLst/>
+    <dgm:txFillClrLst meth="repeat">
+      <a:schemeClr val="dk1"/>
+    </dgm:txFillClrLst>
+    <dgm:txEffectClrLst/>
+  </dgm:styleLbl>
+  <dgm:styleLbl name="asst2">
+    <dgm:fillClrLst meth="repeat">
+      <a:schemeClr val="lt1"/>
+    </dgm:fillClrLst>
+    <dgm:linClrLst meth="repeat">
+      <a:schemeClr val="dk1">
+        <a:shade val="80000"/>
+      </a:schemeClr>
+    </dgm:linClrLst>
+    <dgm:effectClrLst/>
+    <dgm:txLinClrLst/>
+    <dgm:txFillClrLst meth="repeat">
+      <a:schemeClr val="dk1"/>
+    </dgm:txFillClrLst>
+    <dgm:txEffectClrLst/>
+  </dgm:styleLbl>
+  <dgm:styleLbl name="asst3">
+    <dgm:fillClrLst meth="repeat">
+      <a:schemeClr val="lt1"/>
+    </dgm:fillClrLst>
+    <dgm:linClrLst meth="repeat">
+      <a:schemeClr val="dk1">
+        <a:shade val="80000"/>
+      </a:schemeClr>
+    </dgm:linClrLst>
+    <dgm:effectClrLst/>
+    <dgm:txLinClrLst/>
+    <dgm:txFillClrLst meth="repeat">
+      <a:schemeClr val="dk1"/>
+    </dgm:txFillClrLst>
+    <dgm:txEffectClrLst/>
+  </dgm:styleLbl>
+  <dgm:styleLbl name="asst4">
+    <dgm:fillClrLst meth="repeat">
+      <a:schemeClr val="lt1"/>
+    </dgm:fillClrLst>
+    <dgm:linClrLst meth="repeat">
+      <a:schemeClr val="dk1">
+        <a:shade val="80000"/>
+      </a:schemeClr>
+    </dgm:linClrLst>
+    <dgm:effectClrLst/>
+    <dgm:txLinClrLst/>
+    <dgm:txFillClrLst meth="repeat">
+      <a:schemeClr val="dk1"/>
+    </dgm:txFillClrLst>
+    <dgm:txEffectClrLst/>
+  </dgm:styleLbl>
+  <dgm:styleLbl name="parChTrans2D1">
+    <dgm:fillClrLst meth="repeat">
+      <a:schemeClr val="dk1">
+        <a:tint val="60000"/>
+      </a:schemeClr>
+    </dgm:fillClrLst>
+    <dgm:linClrLst meth="repeat">
+      <a:schemeClr val="dk1">
+        <a:tint val="60000"/>
+      </a:schemeClr>
+    </dgm:linClrLst>
+    <dgm:effectClrLst/>
+    <dgm:txLinClrLst/>
+    <dgm:txFillClrLst/>
+    <dgm:txEffectClrLst/>
+  </dgm:styleLbl>
+  <dgm:styleLbl name="parChTrans2D2">
+    <dgm:fillClrLst meth="repeat">
+      <a:schemeClr val="dk1"/>
+    </dgm:fillClrLst>
+    <dgm:linClrLst meth="repeat">
+      <a:schemeClr val="dk1"/>
+    </dgm:linClrLst>
+    <dgm:effectClrLst/>
+    <dgm:txLinClrLst/>
+    <dgm:txFillClrLst/>
+    <dgm:txEffectClrLst/>
+  </dgm:styleLbl>
+  <dgm:styleLbl name="parChTrans2D3">
+    <dgm:fillClrLst meth="repeat">
+      <a:schemeClr val="dk1"/>
+    </dgm:fillClrLst>
+    <dgm:linClrLst meth="repeat">
+      <a:schemeClr val="dk1"/>
+    </dgm:linClrLst>
+    <dgm:effectClrLst/>
+    <dgm:txLinClrLst/>
+    <dgm:txFillClrLst/>
+    <dgm:txEffectClrLst/>
+  </dgm:styleLbl>
+  <dgm:styleLbl name="parChTrans2D4">
+    <dgm:fillClrLst meth="repeat">
+      <a:schemeClr val="dk1"/>
+    </dgm:fillClrLst>
+    <dgm:linClrLst meth="repeat">
+      <a:schemeClr val="dk1"/>
+    </dgm:linClrLst>
+    <dgm:effectClrLst/>
+    <dgm:txLinClrLst/>
+    <dgm:txFillClrLst meth="repeat">
+      <a:schemeClr val="lt1"/>
+    </dgm:txFillClrLst>
+    <dgm:txEffectClrLst/>
+  </dgm:styleLbl>
+  <dgm:styleLbl name="parChTrans1D1">
+    <dgm:fillClrLst meth="repeat">
+      <a:schemeClr val="dk1"/>
+    </dgm:fillClrLst>
+    <dgm:linClrLst meth="repeat">
+      <a:schemeClr val="dk1">
+        <a:shade val="60000"/>
+      </a:schemeClr>
+    </dgm:linClrLst>
+    <dgm:effectClrLst/>
+    <dgm:txLinClrLst/>
+    <dgm:txFillClrLst meth="repeat">
+      <a:schemeClr val="tx1"/>
+    </dgm:txFillClrLst>
+    <dgm:txEffectClrLst/>
+  </dgm:styleLbl>
+  <dgm:styleLbl name="parChTrans1D2">
+    <dgm:fillClrLst meth="repeat">
+      <a:schemeClr val="dk1"/>
+    </dgm:fillClrLst>
+    <dgm:linClrLst meth="repeat">
+      <a:schemeClr val="dk1">
+        <a:shade val="60000"/>
+      </a:schemeClr>
+    </dgm:linClrLst>
+    <dgm:effectClrLst/>
+    <dgm:txLinClrLst/>
+    <dgm:txFillClrLst meth="repeat">
+      <a:schemeClr val="tx1"/>
+    </dgm:txFillClrLst>
+    <dgm:txEffectClrLst/>
+  </dgm:styleLbl>
+  <dgm:styleLbl name="parChTrans1D3">
+    <dgm:fillClrLst meth="repeat">
+      <a:schemeClr val="dk1"/>
+    </dgm:fillClrLst>
+    <dgm:linClrLst meth="repeat">
+      <a:schemeClr val="dk1">
+        <a:shade val="80000"/>
+      </a:schemeClr>
+    </dgm:linClrLst>
+    <dgm:effectClrLst/>
+    <dgm:txLinClrLst/>
+    <dgm:txFillClrLst meth="repeat">
+      <a:schemeClr val="tx1"/>
+    </dgm:txFillClrLst>
+    <dgm:txEffectClrLst/>
+  </dgm:styleLbl>
+  <dgm:styleLbl name="parChTrans1D4">
+    <dgm:fillClrLst meth="repeat">
+      <a:schemeClr val="dk1"/>
+    </dgm:fillClrLst>
+    <dgm:linClrLst meth="repeat">
+      <a:schemeClr val="dk1">
+        <a:shade val="80000"/>
+      </a:schemeClr>
+    </dgm:linClrLst>
+    <dgm:effectClrLst/>
+    <dgm:txLinClrLst/>
+    <dgm:txFillClrLst meth="repeat">
+      <a:schemeClr val="tx1"/>
+    </dgm:txFillClrLst>
+    <dgm:txEffectClrLst/>
+  </dgm:styleLbl>
+  <dgm:styleLbl name="fgAcc1">
+    <dgm:fillClrLst meth="repeat">
+      <a:schemeClr val="dk1">
+        <a:alpha val="90000"/>
+        <a:tint val="40000"/>
+      </a:schemeClr>
+    </dgm:fillClrLst>
+    <dgm:linClrLst meth="repeat">
+      <a:schemeClr val="dk1"/>
+    </dgm:linClrLst>
+    <dgm:effectClrLst/>
+    <dgm:txLinClrLst/>
+    <dgm:txFillClrLst meth="repeat">
+      <a:schemeClr val="dk1"/>
+    </dgm:txFillClrLst>
+    <dgm:txEffectClrLst/>
+  </dgm:styleLbl>
+  <dgm:styleLbl name="conFgAcc1">
+    <dgm:fillClrLst meth="repeat">
+      <a:schemeClr val="dk1">
+        <a:alpha val="90000"/>
+        <a:tint val="40000"/>
+      </a:schemeClr>
+    </dgm:fillClrLst>
+    <dgm:linClrLst meth="repeat">
+      <a:schemeClr val="dk1"/>
+    </dgm:linClrLst>
+    <dgm:effectClrLst/>
+    <dgm:txLinClrLst/>
+    <dgm:txFillClrLst meth="repeat">
+      <a:schemeClr val="dk1"/>
+    </dgm:txFillClrLst>
+    <dgm:txEffectClrLst/>
+  </dgm:styleLbl>
+  <dgm:styleLbl name="alignAcc1">
+    <dgm:fillClrLst meth="repeat">
+      <a:schemeClr val="dk1">
+        <a:alpha val="90000"/>
+        <a:tint val="40000"/>
+      </a:schemeClr>
+    </dgm:fillClrLst>
+    <dgm:linClrLst meth="repeat">
+      <a:schemeClr val="dk1"/>
+    </dgm:linClrLst>
+    <dgm:effectClrLst/>
+    <dgm:txLinClrLst/>
+    <dgm:txFillClrLst meth="repeat">
+      <a:schemeClr val="dk1"/>
+    </dgm:txFillClrLst>
+    <dgm:txEffectClrLst/>
+  </dgm:styleLbl>
+  <dgm:styleLbl name="trAlignAcc1">
+    <dgm:fillClrLst meth="repeat">
+      <a:schemeClr val="dk1">
+        <a:alpha val="40000"/>
+        <a:tint val="40000"/>
+      </a:schemeClr>
+    </dgm:fillClrLst>
+    <dgm:linClrLst meth="repeat">
+      <a:schemeClr val="dk1"/>
+    </dgm:linClrLst>
+    <dgm:effectClrLst/>
+    <dgm:txLinClrLst/>
+    <dgm:txFillClrLst meth="repeat">
+      <a:schemeClr val="dk1"/>
+    </dgm:txFillClrLst>
+    <dgm:txEffectClrLst/>
+  </dgm:styleLbl>
+  <dgm:styleLbl name="bgAcc1">
+    <dgm:fillClrLst meth="repeat">
+      <a:schemeClr val="dk1">
+        <a:alpha val="90000"/>
+        <a:tint val="40000"/>
+      </a:schemeClr>
+    </dgm:fillClrLst>
+    <dgm:linClrLst meth="repeat">
+      <a:schemeClr val="dk1"/>
+    </dgm:linClrLst>
+    <dgm:effectClrLst/>
+    <dgm:txLinClrLst/>
+    <dgm:txFillClrLst meth="repeat">
+      <a:schemeClr val="dk1"/>
+    </dgm:txFillClrLst>
+    <dgm:txEffectClrLst/>
+  </dgm:styleLbl>
+  <dgm:styleLbl name="solidFgAcc1">
+    <dgm:fillClrLst meth="repeat">
+      <a:schemeClr val="lt1"/>
+    </dgm:fillClrLst>
+    <dgm:linClrLst meth="repeat">
+      <a:schemeClr val="dk1"/>
+    </dgm:linClrLst>
+    <dgm:effectClrLst/>
+    <dgm:txLinClrLst/>
+    <dgm:txFillClrLst meth="repeat">
+      <a:schemeClr val="dk1"/>
+    </dgm:txFillClrLst>
+    <dgm:txEffectClrLst/>
+  </dgm:styleLbl>
+  <dgm:styleLbl name="solidAlignAcc1">
+    <dgm:fillClrLst meth="repeat">
+      <a:schemeClr val="lt1"/>
+    </dgm:fillClrLst>
+    <dgm:linClrLst meth="repeat">
+      <a:schemeClr val="dk1"/>
+    </dgm:linClrLst>
+    <dgm:effectClrLst/>
+    <dgm:txLinClrLst/>
+    <dgm:txFillClrLst meth="repeat">
+      <a:schemeClr val="dk1"/>
+    </dgm:txFillClrLst>
+    <dgm:txEffectClrLst/>
+  </dgm:styleLbl>
+  <dgm:styleLbl name="solidBgAcc1">
+    <dgm:fillClrLst meth="repeat">
+      <a:schemeClr val="lt1"/>
+    </dgm:fillClrLst>
+    <dgm:linClrLst meth="repeat">
+      <a:schemeClr val="dk1"/>
+    </dgm:linClrLst>
+    <dgm:effectClrLst/>
+    <dgm:txLinClrLst/>
+    <dgm:txFillClrLst meth="repeat">
+      <a:schemeClr val="dk1"/>
+    </dgm:txFillClrLst>
+    <dgm:txEffectClrLst/>
+  </dgm:styleLbl>
+  <dgm:styleLbl name="fgAccFollowNode1">
+    <dgm:fillClrLst meth="repeat">
+      <a:schemeClr val="lt1">
+        <a:alpha val="90000"/>
+        <a:tint val="40000"/>
+      </a:schemeClr>
+    </dgm:fillClrLst>
+    <dgm:linClrLst meth="repeat">
+      <a:schemeClr val="dk1">
+        <a:alpha val="90000"/>
+      </a:schemeClr>
+    </dgm:linClrLst>
+    <dgm:effectClrLst/>
+    <dgm:txLinClrLst/>
+    <dgm:txFillClrLst meth="repeat">
+      <a:schemeClr val="dk1"/>
+    </dgm:txFillClrLst>
+    <dgm:txEffectClrLst/>
+  </dgm:styleLbl>
+  <dgm:styleLbl name="alignAccFollowNode1">
+    <dgm:fillClrLst meth="repeat">
+      <a:schemeClr val="lt1">
+        <a:alpha val="90000"/>
+        <a:tint val="40000"/>
+      </a:schemeClr>
+    </dgm:fillClrLst>
+    <dgm:linClrLst meth="repeat">
+      <a:schemeClr val="dk1">
+        <a:alpha val="90000"/>
+      </a:schemeClr>
+    </dgm:linClrLst>
+    <dgm:effectClrLst/>
+    <dgm:txLinClrLst/>
+    <dgm:txFillClrLst meth="repeat">
+      <a:schemeClr val="dk1"/>
+    </dgm:txFillClrLst>
+    <dgm:txEffectClrLst/>
+  </dgm:styleLbl>
+  <dgm:styleLbl name="bgAccFollowNode1">
+    <dgm:fillClrLst meth="repeat">
+      <a:schemeClr val="lt1">
+        <a:alpha val="90000"/>
+        <a:tint val="40000"/>
+      </a:schemeClr>
+    </dgm:fillClrLst>
+    <dgm:linClrLst meth="repeat">
+      <a:schemeClr val="dk1">
+        <a:alpha val="90000"/>
+      </a:schemeClr>
+    </dgm:linClrLst>
+    <dgm:effectClrLst/>
+    <dgm:txLinClrLst/>
+    <dgm:txFillClrLst meth="repeat">
+      <a:schemeClr val="dk1"/>
+    </dgm:txFillClrLst>
+    <dgm:txEffectClrLst/>
+  </dgm:styleLbl>
+  <dgm:styleLbl name="fgAcc0">
+    <dgm:fillClrLst meth="repeat">
+      <a:schemeClr val="dk1">
+        <a:alpha val="90000"/>
+        <a:tint val="40000"/>
+      </a:schemeClr>
+    </dgm:fillClrLst>
+    <dgm:linClrLst meth="repeat">
+      <a:schemeClr val="dk1"/>
+    </dgm:linClrLst>
+    <dgm:effectClrLst/>
+    <dgm:txLinClrLst/>
+    <dgm:txFillClrLst meth="repeat">
+      <a:schemeClr val="dk1"/>
+    </dgm:txFillClrLst>
+    <dgm:txEffectClrLst/>
+  </dgm:styleLbl>
+  <dgm:styleLbl name="fgAcc2">
+    <dgm:fillClrLst meth="repeat">
+      <a:schemeClr val="dk1">
+        <a:alpha val="90000"/>
+        <a:tint val="40000"/>
+      </a:schemeClr>
+    </dgm:fillClrLst>
+    <dgm:linClrLst meth="repeat">
+      <a:schemeClr val="dk1"/>
+    </dgm:linClrLst>
+    <dgm:effectClrLst/>
+    <dgm:txLinClrLst/>
+    <dgm:txFillClrLst meth="repeat">
+      <a:schemeClr val="dk1"/>
+    </dgm:txFillClrLst>
+    <dgm:txEffectClrLst/>
+  </dgm:styleLbl>
+  <dgm:styleLbl name="fgAcc3">
+    <dgm:fillClrLst meth="repeat">
+      <a:schemeClr val="dk1">
+        <a:alpha val="90000"/>
+        <a:tint val="40000"/>
+      </a:schemeClr>
+    </dgm:fillClrLst>
+    <dgm:linClrLst meth="repeat">
+      <a:schemeClr val="dk1"/>
+    </dgm:linClrLst>
+    <dgm:effectClrLst/>
+    <dgm:txLinClrLst/>
+    <dgm:txFillClrLst meth="repeat">
+      <a:schemeClr val="dk1"/>
+    </dgm:txFillClrLst>
+    <dgm:txEffectClrLst/>
+  </dgm:styleLbl>
+  <dgm:styleLbl name="fgAcc4">
+    <dgm:fillClrLst meth="repeat">
+      <a:schemeClr val="dk1">
+        <a:alpha val="90000"/>
+        <a:tint val="40000"/>
+      </a:schemeClr>
+    </dgm:fillClrLst>
+    <dgm:linClrLst meth="repeat">
+      <a:schemeClr val="dk1"/>
+    </dgm:linClrLst>
+    <dgm:effectClrLst/>
+    <dgm:txLinClrLst/>
+    <dgm:txFillClrLst meth="repeat">
+      <a:schemeClr val="dk1"/>
+    </dgm:txFillClrLst>
+    <dgm:txEffectClrLst/>
+  </dgm:styleLbl>
+  <dgm:styleLbl name="bgShp">
+    <dgm:fillClrLst meth="repeat">
+      <a:schemeClr val="dk1">
+        <a:tint val="40000"/>
+      </a:schemeClr>
+    </dgm:fillClrLst>
+    <dgm:linClrLst meth="repeat">
+      <a:schemeClr val="dk1"/>
+    </dgm:linClrLst>
+    <dgm:effectClrLst/>
+    <dgm:txLinClrLst/>
+    <dgm:txFillClrLst meth="repeat">
+      <a:schemeClr val="dk1"/>
+    </dgm:txFillClrLst>
+    <dgm:txEffectClrLst/>
+  </dgm:styleLbl>
+  <dgm:styleLbl name="dkBgShp">
+    <dgm:fillClrLst meth="repeat">
+      <a:schemeClr val="dk1">
+        <a:shade val="80000"/>
+      </a:schemeClr>
+    </dgm:fillClrLst>
+    <dgm:linClrLst meth="repeat">
+      <a:schemeClr val="dk1"/>
+    </dgm:linClrLst>
+    <dgm:effectClrLst/>
+    <dgm:txLinClrLst/>
+    <dgm:txFillClrLst meth="repeat">
+      <a:schemeClr val="lt1"/>
+    </dgm:txFillClrLst>
+    <dgm:txEffectClrLst/>
+  </dgm:styleLbl>
+  <dgm:styleLbl name="trBgShp">
+    <dgm:fillClrLst meth="repeat">
+      <a:schemeClr val="dk1">
+        <a:tint val="50000"/>
+        <a:alpha val="40000"/>
+      </a:schemeClr>
+    </dgm:fillClrLst>
+    <dgm:linClrLst meth="repeat">
+      <a:schemeClr val="dk1"/>
+    </dgm:linClrLst>
+    <dgm:effectClrLst/>
+    <dgm:txLinClrLst/>
+    <dgm:txFillClrLst meth="repeat">
+      <a:schemeClr val="lt1"/>
+    </dgm:txFillClrLst>
+    <dgm:txEffectClrLst/>
+  </dgm:styleLbl>
+  <dgm:styleLbl name="fgShp">
+    <dgm:fillClrLst meth="repeat">
+      <a:schemeClr val="dk1">
+        <a:tint val="60000"/>
+      </a:schemeClr>
+    </dgm:fillClrLst>
+    <dgm:linClrLst meth="repeat">
+      <a:schemeClr val="lt1"/>
+    </dgm:linClrLst>
+    <dgm:effectClrLst/>
+    <dgm:txLinClrLst/>
+    <dgm:txFillClrLst meth="repeat">
+      <a:schemeClr val="dk1"/>
+    </dgm:txFillClrLst>
+    <dgm:txEffectClrLst/>
+  </dgm:styleLbl>
+  <dgm:styleLbl name="revTx">
+    <dgm:fillClrLst meth="repeat">
+      <a:schemeClr val="lt1">
+        <a:alpha val="0"/>
+      </a:schemeClr>
+    </dgm:fillClrLst>
+    <dgm:linClrLst meth="repeat">
+      <a:schemeClr val="dk1">
+        <a:alpha val="0"/>
+      </a:schemeClr>
+    </dgm:linClrLst>
+    <dgm:effectClrLst/>
+    <dgm:txLinClrLst/>
+    <dgm:txFillClrLst meth="repeat">
+      <a:schemeClr val="tx1"/>
+    </dgm:txFillClrLst>
+    <dgm:txEffectClrLst/>
+  </dgm:styleLbl>
+</dgm:colorsDef>
+</file>
+
+<file path=ppt/diagrams/data1.xml><?xml version="1.0" encoding="utf-8"?>
+<dgm:dataModel xmlns:dgm="http://schemas.openxmlformats.org/drawingml/2006/diagram" xmlns:a="http://schemas.openxmlformats.org/drawingml/2006/main">
+  <dgm:ptLst>
+    <dgm:pt modelId="{814D9219-B480-4108-A671-4E94489B26F8}" type="doc">
+      <dgm:prSet loTypeId="urn:microsoft.com/office/officeart/2005/8/layout/chevron1" loCatId="process" qsTypeId="urn:microsoft.com/office/officeart/2005/8/quickstyle/simple1" qsCatId="simple" csTypeId="urn:microsoft.com/office/officeart/2005/8/colors/accent0_1" csCatId="mainScheme" phldr="1"/>
+      <dgm:spPr/>
+    </dgm:pt>
+    <dgm:pt modelId="{8D3489DE-B65F-4E47-A396-7EB84473545D}">
+      <dgm:prSet phldrT="[Text]" phldr="0"/>
+      <dgm:spPr/>
+      <dgm:t>
+        <a:bodyPr/>
+        <a:lstStyle/>
+        <a:p>
+          <a:r>
+            <a:rPr lang="en-US" dirty="0">
+              <a:latin typeface="Arial"/>
+            </a:rPr>
+            <a:t>HDL</a:t>
+          </a:r>
+          <a:endParaRPr lang="en-US" dirty="0"/>
+        </a:p>
+      </dgm:t>
+    </dgm:pt>
+    <dgm:pt modelId="{8BFD4492-00C8-44E5-97B5-30C19538609F}" type="parTrans" cxnId="{DF0E62F7-45CD-4711-9CC8-DD454E03F139}">
+      <dgm:prSet/>
+      <dgm:spPr/>
+      <dgm:t>
+        <a:bodyPr/>
+        <a:lstStyle/>
+        <a:p>
+          <a:endParaRPr lang="en-US"/>
+        </a:p>
+      </dgm:t>
+    </dgm:pt>
+    <dgm:pt modelId="{20E08DB6-A08B-4D1F-8FD9-36AEC1CA8C49}" type="sibTrans" cxnId="{DF0E62F7-45CD-4711-9CC8-DD454E03F139}">
+      <dgm:prSet/>
+      <dgm:spPr/>
+      <dgm:t>
+        <a:bodyPr/>
+        <a:lstStyle/>
+        <a:p>
+          <a:endParaRPr lang="en-US"/>
+        </a:p>
+      </dgm:t>
+    </dgm:pt>
+    <dgm:pt modelId="{5937BA0F-9861-4863-995E-610D8E41DC93}">
+      <dgm:prSet phldrT="[Text]" phldr="0"/>
+      <dgm:spPr/>
+      <dgm:t>
+        <a:bodyPr/>
+        <a:lstStyle/>
+        <a:p>
+          <a:r>
+            <a:rPr lang="en-US" dirty="0">
+              <a:latin typeface="Arial"/>
+            </a:rPr>
+            <a:t>Synthesis</a:t>
+          </a:r>
+          <a:endParaRPr lang="en-US" dirty="0"/>
+        </a:p>
+      </dgm:t>
+    </dgm:pt>
+    <dgm:pt modelId="{46C498AF-DA9F-4185-BC0D-7B686DAFD6B4}" type="parTrans" cxnId="{4D8F4A20-59F7-497D-8581-015BA79BEA6A}">
+      <dgm:prSet/>
+      <dgm:spPr/>
+      <dgm:t>
+        <a:bodyPr/>
+        <a:lstStyle/>
+        <a:p>
+          <a:endParaRPr lang="en-US"/>
+        </a:p>
+      </dgm:t>
+    </dgm:pt>
+    <dgm:pt modelId="{E7036EB7-4B39-42D8-AF35-626CB20670B8}" type="sibTrans" cxnId="{4D8F4A20-59F7-497D-8581-015BA79BEA6A}">
+      <dgm:prSet/>
+      <dgm:spPr/>
+      <dgm:t>
+        <a:bodyPr/>
+        <a:lstStyle/>
+        <a:p>
+          <a:endParaRPr lang="en-US"/>
+        </a:p>
+      </dgm:t>
+    </dgm:pt>
+    <dgm:pt modelId="{31BA1C23-965F-4A08-866C-60F465527D31}">
+      <dgm:prSet phldrT="[Text]" phldr="0"/>
+      <dgm:spPr/>
+      <dgm:t>
+        <a:bodyPr/>
+        <a:lstStyle/>
+        <a:p>
+          <a:pPr rtl="0"/>
+          <a:r>
+            <a:rPr lang="en-US" dirty="0">
+              <a:latin typeface="Arial"/>
+            </a:rPr>
+            <a:t> Netlist</a:t>
+          </a:r>
+          <a:endParaRPr lang="en-US" dirty="0"/>
+        </a:p>
+      </dgm:t>
+    </dgm:pt>
+    <dgm:pt modelId="{F7B04D4A-736F-450B-8CCC-72E064F16098}" type="parTrans" cxnId="{F5B46B06-3DA2-46D8-AB9D-9F4655C0212C}">
+      <dgm:prSet/>
+      <dgm:spPr/>
+      <dgm:t>
+        <a:bodyPr/>
+        <a:lstStyle/>
+        <a:p>
+          <a:endParaRPr lang="en-US"/>
+        </a:p>
+      </dgm:t>
+    </dgm:pt>
+    <dgm:pt modelId="{31340B1F-2108-4780-BE4F-75F46081EC54}" type="sibTrans" cxnId="{F5B46B06-3DA2-46D8-AB9D-9F4655C0212C}">
+      <dgm:prSet/>
+      <dgm:spPr/>
+      <dgm:t>
+        <a:bodyPr/>
+        <a:lstStyle/>
+        <a:p>
+          <a:endParaRPr lang="en-US"/>
+        </a:p>
+      </dgm:t>
+    </dgm:pt>
+    <dgm:pt modelId="{33341C1B-01FA-4A4F-8079-907A98550C61}">
+      <dgm:prSet phldr="0"/>
+      <dgm:spPr/>
+      <dgm:t>
+        <a:bodyPr/>
+        <a:lstStyle/>
+        <a:p>
+          <a:pPr rtl="0"/>
+          <a:r>
+            <a:rPr lang="en-US" dirty="0">
+              <a:latin typeface="Arial"/>
+            </a:rPr>
+            <a:t>Transformed Netlist</a:t>
+          </a:r>
+          <a:endParaRPr lang="en-US" dirty="0"/>
+        </a:p>
+      </dgm:t>
+    </dgm:pt>
+    <dgm:pt modelId="{B6256648-67E5-4504-A5C3-F512B83873D3}" type="parTrans" cxnId="{65B4C19A-3DEE-4F65-9A2A-DE558273E758}">
+      <dgm:prSet/>
+      <dgm:spPr/>
+      <dgm:t>
+        <a:bodyPr/>
+        <a:lstStyle/>
+        <a:p>
+          <a:endParaRPr lang="en-US"/>
+        </a:p>
+      </dgm:t>
+    </dgm:pt>
+    <dgm:pt modelId="{25A7162E-52D5-403A-B35F-32DFA78099C0}" type="sibTrans" cxnId="{65B4C19A-3DEE-4F65-9A2A-DE558273E758}">
+      <dgm:prSet/>
+      <dgm:spPr/>
+      <dgm:t>
+        <a:bodyPr/>
+        <a:lstStyle/>
+        <a:p>
+          <a:endParaRPr lang="en-US"/>
+        </a:p>
+      </dgm:t>
+    </dgm:pt>
+    <dgm:pt modelId="{57C84856-79E7-4BC8-BBA9-6444F5EB7A28}">
+      <dgm:prSet phldr="0"/>
+      <dgm:spPr/>
+      <dgm:t>
+        <a:bodyPr/>
+        <a:lstStyle/>
+        <a:p>
+          <a:pPr rtl="0"/>
+          <a:r>
+            <a:rPr lang="en-US" dirty="0">
+              <a:latin typeface="Arial"/>
+            </a:rPr>
+            <a:t>SpyDrNet</a:t>
+          </a:r>
+        </a:p>
+      </dgm:t>
+    </dgm:pt>
+    <dgm:pt modelId="{C7FD1690-AC56-41A5-B5D8-614E3B13BF41}" type="parTrans" cxnId="{0958E94E-2B20-46FF-B341-76FF35A85ECC}">
+      <dgm:prSet/>
+      <dgm:spPr/>
+      <dgm:t>
+        <a:bodyPr/>
+        <a:lstStyle/>
+        <a:p>
+          <a:endParaRPr lang="en-US"/>
+        </a:p>
+      </dgm:t>
+    </dgm:pt>
+    <dgm:pt modelId="{B34530A6-2982-4844-9926-6EDBB6A9984F}" type="sibTrans" cxnId="{0958E94E-2B20-46FF-B341-76FF35A85ECC}">
+      <dgm:prSet/>
+      <dgm:spPr/>
+      <dgm:t>
+        <a:bodyPr/>
+        <a:lstStyle/>
+        <a:p>
+          <a:endParaRPr lang="en-US"/>
+        </a:p>
+      </dgm:t>
+    </dgm:pt>
+    <dgm:pt modelId="{47B719C7-DC03-4FB8-A2C3-8C7AE9278697}">
+      <dgm:prSet phldr="0"/>
+      <dgm:spPr/>
+      <dgm:t>
+        <a:bodyPr/>
+        <a:lstStyle/>
+        <a:p>
+          <a:pPr rtl="0"/>
+          <a:r>
+            <a:rPr lang="en-US" dirty="0">
+              <a:latin typeface="Arial"/>
+            </a:rPr>
+            <a:t>Generate Hardware Files</a:t>
+          </a:r>
+        </a:p>
+      </dgm:t>
+    </dgm:pt>
+    <dgm:pt modelId="{96D746BA-6B61-4D6C-8699-D2EF89C6244E}" type="parTrans" cxnId="{3B81CFD4-DD8E-4A98-BF5E-B17A95F8EB46}">
+      <dgm:prSet/>
+      <dgm:spPr/>
+      <dgm:t>
+        <a:bodyPr/>
+        <a:lstStyle/>
+        <a:p>
+          <a:endParaRPr lang="en-US"/>
+        </a:p>
+      </dgm:t>
+    </dgm:pt>
+    <dgm:pt modelId="{7A0270CA-4176-4D19-A25A-271D33DDE0CD}" type="sibTrans" cxnId="{3B81CFD4-DD8E-4A98-BF5E-B17A95F8EB46}">
+      <dgm:prSet/>
+      <dgm:spPr/>
+      <dgm:t>
+        <a:bodyPr/>
+        <a:lstStyle/>
+        <a:p>
+          <a:endParaRPr lang="en-US"/>
+        </a:p>
+      </dgm:t>
+    </dgm:pt>
+    <dgm:pt modelId="{611A4C62-4178-47A9-A27C-4D1ADB78F2CC}" type="pres">
+      <dgm:prSet presAssocID="{814D9219-B480-4108-A671-4E94489B26F8}" presName="Name0" presStyleCnt="0">
+        <dgm:presLayoutVars>
+          <dgm:dir/>
+          <dgm:animLvl val="lvl"/>
+          <dgm:resizeHandles val="exact"/>
+        </dgm:presLayoutVars>
+      </dgm:prSet>
+      <dgm:spPr/>
+    </dgm:pt>
+    <dgm:pt modelId="{A9418CE6-F44B-4BA0-9A4A-C9AF6528DA20}" type="pres">
+      <dgm:prSet presAssocID="{8D3489DE-B65F-4E47-A396-7EB84473545D}" presName="parTxOnly" presStyleLbl="node1" presStyleIdx="0" presStyleCnt="6">
+        <dgm:presLayoutVars>
+          <dgm:chMax val="0"/>
+          <dgm:chPref val="0"/>
+          <dgm:bulletEnabled val="1"/>
+        </dgm:presLayoutVars>
+      </dgm:prSet>
+      <dgm:spPr/>
+    </dgm:pt>
+    <dgm:pt modelId="{FAE16C1F-420C-4171-80C5-F2D6AEADD5B3}" type="pres">
+      <dgm:prSet presAssocID="{20E08DB6-A08B-4D1F-8FD9-36AEC1CA8C49}" presName="parTxOnlySpace" presStyleCnt="0"/>
+      <dgm:spPr/>
+    </dgm:pt>
+    <dgm:pt modelId="{4573F355-D35F-44AB-B5C2-B6CB6698A71D}" type="pres">
+      <dgm:prSet presAssocID="{5937BA0F-9861-4863-995E-610D8E41DC93}" presName="parTxOnly" presStyleLbl="node1" presStyleIdx="1" presStyleCnt="6">
+        <dgm:presLayoutVars>
+          <dgm:chMax val="0"/>
+          <dgm:chPref val="0"/>
+          <dgm:bulletEnabled val="1"/>
+        </dgm:presLayoutVars>
+      </dgm:prSet>
+      <dgm:spPr/>
+    </dgm:pt>
+    <dgm:pt modelId="{7102C90E-B512-4CE3-B447-F067096CE2A5}" type="pres">
+      <dgm:prSet presAssocID="{E7036EB7-4B39-42D8-AF35-626CB20670B8}" presName="parTxOnlySpace" presStyleCnt="0"/>
+      <dgm:spPr/>
+    </dgm:pt>
+    <dgm:pt modelId="{4F971579-C15E-4BB1-A7A7-97DA9A116006}" type="pres">
+      <dgm:prSet presAssocID="{31BA1C23-965F-4A08-866C-60F465527D31}" presName="parTxOnly" presStyleLbl="node1" presStyleIdx="2" presStyleCnt="6">
+        <dgm:presLayoutVars>
+          <dgm:chMax val="0"/>
+          <dgm:chPref val="0"/>
+          <dgm:bulletEnabled val="1"/>
+        </dgm:presLayoutVars>
+      </dgm:prSet>
+      <dgm:spPr/>
+    </dgm:pt>
+    <dgm:pt modelId="{13CF2BCB-7C8E-4434-857E-96C8EF1AC7FF}" type="pres">
+      <dgm:prSet presAssocID="{31340B1F-2108-4780-BE4F-75F46081EC54}" presName="parTxOnlySpace" presStyleCnt="0"/>
+      <dgm:spPr/>
+    </dgm:pt>
+    <dgm:pt modelId="{22F3282C-6FF2-4801-A274-02FF02B8327D}" type="pres">
+      <dgm:prSet presAssocID="{57C84856-79E7-4BC8-BBA9-6444F5EB7A28}" presName="parTxOnly" presStyleLbl="node1" presStyleIdx="3" presStyleCnt="6">
+        <dgm:presLayoutVars>
+          <dgm:chMax val="0"/>
+          <dgm:chPref val="0"/>
+          <dgm:bulletEnabled val="1"/>
+        </dgm:presLayoutVars>
+      </dgm:prSet>
+      <dgm:spPr/>
+    </dgm:pt>
+    <dgm:pt modelId="{64CDAB66-AE82-4FC7-986E-4AF918EDFC1B}" type="pres">
+      <dgm:prSet presAssocID="{B34530A6-2982-4844-9926-6EDBB6A9984F}" presName="parTxOnlySpace" presStyleCnt="0"/>
+      <dgm:spPr/>
+    </dgm:pt>
+    <dgm:pt modelId="{EDFBC494-9FC8-4D56-81D4-C34EC4B766FC}" type="pres">
+      <dgm:prSet presAssocID="{33341C1B-01FA-4A4F-8079-907A98550C61}" presName="parTxOnly" presStyleLbl="node1" presStyleIdx="4" presStyleCnt="6">
+        <dgm:presLayoutVars>
+          <dgm:chMax val="0"/>
+          <dgm:chPref val="0"/>
+          <dgm:bulletEnabled val="1"/>
+        </dgm:presLayoutVars>
+      </dgm:prSet>
+      <dgm:spPr/>
+    </dgm:pt>
+    <dgm:pt modelId="{06322151-0593-4398-96B8-76B84DB472AC}" type="pres">
+      <dgm:prSet presAssocID="{25A7162E-52D5-403A-B35F-32DFA78099C0}" presName="parTxOnlySpace" presStyleCnt="0"/>
+      <dgm:spPr/>
+    </dgm:pt>
+    <dgm:pt modelId="{3E22DBB6-69B6-4FD9-B01F-C4219EF1B864}" type="pres">
+      <dgm:prSet presAssocID="{47B719C7-DC03-4FB8-A2C3-8C7AE9278697}" presName="parTxOnly" presStyleLbl="node1" presStyleIdx="5" presStyleCnt="6">
+        <dgm:presLayoutVars>
+          <dgm:chMax val="0"/>
+          <dgm:chPref val="0"/>
+          <dgm:bulletEnabled val="1"/>
+        </dgm:presLayoutVars>
+      </dgm:prSet>
+      <dgm:spPr/>
+    </dgm:pt>
+  </dgm:ptLst>
+  <dgm:cxnLst>
+    <dgm:cxn modelId="{F5B46B06-3DA2-46D8-AB9D-9F4655C0212C}" srcId="{814D9219-B480-4108-A671-4E94489B26F8}" destId="{31BA1C23-965F-4A08-866C-60F465527D31}" srcOrd="2" destOrd="0" parTransId="{F7B04D4A-736F-450B-8CCC-72E064F16098}" sibTransId="{31340B1F-2108-4780-BE4F-75F46081EC54}"/>
+    <dgm:cxn modelId="{AF7E9D15-8C43-4764-88F9-B259B00A8A5B}" type="presOf" srcId="{8D3489DE-B65F-4E47-A396-7EB84473545D}" destId="{A9418CE6-F44B-4BA0-9A4A-C9AF6528DA20}" srcOrd="0" destOrd="0" presId="urn:microsoft.com/office/officeart/2005/8/layout/chevron1"/>
+    <dgm:cxn modelId="{4D8F4A20-59F7-497D-8581-015BA79BEA6A}" srcId="{814D9219-B480-4108-A671-4E94489B26F8}" destId="{5937BA0F-9861-4863-995E-610D8E41DC93}" srcOrd="1" destOrd="0" parTransId="{46C498AF-DA9F-4185-BC0D-7B686DAFD6B4}" sibTransId="{E7036EB7-4B39-42D8-AF35-626CB20670B8}"/>
+    <dgm:cxn modelId="{0958E94E-2B20-46FF-B341-76FF35A85ECC}" srcId="{814D9219-B480-4108-A671-4E94489B26F8}" destId="{57C84856-79E7-4BC8-BBA9-6444F5EB7A28}" srcOrd="3" destOrd="0" parTransId="{C7FD1690-AC56-41A5-B5D8-614E3B13BF41}" sibTransId="{B34530A6-2982-4844-9926-6EDBB6A9984F}"/>
+    <dgm:cxn modelId="{328DE783-0DA8-4883-AF42-297C0F0073AB}" type="presOf" srcId="{814D9219-B480-4108-A671-4E94489B26F8}" destId="{611A4C62-4178-47A9-A27C-4D1ADB78F2CC}" srcOrd="0" destOrd="0" presId="urn:microsoft.com/office/officeart/2005/8/layout/chevron1"/>
+    <dgm:cxn modelId="{65B4C19A-3DEE-4F65-9A2A-DE558273E758}" srcId="{814D9219-B480-4108-A671-4E94489B26F8}" destId="{33341C1B-01FA-4A4F-8079-907A98550C61}" srcOrd="4" destOrd="0" parTransId="{B6256648-67E5-4504-A5C3-F512B83873D3}" sibTransId="{25A7162E-52D5-403A-B35F-32DFA78099C0}"/>
+    <dgm:cxn modelId="{58E6D8B9-AB49-45B3-A769-22EF6CE5B390}" type="presOf" srcId="{47B719C7-DC03-4FB8-A2C3-8C7AE9278697}" destId="{3E22DBB6-69B6-4FD9-B01F-C4219EF1B864}" srcOrd="0" destOrd="0" presId="urn:microsoft.com/office/officeart/2005/8/layout/chevron1"/>
+    <dgm:cxn modelId="{02C08CCA-D3AD-4DD7-9F95-F906DFE65B94}" type="presOf" srcId="{31BA1C23-965F-4A08-866C-60F465527D31}" destId="{4F971579-C15E-4BB1-A7A7-97DA9A116006}" srcOrd="0" destOrd="0" presId="urn:microsoft.com/office/officeart/2005/8/layout/chevron1"/>
+    <dgm:cxn modelId="{3B81CFD4-DD8E-4A98-BF5E-B17A95F8EB46}" srcId="{814D9219-B480-4108-A671-4E94489B26F8}" destId="{47B719C7-DC03-4FB8-A2C3-8C7AE9278697}" srcOrd="5" destOrd="0" parTransId="{96D746BA-6B61-4D6C-8699-D2EF89C6244E}" sibTransId="{7A0270CA-4176-4D19-A25A-271D33DDE0CD}"/>
+    <dgm:cxn modelId="{FB5736E1-B806-469C-B79C-2F5BEE085D94}" type="presOf" srcId="{5937BA0F-9861-4863-995E-610D8E41DC93}" destId="{4573F355-D35F-44AB-B5C2-B6CB6698A71D}" srcOrd="0" destOrd="0" presId="urn:microsoft.com/office/officeart/2005/8/layout/chevron1"/>
+    <dgm:cxn modelId="{441F25F0-C9EC-44D7-B9BB-C0CA48C1FD21}" type="presOf" srcId="{57C84856-79E7-4BC8-BBA9-6444F5EB7A28}" destId="{22F3282C-6FF2-4801-A274-02FF02B8327D}" srcOrd="0" destOrd="0" presId="urn:microsoft.com/office/officeart/2005/8/layout/chevron1"/>
+    <dgm:cxn modelId="{DF0E62F7-45CD-4711-9CC8-DD454E03F139}" srcId="{814D9219-B480-4108-A671-4E94489B26F8}" destId="{8D3489DE-B65F-4E47-A396-7EB84473545D}" srcOrd="0" destOrd="0" parTransId="{8BFD4492-00C8-44E5-97B5-30C19538609F}" sibTransId="{20E08DB6-A08B-4D1F-8FD9-36AEC1CA8C49}"/>
+    <dgm:cxn modelId="{75914FF8-B8F0-4400-8E8F-12B7B1965416}" type="presOf" srcId="{33341C1B-01FA-4A4F-8079-907A98550C61}" destId="{EDFBC494-9FC8-4D56-81D4-C34EC4B766FC}" srcOrd="0" destOrd="0" presId="urn:microsoft.com/office/officeart/2005/8/layout/chevron1"/>
+    <dgm:cxn modelId="{18E9A92C-9CBE-4879-B264-2641D6C9F93E}" type="presParOf" srcId="{611A4C62-4178-47A9-A27C-4D1ADB78F2CC}" destId="{A9418CE6-F44B-4BA0-9A4A-C9AF6528DA20}" srcOrd="0" destOrd="0" presId="urn:microsoft.com/office/officeart/2005/8/layout/chevron1"/>
+    <dgm:cxn modelId="{C09B6FEA-8F41-4E0B-9F4E-C604A57820F1}" type="presParOf" srcId="{611A4C62-4178-47A9-A27C-4D1ADB78F2CC}" destId="{FAE16C1F-420C-4171-80C5-F2D6AEADD5B3}" srcOrd="1" destOrd="0" presId="urn:microsoft.com/office/officeart/2005/8/layout/chevron1"/>
+    <dgm:cxn modelId="{1FE6B0B0-0770-45B9-B340-97B02028A9D5}" type="presParOf" srcId="{611A4C62-4178-47A9-A27C-4D1ADB78F2CC}" destId="{4573F355-D35F-44AB-B5C2-B6CB6698A71D}" srcOrd="2" destOrd="0" presId="urn:microsoft.com/office/officeart/2005/8/layout/chevron1"/>
+    <dgm:cxn modelId="{6E336244-7B19-4EE7-AEEA-1E4EDEA1F7A9}" type="presParOf" srcId="{611A4C62-4178-47A9-A27C-4D1ADB78F2CC}" destId="{7102C90E-B512-4CE3-B447-F067096CE2A5}" srcOrd="3" destOrd="0" presId="urn:microsoft.com/office/officeart/2005/8/layout/chevron1"/>
+    <dgm:cxn modelId="{CAD4D024-5885-4E18-B327-D6AA3E5FEA83}" type="presParOf" srcId="{611A4C62-4178-47A9-A27C-4D1ADB78F2CC}" destId="{4F971579-C15E-4BB1-A7A7-97DA9A116006}" srcOrd="4" destOrd="0" presId="urn:microsoft.com/office/officeart/2005/8/layout/chevron1"/>
+    <dgm:cxn modelId="{69A4B915-FABB-4174-8563-1B24C2640C03}" type="presParOf" srcId="{611A4C62-4178-47A9-A27C-4D1ADB78F2CC}" destId="{13CF2BCB-7C8E-4434-857E-96C8EF1AC7FF}" srcOrd="5" destOrd="0" presId="urn:microsoft.com/office/officeart/2005/8/layout/chevron1"/>
+    <dgm:cxn modelId="{B2C3BEB6-C273-498A-9A0E-4D99B38B21C9}" type="presParOf" srcId="{611A4C62-4178-47A9-A27C-4D1ADB78F2CC}" destId="{22F3282C-6FF2-4801-A274-02FF02B8327D}" srcOrd="6" destOrd="0" presId="urn:microsoft.com/office/officeart/2005/8/layout/chevron1"/>
+    <dgm:cxn modelId="{4F99F0D6-74E4-4D0D-BBDA-24FDA812FE63}" type="presParOf" srcId="{611A4C62-4178-47A9-A27C-4D1ADB78F2CC}" destId="{64CDAB66-AE82-4FC7-986E-4AF918EDFC1B}" srcOrd="7" destOrd="0" presId="urn:microsoft.com/office/officeart/2005/8/layout/chevron1"/>
+    <dgm:cxn modelId="{8291C5DC-DF7D-4A00-A452-666BB0285909}" type="presParOf" srcId="{611A4C62-4178-47A9-A27C-4D1ADB78F2CC}" destId="{EDFBC494-9FC8-4D56-81D4-C34EC4B766FC}" srcOrd="8" destOrd="0" presId="urn:microsoft.com/office/officeart/2005/8/layout/chevron1"/>
+    <dgm:cxn modelId="{8C9DEC15-65F0-4637-9239-CAB8593337D4}" type="presParOf" srcId="{611A4C62-4178-47A9-A27C-4D1ADB78F2CC}" destId="{06322151-0593-4398-96B8-76B84DB472AC}" srcOrd="9" destOrd="0" presId="urn:microsoft.com/office/officeart/2005/8/layout/chevron1"/>
+    <dgm:cxn modelId="{CE6032B9-D859-4E55-9037-9C7616FF79FC}" type="presParOf" srcId="{611A4C62-4178-47A9-A27C-4D1ADB78F2CC}" destId="{3E22DBB6-69B6-4FD9-B01F-C4219EF1B864}" srcOrd="10" destOrd="0" presId="urn:microsoft.com/office/officeart/2005/8/layout/chevron1"/>
+  </dgm:cxnLst>
+  <dgm:bg/>
+  <dgm:whole/>
+  <dgm:extLst>
+    <a:ext uri="http://schemas.microsoft.com/office/drawing/2008/diagram">
+      <dsp:dataModelExt xmlns:dsp="http://schemas.microsoft.com/office/drawing/2008/diagram" relId="rId6" minVer="http://schemas.openxmlformats.org/drawingml/2006/diagram"/>
+    </a:ext>
+  </dgm:extLst>
+</dgm:dataModel>
+</file>
+
+<file path=ppt/diagrams/drawing1.xml><?xml version="1.0" encoding="utf-8"?>
+<dsp:drawing xmlns:dgm="http://schemas.openxmlformats.org/drawingml/2006/diagram" xmlns:dsp="http://schemas.microsoft.com/office/drawing/2008/diagram" xmlns:a="http://schemas.openxmlformats.org/drawingml/2006/main">
+  <dsp:spTree>
+    <dsp:nvGrpSpPr>
+      <dsp:cNvPr id="0" name=""/>
+      <dsp:cNvGrpSpPr/>
+    </dsp:nvGrpSpPr>
+    <dsp:grpSpPr/>
+    <dsp:sp modelId="{A9418CE6-F44B-4BA0-9A4A-C9AF6528DA20}">
+      <dsp:nvSpPr>
+        <dsp:cNvPr id="0" name=""/>
+        <dsp:cNvSpPr/>
+      </dsp:nvSpPr>
+      <dsp:spPr>
+        <a:xfrm>
+          <a:off x="4371" y="2219674"/>
+          <a:ext cx="1626319" cy="650527"/>
+        </a:xfrm>
+        <a:prstGeom prst="chevron">
+          <a:avLst/>
+        </a:prstGeom>
+        <a:solidFill>
+          <a:schemeClr val="lt1">
+            <a:hueOff val="0"/>
+            <a:satOff val="0"/>
+            <a:lumOff val="0"/>
+            <a:alphaOff val="0"/>
+          </a:schemeClr>
+        </a:solidFill>
+        <a:ln w="25400" cap="flat" cmpd="sng" algn="ctr">
+          <a:solidFill>
+            <a:schemeClr val="dk1">
+              <a:shade val="80000"/>
+              <a:hueOff val="0"/>
+              <a:satOff val="0"/>
+              <a:lumOff val="0"/>
+              <a:alphaOff val="0"/>
+            </a:schemeClr>
+          </a:solidFill>
+          <a:prstDash val="solid"/>
+        </a:ln>
+        <a:effectLst/>
+      </dsp:spPr>
+      <dsp:style>
+        <a:lnRef idx="2">
+          <a:scrgbClr r="0" g="0" b="0"/>
+        </a:lnRef>
+        <a:fillRef idx="1">
+          <a:scrgbClr r="0" g="0" b="0"/>
+        </a:fillRef>
+        <a:effectRef idx="0">
+          <a:scrgbClr r="0" g="0" b="0"/>
+        </a:effectRef>
+        <a:fontRef idx="minor">
+          <a:schemeClr val="lt1"/>
+        </a:fontRef>
+      </dsp:style>
+      <dsp:txBody>
+        <a:bodyPr spcFirstLastPara="0" vert="horz" wrap="square" lIns="48006" tIns="16002" rIns="16002" bIns="16002" numCol="1" spcCol="1270" anchor="ctr" anchorCtr="0">
+          <a:noAutofit/>
+        </a:bodyPr>
+        <a:lstStyle/>
+        <a:p>
+          <a:pPr marL="0" lvl="0" indent="0" algn="ctr" defTabSz="533400">
+            <a:lnSpc>
+              <a:spcPct val="90000"/>
+            </a:lnSpc>
+            <a:spcBef>
+              <a:spcPct val="0"/>
+            </a:spcBef>
+            <a:spcAft>
+              <a:spcPct val="35000"/>
+            </a:spcAft>
+            <a:buNone/>
+          </a:pPr>
+          <a:r>
+            <a:rPr lang="en-US" sz="1200" kern="1200" dirty="0">
+              <a:latin typeface="Arial"/>
+            </a:rPr>
+            <a:t>HDL</a:t>
+          </a:r>
+          <a:endParaRPr lang="en-US" sz="1200" kern="1200" dirty="0"/>
+        </a:p>
+      </dsp:txBody>
+      <dsp:txXfrm>
+        <a:off x="329635" y="2219674"/>
+        <a:ext cx="975792" cy="650527"/>
+      </dsp:txXfrm>
+    </dsp:sp>
+    <dsp:sp modelId="{4573F355-D35F-44AB-B5C2-B6CB6698A71D}">
+      <dsp:nvSpPr>
+        <dsp:cNvPr id="0" name=""/>
+        <dsp:cNvSpPr/>
+      </dsp:nvSpPr>
+      <dsp:spPr>
+        <a:xfrm>
+          <a:off x="1468059" y="2219674"/>
+          <a:ext cx="1626319" cy="650527"/>
+        </a:xfrm>
+        <a:prstGeom prst="chevron">
+          <a:avLst/>
+        </a:prstGeom>
+        <a:solidFill>
+          <a:schemeClr val="lt1">
+            <a:hueOff val="0"/>
+            <a:satOff val="0"/>
+            <a:lumOff val="0"/>
+            <a:alphaOff val="0"/>
+          </a:schemeClr>
+        </a:solidFill>
+        <a:ln w="25400" cap="flat" cmpd="sng" algn="ctr">
+          <a:solidFill>
+            <a:schemeClr val="dk1">
+              <a:shade val="80000"/>
+              <a:hueOff val="0"/>
+              <a:satOff val="0"/>
+              <a:lumOff val="0"/>
+              <a:alphaOff val="0"/>
+            </a:schemeClr>
+          </a:solidFill>
+          <a:prstDash val="solid"/>
+        </a:ln>
+        <a:effectLst/>
+      </dsp:spPr>
+      <dsp:style>
+        <a:lnRef idx="2">
+          <a:scrgbClr r="0" g="0" b="0"/>
+        </a:lnRef>
+        <a:fillRef idx="1">
+          <a:scrgbClr r="0" g="0" b="0"/>
+        </a:fillRef>
+        <a:effectRef idx="0">
+          <a:scrgbClr r="0" g="0" b="0"/>
+        </a:effectRef>
+        <a:fontRef idx="minor">
+          <a:schemeClr val="lt1"/>
+        </a:fontRef>
+      </dsp:style>
+      <dsp:txBody>
+        <a:bodyPr spcFirstLastPara="0" vert="horz" wrap="square" lIns="48006" tIns="16002" rIns="16002" bIns="16002" numCol="1" spcCol="1270" anchor="ctr" anchorCtr="0">
+          <a:noAutofit/>
+        </a:bodyPr>
+        <a:lstStyle/>
+        <a:p>
+          <a:pPr marL="0" lvl="0" indent="0" algn="ctr" defTabSz="533400">
+            <a:lnSpc>
+              <a:spcPct val="90000"/>
+            </a:lnSpc>
+            <a:spcBef>
+              <a:spcPct val="0"/>
+            </a:spcBef>
+            <a:spcAft>
+              <a:spcPct val="35000"/>
+            </a:spcAft>
+            <a:buNone/>
+          </a:pPr>
+          <a:r>
+            <a:rPr lang="en-US" sz="1200" kern="1200" dirty="0">
+              <a:latin typeface="Arial"/>
+            </a:rPr>
+            <a:t>Synthesis</a:t>
+          </a:r>
+          <a:endParaRPr lang="en-US" sz="1200" kern="1200" dirty="0"/>
+        </a:p>
+      </dsp:txBody>
+      <dsp:txXfrm>
+        <a:off x="1793323" y="2219674"/>
+        <a:ext cx="975792" cy="650527"/>
+      </dsp:txXfrm>
+    </dsp:sp>
+    <dsp:sp modelId="{4F971579-C15E-4BB1-A7A7-97DA9A116006}">
+      <dsp:nvSpPr>
+        <dsp:cNvPr id="0" name=""/>
+        <dsp:cNvSpPr/>
+      </dsp:nvSpPr>
+      <dsp:spPr>
+        <a:xfrm>
+          <a:off x="2931746" y="2219674"/>
+          <a:ext cx="1626319" cy="650527"/>
+        </a:xfrm>
+        <a:prstGeom prst="chevron">
+          <a:avLst/>
+        </a:prstGeom>
+        <a:solidFill>
+          <a:schemeClr val="lt1">
+            <a:hueOff val="0"/>
+            <a:satOff val="0"/>
+            <a:lumOff val="0"/>
+            <a:alphaOff val="0"/>
+          </a:schemeClr>
+        </a:solidFill>
+        <a:ln w="25400" cap="flat" cmpd="sng" algn="ctr">
+          <a:solidFill>
+            <a:schemeClr val="dk1">
+              <a:shade val="80000"/>
+              <a:hueOff val="0"/>
+              <a:satOff val="0"/>
+              <a:lumOff val="0"/>
+              <a:alphaOff val="0"/>
+            </a:schemeClr>
+          </a:solidFill>
+          <a:prstDash val="solid"/>
+        </a:ln>
+        <a:effectLst/>
+      </dsp:spPr>
+      <dsp:style>
+        <a:lnRef idx="2">
+          <a:scrgbClr r="0" g="0" b="0"/>
+        </a:lnRef>
+        <a:fillRef idx="1">
+          <a:scrgbClr r="0" g="0" b="0"/>
+        </a:fillRef>
+        <a:effectRef idx="0">
+          <a:scrgbClr r="0" g="0" b="0"/>
+        </a:effectRef>
+        <a:fontRef idx="minor">
+          <a:schemeClr val="lt1"/>
+        </a:fontRef>
+      </dsp:style>
+      <dsp:txBody>
+        <a:bodyPr spcFirstLastPara="0" vert="horz" wrap="square" lIns="48006" tIns="16002" rIns="16002" bIns="16002" numCol="1" spcCol="1270" anchor="ctr" anchorCtr="0">
+          <a:noAutofit/>
+        </a:bodyPr>
+        <a:lstStyle/>
+        <a:p>
+          <a:pPr marL="0" lvl="0" indent="0" algn="ctr" defTabSz="533400" rtl="0">
+            <a:lnSpc>
+              <a:spcPct val="90000"/>
+            </a:lnSpc>
+            <a:spcBef>
+              <a:spcPct val="0"/>
+            </a:spcBef>
+            <a:spcAft>
+              <a:spcPct val="35000"/>
+            </a:spcAft>
+            <a:buNone/>
+          </a:pPr>
+          <a:r>
+            <a:rPr lang="en-US" sz="1200" kern="1200" dirty="0">
+              <a:latin typeface="Arial"/>
+            </a:rPr>
+            <a:t> Netlist</a:t>
+          </a:r>
+          <a:endParaRPr lang="en-US" sz="1200" kern="1200" dirty="0"/>
+        </a:p>
+      </dsp:txBody>
+      <dsp:txXfrm>
+        <a:off x="3257010" y="2219674"/>
+        <a:ext cx="975792" cy="650527"/>
+      </dsp:txXfrm>
+    </dsp:sp>
+    <dsp:sp modelId="{22F3282C-6FF2-4801-A274-02FF02B8327D}">
+      <dsp:nvSpPr>
+        <dsp:cNvPr id="0" name=""/>
+        <dsp:cNvSpPr/>
+      </dsp:nvSpPr>
+      <dsp:spPr>
+        <a:xfrm>
+          <a:off x="4395433" y="2219674"/>
+          <a:ext cx="1626319" cy="650527"/>
+        </a:xfrm>
+        <a:prstGeom prst="chevron">
+          <a:avLst/>
+        </a:prstGeom>
+        <a:solidFill>
+          <a:schemeClr val="lt1">
+            <a:hueOff val="0"/>
+            <a:satOff val="0"/>
+            <a:lumOff val="0"/>
+            <a:alphaOff val="0"/>
+          </a:schemeClr>
+        </a:solidFill>
+        <a:ln w="25400" cap="flat" cmpd="sng" algn="ctr">
+          <a:solidFill>
+            <a:schemeClr val="dk1">
+              <a:shade val="80000"/>
+              <a:hueOff val="0"/>
+              <a:satOff val="0"/>
+              <a:lumOff val="0"/>
+              <a:alphaOff val="0"/>
+            </a:schemeClr>
+          </a:solidFill>
+          <a:prstDash val="solid"/>
+        </a:ln>
+        <a:effectLst/>
+      </dsp:spPr>
+      <dsp:style>
+        <a:lnRef idx="2">
+          <a:scrgbClr r="0" g="0" b="0"/>
+        </a:lnRef>
+        <a:fillRef idx="1">
+          <a:scrgbClr r="0" g="0" b="0"/>
+        </a:fillRef>
+        <a:effectRef idx="0">
+          <a:scrgbClr r="0" g="0" b="0"/>
+        </a:effectRef>
+        <a:fontRef idx="minor">
+          <a:schemeClr val="lt1"/>
+        </a:fontRef>
+      </dsp:style>
+      <dsp:txBody>
+        <a:bodyPr spcFirstLastPara="0" vert="horz" wrap="square" lIns="48006" tIns="16002" rIns="16002" bIns="16002" numCol="1" spcCol="1270" anchor="ctr" anchorCtr="0">
+          <a:noAutofit/>
+        </a:bodyPr>
+        <a:lstStyle/>
+        <a:p>
+          <a:pPr marL="0" lvl="0" indent="0" algn="ctr" defTabSz="533400" rtl="0">
+            <a:lnSpc>
+              <a:spcPct val="90000"/>
+            </a:lnSpc>
+            <a:spcBef>
+              <a:spcPct val="0"/>
+            </a:spcBef>
+            <a:spcAft>
+              <a:spcPct val="35000"/>
+            </a:spcAft>
+            <a:buNone/>
+          </a:pPr>
+          <a:r>
+            <a:rPr lang="en-US" sz="1200" kern="1200" dirty="0">
+              <a:latin typeface="Arial"/>
+            </a:rPr>
+            <a:t>SpyDrNet</a:t>
+          </a:r>
+        </a:p>
+      </dsp:txBody>
+      <dsp:txXfrm>
+        <a:off x="4720697" y="2219674"/>
+        <a:ext cx="975792" cy="650527"/>
+      </dsp:txXfrm>
+    </dsp:sp>
+    <dsp:sp modelId="{EDFBC494-9FC8-4D56-81D4-C34EC4B766FC}">
+      <dsp:nvSpPr>
+        <dsp:cNvPr id="0" name=""/>
+        <dsp:cNvSpPr/>
+      </dsp:nvSpPr>
+      <dsp:spPr>
+        <a:xfrm>
+          <a:off x="5859120" y="2219674"/>
+          <a:ext cx="1626319" cy="650527"/>
+        </a:xfrm>
+        <a:prstGeom prst="chevron">
+          <a:avLst/>
+        </a:prstGeom>
+        <a:solidFill>
+          <a:schemeClr val="lt1">
+            <a:hueOff val="0"/>
+            <a:satOff val="0"/>
+            <a:lumOff val="0"/>
+            <a:alphaOff val="0"/>
+          </a:schemeClr>
+        </a:solidFill>
+        <a:ln w="25400" cap="flat" cmpd="sng" algn="ctr">
+          <a:solidFill>
+            <a:schemeClr val="dk1">
+              <a:shade val="80000"/>
+              <a:hueOff val="0"/>
+              <a:satOff val="0"/>
+              <a:lumOff val="0"/>
+              <a:alphaOff val="0"/>
+            </a:schemeClr>
+          </a:solidFill>
+          <a:prstDash val="solid"/>
+        </a:ln>
+        <a:effectLst/>
+      </dsp:spPr>
+      <dsp:style>
+        <a:lnRef idx="2">
+          <a:scrgbClr r="0" g="0" b="0"/>
+        </a:lnRef>
+        <a:fillRef idx="1">
+          <a:scrgbClr r="0" g="0" b="0"/>
+        </a:fillRef>
+        <a:effectRef idx="0">
+          <a:scrgbClr r="0" g="0" b="0"/>
+        </a:effectRef>
+        <a:fontRef idx="minor">
+          <a:schemeClr val="lt1"/>
+        </a:fontRef>
+      </dsp:style>
+      <dsp:txBody>
+        <a:bodyPr spcFirstLastPara="0" vert="horz" wrap="square" lIns="48006" tIns="16002" rIns="16002" bIns="16002" numCol="1" spcCol="1270" anchor="ctr" anchorCtr="0">
+          <a:noAutofit/>
+        </a:bodyPr>
+        <a:lstStyle/>
+        <a:p>
+          <a:pPr marL="0" lvl="0" indent="0" algn="ctr" defTabSz="533400" rtl="0">
+            <a:lnSpc>
+              <a:spcPct val="90000"/>
+            </a:lnSpc>
+            <a:spcBef>
+              <a:spcPct val="0"/>
+            </a:spcBef>
+            <a:spcAft>
+              <a:spcPct val="35000"/>
+            </a:spcAft>
+            <a:buNone/>
+          </a:pPr>
+          <a:r>
+            <a:rPr lang="en-US" sz="1200" kern="1200" dirty="0">
+              <a:latin typeface="Arial"/>
+            </a:rPr>
+            <a:t>Transformed Netlist</a:t>
+          </a:r>
+          <a:endParaRPr lang="en-US" sz="1200" kern="1200" dirty="0"/>
+        </a:p>
+      </dsp:txBody>
+      <dsp:txXfrm>
+        <a:off x="6184384" y="2219674"/>
+        <a:ext cx="975792" cy="650527"/>
+      </dsp:txXfrm>
+    </dsp:sp>
+    <dsp:sp modelId="{3E22DBB6-69B6-4FD9-B01F-C4219EF1B864}">
+      <dsp:nvSpPr>
+        <dsp:cNvPr id="0" name=""/>
+        <dsp:cNvSpPr/>
+      </dsp:nvSpPr>
+      <dsp:spPr>
+        <a:xfrm>
+          <a:off x="7322808" y="2219674"/>
+          <a:ext cx="1626319" cy="650527"/>
+        </a:xfrm>
+        <a:prstGeom prst="chevron">
+          <a:avLst/>
+        </a:prstGeom>
+        <a:solidFill>
+          <a:schemeClr val="lt1">
+            <a:hueOff val="0"/>
+            <a:satOff val="0"/>
+            <a:lumOff val="0"/>
+            <a:alphaOff val="0"/>
+          </a:schemeClr>
+        </a:solidFill>
+        <a:ln w="25400" cap="flat" cmpd="sng" algn="ctr">
+          <a:solidFill>
+            <a:schemeClr val="dk1">
+              <a:shade val="80000"/>
+              <a:hueOff val="0"/>
+              <a:satOff val="0"/>
+              <a:lumOff val="0"/>
+              <a:alphaOff val="0"/>
+            </a:schemeClr>
+          </a:solidFill>
+          <a:prstDash val="solid"/>
+        </a:ln>
+        <a:effectLst/>
+      </dsp:spPr>
+      <dsp:style>
+        <a:lnRef idx="2">
+          <a:scrgbClr r="0" g="0" b="0"/>
+        </a:lnRef>
+        <a:fillRef idx="1">
+          <a:scrgbClr r="0" g="0" b="0"/>
+        </a:fillRef>
+        <a:effectRef idx="0">
+          <a:scrgbClr r="0" g="0" b="0"/>
+        </a:effectRef>
+        <a:fontRef idx="minor">
+          <a:schemeClr val="lt1"/>
+        </a:fontRef>
+      </dsp:style>
+      <dsp:txBody>
+        <a:bodyPr spcFirstLastPara="0" vert="horz" wrap="square" lIns="48006" tIns="16002" rIns="16002" bIns="16002" numCol="1" spcCol="1270" anchor="ctr" anchorCtr="0">
+          <a:noAutofit/>
+        </a:bodyPr>
+        <a:lstStyle/>
+        <a:p>
+          <a:pPr marL="0" lvl="0" indent="0" algn="ctr" defTabSz="533400" rtl="0">
+            <a:lnSpc>
+              <a:spcPct val="90000"/>
+            </a:lnSpc>
+            <a:spcBef>
+              <a:spcPct val="0"/>
+            </a:spcBef>
+            <a:spcAft>
+              <a:spcPct val="35000"/>
+            </a:spcAft>
+            <a:buNone/>
+          </a:pPr>
+          <a:r>
+            <a:rPr lang="en-US" sz="1200" kern="1200" dirty="0">
+              <a:latin typeface="Arial"/>
+            </a:rPr>
+            <a:t>Generate Hardware Files</a:t>
+          </a:r>
+        </a:p>
+      </dsp:txBody>
+      <dsp:txXfrm>
+        <a:off x="7648072" y="2219674"/>
+        <a:ext cx="975792" cy="650527"/>
+      </dsp:txXfrm>
+    </dsp:sp>
+  </dsp:spTree>
+</dsp:drawing>
+</file>
+
+<file path=ppt/diagrams/layout1.xml><?xml version="1.0" encoding="utf-8"?>
+<dgm:layoutDef xmlns:dgm="http://schemas.openxmlformats.org/drawingml/2006/diagram" xmlns:a="http://schemas.openxmlformats.org/drawingml/2006/main" uniqueId="urn:microsoft.com/office/officeart/2005/8/layout/chevron1">
+  <dgm:title val=""/>
+  <dgm:desc val=""/>
+  <dgm:catLst>
+    <dgm:cat type="process" pri="9000"/>
+  </dgm:catLst>
+  <dgm:sampData useDef="1">
+    <dgm:dataModel>
+      <dgm:ptLst/>
+      <dgm:bg/>
+      <dgm:whole/>
+    </dgm:dataModel>
+  </dgm:sampData>
+  <dgm:styleData>
+    <dgm:dataModel>
+      <dgm:ptLst>
+        <dgm:pt modelId="0" type="doc"/>
+        <dgm:pt modelId="1"/>
+        <dgm:pt modelId="2"/>
+      </dgm:ptLst>
+      <dgm:cxnLst>
+        <dgm:cxn modelId="3" srcId="0" destId="1" srcOrd="0" destOrd="0"/>
+        <dgm:cxn modelId="4" srcId="0" destId="2" srcOrd="1" destOrd="0"/>
+      </dgm:cxnLst>
+      <dgm:bg/>
+      <dgm:whole/>
+    </dgm:dataModel>
+  </dgm:styleData>
+  <dgm:clrData>
+    <dgm:dataModel>
+      <dgm:ptLst>
+        <dgm:pt modelId="0" type="doc"/>
+        <dgm:pt modelId="1"/>
+        <dgm:pt modelId="2"/>
+        <dgm:pt modelId="3"/>
+        <dgm:pt modelId="4"/>
+      </dgm:ptLst>
+      <dgm:cxnLst>
+        <dgm:cxn modelId="5" srcId="0" destId="1" srcOrd="0" destOrd="0"/>
+        <dgm:cxn modelId="6" srcId="0" destId="2" srcOrd="1" destOrd="0"/>
+        <dgm:cxn modelId="7" srcId="0" destId="3" srcOrd="2" destOrd="0"/>
+        <dgm:cxn modelId="8" srcId="0" destId="4" srcOrd="3" destOrd="0"/>
+      </dgm:cxnLst>
+      <dgm:bg/>
+      <dgm:whole/>
+    </dgm:dataModel>
+  </dgm:clrData>
+  <dgm:layoutNode name="Name0">
+    <dgm:varLst>
+      <dgm:dir/>
+      <dgm:animLvl val="lvl"/>
+      <dgm:resizeHandles val="exact"/>
+    </dgm:varLst>
+    <dgm:choose name="Name1">
+      <dgm:if name="Name2" func="var" arg="dir" op="equ" val="norm">
+        <dgm:alg type="lin"/>
+      </dgm:if>
+      <dgm:else name="Name3">
+        <dgm:alg type="lin">
+          <dgm:param type="linDir" val="fromR"/>
+        </dgm:alg>
+      </dgm:else>
+    </dgm:choose>
+    <dgm:shape xmlns:r="http://schemas.openxmlformats.org/officeDocument/2006/relationships" r:blip="">
+      <dgm:adjLst/>
+    </dgm:shape>
+    <dgm:presOf/>
+    <dgm:choose name="Name4">
+      <dgm:if name="Name5" axis="des" func="maxDepth" op="gte" val="2">
+        <dgm:constrLst>
+          <dgm:constr type="h" for="ch" forName="composite" refType="h"/>
+          <dgm:constr type="w" for="ch" forName="composite" refType="w"/>
+          <dgm:constr type="w" for="des" forName="parTx"/>
+          <dgm:constr type="h" for="des" forName="parTx" op="equ"/>
+          <dgm:constr type="w" for="des" forName="desTx"/>
+          <dgm:constr type="h" for="des" forName="desTx" op="equ"/>
+          <dgm:constr type="primFontSz" for="des" forName="parTx" val="65"/>
+          <dgm:constr type="secFontSz" for="des" forName="desTx" refType="primFontSz" refFor="des" refForName="parTx" op="equ"/>
+          <dgm:constr type="h" for="des" forName="parTx" refType="primFontSz" refFor="des" refForName="parTx" fact="1.5"/>
+          <dgm:constr type="h" for="des" forName="desTx" refType="primFontSz" refFor="des" refForName="parTx" fact="0.5"/>
+          <dgm:constr type="w" for="ch" forName="space" op="equ" val="-6"/>
+        </dgm:constrLst>
+        <dgm:ruleLst>
+          <dgm:rule type="w" for="ch" forName="composite" val="0" fact="NaN" max="NaN"/>
+          <dgm:rule type="primFontSz" for="des" forName="parTx" val="5" fact="NaN" max="NaN"/>
+        </dgm:ruleLst>
+        <dgm:forEach name="Name6" axis="ch" ptType="node">
+          <dgm:layoutNode name="composite">
+            <dgm:alg type="composite"/>
+            <dgm:shape xmlns:r="http://schemas.openxmlformats.org/officeDocument/2006/relationships" r:blip="">
+              <dgm:adjLst/>
+            </dgm:shape>
+            <dgm:presOf/>
+            <dgm:choose name="Name7">
+              <dgm:if name="Name8" func="var" arg="dir" op="equ" val="norm">
+                <dgm:constrLst>
+                  <dgm:constr type="l" for="ch" forName="parTx"/>
+                  <dgm:constr type="w" for="ch" forName="parTx" refType="w"/>
+                  <dgm:constr type="t" for="ch" forName="parTx"/>
+                  <dgm:constr type="l" for="ch" forName="desTx"/>
+                  <dgm:constr type="w" for="ch" forName="desTx" refType="w" refFor="ch" refForName="parTx" fact="0.8"/>
+                  <dgm:constr type="t" for="ch" forName="desTx" refType="h" refFor="ch" refForName="parTx" fact="1.125"/>
+                </dgm:constrLst>
+              </dgm:if>
+              <dgm:else name="Name9">
+                <dgm:constrLst>
+                  <dgm:constr type="l" for="ch" forName="parTx"/>
+                  <dgm:constr type="w" for="ch" forName="parTx" refType="w"/>
+                  <dgm:constr type="t" for="ch" forName="parTx"/>
+                  <dgm:constr type="l" for="ch" forName="desTx" refType="w" fact="0.2"/>
+                  <dgm:constr type="w" for="ch" forName="desTx" refType="w" refFor="ch" refForName="parTx" fact="0.8"/>
+                  <dgm:constr type="t" for="ch" forName="desTx" refType="h" refFor="ch" refForName="parTx" fact="1.125"/>
+                </dgm:constrLst>
+              </dgm:else>
+            </dgm:choose>
+            <dgm:ruleLst>
+              <dgm:rule type="h" val="INF" fact="NaN" max="NaN"/>
+            </dgm:ruleLst>
+            <dgm:layoutNode name="parTx">
+              <dgm:varLst>
+                <dgm:chMax val="0"/>
+                <dgm:chPref val="0"/>
+                <dgm:bulletEnabled val="1"/>
+              </dgm:varLst>
+              <dgm:alg type="tx"/>
+              <dgm:choose name="Name10">
+                <dgm:if name="Name11" func="var" arg="dir" op="equ" val="norm">
+                  <dgm:shape xmlns:r="http://schemas.openxmlformats.org/officeDocument/2006/relationships" type="chevron" r:blip="">
+                    <dgm:adjLst/>
+                  </dgm:shape>
+                </dgm:if>
+                <dgm:else name="Name12">
+                  <dgm:shape xmlns:r="http://schemas.openxmlformats.org/officeDocument/2006/relationships" rot="180" type="chevron" r:blip="">
+                    <dgm:adjLst/>
+                  </dgm:shape>
+                </dgm:else>
+              </dgm:choose>
+              <dgm:presOf axis="self" ptType="node"/>
+              <dgm:choose name="Name13">
+                <dgm:if name="Name14" func="var" arg="dir" op="equ" val="norm">
+                  <dgm:constrLst>
+                    <dgm:constr type="h" refType="w" op="lte" fact="0.4"/>
+                    <dgm:constr type="h"/>
+                    <dgm:constr type="tMarg" refType="primFontSz" fact="0.105"/>
+                    <dgm:constr type="bMarg" refType="primFontSz" fact="0.105"/>
+                    <dgm:constr type="lMarg" refType="primFontSz" fact="0.315"/>
+                    <dgm:constr type="rMarg" refType="primFontSz" fact="0.105"/>
+                  </dgm:constrLst>
+                </dgm:if>
+                <dgm:else name="Name15">
+                  <dgm:constrLst>
+                    <dgm:constr type="h" refType="w" op="lte" fact="0.4"/>
+                    <dgm:constr type="h"/>
+                    <dgm:constr type="tMarg" refType="primFontSz" fact="0.105"/>
+                    <dgm:constr type="bMarg" refType="primFontSz" fact="0.105"/>
+                    <dgm:constr type="lMarg" refType="primFontSz" fact="0.105"/>
+                    <dgm:constr type="rMarg" refType="primFontSz" fact="0.315"/>
+                  </dgm:constrLst>
+                </dgm:else>
+              </dgm:choose>
+              <dgm:ruleLst>
+                <dgm:rule type="h" val="INF" fact="NaN" max="NaN"/>
+              </dgm:ruleLst>
+            </dgm:layoutNode>
+            <dgm:layoutNode name="desTx" styleLbl="revTx">
+              <dgm:varLst>
+                <dgm:bulletEnabled val="1"/>
+              </dgm:varLst>
+              <dgm:alg type="tx">
+                <dgm:param type="stBulletLvl" val="1"/>
+              </dgm:alg>
+              <dgm:choose name="Name16">
+                <dgm:if name="Name17" axis="ch" ptType="node" func="cnt" op="gte" val="1">
+                  <dgm:shape xmlns:r="http://schemas.openxmlformats.org/officeDocument/2006/relationships" type="rect" r:blip="">
+                    <dgm:adjLst/>
+                  </dgm:shape>
+                </dgm:if>
+                <dgm:else name="Name18">
+                  <dgm:shape xmlns:r="http://schemas.openxmlformats.org/officeDocument/2006/relationships" type="rect" r:blip="" hideGeom="1">
+                    <dgm:adjLst/>
+                  </dgm:shape>
+                </dgm:else>
+              </dgm:choose>
+              <dgm:presOf axis="des" ptType="node"/>
+              <dgm:constrLst>
+                <dgm:constr type="secFontSz" val="65"/>
+                <dgm:constr type="primFontSz" refType="secFontSz"/>
+                <dgm:constr type="h"/>
+                <dgm:constr type="tMarg"/>
+                <dgm:constr type="bMarg"/>
+                <dgm:constr type="rMarg"/>
+                <dgm:constr type="lMarg"/>
+              </dgm:constrLst>
+              <dgm:ruleLst>
+                <dgm:rule type="h" val="INF" fact="NaN" max="NaN"/>
+              </dgm:ruleLst>
+            </dgm:layoutNode>
+          </dgm:layoutNode>
+          <dgm:forEach name="Name19" axis="followSib" ptType="sibTrans" cnt="1">
+            <dgm:layoutNode name="space">
+              <dgm:alg type="sp"/>
+              <dgm:shape xmlns:r="http://schemas.openxmlformats.org/officeDocument/2006/relationships" r:blip="">
+                <dgm:adjLst/>
+              </dgm:shape>
+              <dgm:presOf/>
+              <dgm:constrLst/>
+              <dgm:ruleLst/>
+            </dgm:layoutNode>
+          </dgm:forEach>
+        </dgm:forEach>
+      </dgm:if>
+      <dgm:else name="Name20">
+        <dgm:constrLst>
+          <dgm:constr type="w" for="ch" forName="parTxOnly" refType="w"/>
+          <dgm:constr type="h" for="des" forName="parTxOnly" op="equ"/>
+          <dgm:constr type="primFontSz" for="des" forName="parTxOnly" op="equ" val="65"/>
+          <dgm:constr type="w" for="ch" forName="parTxOnlySpace" refType="w" refFor="ch" refForName="parTxOnly" fact="-0.1"/>
+        </dgm:constrLst>
+        <dgm:ruleLst/>
+        <dgm:forEach name="Name21" axis="ch" ptType="node">
+          <dgm:layoutNode name="parTxOnly">
+            <dgm:varLst>
+              <dgm:chMax val="0"/>
+              <dgm:chPref val="0"/>
+              <dgm:bulletEnabled val="1"/>
+            </dgm:varLst>
+            <dgm:alg type="tx"/>
+            <dgm:choose name="Name22">
+              <dgm:if name="Name23" func="var" arg="dir" op="equ" val="norm">
+                <dgm:shape xmlns:r="http://schemas.openxmlformats.org/officeDocument/2006/relationships" type="chevron" r:blip="">
+                  <dgm:adjLst/>
+                </dgm:shape>
+              </dgm:if>
+              <dgm:else name="Name24">
+                <dgm:shape xmlns:r="http://schemas.openxmlformats.org/officeDocument/2006/relationships" rot="180" type="chevron" r:blip="">
+                  <dgm:adjLst/>
+                </dgm:shape>
+              </dgm:else>
+            </dgm:choose>
+            <dgm:presOf axis="self" ptType="node"/>
+            <dgm:choose name="Name25">
+              <dgm:if name="Name26" func="var" arg="dir" op="equ" val="norm">
+                <dgm:constrLst>
+                  <dgm:constr type="h" refType="w" op="equ" fact="0.4"/>
+                  <dgm:constr type="tMarg" refType="primFontSz" fact="0.105"/>
+                  <dgm:constr type="bMarg" refType="primFontSz" fact="0.105"/>
+                  <dgm:constr type="lMarg" refType="primFontSz" fact="0.315"/>
+                  <dgm:constr type="rMarg" refType="primFontSz" fact="0.105"/>
+                </dgm:constrLst>
+              </dgm:if>
+              <dgm:else name="Name27">
+                <dgm:constrLst>
+                  <dgm:constr type="h" refType="w" op="equ" fact="0.4"/>
+                  <dgm:constr type="tMarg" refType="primFontSz" fact="0.105"/>
+                  <dgm:constr type="bMarg" refType="primFontSz" fact="0.105"/>
+                  <dgm:constr type="lMarg" refType="primFontSz" fact="0.105"/>
+                  <dgm:constr type="rMarg" refType="primFontSz" fact="0.315"/>
+                </dgm:constrLst>
+              </dgm:else>
+            </dgm:choose>
+            <dgm:ruleLst>
+              <dgm:rule type="primFontSz" val="5" fact="NaN" max="NaN"/>
+            </dgm:ruleLst>
+          </dgm:layoutNode>
+          <dgm:forEach name="Name28" axis="followSib" ptType="sibTrans" cnt="1">
+            <dgm:layoutNode name="parTxOnlySpace">
+              <dgm:alg type="sp"/>
+              <dgm:shape xmlns:r="http://schemas.openxmlformats.org/officeDocument/2006/relationships" r:blip="">
+                <dgm:adjLst/>
+              </dgm:shape>
+              <dgm:presOf/>
+              <dgm:constrLst/>
+              <dgm:ruleLst/>
+            </dgm:layoutNode>
+          </dgm:forEach>
+        </dgm:forEach>
+      </dgm:else>
+    </dgm:choose>
+  </dgm:layoutNode>
+</dgm:layoutDef>
+</file>
+
+<file path=ppt/diagrams/quickStyle1.xml><?xml version="1.0" encoding="utf-8"?>
+<dgm:styleDef xmlns:dgm="http://schemas.openxmlformats.org/drawingml/2006/diagram" xmlns:a="http://schemas.openxmlformats.org/drawingml/2006/main" uniqueId="urn:microsoft.com/office/officeart/2005/8/quickstyle/simple1">
+  <dgm:title val=""/>
+  <dgm:desc val=""/>
+  <dgm:catLst>
+    <dgm:cat type="simple" pri="10100"/>
+  </dgm:catLst>
+  <dgm:scene3d>
+    <a:camera prst="orthographicFront"/>
+    <a:lightRig rig="threePt" dir="t"/>
+  </dgm:scene3d>
+  <dgm:styleLbl name="node0">
+    <dgm:scene3d>
+      <a:camera prst="orthographicFront"/>
+      <a:lightRig rig="threePt" dir="t"/>
+    </dgm:scene3d>
+    <dgm:sp3d/>
+    <dgm:txPr/>
+    <dgm:style>
+      <a:lnRef idx="2">
+        <a:scrgbClr r="0" g="0" b="0"/>
+      </a:lnRef>
+      <a:fillRef idx="1">
+        <a:scrgbClr r="0" g="0" b="0"/>
+      </a:fillRef>
+      <a:effectRef idx="0">
+        <a:scrgbClr r="0" g="0" b="0"/>
+      </a:effectRef>
+      <a:fontRef idx="minor">
+        <a:schemeClr val="lt1"/>
+      </a:fontRef>
+    </dgm:style>
+  </dgm:styleLbl>
+  <dgm:styleLbl name="lnNode1">
+    <dgm:scene3d>
+      <a:camera prst="orthographicFront"/>
+      <a:lightRig rig="threePt" dir="t"/>
+    </dgm:scene3d>
+    <dgm:sp3d/>
+    <dgm:txPr/>
+    <dgm:style>
+      <a:lnRef idx="2">
+        <a:scrgbClr r="0" g="0" b="0"/>
+      </a:lnRef>
+      <a:fillRef idx="1">
+        <a:scrgbClr r="0" g="0" b="0"/>
+      </a:fillRef>
+      <a:effectRef idx="0">
+        <a:scrgbClr r="0" g="0" b="0"/>
+      </a:effectRef>
+      <a:fontRef idx="minor">
+        <a:schemeClr val="lt1"/>
+      </a:fontRef>
+    </dgm:style>
+  </dgm:styleLbl>
+  <dgm:styleLbl name="vennNode1">
+    <dgm:scene3d>
+      <a:camera prst="orthographicFront"/>
+      <a:lightRig rig="threePt" dir="t"/>
+    </dgm:scene3d>
+    <dgm:sp3d/>
+    <dgm:txPr/>
+    <dgm:style>
+      <a:lnRef idx="2">
+        <a:scrgbClr r="0" g="0" b="0"/>
+      </a:lnRef>
+      <a:fillRef idx="1">
+        <a:scrgbClr r="0" g="0" b="0"/>
+      </a:fillRef>
+      <a:effectRef idx="0">
+        <a:scrgbClr r="0" g="0" b="0"/>
+      </a:effectRef>
+      <a:fontRef idx="minor">
+        <a:schemeClr val="tx1"/>
+      </a:fontRef>
+    </dgm:style>
+  </dgm:styleLbl>
+  <dgm:styleLbl name="alignNode1">
+    <dgm:scene3d>
+      <a:camera prst="orthographicFront"/>
+      <a:lightRig rig="threePt" dir="t"/>
+    </dgm:scene3d>
+    <dgm:sp3d/>
+    <dgm:txPr/>
+    <dgm:style>
+      <a:lnRef idx="2">
+        <a:scrgbClr r="0" g="0" b="0"/>
+      </a:lnRef>
+      <a:fillRef idx="1">
+        <a:scrgbClr r="0" g="0" b="0"/>
+      </a:fillRef>
+      <a:effectRef idx="0">
+        <a:scrgbClr r="0" g="0" b="0"/>
+      </a:effectRef>
+      <a:fontRef idx="minor">
+        <a:schemeClr val="lt1"/>
+      </a:fontRef>
+    </dgm:style>
+  </dgm:styleLbl>
+  <dgm:styleLbl name="node1">
+    <dgm:scene3d>
+      <a:camera prst="orthographicFront"/>
+      <a:lightRig rig="threePt" dir="t"/>
+    </dgm:scene3d>
+    <dgm:sp3d/>
+    <dgm:txPr/>
+    <dgm:style>
+      <a:lnRef idx="2">
+        <a:scrgbClr r="0" g="0" b="0"/>
+      </a:lnRef>
+      <a:fillRef idx="1">
+        <a:scrgbClr r="0" g="0" b="0"/>
+      </a:fillRef>
+      <a:effectRef idx="0">
+        <a:scrgbClr r="0" g="0" b="0"/>
+      </a:effectRef>
+      <a:fontRef idx="minor">
+        <a:schemeClr val="lt1"/>
+      </a:fontRef>
+    </dgm:style>
+  </dgm:styleLbl>
+  <dgm:styleLbl name="node2">
+    <dgm:scene3d>
+      <a:camera prst="orthographicFront"/>
+      <a:lightRig rig="threePt" dir="t"/>
+    </dgm:scene3d>
+    <dgm:sp3d/>
+    <dgm:txPr/>
+    <dgm:style>
+      <a:lnRef idx="2">
+        <a:scrgbClr r="0" g="0" b="0"/>
+      </a:lnRef>
+      <a:fillRef idx="1">
+        <a:scrgbClr r="0" g="0" b="0"/>
+      </a:fillRef>
+      <a:effectRef idx="0">
+        <a:scrgbClr r="0" g="0" b="0"/>
+      </a:effectRef>
+      <a:fontRef idx="minor">
+        <a:schemeClr val="lt1"/>
+      </a:fontRef>
+    </dgm:style>
+  </dgm:styleLbl>
+  <dgm:styleLbl name="node3">
+    <dgm:scene3d>
+      <a:camera prst="orthographicFront"/>
+      <a:lightRig rig="threePt" dir="t"/>
+    </dgm:scene3d>
+    <dgm:sp3d/>
+    <dgm:txPr/>
+    <dgm:style>
+      <a:lnRef idx="2">
+        <a:scrgbClr r="0" g="0" b="0"/>
+      </a:lnRef>
+      <a:fillRef idx="1">
+        <a:scrgbClr r="0" g="0" b="0"/>
+      </a:fillRef>
+      <a:effectRef idx="0">
+        <a:scrgbClr r="0" g="0" b="0"/>
+      </a:effectRef>
+      <a:fontRef idx="minor">
+        <a:schemeClr val="lt1"/>
+      </a:fontRef>
+    </dgm:style>
+  </dgm:styleLbl>
+  <dgm:styleLbl name="node4">
+    <dgm:scene3d>
+      <a:camera prst="orthographicFront"/>
+      <a:lightRig rig="threePt" dir="t"/>
+    </dgm:scene3d>
+    <dgm:sp3d/>
+    <dgm:txPr/>
+    <dgm:style>
+      <a:lnRef idx="2">
+        <a:scrgbClr r="0" g="0" b="0"/>
+      </a:lnRef>
+      <a:fillRef idx="1">
+        <a:scrgbClr r="0" g="0" b="0"/>
+      </a:fillRef>
+      <a:effectRef idx="0">
+        <a:scrgbClr r="0" g="0" b="0"/>
+      </a:effectRef>
+      <a:fontRef idx="minor">
+        <a:schemeClr val="lt1"/>
+      </a:fontRef>
+    </dgm:style>
+  </dgm:styleLbl>
+  <dgm:styleLbl name="fgImgPlace1">
+    <dgm:scene3d>
+      <a:camera prst="orthographicFront"/>
+      <a:lightRig rig="threePt" dir="t"/>
+    </dgm:scene3d>
+    <dgm:sp3d/>
+    <dgm:txPr/>
+    <dgm:style>
+      <a:lnRef idx="2">
+        <a:scrgbClr r="0" g="0" b="0"/>
+      </a:lnRef>
+      <a:fillRef idx="1">
+        <a:scrgbClr r="0" g="0" b="0"/>
+      </a:fillRef>
+      <a:effectRef idx="0">
+        <a:scrgbClr r="0" g="0" b="0"/>
+      </a:effectRef>
+      <a:fontRef idx="minor"/>
+    </dgm:style>
+  </dgm:styleLbl>
+  <dgm:styleLbl name="alignImgPlace1">
+    <dgm:scene3d>
+      <a:camera prst="orthographicFront"/>
+      <a:lightRig rig="threePt" dir="t"/>
+    </dgm:scene3d>
+    <dgm:sp3d/>
+    <dgm:txPr/>
+    <dgm:style>
+      <a:lnRef idx="2">
+        <a:scrgbClr r="0" g="0" b="0"/>
+      </a:lnRef>
+      <a:fillRef idx="1">
+        <a:scrgbClr r="0" g="0" b="0"/>
+      </a:fillRef>
+      <a:effectRef idx="0">
+        <a:scrgbClr r="0" g="0" b="0"/>
+      </a:effectRef>
+      <a:fontRef idx="minor"/>
+    </dgm:style>
+  </dgm:styleLbl>
+  <dgm:styleLbl name="bgImgPlace1">
+    <dgm:scene3d>
+      <a:camera prst="orthographicFront"/>
+      <a:lightRig rig="threePt" dir="t"/>
+    </dgm:scene3d>
+    <dgm:sp3d/>
+    <dgm:txPr/>
+    <dgm:style>
+      <a:lnRef idx="2">
+        <a:scrgbClr r="0" g="0" b="0"/>
+      </a:lnRef>
+      <a:fillRef idx="1">
+        <a:scrgbClr r="0" g="0" b="0"/>
+      </a:fillRef>
+      <a:effectRef idx="0">
+        <a:scrgbClr r="0" g="0" b="0"/>
+      </a:effectRef>
+      <a:fontRef idx="minor"/>
+    </dgm:style>
+  </dgm:styleLbl>
+  <dgm:styleLbl name="sibTrans2D1">
+    <dgm:scene3d>
+      <a:camera prst="orthographicFront"/>
+      <a:lightRig rig="threePt" dir="t"/>
+    </dgm:scene3d>
+    <dgm:sp3d/>
+    <dgm:txPr/>
+    <dgm:style>
+      <a:lnRef idx="0">
+        <a:scrgbClr r="0" g="0" b="0"/>
+      </a:lnRef>
+      <a:fillRef idx="1">
+        <a:scrgbClr r="0" g="0" b="0"/>
+      </a:fillRef>
+      <a:effectRef idx="0">
+        <a:scrgbClr r="0" g="0" b="0"/>
+      </a:effectRef>
+      <a:fontRef idx="minor">
+        <a:schemeClr val="lt1"/>
+      </a:fontRef>
+    </dgm:style>
+  </dgm:styleLbl>
+  <dgm:styleLbl name="fgSibTrans2D1">
+    <dgm:scene3d>
+      <a:camera prst="orthographicFront"/>
+      <a:lightRig rig="threePt" dir="t"/>
+    </dgm:scene3d>
+    <dgm:sp3d/>
+    <dgm:txPr/>
+    <dgm:style>
+      <a:lnRef idx="0">
+        <a:scrgbClr r="0" g="0" b="0"/>
+      </a:lnRef>
+      <a:fillRef idx="1">
+        <a:scrgbClr r="0" g="0" b="0"/>
+      </a:fillRef>
+      <a:effectRef idx="0">
+        <a:scrgbClr r="0" g="0" b="0"/>
+      </a:effectRef>
+      <a:fontRef idx="minor">
+        <a:schemeClr val="lt1"/>
+      </a:fontRef>
+    </dgm:style>
+  </dgm:styleLbl>
+  <dgm:styleLbl name="bgSibTrans2D1">
+    <dgm:scene3d>
+      <a:camera prst="orthographicFront"/>
+      <a:lightRig rig="threePt" dir="t"/>
+    </dgm:scene3d>
+    <dgm:sp3d/>
+    <dgm:txPr/>
+    <dgm:style>
+      <a:lnRef idx="0">
+        <a:scrgbClr r="0" g="0" b="0"/>
+      </a:lnRef>
+      <a:fillRef idx="1">
+        <a:scrgbClr r="0" g="0" b="0"/>
+      </a:fillRef>
+      <a:effectRef idx="0">
+        <a:scrgbClr r="0" g="0" b="0"/>
+      </a:effectRef>
+      <a:fontRef idx="minor">
+        <a:schemeClr val="lt1"/>
+      </a:fontRef>
+    </dgm:style>
+  </dgm:styleLbl>
+  <dgm:styleLbl name="sibTrans1D1">
+    <dgm:scene3d>
+      <a:camera prst="orthographicFront"/>
+      <a:lightRig rig="threePt" dir="t"/>
+    </dgm:scene3d>
+    <dgm:sp3d/>
+    <dgm:txPr/>
+    <dgm:style>
+      <a:lnRef idx="1">
+        <a:scrgbClr r="0" g="0" b="0"/>
+      </a:lnRef>
+      <a:fillRef idx="0">
+        <a:scrgbClr r="0" g="0" b="0"/>
+      </a:fillRef>
+      <a:effectRef idx="0">
+        <a:scrgbClr r="0" g="0" b="0"/>
+      </a:effectRef>
+      <a:fontRef idx="minor"/>
+    </dgm:style>
+  </dgm:styleLbl>
+  <dgm:styleLbl name="callout">
+    <dgm:scene3d>
+      <a:camera prst="orthographicFront"/>
+      <a:lightRig rig="threePt" dir="t"/>
+    </dgm:scene3d>
+    <dgm:sp3d/>
+    <dgm:txPr/>
+    <dgm:style>
+      <a:lnRef idx="2">
+        <a:scrgbClr r="0" g="0" b="0"/>
+      </a:lnRef>
+      <a:fillRef idx="1">
+        <a:scrgbClr r="0" g="0" b="0"/>
+      </a:fillRef>
+      <a:effectRef idx="0">
+        <a:scrgbClr r="0" g="0" b="0"/>
+      </a:effectRef>
+      <a:fontRef idx="minor"/>
+    </dgm:style>
+  </dgm:styleLbl>
+  <dgm:styleLbl name="asst0">
+    <dgm:scene3d>
+      <a:camera prst="orthographicFront"/>
+      <a:lightRig rig="threePt" dir="t"/>
+    </dgm:scene3d>
+    <dgm:sp3d/>
+    <dgm:txPr/>
+    <dgm:style>
+      <a:lnRef idx="2">
+        <a:scrgbClr r="0" g="0" b="0"/>
+      </a:lnRef>
+      <a:fillRef idx="1">
+        <a:scrgbClr r="0" g="0" b="0"/>
+      </a:fillRef>
+      <a:effectRef idx="0">
+        <a:scrgbClr r="0" g="0" b="0"/>
+      </a:effectRef>
+      <a:fontRef idx="minor">
+        <a:schemeClr val="lt1"/>
+      </a:fontRef>
+    </dgm:style>
+  </dgm:styleLbl>
+  <dgm:styleLbl name="asst1">
+    <dgm:scene3d>
+      <a:camera prst="orthographicFront"/>
+      <a:lightRig rig="threePt" dir="t"/>
+    </dgm:scene3d>
+    <dgm:sp3d/>
+    <dgm:txPr/>
+    <dgm:style>
+      <a:lnRef idx="2">
+        <a:scrgbClr r="0" g="0" b="0"/>
+      </a:lnRef>
+      <a:fillRef idx="1">
+        <a:scrgbClr r="0" g="0" b="0"/>
+      </a:fillRef>
+      <a:effectRef idx="0">
+        <a:scrgbClr r="0" g="0" b="0"/>
+      </a:effectRef>
+      <a:fontRef idx="minor">
+        <a:schemeClr val="lt1"/>
+      </a:fontRef>
+    </dgm:style>
+  </dgm:styleLbl>
+  <dgm:styleLbl name="asst2">
+    <dgm:scene3d>
+      <a:camera prst="orthographicFront"/>
+      <a:lightRig rig="threePt" dir="t"/>
+    </dgm:scene3d>
+    <dgm:sp3d/>
+    <dgm:txPr/>
+    <dgm:style>
+      <a:lnRef idx="2">
+        <a:scrgbClr r="0" g="0" b="0"/>
+      </a:lnRef>
+      <a:fillRef idx="1">
+        <a:scrgbClr r="0" g="0" b="0"/>
+      </a:fillRef>
+      <a:effectRef idx="0">
+        <a:scrgbClr r="0" g="0" b="0"/>
+      </a:effectRef>
+      <a:fontRef idx="minor">
+        <a:schemeClr val="lt1"/>
+      </a:fontRef>
+    </dgm:style>
+  </dgm:styleLbl>
+  <dgm:styleLbl name="asst3">
+    <dgm:scene3d>
+      <a:camera prst="orthographicFront"/>
+      <a:lightRig rig="threePt" dir="t"/>
+    </dgm:scene3d>
+    <dgm:sp3d/>
+    <dgm:txPr/>
+    <dgm:style>
+      <a:lnRef idx="2">
+        <a:scrgbClr r="0" g="0" b="0"/>
+      </a:lnRef>
+      <a:fillRef idx="1">
+        <a:scrgbClr r="0" g="0" b="0"/>
+      </a:fillRef>
+      <a:effectRef idx="0">
+        <a:scrgbClr r="0" g="0" b="0"/>
+      </a:effectRef>
+      <a:fontRef idx="minor">
+        <a:schemeClr val="lt1"/>
+      </a:fontRef>
+    </dgm:style>
+  </dgm:styleLbl>
+  <dgm:styleLbl name="asst4">
+    <dgm:scene3d>
+      <a:camera prst="orthographicFront"/>
+      <a:lightRig rig="threePt" dir="t"/>
+    </dgm:scene3d>
+    <dgm:sp3d/>
+    <dgm:txPr/>
+    <dgm:style>
+      <a:lnRef idx="2">
+        <a:scrgbClr r="0" g="0" b="0"/>
+      </a:lnRef>
+      <a:fillRef idx="1">
+        <a:scrgbClr r="0" g="0" b="0"/>
+      </a:fillRef>
+      <a:effectRef idx="0">
+        <a:scrgbClr r="0" g="0" b="0"/>
+      </a:effectRef>
+      <a:fontRef idx="minor">
+        <a:schemeClr val="lt1"/>
+      </a:fontRef>
+    </dgm:style>
+  </dgm:styleLbl>
+  <dgm:styleLbl name="parChTrans2D1">
+    <dgm:scene3d>
+      <a:camera prst="orthographicFront"/>
+      <a:lightRig rig="threePt" dir="t"/>
+    </dgm:scene3d>
+    <dgm:sp3d/>
+    <dgm:txPr/>
+    <dgm:style>
+      <a:lnRef idx="2">
+        <a:scrgbClr r="0" g="0" b="0"/>
+      </a:lnRef>
+      <a:fillRef idx="1">
+        <a:scrgbClr r="0" g="0" b="0"/>
+      </a:fillRef>
+      <a:effectRef idx="0">
+        <a:scrgbClr r="0" g="0" b="0"/>
+      </a:effectRef>
+      <a:fontRef idx="minor">
+        <a:schemeClr val="lt1"/>
+      </a:fontRef>
+    </dgm:style>
+  </dgm:styleLbl>
+  <dgm:styleLbl name="parChTrans2D2">
+    <dgm:scene3d>
+      <a:camera prst="orthographicFront"/>
+      <a:lightRig rig="threePt" dir="t"/>
+    </dgm:scene3d>
+    <dgm:sp3d/>
+    <dgm:txPr/>
+    <dgm:style>
+      <a:lnRef idx="2">
+        <a:scrgbClr r="0" g="0" b="0"/>
+      </a:lnRef>
+      <a:fillRef idx="1">
+        <a:scrgbClr r="0" g="0" b="0"/>
+      </a:fillRef>
+      <a:effectRef idx="0">
+        <a:scrgbClr r="0" g="0" b="0"/>
+      </a:effectRef>
+      <a:fontRef idx="minor">
+        <a:schemeClr val="lt1"/>
+      </a:fontRef>
+    </dgm:style>
+  </dgm:styleLbl>
+  <dgm:styleLbl name="parChTrans2D3">
+    <dgm:scene3d>
+      <a:camera prst="orthographicFront"/>
+      <a:lightRig rig="threePt" dir="t"/>
+    </dgm:scene3d>
+    <dgm:sp3d/>
+    <dgm:txPr/>
+    <dgm:style>
+      <a:lnRef idx="2">
+        <a:scrgbClr r="0" g="0" b="0"/>
+      </a:lnRef>
+      <a:fillRef idx="1">
+        <a:scrgbClr r="0" g="0" b="0"/>
+      </a:fillRef>
+      <a:effectRef idx="0">
+        <a:scrgbClr r="0" g="0" b="0"/>
+      </a:effectRef>
+      <a:fontRef idx="minor">
+        <a:schemeClr val="lt1"/>
+      </a:fontRef>
+    </dgm:style>
+  </dgm:styleLbl>
+  <dgm:styleLbl name="parChTrans2D4">
+    <dgm:scene3d>
+      <a:camera prst="orthographicFront"/>
+      <a:lightRig rig="threePt" dir="t"/>
+    </dgm:scene3d>
+    <dgm:sp3d/>
+    <dgm:txPr/>
+    <dgm:style>
+      <a:lnRef idx="2">
+        <a:scrgbClr r="0" g="0" b="0"/>
+      </a:lnRef>
+      <a:fillRef idx="1">
+        <a:scrgbClr r="0" g="0" b="0"/>
+      </a:fillRef>
+      <a:effectRef idx="0">
+        <a:scrgbClr r="0" g="0" b="0"/>
+      </a:effectRef>
+      <a:fontRef idx="minor">
+        <a:schemeClr val="lt1"/>
+      </a:fontRef>
+    </dgm:style>
+  </dgm:styleLbl>
+  <dgm:styleLbl name="parChTrans1D1">
+    <dgm:scene3d>
+      <a:camera prst="orthographicFront"/>
+      <a:lightRig rig="threePt" dir="t"/>
+    </dgm:scene3d>
+    <dgm:sp3d/>
+    <dgm:txPr/>
+    <dgm:style>
+      <a:lnRef idx="2">
+        <a:scrgbClr r="0" g="0" b="0"/>
+      </a:lnRef>
+      <a:fillRef idx="0">
+        <a:scrgbClr r="0" g="0" b="0"/>
+      </a:fillRef>
+      <a:effectRef idx="0">
+        <a:scrgbClr r="0" g="0" b="0"/>
+      </a:effectRef>
+      <a:fontRef idx="minor"/>
+    </dgm:style>
+  </dgm:styleLbl>
+  <dgm:styleLbl name="parChTrans1D2">
+    <dgm:scene3d>
+      <a:camera prst="orthographicFront"/>
+      <a:lightRig rig="threePt" dir="t"/>
+    </dgm:scene3d>
+    <dgm:sp3d/>
+    <dgm:txPr/>
+    <dgm:style>
+      <a:lnRef idx="2">
+        <a:scrgbClr r="0" g="0" b="0"/>
+      </a:lnRef>
+      <a:fillRef idx="0">
+        <a:scrgbClr r="0" g="0" b="0"/>
+      </a:fillRef>
+      <a:effectRef idx="0">
+        <a:scrgbClr r="0" g="0" b="0"/>
+      </a:effectRef>
+      <a:fontRef idx="minor"/>
+    </dgm:style>
+  </dgm:styleLbl>
+  <dgm:styleLbl name="parChTrans1D3">
+    <dgm:scene3d>
+      <a:camera prst="orthographicFront"/>
+      <a:lightRig rig="threePt" dir="t"/>
+    </dgm:scene3d>
+    <dgm:sp3d/>
+    <dgm:txPr/>
+    <dgm:style>
+      <a:lnRef idx="2">
+        <a:scrgbClr r="0" g="0" b="0"/>
+      </a:lnRef>
+      <a:fillRef idx="0">
+        <a:scrgbClr r="0" g="0" b="0"/>
+      </a:fillRef>
+      <a:effectRef idx="0">
+        <a:scrgbClr r="0" g="0" b="0"/>
+      </a:effectRef>
+      <a:fontRef idx="minor"/>
+    </dgm:style>
+  </dgm:styleLbl>
+  <dgm:styleLbl name="parChTrans1D4">
+    <dgm:scene3d>
+      <a:camera prst="orthographicFront"/>
+      <a:lightRig rig="threePt" dir="t"/>
+    </dgm:scene3d>
+    <dgm:sp3d/>
+    <dgm:txPr/>
+    <dgm:style>
+      <a:lnRef idx="2">
+        <a:scrgbClr r="0" g="0" b="0"/>
+      </a:lnRef>
+      <a:fillRef idx="0">
+        <a:scrgbClr r="0" g="0" b="0"/>
+      </a:fillRef>
+      <a:effectRef idx="0">
+        <a:scrgbClr r="0" g="0" b="0"/>
+      </a:effectRef>
+      <a:fontRef idx="minor"/>
+    </dgm:style>
+  </dgm:styleLbl>
+  <dgm:styleLbl name="fgAcc1">
+    <dgm:scene3d>
+      <a:camera prst="orthographicFront"/>
+      <a:lightRig rig="threePt" dir="t"/>
+    </dgm:scene3d>
+    <dgm:sp3d/>
+    <dgm:txPr/>
+    <dgm:style>
+      <a:lnRef idx="2">
+        <a:scrgbClr r="0" g="0" b="0"/>
+      </a:lnRef>
+      <a:fillRef idx="1">
+        <a:scrgbClr r="0" g="0" b="0"/>
+      </a:fillRef>
+      <a:effectRef idx="0">
+        <a:scrgbClr r="0" g="0" b="0"/>
+      </a:effectRef>
+      <a:fontRef idx="minor"/>
+    </dgm:style>
+  </dgm:styleLbl>
+  <dgm:styleLbl name="conFgAcc1">
+    <dgm:scene3d>
+      <a:camera prst="orthographicFront"/>
+      <a:lightRig rig="threePt" dir="t"/>
+    </dgm:scene3d>
+    <dgm:sp3d/>
+    <dgm:txPr/>
+    <dgm:style>
+      <a:lnRef idx="2">
+        <a:scrgbClr r="0" g="0" b="0"/>
+      </a:lnRef>
+      <a:fillRef idx="1">
+        <a:scrgbClr r="0" g="0" b="0"/>
+      </a:fillRef>
+      <a:effectRef idx="0">
+        <a:scrgbClr r="0" g="0" b="0"/>
+      </a:effectRef>
+      <a:fontRef idx="minor"/>
+    </dgm:style>
+  </dgm:styleLbl>
+  <dgm:styleLbl name="alignAcc1">
+    <dgm:scene3d>
+      <a:camera prst="orthographicFront"/>
+      <a:lightRig rig="threePt" dir="t"/>
+    </dgm:scene3d>
+    <dgm:sp3d/>
+    <dgm:txPr/>
+    <dgm:style>
+      <a:lnRef idx="2">
+        <a:scrgbClr r="0" g="0" b="0"/>
+      </a:lnRef>
+      <a:fillRef idx="1">
+        <a:scrgbClr r="0" g="0" b="0"/>
+      </a:fillRef>
+      <a:effectRef idx="0">
+        <a:scrgbClr r="0" g="0" b="0"/>
+      </a:effectRef>
+      <a:fontRef idx="minor"/>
+    </dgm:style>
+  </dgm:styleLbl>
+  <dgm:styleLbl name="trAlignAcc1">
+    <dgm:scene3d>
+      <a:camera prst="orthographicFront"/>
+      <a:lightRig rig="threePt" dir="t"/>
+    </dgm:scene3d>
+    <dgm:sp3d/>
+    <dgm:txPr/>
+    <dgm:style>
+      <a:lnRef idx="1">
+        <a:scrgbClr r="0" g="0" b="0"/>
+      </a:lnRef>
+      <a:fillRef idx="1">
+        <a:scrgbClr r="0" g="0" b="0"/>
+      </a:fillRef>
+      <a:effectRef idx="0">
+        <a:scrgbClr r="0" g="0" b="0"/>
+      </a:effectRef>
+      <a:fontRef idx="minor"/>
+    </dgm:style>
+  </dgm:styleLbl>
+  <dgm:styleLbl name="bgAcc1">
+    <dgm:scene3d>
+      <a:camera prst="orthographicFront"/>
+      <a:lightRig rig="threePt" dir="t"/>
+    </dgm:scene3d>
+    <dgm:sp3d/>
+    <dgm:txPr/>
+    <dgm:style>
+      <a:lnRef idx="2">
+        <a:scrgbClr r="0" g="0" b="0"/>
+      </a:lnRef>
+      <a:fillRef idx="1">
+        <a:scrgbClr r="0" g="0" b="0"/>
+      </a:fillRef>
+      <a:effectRef idx="0">
+        <a:scrgbClr r="0" g="0" b="0"/>
+      </a:effectRef>
+      <a:fontRef idx="minor"/>
+    </dgm:style>
+  </dgm:styleLbl>
+  <dgm:styleLbl name="solidFgAcc1">
+    <dgm:scene3d>
+      <a:camera prst="orthographicFront"/>
+      <a:lightRig rig="threePt" dir="t"/>
+    </dgm:scene3d>
+    <dgm:sp3d/>
+    <dgm:txPr/>
+    <dgm:style>
+      <a:lnRef idx="2">
+        <a:scrgbClr r="0" g="0" b="0"/>
+      </a:lnRef>
+      <a:fillRef idx="1">
+        <a:scrgbClr r="0" g="0" b="0"/>
+      </a:fillRef>
+      <a:effectRef idx="0">
+        <a:scrgbClr r="0" g="0" b="0"/>
+      </a:effectRef>
+      <a:fontRef idx="minor"/>
+    </dgm:style>
+  </dgm:styleLbl>
+  <dgm:styleLbl name="solidAlignAcc1">
+    <dgm:scene3d>
+      <a:camera prst="orthographicFront"/>
+      <a:lightRig rig="threePt" dir="t"/>
+    </dgm:scene3d>
+    <dgm:sp3d/>
+    <dgm:txPr/>
+    <dgm:style>
+      <a:lnRef idx="2">
+        <a:scrgbClr r="0" g="0" b="0"/>
+      </a:lnRef>
+      <a:fillRef idx="1">
+        <a:scrgbClr r="0" g="0" b="0"/>
+      </a:fillRef>
+      <a:effectRef idx="0">
+        <a:scrgbClr r="0" g="0" b="0"/>
+      </a:effectRef>
+      <a:fontRef idx="minor"/>
+    </dgm:style>
+  </dgm:styleLbl>
+  <dgm:styleLbl name="solidBgAcc1">
+    <dgm:scene3d>
+      <a:camera prst="orthographicFront"/>
+      <a:lightRig rig="threePt" dir="t"/>
+    </dgm:scene3d>
+    <dgm:sp3d/>
+    <dgm:txPr/>
+    <dgm:style>
+      <a:lnRef idx="2">
+        <a:scrgbClr r="0" g="0" b="0"/>
+      </a:lnRef>
+      <a:fillRef idx="1">
+        <a:scrgbClr r="0" g="0" b="0"/>
+      </a:fillRef>
+      <a:effectRef idx="0">
+        <a:scrgbClr r="0" g="0" b="0"/>
+      </a:effectRef>
+      <a:fontRef idx="minor"/>
+    </dgm:style>
+  </dgm:styleLbl>
+  <dgm:styleLbl name="fgAccFollowNode1">
+    <dgm:scene3d>
+      <a:camera prst="orthographicFront"/>
+      <a:lightRig rig="threePt" dir="t"/>
+    </dgm:scene3d>
+    <dgm:sp3d/>
+    <dgm:txPr/>
+    <dgm:style>
+      <a:lnRef idx="2">
+        <a:scrgbClr r="0" g="0" b="0"/>
+      </a:lnRef>
+      <a:fillRef idx="1">
+        <a:scrgbClr r="0" g="0" b="0"/>
+      </a:fillRef>
+      <a:effectRef idx="0">
+        <a:scrgbClr r="0" g="0" b="0"/>
+      </a:effectRef>
+      <a:fontRef idx="minor"/>
+    </dgm:style>
+  </dgm:styleLbl>
+  <dgm:styleLbl name="alignAccFollowNode1">
+    <dgm:scene3d>
+      <a:camera prst="orthographicFront"/>
+      <a:lightRig rig="threePt" dir="t"/>
+    </dgm:scene3d>
+    <dgm:sp3d/>
+    <dgm:txPr/>
+    <dgm:style>
+      <a:lnRef idx="2">
+        <a:scrgbClr r="0" g="0" b="0"/>
+      </a:lnRef>
+      <a:fillRef idx="1">
+        <a:scrgbClr r="0" g="0" b="0"/>
+      </a:fillRef>
+      <a:effectRef idx="0">
+        <a:scrgbClr r="0" g="0" b="0"/>
+      </a:effectRef>
+      <a:fontRef idx="minor"/>
+    </dgm:style>
+  </dgm:styleLbl>
+  <dgm:styleLbl name="bgAccFollowNode1">
+    <dgm:scene3d>
+      <a:camera prst="orthographicFront"/>
+      <a:lightRig rig="threePt" dir="t"/>
+    </dgm:scene3d>
+    <dgm:sp3d/>
+    <dgm:txPr/>
+    <dgm:style>
+      <a:lnRef idx="2">
+        <a:scrgbClr r="0" g="0" b="0"/>
+      </a:lnRef>
+      <a:fillRef idx="1">
+        <a:scrgbClr r="0" g="0" b="0"/>
+      </a:fillRef>
+      <a:effectRef idx="0">
+        <a:scrgbClr r="0" g="0" b="0"/>
+      </a:effectRef>
+      <a:fontRef idx="minor"/>
+    </dgm:style>
+  </dgm:styleLbl>
+  <dgm:styleLbl name="fgAcc0">
+    <dgm:scene3d>
+      <a:camera prst="orthographicFront"/>
+      <a:lightRig rig="threePt" dir="t"/>
+    </dgm:scene3d>
+    <dgm:sp3d/>
+    <dgm:txPr/>
+    <dgm:style>
+      <a:lnRef idx="2">
+        <a:scrgbClr r="0" g="0" b="0"/>
+      </a:lnRef>
+      <a:fillRef idx="1">
+        <a:scrgbClr r="0" g="0" b="0"/>
+      </a:fillRef>
+      <a:effectRef idx="0">
+        <a:scrgbClr r="0" g="0" b="0"/>
+      </a:effectRef>
+      <a:fontRef idx="minor"/>
+    </dgm:style>
+  </dgm:styleLbl>
+  <dgm:styleLbl name="fgAcc2">
+    <dgm:scene3d>
+      <a:camera prst="orthographicFront"/>
+      <a:lightRig rig="threePt" dir="t"/>
+    </dgm:scene3d>
+    <dgm:sp3d/>
+    <dgm:txPr/>
+    <dgm:style>
+      <a:lnRef idx="2">
+        <a:scrgbClr r="0" g="0" b="0"/>
+      </a:lnRef>
+      <a:fillRef idx="1">
+        <a:scrgbClr r="0" g="0" b="0"/>
+      </a:fillRef>
+      <a:effectRef idx="0">
+        <a:scrgbClr r="0" g="0" b="0"/>
+      </a:effectRef>
+      <a:fontRef idx="minor"/>
+    </dgm:style>
+  </dgm:styleLbl>
+  <dgm:styleLbl name="fgAcc3">
+    <dgm:scene3d>
+      <a:camera prst="orthographicFront"/>
+      <a:lightRig rig="threePt" dir="t"/>
+    </dgm:scene3d>
+    <dgm:sp3d/>
+    <dgm:txPr/>
+    <dgm:style>
+      <a:lnRef idx="2">
+        <a:scrgbClr r="0" g="0" b="0"/>
+      </a:lnRef>
+      <a:fillRef idx="1">
+        <a:scrgbClr r="0" g="0" b="0"/>
+      </a:fillRef>
+      <a:effectRef idx="0">
+        <a:scrgbClr r="0" g="0" b="0"/>
+      </a:effectRef>
+      <a:fontRef idx="minor"/>
+    </dgm:style>
+  </dgm:styleLbl>
+  <dgm:styleLbl name="fgAcc4">
+    <dgm:scene3d>
+      <a:camera prst="orthographicFront"/>
+      <a:lightRig rig="threePt" dir="t"/>
+    </dgm:scene3d>
+    <dgm:sp3d/>
+    <dgm:txPr/>
+    <dgm:style>
+      <a:lnRef idx="2">
+        <a:scrgbClr r="0" g="0" b="0"/>
+      </a:lnRef>
+      <a:fillRef idx="1">
+        <a:scrgbClr r="0" g="0" b="0"/>
+      </a:fillRef>
+      <a:effectRef idx="0">
+        <a:scrgbClr r="0" g="0" b="0"/>
+      </a:effectRef>
+      <a:fontRef idx="minor"/>
+    </dgm:style>
+  </dgm:styleLbl>
+  <dgm:styleLbl name="bgShp">
+    <dgm:scene3d>
+      <a:camera prst="orthographicFront"/>
+      <a:lightRig rig="threePt" dir="t"/>
+    </dgm:scene3d>
+    <dgm:sp3d/>
+    <dgm:txPr/>
+    <dgm:style>
+      <a:lnRef idx="0">
+        <a:scrgbClr r="0" g="0" b="0"/>
+      </a:lnRef>
+      <a:fillRef idx="1">
+        <a:scrgbClr r="0" g="0" b="0"/>
+      </a:fillRef>
+      <a:effectRef idx="0">
+        <a:scrgbClr r="0" g="0" b="0"/>
+      </a:effectRef>
+      <a:fontRef idx="minor"/>
+    </dgm:style>
+  </dgm:styleLbl>
+  <dgm:styleLbl name="dkBgShp">
+    <dgm:scene3d>
+      <a:camera prst="orthographicFront"/>
+      <a:lightRig rig="threePt" dir="t"/>
+    </dgm:scene3d>
+    <dgm:sp3d/>
+    <dgm:txPr/>
+    <dgm:style>
+      <a:lnRef idx="0">
+        <a:scrgbClr r="0" g="0" b="0"/>
+      </a:lnRef>
+      <a:fillRef idx="1">
+        <a:scrgbClr r="0" g="0" b="0"/>
+      </a:fillRef>
+      <a:effectRef idx="0">
+        <a:scrgbClr r="0" g="0" b="0"/>
+      </a:effectRef>
+      <a:fontRef idx="minor"/>
+    </dgm:style>
+  </dgm:styleLbl>
+  <dgm:styleLbl name="trBgShp">
+    <dgm:scene3d>
+      <a:camera prst="orthographicFront"/>
+      <a:lightRig rig="threePt" dir="t"/>
+    </dgm:scene3d>
+    <dgm:sp3d/>
+    <dgm:txPr/>
+    <dgm:style>
+      <a:lnRef idx="0">
+        <a:scrgbClr r="0" g="0" b="0"/>
+      </a:lnRef>
+      <a:fillRef idx="1">
+        <a:scrgbClr r="0" g="0" b="0"/>
+      </a:fillRef>
+      <a:effectRef idx="0">
+        <a:scrgbClr r="0" g="0" b="0"/>
+      </a:effectRef>
+      <a:fontRef idx="minor"/>
+    </dgm:style>
+  </dgm:styleLbl>
+  <dgm:styleLbl name="fgShp">
+    <dgm:scene3d>
+      <a:camera prst="orthographicFront"/>
+      <a:lightRig rig="threePt" dir="t"/>
+    </dgm:scene3d>
+    <dgm:sp3d/>
+    <dgm:txPr/>
+    <dgm:style>
+      <a:lnRef idx="2">
+        <a:scrgbClr r="0" g="0" b="0"/>
+      </a:lnRef>
+      <a:fillRef idx="1">
+        <a:scrgbClr r="0" g="0" b="0"/>
+      </a:fillRef>
+      <a:effectRef idx="0">
+        <a:scrgbClr r="0" g="0" b="0"/>
+      </a:effectRef>
+      <a:fontRef idx="minor"/>
+    </dgm:style>
+  </dgm:styleLbl>
+  <dgm:styleLbl name="revTx">
+    <dgm:scene3d>
+      <a:camera prst="orthographicFront"/>
+      <a:lightRig rig="threePt" dir="t"/>
+    </dgm:scene3d>
+    <dgm:sp3d/>
+    <dgm:txPr/>
+    <dgm:style>
+      <a:lnRef idx="0">
+        <a:scrgbClr r="0" g="0" b="0"/>
+      </a:lnRef>
+      <a:fillRef idx="0">
+        <a:scrgbClr r="0" g="0" b="0"/>
+      </a:fillRef>
+      <a:effectRef idx="0">
+        <a:scrgbClr r="0" g="0" b="0"/>
+      </a:effectRef>
+      <a:fontRef idx="minor"/>
+    </dgm:style>
+  </dgm:styleLbl>
+</dgm:styleDef>
+</file>
+
 <file path=ppt/notesMasters/notesMaster1.xml><?xml version="1.0" encoding="utf-8"?>
-<p:notesMaster xmlns:a="http://schemas.openxmlformats.org/drawingml/2006/main" xmlns:r="http://schemas.openxmlformats.org/officeDocument/2006/relationships" xmlns:mc="http://schemas.openxmlformats.org/markup-compatibility/2006" xmlns:mv="urn:schemas-microsoft-com:mac:vml" xmlns:p="http://schemas.openxmlformats.org/presentationml/2006/main" xmlns:c="http://schemas.openxmlformats.org/drawingml/2006/chart" xmlns:dgm="http://schemas.openxmlformats.org/drawingml/2006/diagram" xmlns:o="urn:schemas-microsoft-com:office:office" xmlns:v="urn:schemas-microsoft-com:vml" xmlns:pvml="urn:schemas-microsoft-com:office:powerpoint" xmlns:com="http://schemas.openxmlformats.org/drawingml/2006/compatibility" xmlns:p14="http://schemas.microsoft.com/office/powerpoint/2010/main" xmlns:p15="http://schemas.microsoft.com/office/powerpoint/2012/main">
+<p:notesMaster xmlns:a="http://schemas.openxmlformats.org/drawingml/2006/main" xmlns:r="http://schemas.openxmlformats.org/officeDocument/2006/relationships" xmlns:p="http://schemas.openxmlformats.org/presentationml/2006/main">
   <p:cSld>
+    <p:bg>
+      <p:bgRef idx="1001">
+        <a:schemeClr val="bg1"/>
+      </p:bgRef>
+    </p:bg>
     <p:spTree>
       <p:nvGrpSpPr>
-        <p:cNvPr id="2" name="Shape 2"/>
+        <p:cNvPr id="1" name="Shape 2"/>
         <p:cNvGrpSpPr/>
         <p:nvPr/>
       </p:nvGrpSpPr>
@@ -280,20 +3275,26 @@
       <p:sp>
         <p:nvSpPr>
           <p:cNvPr id="3" name="Google Shape;3;n"/>
-          <p:cNvSpPr/>
+          <p:cNvSpPr>
+            <a:spLocks noGrp="1" noRot="1" noChangeAspect="1"/>
+          </p:cNvSpPr>
           <p:nvPr>
-            <p:ph idx="2" type="sldImg"/>
+            <p:ph type="sldImg" idx="2"/>
           </p:nvPr>
         </p:nvSpPr>
         <p:spPr>
           <a:xfrm>
-            <a:off x="381300" y="685800"/>
-            <a:ext cx="6096075" cy="3429000"/>
+            <a:off x="-13716000" y="685800"/>
+            <a:ext cx="34290000" cy="3429000"/>
           </a:xfrm>
           <a:custGeom>
-            <a:rect b="b" l="l" r="r" t="t"/>
+            <a:avLst/>
+            <a:gdLst/>
+            <a:ahLst/>
+            <a:cxnLst/>
+            <a:rect l="l" t="t" r="r" b="b"/>
             <a:pathLst>
-              <a:path extrusionOk="0" h="120000" w="120000">
+              <a:path w="120000" h="120000" extrusionOk="0">
                 <a:moveTo>
                   <a:pt x="0" y="0"/>
                 </a:moveTo>
@@ -311,23 +3312,25 @@
             </a:pathLst>
           </a:custGeom>
           <a:noFill/>
-          <a:ln cap="flat" cmpd="sng" w="9525">
+          <a:ln w="9525" cap="flat" cmpd="sng">
             <a:solidFill>
               <a:srgbClr val="000000"/>
             </a:solidFill>
             <a:prstDash val="solid"/>
             <a:round/>
-            <a:headEnd len="sm" w="sm" type="none"/>
-            <a:tailEnd len="sm" w="sm" type="none"/>
+            <a:headEnd type="none" w="sm" len="sm"/>
+            <a:tailEnd type="none" w="sm" len="sm"/>
           </a:ln>
         </p:spPr>
       </p:sp>
       <p:sp>
         <p:nvSpPr>
           <p:cNvPr id="4" name="Google Shape;4;n"/>
-          <p:cNvSpPr txBox="1"/>
+          <p:cNvSpPr txBox="1">
+            <a:spLocks noGrp="1"/>
+          </p:cNvSpPr>
           <p:nvPr>
-            <p:ph idx="1" type="body"/>
+            <p:ph type="body" idx="1"/>
           </p:nvPr>
         </p:nvSpPr>
         <p:spPr>
@@ -344,11 +3347,11 @@
           </a:ln>
         </p:spPr>
         <p:txBody>
-          <a:bodyPr anchorCtr="0" anchor="t" bIns="91425" lIns="91425" spcFirstLastPara="1" rIns="91425" wrap="square" tIns="91425">
+          <a:bodyPr spcFirstLastPara="1" wrap="square" lIns="91425" tIns="91425" rIns="91425" bIns="91425" anchor="t" anchorCtr="0">
             <a:noAutofit/>
           </a:bodyPr>
           <a:lstStyle>
-            <a:lvl1pPr indent="-298450" lvl="0" marL="457200">
+            <a:lvl1pPr marL="457200" lvl="0" indent="-298450">
               <a:spcBef>
                 <a:spcPts val="0"/>
               </a:spcBef>
@@ -359,7 +3362,7 @@
               <a:buChar char="●"/>
               <a:defRPr sz="1100"/>
             </a:lvl1pPr>
-            <a:lvl2pPr indent="-298450" lvl="1" marL="914400">
+            <a:lvl2pPr marL="914400" lvl="1" indent="-298450">
               <a:spcBef>
                 <a:spcPts val="0"/>
               </a:spcBef>
@@ -370,7 +3373,7 @@
               <a:buChar char="○"/>
               <a:defRPr sz="1100"/>
             </a:lvl2pPr>
-            <a:lvl3pPr indent="-298450" lvl="2" marL="1371600">
+            <a:lvl3pPr marL="1371600" lvl="2" indent="-298450">
               <a:spcBef>
                 <a:spcPts val="0"/>
               </a:spcBef>
@@ -381,7 +3384,7 @@
               <a:buChar char="■"/>
               <a:defRPr sz="1100"/>
             </a:lvl3pPr>
-            <a:lvl4pPr indent="-298450" lvl="3" marL="1828800">
+            <a:lvl4pPr marL="1828800" lvl="3" indent="-298450">
               <a:spcBef>
                 <a:spcPts val="0"/>
               </a:spcBef>
@@ -392,7 +3395,7 @@
               <a:buChar char="●"/>
               <a:defRPr sz="1100"/>
             </a:lvl4pPr>
-            <a:lvl5pPr indent="-298450" lvl="4" marL="2286000">
+            <a:lvl5pPr marL="2286000" lvl="4" indent="-298450">
               <a:spcBef>
                 <a:spcPts val="0"/>
               </a:spcBef>
@@ -403,7 +3406,7 @@
               <a:buChar char="○"/>
               <a:defRPr sz="1100"/>
             </a:lvl5pPr>
-            <a:lvl6pPr indent="-298450" lvl="5" marL="2743200">
+            <a:lvl6pPr marL="2743200" lvl="5" indent="-298450">
               <a:spcBef>
                 <a:spcPts val="0"/>
               </a:spcBef>
@@ -414,7 +3417,7 @@
               <a:buChar char="■"/>
               <a:defRPr sz="1100"/>
             </a:lvl6pPr>
-            <a:lvl7pPr indent="-298450" lvl="6" marL="3200400">
+            <a:lvl7pPr marL="3200400" lvl="6" indent="-298450">
               <a:spcBef>
                 <a:spcPts val="0"/>
               </a:spcBef>
@@ -425,7 +3428,7 @@
               <a:buChar char="●"/>
               <a:defRPr sz="1100"/>
             </a:lvl7pPr>
-            <a:lvl8pPr indent="-298450" lvl="7" marL="3657600">
+            <a:lvl8pPr marL="3657600" lvl="7" indent="-298450">
               <a:spcBef>
                 <a:spcPts val="0"/>
               </a:spcBef>
@@ -436,7 +3439,7 @@
               <a:buChar char="○"/>
               <a:defRPr sz="1100"/>
             </a:lvl8pPr>
-            <a:lvl9pPr indent="-298450" lvl="8" marL="4114800">
+            <a:lvl9pPr marL="4114800" lvl="8" indent="-298450">
               <a:spcBef>
                 <a:spcPts val="0"/>
               </a:spcBef>
@@ -448,14 +3451,16 @@
               <a:defRPr sz="1100"/>
             </a:lvl9pPr>
           </a:lstStyle>
-          <a:p/>
+          <a:p>
+            <a:endParaRPr/>
+          </a:p>
         </p:txBody>
       </p:sp>
     </p:spTree>
   </p:cSld>
-  <p:clrMap accent1="accent1" accent2="accent2" accent3="accent3" accent4="accent4" accent5="accent5" accent6="accent6" bg1="lt1" bg2="dk2" tx1="dk1" tx2="lt2" folHlink="folHlink" hlink="hlink"/>
+  <p:clrMap bg1="lt1" tx1="dk1" bg2="dk2" tx2="lt2" accent1="accent1" accent2="accent2" accent3="accent3" accent4="accent4" accent5="accent5" accent6="accent6" hlink="hlink" folHlink="folHlink"/>
   <p:notesStyle>
-    <a:defPPr lvl="0" marR="0" rtl="0" algn="l">
+    <a:defPPr marR="0" lvl="0" algn="l" rtl="0">
       <a:lnSpc>
         <a:spcPct val="100000"/>
       </a:lnSpc>
@@ -466,7 +3471,7 @@
         <a:spcPts val="0"/>
       </a:spcAft>
     </a:defPPr>
-    <a:lvl1pPr lvl="0" marR="0" rtl="0" algn="l">
+    <a:lvl1pPr marR="0" lvl="0" algn="l" rtl="0">
       <a:lnSpc>
         <a:spcPct val="100000"/>
       </a:lnSpc>
@@ -480,7 +3485,7 @@
         <a:srgbClr val="000000"/>
       </a:buClr>
       <a:buFont typeface="Arial"/>
-      <a:defRPr b="0" i="0" sz="1400" u="none" cap="none" strike="noStrike">
+      <a:defRPr sz="1400" b="0" i="0" u="none" strike="noStrike" cap="none">
         <a:solidFill>
           <a:srgbClr val="000000"/>
         </a:solidFill>
@@ -490,7 +3495,7 @@
         <a:sym typeface="Arial"/>
       </a:defRPr>
     </a:lvl1pPr>
-    <a:lvl2pPr lvl="1" marR="0" rtl="0" algn="l">
+    <a:lvl2pPr marR="0" lvl="1" algn="l" rtl="0">
       <a:lnSpc>
         <a:spcPct val="100000"/>
       </a:lnSpc>
@@ -504,7 +3509,7 @@
         <a:srgbClr val="000000"/>
       </a:buClr>
       <a:buFont typeface="Arial"/>
-      <a:defRPr b="0" i="0" sz="1400" u="none" cap="none" strike="noStrike">
+      <a:defRPr sz="1400" b="0" i="0" u="none" strike="noStrike" cap="none">
         <a:solidFill>
           <a:srgbClr val="000000"/>
         </a:solidFill>
@@ -514,7 +3519,7 @@
         <a:sym typeface="Arial"/>
       </a:defRPr>
     </a:lvl2pPr>
-    <a:lvl3pPr lvl="2" marR="0" rtl="0" algn="l">
+    <a:lvl3pPr marR="0" lvl="2" algn="l" rtl="0">
       <a:lnSpc>
         <a:spcPct val="100000"/>
       </a:lnSpc>
@@ -528,7 +3533,7 @@
         <a:srgbClr val="000000"/>
       </a:buClr>
       <a:buFont typeface="Arial"/>
-      <a:defRPr b="0" i="0" sz="1400" u="none" cap="none" strike="noStrike">
+      <a:defRPr sz="1400" b="0" i="0" u="none" strike="noStrike" cap="none">
         <a:solidFill>
           <a:srgbClr val="000000"/>
         </a:solidFill>
@@ -538,7 +3543,7 @@
         <a:sym typeface="Arial"/>
       </a:defRPr>
     </a:lvl3pPr>
-    <a:lvl4pPr lvl="3" marR="0" rtl="0" algn="l">
+    <a:lvl4pPr marR="0" lvl="3" algn="l" rtl="0">
       <a:lnSpc>
         <a:spcPct val="100000"/>
       </a:lnSpc>
@@ -552,7 +3557,7 @@
         <a:srgbClr val="000000"/>
       </a:buClr>
       <a:buFont typeface="Arial"/>
-      <a:defRPr b="0" i="0" sz="1400" u="none" cap="none" strike="noStrike">
+      <a:defRPr sz="1400" b="0" i="0" u="none" strike="noStrike" cap="none">
         <a:solidFill>
           <a:srgbClr val="000000"/>
         </a:solidFill>
@@ -562,7 +3567,7 @@
         <a:sym typeface="Arial"/>
       </a:defRPr>
     </a:lvl4pPr>
-    <a:lvl5pPr lvl="4" marR="0" rtl="0" algn="l">
+    <a:lvl5pPr marR="0" lvl="4" algn="l" rtl="0">
       <a:lnSpc>
         <a:spcPct val="100000"/>
       </a:lnSpc>
@@ -576,7 +3581,7 @@
         <a:srgbClr val="000000"/>
       </a:buClr>
       <a:buFont typeface="Arial"/>
-      <a:defRPr b="0" i="0" sz="1400" u="none" cap="none" strike="noStrike">
+      <a:defRPr sz="1400" b="0" i="0" u="none" strike="noStrike" cap="none">
         <a:solidFill>
           <a:srgbClr val="000000"/>
         </a:solidFill>
@@ -586,7 +3591,7 @@
         <a:sym typeface="Arial"/>
       </a:defRPr>
     </a:lvl5pPr>
-    <a:lvl6pPr lvl="5" marR="0" rtl="0" algn="l">
+    <a:lvl6pPr marR="0" lvl="5" algn="l" rtl="0">
       <a:lnSpc>
         <a:spcPct val="100000"/>
       </a:lnSpc>
@@ -600,7 +3605,7 @@
         <a:srgbClr val="000000"/>
       </a:buClr>
       <a:buFont typeface="Arial"/>
-      <a:defRPr b="0" i="0" sz="1400" u="none" cap="none" strike="noStrike">
+      <a:defRPr sz="1400" b="0" i="0" u="none" strike="noStrike" cap="none">
         <a:solidFill>
           <a:srgbClr val="000000"/>
         </a:solidFill>
@@ -610,7 +3615,7 @@
         <a:sym typeface="Arial"/>
       </a:defRPr>
     </a:lvl6pPr>
-    <a:lvl7pPr lvl="6" marR="0" rtl="0" algn="l">
+    <a:lvl7pPr marR="0" lvl="6" algn="l" rtl="0">
       <a:lnSpc>
         <a:spcPct val="100000"/>
       </a:lnSpc>
@@ -624,7 +3629,7 @@
         <a:srgbClr val="000000"/>
       </a:buClr>
       <a:buFont typeface="Arial"/>
-      <a:defRPr b="0" i="0" sz="1400" u="none" cap="none" strike="noStrike">
+      <a:defRPr sz="1400" b="0" i="0" u="none" strike="noStrike" cap="none">
         <a:solidFill>
           <a:srgbClr val="000000"/>
         </a:solidFill>
@@ -634,7 +3639,7 @@
         <a:sym typeface="Arial"/>
       </a:defRPr>
     </a:lvl7pPr>
-    <a:lvl8pPr lvl="7" marR="0" rtl="0" algn="l">
+    <a:lvl8pPr marR="0" lvl="7" algn="l" rtl="0">
       <a:lnSpc>
         <a:spcPct val="100000"/>
       </a:lnSpc>
@@ -648,7 +3653,7 @@
         <a:srgbClr val="000000"/>
       </a:buClr>
       <a:buFont typeface="Arial"/>
-      <a:defRPr b="0" i="0" sz="1400" u="none" cap="none" strike="noStrike">
+      <a:defRPr sz="1400" b="0" i="0" u="none" strike="noStrike" cap="none">
         <a:solidFill>
           <a:srgbClr val="000000"/>
         </a:solidFill>
@@ -658,7 +3663,7 @@
         <a:sym typeface="Arial"/>
       </a:defRPr>
     </a:lvl8pPr>
-    <a:lvl9pPr lvl="8" marR="0" rtl="0" algn="l">
+    <a:lvl9pPr marR="0" lvl="8" algn="l" rtl="0">
       <a:lnSpc>
         <a:spcPct val="100000"/>
       </a:lnSpc>
@@ -672,7 +3677,7 @@
         <a:srgbClr val="000000"/>
       </a:buClr>
       <a:buFont typeface="Arial"/>
-      <a:defRPr b="0" i="0" sz="1400" u="none" cap="none" strike="noStrike">
+      <a:defRPr sz="1400" b="0" i="0" u="none" strike="noStrike" cap="none">
         <a:solidFill>
           <a:srgbClr val="000000"/>
         </a:solidFill>
@@ -686,111 +3691,12 @@
 </p:notesMaster>
 </file>
 
-<file path=ppt/notesSlides/notesSlide1.xml><?xml version="1.0" encoding="utf-8"?>
-<p:notes xmlns:a="http://schemas.openxmlformats.org/drawingml/2006/main" xmlns:r="http://schemas.openxmlformats.org/officeDocument/2006/relationships" xmlns:mc="http://schemas.openxmlformats.org/markup-compatibility/2006" xmlns:mv="urn:schemas-microsoft-com:mac:vml" xmlns:p="http://schemas.openxmlformats.org/presentationml/2006/main" xmlns:c="http://schemas.openxmlformats.org/drawingml/2006/chart" xmlns:dgm="http://schemas.openxmlformats.org/drawingml/2006/diagram" xmlns:o="urn:schemas-microsoft-com:office:office" xmlns:v="urn:schemas-microsoft-com:vml" xmlns:pvml="urn:schemas-microsoft-com:office:powerpoint" xmlns:com="http://schemas.openxmlformats.org/drawingml/2006/compatibility" xmlns:p14="http://schemas.microsoft.com/office/powerpoint/2010/main" xmlns:p15="http://schemas.microsoft.com/office/powerpoint/2012/main" showMasterPhAnim="0" showMasterSp="0">
-  <p:cSld>
-    <p:spTree>
-      <p:nvGrpSpPr>
-        <p:cNvPr id="50" name="Shape 50"/>
-        <p:cNvGrpSpPr/>
-        <p:nvPr/>
-      </p:nvGrpSpPr>
-      <p:grpSpPr>
-        <a:xfrm>
-          <a:off x="0" y="0"/>
-          <a:ext cx="0" cy="0"/>
-          <a:chOff x="0" y="0"/>
-          <a:chExt cx="0" cy="0"/>
-        </a:xfrm>
-      </p:grpSpPr>
-      <p:sp>
-        <p:nvSpPr>
-          <p:cNvPr id="51" name="Google Shape;51;p:notes"/>
-          <p:cNvSpPr/>
-          <p:nvPr>
-            <p:ph idx="2" type="sldImg"/>
-          </p:nvPr>
-        </p:nvSpPr>
-        <p:spPr>
-          <a:xfrm>
-            <a:off x="381300" y="685800"/>
-            <a:ext cx="6096075" cy="3429000"/>
-          </a:xfrm>
-          <a:custGeom>
-            <a:rect b="b" l="l" r="r" t="t"/>
-            <a:pathLst>
-              <a:path extrusionOk="0" h="120000" w="120000">
-                <a:moveTo>
-                  <a:pt x="0" y="0"/>
-                </a:moveTo>
-                <a:lnTo>
-                  <a:pt x="120000" y="0"/>
-                </a:lnTo>
-                <a:lnTo>
-                  <a:pt x="120000" y="120000"/>
-                </a:lnTo>
-                <a:lnTo>
-                  <a:pt x="0" y="120000"/>
-                </a:lnTo>
-                <a:close/>
-              </a:path>
-            </a:pathLst>
-          </a:custGeom>
-        </p:spPr>
-      </p:sp>
-      <p:sp>
-        <p:nvSpPr>
-          <p:cNvPr id="52" name="Google Shape;52;p:notes"/>
-          <p:cNvSpPr txBox="1"/>
-          <p:nvPr>
-            <p:ph idx="1" type="body"/>
-          </p:nvPr>
-        </p:nvSpPr>
-        <p:spPr>
-          <a:xfrm>
-            <a:off x="685800" y="4343400"/>
-            <a:ext cx="5486400" cy="4114800"/>
-          </a:xfrm>
-          <a:prstGeom prst="rect">
-            <a:avLst/>
-          </a:prstGeom>
-        </p:spPr>
-        <p:txBody>
-          <a:bodyPr anchorCtr="0" anchor="t" bIns="91425" lIns="91425" spcFirstLastPara="1" rIns="91425" wrap="square" tIns="91425">
-            <a:noAutofit/>
-          </a:bodyPr>
-          <a:lstStyle/>
-          <a:p>
-            <a:pPr indent="0" lvl="0" marL="0" rtl="0" algn="l">
-              <a:spcBef>
-                <a:spcPts val="0"/>
-              </a:spcBef>
-              <a:spcAft>
-                <a:spcPts val="0"/>
-              </a:spcAft>
-              <a:buNone/>
-            </a:pPr>
-            <a:r>
-              <a:t/>
-            </a:r>
-            <a:endParaRPr/>
-          </a:p>
-        </p:txBody>
-      </p:sp>
-    </p:spTree>
-  </p:cSld>
-  <p:clrMapOvr>
-    <a:masterClrMapping/>
-  </p:clrMapOvr>
-</p:notes>
-</file>
-
 <file path=ppt/slideLayouts/slideLayout1.xml><?xml version="1.0" encoding="utf-8"?>
-<p:sldLayout xmlns:a="http://schemas.openxmlformats.org/drawingml/2006/main" xmlns:r="http://schemas.openxmlformats.org/officeDocument/2006/relationships" xmlns:mc="http://schemas.openxmlformats.org/markup-compatibility/2006" xmlns:mv="urn:schemas-microsoft-com:mac:vml" xmlns:p="http://schemas.openxmlformats.org/presentationml/2006/main" xmlns:c="http://schemas.openxmlformats.org/drawingml/2006/chart" xmlns:dgm="http://schemas.openxmlformats.org/drawingml/2006/diagram" xmlns:o="urn:schemas-microsoft-com:office:office" xmlns:v="urn:schemas-microsoft-com:vml" xmlns:pvml="urn:schemas-microsoft-com:office:powerpoint" xmlns:com="http://schemas.openxmlformats.org/drawingml/2006/compatibility" xmlns:p14="http://schemas.microsoft.com/office/powerpoint/2010/main" xmlns:p15="http://schemas.microsoft.com/office/powerpoint/2012/main" matchingName="Title slide" type="title">
+<p:sldLayout xmlns:a="http://schemas.openxmlformats.org/drawingml/2006/main" xmlns:r="http://schemas.openxmlformats.org/officeDocument/2006/relationships" xmlns:p="http://schemas.openxmlformats.org/presentationml/2006/main" matchingName="Title slide" type="title">
   <p:cSld name="TITLE">
     <p:spTree>
       <p:nvGrpSpPr>
-        <p:cNvPr id="9" name="Shape 9"/>
+        <p:cNvPr id="1" name="Shape 9"/>
         <p:cNvGrpSpPr/>
         <p:nvPr/>
       </p:nvGrpSpPr>
@@ -805,22 +3711,24 @@
       <p:sp>
         <p:nvSpPr>
           <p:cNvPr id="10" name="Google Shape;10;p2"/>
-          <p:cNvSpPr txBox="1"/>
+          <p:cNvSpPr txBox="1">
+            <a:spLocks noGrp="1"/>
+          </p:cNvSpPr>
           <p:nvPr>
             <p:ph type="ctrTitle"/>
           </p:nvPr>
         </p:nvSpPr>
         <p:spPr>
           <a:xfrm>
-            <a:off x="311708" y="744575"/>
-            <a:ext cx="8520600" cy="2052600"/>
+            <a:off x="311708" y="132369"/>
+            <a:ext cx="8520600" cy="364907"/>
           </a:xfrm>
           <a:prstGeom prst="rect">
             <a:avLst/>
           </a:prstGeom>
         </p:spPr>
         <p:txBody>
-          <a:bodyPr anchorCtr="0" anchor="b" bIns="91425" lIns="91425" spcFirstLastPara="1" rIns="91425" wrap="square" tIns="91425">
+          <a:bodyPr spcFirstLastPara="1" wrap="square" lIns="91425" tIns="91425" rIns="91425" bIns="91425" anchor="b" anchorCtr="0">
             <a:noAutofit/>
           </a:bodyPr>
           <a:lstStyle>
@@ -924,28 +3832,32 @@
               <a:defRPr sz="5200"/>
             </a:lvl9pPr>
           </a:lstStyle>
-          <a:p/>
+          <a:p>
+            <a:endParaRPr/>
+          </a:p>
         </p:txBody>
       </p:sp>
       <p:sp>
         <p:nvSpPr>
           <p:cNvPr id="11" name="Google Shape;11;p2"/>
-          <p:cNvSpPr txBox="1"/>
+          <p:cNvSpPr txBox="1">
+            <a:spLocks noGrp="1"/>
+          </p:cNvSpPr>
           <p:nvPr>
-            <p:ph idx="1" type="subTitle"/>
+            <p:ph type="subTitle" idx="1"/>
           </p:nvPr>
         </p:nvSpPr>
         <p:spPr>
           <a:xfrm>
-            <a:off x="311700" y="2834125"/>
-            <a:ext cx="8520600" cy="792600"/>
+            <a:off x="311700" y="503844"/>
+            <a:ext cx="8520600" cy="140907"/>
           </a:xfrm>
           <a:prstGeom prst="rect">
             <a:avLst/>
           </a:prstGeom>
         </p:spPr>
         <p:txBody>
-          <a:bodyPr anchorCtr="0" anchor="t" bIns="91425" lIns="91425" spcFirstLastPara="1" rIns="91425" wrap="square" tIns="91425">
+          <a:bodyPr spcFirstLastPara="1" wrap="square" lIns="91425" tIns="91425" rIns="91425" bIns="91425" anchor="t" anchorCtr="0">
             <a:noAutofit/>
           </a:bodyPr>
           <a:lstStyle>
@@ -1076,28 +3988,32 @@
               <a:defRPr sz="2800"/>
             </a:lvl9pPr>
           </a:lstStyle>
-          <a:p/>
+          <a:p>
+            <a:endParaRPr/>
+          </a:p>
         </p:txBody>
       </p:sp>
       <p:sp>
         <p:nvSpPr>
           <p:cNvPr id="12" name="Google Shape;12;p2"/>
-          <p:cNvSpPr txBox="1"/>
+          <p:cNvSpPr txBox="1">
+            <a:spLocks noGrp="1"/>
+          </p:cNvSpPr>
           <p:nvPr>
-            <p:ph idx="12" type="sldNum"/>
+            <p:ph type="sldNum" idx="12"/>
           </p:nvPr>
         </p:nvSpPr>
         <p:spPr>
           <a:xfrm>
-            <a:off x="8472458" y="4663217"/>
-            <a:ext cx="548700" cy="393600"/>
+            <a:off x="8472458" y="829017"/>
+            <a:ext cx="548700" cy="69973"/>
           </a:xfrm>
           <a:prstGeom prst="rect">
             <a:avLst/>
           </a:prstGeom>
         </p:spPr>
         <p:txBody>
-          <a:bodyPr anchorCtr="0" anchor="ctr" bIns="91425" lIns="91425" spcFirstLastPara="1" rIns="91425" wrap="square" tIns="91425">
+          <a:bodyPr spcFirstLastPara="1" wrap="square" lIns="91425" tIns="91425" rIns="91425" bIns="91425" anchor="ctr" anchorCtr="0">
             <a:noAutofit/>
           </a:bodyPr>
           <a:lstStyle>
@@ -1139,20 +4055,12 @@
             </a:lvl9pPr>
           </a:lstStyle>
           <a:p>
-            <a:pPr indent="0" lvl="0" marL="0" rtl="0" algn="r">
-              <a:spcBef>
-                <a:spcPts val="0"/>
-              </a:spcBef>
-              <a:spcAft>
-                <a:spcPts val="0"/>
-              </a:spcAft>
-              <a:buNone/>
-            </a:pPr>
             <a:fld id="{00000000-1234-1234-1234-123412341234}" type="slidenum">
-              <a:rPr lang="en"/>
+              <a:rPr lang="en" smtClean="0"/>
+              <a:pPr/>
               <a:t>‹#›</a:t>
             </a:fld>
-            <a:endParaRPr/>
+            <a:endParaRPr lang="en"/>
           </a:p>
         </p:txBody>
       </p:sp>
@@ -1165,11 +4073,11 @@
 </file>
 
 <file path=ppt/slideLayouts/slideLayout10.xml><?xml version="1.0" encoding="utf-8"?>
-<p:sldLayout xmlns:a="http://schemas.openxmlformats.org/drawingml/2006/main" xmlns:r="http://schemas.openxmlformats.org/officeDocument/2006/relationships" xmlns:mc="http://schemas.openxmlformats.org/markup-compatibility/2006" xmlns:mv="urn:schemas-microsoft-com:mac:vml" xmlns:p="http://schemas.openxmlformats.org/presentationml/2006/main" xmlns:c="http://schemas.openxmlformats.org/drawingml/2006/chart" xmlns:dgm="http://schemas.openxmlformats.org/drawingml/2006/diagram" xmlns:o="urn:schemas-microsoft-com:office:office" xmlns:v="urn:schemas-microsoft-com:vml" xmlns:pvml="urn:schemas-microsoft-com:office:powerpoint" xmlns:com="http://schemas.openxmlformats.org/drawingml/2006/compatibility" xmlns:p14="http://schemas.microsoft.com/office/powerpoint/2010/main" xmlns:p15="http://schemas.microsoft.com/office/powerpoint/2012/main" matchingName="Big number">
+<p:sldLayout xmlns:a="http://schemas.openxmlformats.org/drawingml/2006/main" xmlns:r="http://schemas.openxmlformats.org/officeDocument/2006/relationships" xmlns:p="http://schemas.openxmlformats.org/presentationml/2006/main" matchingName="Big number">
   <p:cSld name="BIG_NUMBER">
     <p:spTree>
       <p:nvGrpSpPr>
-        <p:cNvPr id="44" name="Shape 44"/>
+        <p:cNvPr id="1" name="Shape 44"/>
         <p:cNvGrpSpPr/>
         <p:nvPr/>
       </p:nvGrpSpPr>
@@ -1184,22 +4092,24 @@
       <p:sp>
         <p:nvSpPr>
           <p:cNvPr id="45" name="Google Shape;45;p11"/>
-          <p:cNvSpPr txBox="1"/>
+          <p:cNvSpPr txBox="1">
+            <a:spLocks noGrp="1"/>
+          </p:cNvSpPr>
           <p:nvPr>
-            <p:ph hasCustomPrompt="1" type="title"/>
+            <p:ph type="title" hasCustomPrompt="1"/>
           </p:nvPr>
         </p:nvSpPr>
         <p:spPr>
           <a:xfrm>
-            <a:off x="311700" y="1106125"/>
-            <a:ext cx="8520600" cy="1963500"/>
+            <a:off x="311700" y="196644"/>
+            <a:ext cx="8520600" cy="349067"/>
           </a:xfrm>
           <a:prstGeom prst="rect">
             <a:avLst/>
           </a:prstGeom>
         </p:spPr>
         <p:txBody>
-          <a:bodyPr anchorCtr="0" anchor="b" bIns="91425" lIns="91425" spcFirstLastPara="1" rIns="91425" wrap="square" tIns="91425">
+          <a:bodyPr spcFirstLastPara="1" wrap="square" lIns="91425" tIns="91425" rIns="91425" bIns="91425" anchor="b" anchorCtr="0">
             <a:noAutofit/>
           </a:bodyPr>
           <a:lstStyle>
@@ -1313,26 +4223,28 @@
       <p:sp>
         <p:nvSpPr>
           <p:cNvPr id="46" name="Google Shape;46;p11"/>
-          <p:cNvSpPr txBox="1"/>
+          <p:cNvSpPr txBox="1">
+            <a:spLocks noGrp="1"/>
+          </p:cNvSpPr>
           <p:nvPr>
-            <p:ph idx="1" type="body"/>
+            <p:ph type="body" idx="1"/>
           </p:nvPr>
         </p:nvSpPr>
         <p:spPr>
           <a:xfrm>
-            <a:off x="311700" y="3152225"/>
-            <a:ext cx="8520600" cy="1300800"/>
+            <a:off x="311700" y="560396"/>
+            <a:ext cx="8520600" cy="231253"/>
           </a:xfrm>
           <a:prstGeom prst="rect">
             <a:avLst/>
           </a:prstGeom>
         </p:spPr>
         <p:txBody>
-          <a:bodyPr anchorCtr="0" anchor="t" bIns="91425" lIns="91425" spcFirstLastPara="1" rIns="91425" wrap="square" tIns="91425">
+          <a:bodyPr spcFirstLastPara="1" wrap="square" lIns="91425" tIns="91425" rIns="91425" bIns="91425" anchor="t" anchorCtr="0">
             <a:noAutofit/>
           </a:bodyPr>
           <a:lstStyle>
-            <a:lvl1pPr indent="-342900" lvl="0" marL="457200" algn="ctr">
+            <a:lvl1pPr marL="457200" lvl="0" indent="-342900" algn="ctr">
               <a:spcBef>
                 <a:spcPts val="0"/>
               </a:spcBef>
@@ -1343,7 +4255,7 @@
               <a:buChar char="●"/>
               <a:defRPr/>
             </a:lvl1pPr>
-            <a:lvl2pPr indent="-317500" lvl="1" marL="914400" algn="ctr">
+            <a:lvl2pPr marL="914400" lvl="1" indent="-317500" algn="ctr">
               <a:spcBef>
                 <a:spcPts val="1600"/>
               </a:spcBef>
@@ -1354,7 +4266,7 @@
               <a:buChar char="○"/>
               <a:defRPr/>
             </a:lvl2pPr>
-            <a:lvl3pPr indent="-317500" lvl="2" marL="1371600" algn="ctr">
+            <a:lvl3pPr marL="1371600" lvl="2" indent="-317500" algn="ctr">
               <a:spcBef>
                 <a:spcPts val="1600"/>
               </a:spcBef>
@@ -1365,7 +4277,7 @@
               <a:buChar char="■"/>
               <a:defRPr/>
             </a:lvl3pPr>
-            <a:lvl4pPr indent="-317500" lvl="3" marL="1828800" algn="ctr">
+            <a:lvl4pPr marL="1828800" lvl="3" indent="-317500" algn="ctr">
               <a:spcBef>
                 <a:spcPts val="1600"/>
               </a:spcBef>
@@ -1376,7 +4288,7 @@
               <a:buChar char="●"/>
               <a:defRPr/>
             </a:lvl4pPr>
-            <a:lvl5pPr indent="-317500" lvl="4" marL="2286000" algn="ctr">
+            <a:lvl5pPr marL="2286000" lvl="4" indent="-317500" algn="ctr">
               <a:spcBef>
                 <a:spcPts val="1600"/>
               </a:spcBef>
@@ -1387,7 +4299,7 @@
               <a:buChar char="○"/>
               <a:defRPr/>
             </a:lvl5pPr>
-            <a:lvl6pPr indent="-317500" lvl="5" marL="2743200" algn="ctr">
+            <a:lvl6pPr marL="2743200" lvl="5" indent="-317500" algn="ctr">
               <a:spcBef>
                 <a:spcPts val="1600"/>
               </a:spcBef>
@@ -1398,7 +4310,7 @@
               <a:buChar char="■"/>
               <a:defRPr/>
             </a:lvl6pPr>
-            <a:lvl7pPr indent="-317500" lvl="6" marL="3200400" algn="ctr">
+            <a:lvl7pPr marL="3200400" lvl="6" indent="-317500" algn="ctr">
               <a:spcBef>
                 <a:spcPts val="1600"/>
               </a:spcBef>
@@ -1409,7 +4321,7 @@
               <a:buChar char="●"/>
               <a:defRPr/>
             </a:lvl7pPr>
-            <a:lvl8pPr indent="-317500" lvl="7" marL="3657600" algn="ctr">
+            <a:lvl8pPr marL="3657600" lvl="7" indent="-317500" algn="ctr">
               <a:spcBef>
                 <a:spcPts val="1600"/>
               </a:spcBef>
@@ -1420,7 +4332,7 @@
               <a:buChar char="○"/>
               <a:defRPr/>
             </a:lvl8pPr>
-            <a:lvl9pPr indent="-317500" lvl="8" marL="4114800" algn="ctr">
+            <a:lvl9pPr marL="4114800" lvl="8" indent="-317500" algn="ctr">
               <a:spcBef>
                 <a:spcPts val="1600"/>
               </a:spcBef>
@@ -1432,28 +4344,32 @@
               <a:defRPr/>
             </a:lvl9pPr>
           </a:lstStyle>
-          <a:p/>
+          <a:p>
+            <a:endParaRPr/>
+          </a:p>
         </p:txBody>
       </p:sp>
       <p:sp>
         <p:nvSpPr>
           <p:cNvPr id="47" name="Google Shape;47;p11"/>
-          <p:cNvSpPr txBox="1"/>
+          <p:cNvSpPr txBox="1">
+            <a:spLocks noGrp="1"/>
+          </p:cNvSpPr>
           <p:nvPr>
-            <p:ph idx="12" type="sldNum"/>
+            <p:ph type="sldNum" idx="12"/>
           </p:nvPr>
         </p:nvSpPr>
         <p:spPr>
           <a:xfrm>
-            <a:off x="8472458" y="4663217"/>
-            <a:ext cx="548700" cy="393600"/>
+            <a:off x="8472458" y="829017"/>
+            <a:ext cx="548700" cy="69973"/>
           </a:xfrm>
           <a:prstGeom prst="rect">
             <a:avLst/>
           </a:prstGeom>
         </p:spPr>
         <p:txBody>
-          <a:bodyPr anchorCtr="0" anchor="ctr" bIns="91425" lIns="91425" spcFirstLastPara="1" rIns="91425" wrap="square" tIns="91425">
+          <a:bodyPr spcFirstLastPara="1" wrap="square" lIns="91425" tIns="91425" rIns="91425" bIns="91425" anchor="ctr" anchorCtr="0">
             <a:noAutofit/>
           </a:bodyPr>
           <a:lstStyle>
@@ -1495,20 +4411,12 @@
             </a:lvl9pPr>
           </a:lstStyle>
           <a:p>
-            <a:pPr indent="0" lvl="0" marL="0" rtl="0" algn="r">
-              <a:spcBef>
-                <a:spcPts val="0"/>
-              </a:spcBef>
-              <a:spcAft>
-                <a:spcPts val="0"/>
-              </a:spcAft>
-              <a:buNone/>
-            </a:pPr>
             <a:fld id="{00000000-1234-1234-1234-123412341234}" type="slidenum">
-              <a:rPr lang="en"/>
+              <a:rPr lang="en" smtClean="0"/>
+              <a:pPr/>
               <a:t>‹#›</a:t>
             </a:fld>
-            <a:endParaRPr/>
+            <a:endParaRPr lang="en"/>
           </a:p>
         </p:txBody>
       </p:sp>
@@ -1521,11 +4429,11 @@
 </file>
 
 <file path=ppt/slideLayouts/slideLayout11.xml><?xml version="1.0" encoding="utf-8"?>
-<p:sldLayout xmlns:a="http://schemas.openxmlformats.org/drawingml/2006/main" xmlns:r="http://schemas.openxmlformats.org/officeDocument/2006/relationships" xmlns:mc="http://schemas.openxmlformats.org/markup-compatibility/2006" xmlns:mv="urn:schemas-microsoft-com:mac:vml" xmlns:p="http://schemas.openxmlformats.org/presentationml/2006/main" xmlns:c="http://schemas.openxmlformats.org/drawingml/2006/chart" xmlns:dgm="http://schemas.openxmlformats.org/drawingml/2006/diagram" xmlns:o="urn:schemas-microsoft-com:office:office" xmlns:v="urn:schemas-microsoft-com:vml" xmlns:pvml="urn:schemas-microsoft-com:office:powerpoint" xmlns:com="http://schemas.openxmlformats.org/drawingml/2006/compatibility" xmlns:p14="http://schemas.microsoft.com/office/powerpoint/2010/main" xmlns:p15="http://schemas.microsoft.com/office/powerpoint/2012/main" matchingName="Blank" type="blank">
+<p:sldLayout xmlns:a="http://schemas.openxmlformats.org/drawingml/2006/main" xmlns:r="http://schemas.openxmlformats.org/officeDocument/2006/relationships" xmlns:p="http://schemas.openxmlformats.org/presentationml/2006/main" matchingName="Blank" type="blank">
   <p:cSld name="BLANK">
     <p:spTree>
       <p:nvGrpSpPr>
-        <p:cNvPr id="48" name="Shape 48"/>
+        <p:cNvPr id="1" name="Shape 48"/>
         <p:cNvGrpSpPr/>
         <p:nvPr/>
       </p:nvGrpSpPr>
@@ -1540,22 +4448,24 @@
       <p:sp>
         <p:nvSpPr>
           <p:cNvPr id="49" name="Google Shape;49;p12"/>
-          <p:cNvSpPr txBox="1"/>
+          <p:cNvSpPr txBox="1">
+            <a:spLocks noGrp="1"/>
+          </p:cNvSpPr>
           <p:nvPr>
-            <p:ph idx="12" type="sldNum"/>
+            <p:ph type="sldNum" idx="12"/>
           </p:nvPr>
         </p:nvSpPr>
         <p:spPr>
           <a:xfrm>
-            <a:off x="8472458" y="4663217"/>
-            <a:ext cx="548700" cy="393600"/>
+            <a:off x="8472458" y="829017"/>
+            <a:ext cx="548700" cy="69973"/>
           </a:xfrm>
           <a:prstGeom prst="rect">
             <a:avLst/>
           </a:prstGeom>
         </p:spPr>
         <p:txBody>
-          <a:bodyPr anchorCtr="0" anchor="ctr" bIns="91425" lIns="91425" spcFirstLastPara="1" rIns="91425" wrap="square" tIns="91425">
+          <a:bodyPr spcFirstLastPara="1" wrap="square" lIns="91425" tIns="91425" rIns="91425" bIns="91425" anchor="ctr" anchorCtr="0">
             <a:noAutofit/>
           </a:bodyPr>
           <a:lstStyle>
@@ -1597,20 +4507,12 @@
             </a:lvl9pPr>
           </a:lstStyle>
           <a:p>
-            <a:pPr indent="0" lvl="0" marL="0" rtl="0" algn="r">
-              <a:spcBef>
-                <a:spcPts val="0"/>
-              </a:spcBef>
-              <a:spcAft>
-                <a:spcPts val="0"/>
-              </a:spcAft>
-              <a:buNone/>
-            </a:pPr>
             <a:fld id="{00000000-1234-1234-1234-123412341234}" type="slidenum">
-              <a:rPr lang="en"/>
+              <a:rPr lang="en" smtClean="0"/>
+              <a:pPr/>
               <a:t>‹#›</a:t>
             </a:fld>
-            <a:endParaRPr/>
+            <a:endParaRPr lang="en"/>
           </a:p>
         </p:txBody>
       </p:sp>
@@ -1623,11 +4525,11 @@
 </file>
 
 <file path=ppt/slideLayouts/slideLayout2.xml><?xml version="1.0" encoding="utf-8"?>
-<p:sldLayout xmlns:a="http://schemas.openxmlformats.org/drawingml/2006/main" xmlns:r="http://schemas.openxmlformats.org/officeDocument/2006/relationships" xmlns:mc="http://schemas.openxmlformats.org/markup-compatibility/2006" xmlns:mv="urn:schemas-microsoft-com:mac:vml" xmlns:p="http://schemas.openxmlformats.org/presentationml/2006/main" xmlns:c="http://schemas.openxmlformats.org/drawingml/2006/chart" xmlns:dgm="http://schemas.openxmlformats.org/drawingml/2006/diagram" xmlns:o="urn:schemas-microsoft-com:office:office" xmlns:v="urn:schemas-microsoft-com:vml" xmlns:pvml="urn:schemas-microsoft-com:office:powerpoint" xmlns:com="http://schemas.openxmlformats.org/drawingml/2006/compatibility" xmlns:p14="http://schemas.microsoft.com/office/powerpoint/2010/main" xmlns:p15="http://schemas.microsoft.com/office/powerpoint/2012/main" matchingName="Section header" type="secHead">
+<p:sldLayout xmlns:a="http://schemas.openxmlformats.org/drawingml/2006/main" xmlns:r="http://schemas.openxmlformats.org/officeDocument/2006/relationships" xmlns:p="http://schemas.openxmlformats.org/presentationml/2006/main" matchingName="Section header" type="secHead">
   <p:cSld name="SECTION_HEADER">
     <p:spTree>
       <p:nvGrpSpPr>
-        <p:cNvPr id="13" name="Shape 13"/>
+        <p:cNvPr id="1" name="Shape 13"/>
         <p:cNvGrpSpPr/>
         <p:nvPr/>
       </p:nvGrpSpPr>
@@ -1642,22 +4544,24 @@
       <p:sp>
         <p:nvSpPr>
           <p:cNvPr id="14" name="Google Shape;14;p3"/>
-          <p:cNvSpPr txBox="1"/>
+          <p:cNvSpPr txBox="1">
+            <a:spLocks noGrp="1"/>
+          </p:cNvSpPr>
           <p:nvPr>
             <p:ph type="title"/>
           </p:nvPr>
         </p:nvSpPr>
         <p:spPr>
           <a:xfrm>
-            <a:off x="311700" y="2150850"/>
-            <a:ext cx="8520600" cy="841800"/>
+            <a:off x="311700" y="382374"/>
+            <a:ext cx="8520600" cy="149653"/>
           </a:xfrm>
           <a:prstGeom prst="rect">
             <a:avLst/>
           </a:prstGeom>
         </p:spPr>
         <p:txBody>
-          <a:bodyPr anchorCtr="0" anchor="ctr" bIns="91425" lIns="91425" spcFirstLastPara="1" rIns="91425" wrap="square" tIns="91425">
+          <a:bodyPr spcFirstLastPara="1" wrap="square" lIns="91425" tIns="91425" rIns="91425" bIns="91425" anchor="ctr" anchorCtr="0">
             <a:noAutofit/>
           </a:bodyPr>
           <a:lstStyle>
@@ -1761,28 +4665,32 @@
               <a:defRPr sz="3600"/>
             </a:lvl9pPr>
           </a:lstStyle>
-          <a:p/>
+          <a:p>
+            <a:endParaRPr/>
+          </a:p>
         </p:txBody>
       </p:sp>
       <p:sp>
         <p:nvSpPr>
           <p:cNvPr id="15" name="Google Shape;15;p3"/>
-          <p:cNvSpPr txBox="1"/>
+          <p:cNvSpPr txBox="1">
+            <a:spLocks noGrp="1"/>
+          </p:cNvSpPr>
           <p:nvPr>
-            <p:ph idx="12" type="sldNum"/>
+            <p:ph type="sldNum" idx="12"/>
           </p:nvPr>
         </p:nvSpPr>
         <p:spPr>
           <a:xfrm>
-            <a:off x="8472458" y="4663217"/>
-            <a:ext cx="548700" cy="393600"/>
+            <a:off x="8472458" y="829017"/>
+            <a:ext cx="548700" cy="69973"/>
           </a:xfrm>
           <a:prstGeom prst="rect">
             <a:avLst/>
           </a:prstGeom>
         </p:spPr>
         <p:txBody>
-          <a:bodyPr anchorCtr="0" anchor="ctr" bIns="91425" lIns="91425" spcFirstLastPara="1" rIns="91425" wrap="square" tIns="91425">
+          <a:bodyPr spcFirstLastPara="1" wrap="square" lIns="91425" tIns="91425" rIns="91425" bIns="91425" anchor="ctr" anchorCtr="0">
             <a:noAutofit/>
           </a:bodyPr>
           <a:lstStyle>
@@ -1824,20 +4732,12 @@
             </a:lvl9pPr>
           </a:lstStyle>
           <a:p>
-            <a:pPr indent="0" lvl="0" marL="0" rtl="0" algn="r">
-              <a:spcBef>
-                <a:spcPts val="0"/>
-              </a:spcBef>
-              <a:spcAft>
-                <a:spcPts val="0"/>
-              </a:spcAft>
-              <a:buNone/>
-            </a:pPr>
             <a:fld id="{00000000-1234-1234-1234-123412341234}" type="slidenum">
-              <a:rPr lang="en"/>
+              <a:rPr lang="en" smtClean="0"/>
+              <a:pPr/>
               <a:t>‹#›</a:t>
             </a:fld>
-            <a:endParaRPr/>
+            <a:endParaRPr lang="en"/>
           </a:p>
         </p:txBody>
       </p:sp>
@@ -1850,11 +4750,11 @@
 </file>
 
 <file path=ppt/slideLayouts/slideLayout3.xml><?xml version="1.0" encoding="utf-8"?>
-<p:sldLayout xmlns:a="http://schemas.openxmlformats.org/drawingml/2006/main" xmlns:r="http://schemas.openxmlformats.org/officeDocument/2006/relationships" xmlns:mc="http://schemas.openxmlformats.org/markup-compatibility/2006" xmlns:mv="urn:schemas-microsoft-com:mac:vml" xmlns:p="http://schemas.openxmlformats.org/presentationml/2006/main" xmlns:c="http://schemas.openxmlformats.org/drawingml/2006/chart" xmlns:dgm="http://schemas.openxmlformats.org/drawingml/2006/diagram" xmlns:o="urn:schemas-microsoft-com:office:office" xmlns:v="urn:schemas-microsoft-com:vml" xmlns:pvml="urn:schemas-microsoft-com:office:powerpoint" xmlns:com="http://schemas.openxmlformats.org/drawingml/2006/compatibility" xmlns:p14="http://schemas.microsoft.com/office/powerpoint/2010/main" xmlns:p15="http://schemas.microsoft.com/office/powerpoint/2012/main" matchingName="Title and body" type="tx">
+<p:sldLayout xmlns:a="http://schemas.openxmlformats.org/drawingml/2006/main" xmlns:r="http://schemas.openxmlformats.org/officeDocument/2006/relationships" xmlns:p="http://schemas.openxmlformats.org/presentationml/2006/main" matchingName="Title and body" type="tx">
   <p:cSld name="TITLE_AND_BODY">
     <p:spTree>
       <p:nvGrpSpPr>
-        <p:cNvPr id="16" name="Shape 16"/>
+        <p:cNvPr id="1" name="Shape 16"/>
         <p:cNvGrpSpPr/>
         <p:nvPr/>
       </p:nvGrpSpPr>
@@ -1869,22 +4769,24 @@
       <p:sp>
         <p:nvSpPr>
           <p:cNvPr id="17" name="Google Shape;17;p4"/>
-          <p:cNvSpPr txBox="1"/>
+          <p:cNvSpPr txBox="1">
+            <a:spLocks noGrp="1"/>
+          </p:cNvSpPr>
           <p:nvPr>
             <p:ph type="title"/>
           </p:nvPr>
         </p:nvSpPr>
         <p:spPr>
           <a:xfrm>
-            <a:off x="311700" y="445025"/>
-            <a:ext cx="8520600" cy="572700"/>
+            <a:off x="311700" y="79116"/>
+            <a:ext cx="8520600" cy="101813"/>
           </a:xfrm>
           <a:prstGeom prst="rect">
             <a:avLst/>
           </a:prstGeom>
         </p:spPr>
         <p:txBody>
-          <a:bodyPr anchorCtr="0" anchor="t" bIns="91425" lIns="91425" spcFirstLastPara="1" rIns="91425" wrap="square" tIns="91425">
+          <a:bodyPr spcFirstLastPara="1" wrap="square" lIns="91425" tIns="91425" rIns="91425" bIns="91425" anchor="t" anchorCtr="0">
             <a:noAutofit/>
           </a:bodyPr>
           <a:lstStyle>
@@ -1988,32 +4890,36 @@
               <a:defRPr/>
             </a:lvl9pPr>
           </a:lstStyle>
-          <a:p/>
+          <a:p>
+            <a:endParaRPr/>
+          </a:p>
         </p:txBody>
       </p:sp>
       <p:sp>
         <p:nvSpPr>
           <p:cNvPr id="18" name="Google Shape;18;p4"/>
-          <p:cNvSpPr txBox="1"/>
+          <p:cNvSpPr txBox="1">
+            <a:spLocks noGrp="1"/>
+          </p:cNvSpPr>
           <p:nvPr>
-            <p:ph idx="1" type="body"/>
+            <p:ph type="body" idx="1"/>
           </p:nvPr>
         </p:nvSpPr>
         <p:spPr>
           <a:xfrm>
-            <a:off x="311700" y="1152475"/>
-            <a:ext cx="8520600" cy="3416400"/>
+            <a:off x="311700" y="204884"/>
+            <a:ext cx="8520600" cy="607360"/>
           </a:xfrm>
           <a:prstGeom prst="rect">
             <a:avLst/>
           </a:prstGeom>
         </p:spPr>
         <p:txBody>
-          <a:bodyPr anchorCtr="0" anchor="t" bIns="91425" lIns="91425" spcFirstLastPara="1" rIns="91425" wrap="square" tIns="91425">
+          <a:bodyPr spcFirstLastPara="1" wrap="square" lIns="91425" tIns="91425" rIns="91425" bIns="91425" anchor="t" anchorCtr="0">
             <a:noAutofit/>
           </a:bodyPr>
           <a:lstStyle>
-            <a:lvl1pPr indent="-342900" lvl="0" marL="457200">
+            <a:lvl1pPr marL="457200" lvl="0" indent="-342900">
               <a:spcBef>
                 <a:spcPts val="0"/>
               </a:spcBef>
@@ -2024,7 +4930,7 @@
               <a:buChar char="●"/>
               <a:defRPr/>
             </a:lvl1pPr>
-            <a:lvl2pPr indent="-317500" lvl="1" marL="914400">
+            <a:lvl2pPr marL="914400" lvl="1" indent="-317500">
               <a:spcBef>
                 <a:spcPts val="1600"/>
               </a:spcBef>
@@ -2035,7 +4941,7 @@
               <a:buChar char="○"/>
               <a:defRPr/>
             </a:lvl2pPr>
-            <a:lvl3pPr indent="-317500" lvl="2" marL="1371600">
+            <a:lvl3pPr marL="1371600" lvl="2" indent="-317500">
               <a:spcBef>
                 <a:spcPts val="1600"/>
               </a:spcBef>
@@ -2046,7 +4952,7 @@
               <a:buChar char="■"/>
               <a:defRPr/>
             </a:lvl3pPr>
-            <a:lvl4pPr indent="-317500" lvl="3" marL="1828800">
+            <a:lvl4pPr marL="1828800" lvl="3" indent="-317500">
               <a:spcBef>
                 <a:spcPts val="1600"/>
               </a:spcBef>
@@ -2057,7 +4963,7 @@
               <a:buChar char="●"/>
               <a:defRPr/>
             </a:lvl4pPr>
-            <a:lvl5pPr indent="-317500" lvl="4" marL="2286000">
+            <a:lvl5pPr marL="2286000" lvl="4" indent="-317500">
               <a:spcBef>
                 <a:spcPts val="1600"/>
               </a:spcBef>
@@ -2068,7 +4974,7 @@
               <a:buChar char="○"/>
               <a:defRPr/>
             </a:lvl5pPr>
-            <a:lvl6pPr indent="-317500" lvl="5" marL="2743200">
+            <a:lvl6pPr marL="2743200" lvl="5" indent="-317500">
               <a:spcBef>
                 <a:spcPts val="1600"/>
               </a:spcBef>
@@ -2079,7 +4985,7 @@
               <a:buChar char="■"/>
               <a:defRPr/>
             </a:lvl6pPr>
-            <a:lvl7pPr indent="-317500" lvl="6" marL="3200400">
+            <a:lvl7pPr marL="3200400" lvl="6" indent="-317500">
               <a:spcBef>
                 <a:spcPts val="1600"/>
               </a:spcBef>
@@ -2090,7 +4996,7 @@
               <a:buChar char="●"/>
               <a:defRPr/>
             </a:lvl7pPr>
-            <a:lvl8pPr indent="-317500" lvl="7" marL="3657600">
+            <a:lvl8pPr marL="3657600" lvl="7" indent="-317500">
               <a:spcBef>
                 <a:spcPts val="1600"/>
               </a:spcBef>
@@ -2101,7 +5007,7 @@
               <a:buChar char="○"/>
               <a:defRPr/>
             </a:lvl8pPr>
-            <a:lvl9pPr indent="-317500" lvl="8" marL="4114800">
+            <a:lvl9pPr marL="4114800" lvl="8" indent="-317500">
               <a:spcBef>
                 <a:spcPts val="1600"/>
               </a:spcBef>
@@ -2113,28 +5019,32 @@
               <a:defRPr/>
             </a:lvl9pPr>
           </a:lstStyle>
-          <a:p/>
+          <a:p>
+            <a:endParaRPr/>
+          </a:p>
         </p:txBody>
       </p:sp>
       <p:sp>
         <p:nvSpPr>
           <p:cNvPr id="19" name="Google Shape;19;p4"/>
-          <p:cNvSpPr txBox="1"/>
+          <p:cNvSpPr txBox="1">
+            <a:spLocks noGrp="1"/>
+          </p:cNvSpPr>
           <p:nvPr>
-            <p:ph idx="12" type="sldNum"/>
+            <p:ph type="sldNum" idx="12"/>
           </p:nvPr>
         </p:nvSpPr>
         <p:spPr>
           <a:xfrm>
-            <a:off x="8472458" y="4663217"/>
-            <a:ext cx="548700" cy="393600"/>
+            <a:off x="8472458" y="829017"/>
+            <a:ext cx="548700" cy="69973"/>
           </a:xfrm>
           <a:prstGeom prst="rect">
             <a:avLst/>
           </a:prstGeom>
         </p:spPr>
         <p:txBody>
-          <a:bodyPr anchorCtr="0" anchor="ctr" bIns="91425" lIns="91425" spcFirstLastPara="1" rIns="91425" wrap="square" tIns="91425">
+          <a:bodyPr spcFirstLastPara="1" wrap="square" lIns="91425" tIns="91425" rIns="91425" bIns="91425" anchor="ctr" anchorCtr="0">
             <a:noAutofit/>
           </a:bodyPr>
           <a:lstStyle>
@@ -2176,20 +5086,12 @@
             </a:lvl9pPr>
           </a:lstStyle>
           <a:p>
-            <a:pPr indent="0" lvl="0" marL="0" rtl="0" algn="r">
-              <a:spcBef>
-                <a:spcPts val="0"/>
-              </a:spcBef>
-              <a:spcAft>
-                <a:spcPts val="0"/>
-              </a:spcAft>
-              <a:buNone/>
-            </a:pPr>
             <a:fld id="{00000000-1234-1234-1234-123412341234}" type="slidenum">
-              <a:rPr lang="en"/>
+              <a:rPr lang="en" smtClean="0"/>
+              <a:pPr/>
               <a:t>‹#›</a:t>
             </a:fld>
-            <a:endParaRPr/>
+            <a:endParaRPr lang="en"/>
           </a:p>
         </p:txBody>
       </p:sp>
@@ -2202,11 +5104,11 @@
 </file>
 
 <file path=ppt/slideLayouts/slideLayout4.xml><?xml version="1.0" encoding="utf-8"?>
-<p:sldLayout xmlns:a="http://schemas.openxmlformats.org/drawingml/2006/main" xmlns:r="http://schemas.openxmlformats.org/officeDocument/2006/relationships" xmlns:mc="http://schemas.openxmlformats.org/markup-compatibility/2006" xmlns:mv="urn:schemas-microsoft-com:mac:vml" xmlns:p="http://schemas.openxmlformats.org/presentationml/2006/main" xmlns:c="http://schemas.openxmlformats.org/drawingml/2006/chart" xmlns:dgm="http://schemas.openxmlformats.org/drawingml/2006/diagram" xmlns:o="urn:schemas-microsoft-com:office:office" xmlns:v="urn:schemas-microsoft-com:vml" xmlns:pvml="urn:schemas-microsoft-com:office:powerpoint" xmlns:com="http://schemas.openxmlformats.org/drawingml/2006/compatibility" xmlns:p14="http://schemas.microsoft.com/office/powerpoint/2010/main" xmlns:p15="http://schemas.microsoft.com/office/powerpoint/2012/main" matchingName="Title and two columns" type="twoColTx">
+<p:sldLayout xmlns:a="http://schemas.openxmlformats.org/drawingml/2006/main" xmlns:r="http://schemas.openxmlformats.org/officeDocument/2006/relationships" xmlns:p="http://schemas.openxmlformats.org/presentationml/2006/main" matchingName="Title and two columns" type="twoColTx">
   <p:cSld name="TITLE_AND_TWO_COLUMNS">
     <p:spTree>
       <p:nvGrpSpPr>
-        <p:cNvPr id="20" name="Shape 20"/>
+        <p:cNvPr id="1" name="Shape 20"/>
         <p:cNvGrpSpPr/>
         <p:nvPr/>
       </p:nvGrpSpPr>
@@ -2221,22 +5123,24 @@
       <p:sp>
         <p:nvSpPr>
           <p:cNvPr id="21" name="Google Shape;21;p5"/>
-          <p:cNvSpPr txBox="1"/>
+          <p:cNvSpPr txBox="1">
+            <a:spLocks noGrp="1"/>
+          </p:cNvSpPr>
           <p:nvPr>
             <p:ph type="title"/>
           </p:nvPr>
         </p:nvSpPr>
         <p:spPr>
           <a:xfrm>
-            <a:off x="311700" y="445025"/>
-            <a:ext cx="8520600" cy="572700"/>
+            <a:off x="311700" y="79116"/>
+            <a:ext cx="8520600" cy="101813"/>
           </a:xfrm>
           <a:prstGeom prst="rect">
             <a:avLst/>
           </a:prstGeom>
         </p:spPr>
         <p:txBody>
-          <a:bodyPr anchorCtr="0" anchor="t" bIns="91425" lIns="91425" spcFirstLastPara="1" rIns="91425" wrap="square" tIns="91425">
+          <a:bodyPr spcFirstLastPara="1" wrap="square" lIns="91425" tIns="91425" rIns="91425" bIns="91425" anchor="t" anchorCtr="0">
             <a:noAutofit/>
           </a:bodyPr>
           <a:lstStyle>
@@ -2340,32 +5244,36 @@
               <a:defRPr/>
             </a:lvl9pPr>
           </a:lstStyle>
-          <a:p/>
+          <a:p>
+            <a:endParaRPr/>
+          </a:p>
         </p:txBody>
       </p:sp>
       <p:sp>
         <p:nvSpPr>
           <p:cNvPr id="22" name="Google Shape;22;p5"/>
-          <p:cNvSpPr txBox="1"/>
+          <p:cNvSpPr txBox="1">
+            <a:spLocks noGrp="1"/>
+          </p:cNvSpPr>
           <p:nvPr>
-            <p:ph idx="1" type="body"/>
+            <p:ph type="body" idx="1"/>
           </p:nvPr>
         </p:nvSpPr>
         <p:spPr>
           <a:xfrm>
-            <a:off x="311700" y="1152475"/>
-            <a:ext cx="3999900" cy="3416400"/>
+            <a:off x="311700" y="204884"/>
+            <a:ext cx="3999900" cy="607360"/>
           </a:xfrm>
           <a:prstGeom prst="rect">
             <a:avLst/>
           </a:prstGeom>
         </p:spPr>
         <p:txBody>
-          <a:bodyPr anchorCtr="0" anchor="t" bIns="91425" lIns="91425" spcFirstLastPara="1" rIns="91425" wrap="square" tIns="91425">
+          <a:bodyPr spcFirstLastPara="1" wrap="square" lIns="91425" tIns="91425" rIns="91425" bIns="91425" anchor="t" anchorCtr="0">
             <a:noAutofit/>
           </a:bodyPr>
           <a:lstStyle>
-            <a:lvl1pPr indent="-317500" lvl="0" marL="457200">
+            <a:lvl1pPr marL="457200" lvl="0" indent="-317500">
               <a:spcBef>
                 <a:spcPts val="0"/>
               </a:spcBef>
@@ -2376,7 +5284,7 @@
               <a:buChar char="●"/>
               <a:defRPr sz="1400"/>
             </a:lvl1pPr>
-            <a:lvl2pPr indent="-304800" lvl="1" marL="914400">
+            <a:lvl2pPr marL="914400" lvl="1" indent="-304800">
               <a:spcBef>
                 <a:spcPts val="1600"/>
               </a:spcBef>
@@ -2387,7 +5295,7 @@
               <a:buChar char="○"/>
               <a:defRPr sz="1200"/>
             </a:lvl2pPr>
-            <a:lvl3pPr indent="-304800" lvl="2" marL="1371600">
+            <a:lvl3pPr marL="1371600" lvl="2" indent="-304800">
               <a:spcBef>
                 <a:spcPts val="1600"/>
               </a:spcBef>
@@ -2398,7 +5306,7 @@
               <a:buChar char="■"/>
               <a:defRPr sz="1200"/>
             </a:lvl3pPr>
-            <a:lvl4pPr indent="-304800" lvl="3" marL="1828800">
+            <a:lvl4pPr marL="1828800" lvl="3" indent="-304800">
               <a:spcBef>
                 <a:spcPts val="1600"/>
               </a:spcBef>
@@ -2409,7 +5317,7 @@
               <a:buChar char="●"/>
               <a:defRPr sz="1200"/>
             </a:lvl4pPr>
-            <a:lvl5pPr indent="-304800" lvl="4" marL="2286000">
+            <a:lvl5pPr marL="2286000" lvl="4" indent="-304800">
               <a:spcBef>
                 <a:spcPts val="1600"/>
               </a:spcBef>
@@ -2420,7 +5328,7 @@
               <a:buChar char="○"/>
               <a:defRPr sz="1200"/>
             </a:lvl5pPr>
-            <a:lvl6pPr indent="-304800" lvl="5" marL="2743200">
+            <a:lvl6pPr marL="2743200" lvl="5" indent="-304800">
               <a:spcBef>
                 <a:spcPts val="1600"/>
               </a:spcBef>
@@ -2431,7 +5339,7 @@
               <a:buChar char="■"/>
               <a:defRPr sz="1200"/>
             </a:lvl6pPr>
-            <a:lvl7pPr indent="-304800" lvl="6" marL="3200400">
+            <a:lvl7pPr marL="3200400" lvl="6" indent="-304800">
               <a:spcBef>
                 <a:spcPts val="1600"/>
               </a:spcBef>
@@ -2442,7 +5350,7 @@
               <a:buChar char="●"/>
               <a:defRPr sz="1200"/>
             </a:lvl7pPr>
-            <a:lvl8pPr indent="-304800" lvl="7" marL="3657600">
+            <a:lvl8pPr marL="3657600" lvl="7" indent="-304800">
               <a:spcBef>
                 <a:spcPts val="1600"/>
               </a:spcBef>
@@ -2453,7 +5361,7 @@
               <a:buChar char="○"/>
               <a:defRPr sz="1200"/>
             </a:lvl8pPr>
-            <a:lvl9pPr indent="-304800" lvl="8" marL="4114800">
+            <a:lvl9pPr marL="4114800" lvl="8" indent="-304800">
               <a:spcBef>
                 <a:spcPts val="1600"/>
               </a:spcBef>
@@ -2465,32 +5373,36 @@
               <a:defRPr sz="1200"/>
             </a:lvl9pPr>
           </a:lstStyle>
-          <a:p/>
+          <a:p>
+            <a:endParaRPr/>
+          </a:p>
         </p:txBody>
       </p:sp>
       <p:sp>
         <p:nvSpPr>
           <p:cNvPr id="23" name="Google Shape;23;p5"/>
-          <p:cNvSpPr txBox="1"/>
+          <p:cNvSpPr txBox="1">
+            <a:spLocks noGrp="1"/>
+          </p:cNvSpPr>
           <p:nvPr>
-            <p:ph idx="2" type="body"/>
+            <p:ph type="body" idx="2"/>
           </p:nvPr>
         </p:nvSpPr>
         <p:spPr>
           <a:xfrm>
-            <a:off x="4832400" y="1152475"/>
-            <a:ext cx="3999900" cy="3416400"/>
+            <a:off x="4832400" y="204884"/>
+            <a:ext cx="3999900" cy="607360"/>
           </a:xfrm>
           <a:prstGeom prst="rect">
             <a:avLst/>
           </a:prstGeom>
         </p:spPr>
         <p:txBody>
-          <a:bodyPr anchorCtr="0" anchor="t" bIns="91425" lIns="91425" spcFirstLastPara="1" rIns="91425" wrap="square" tIns="91425">
+          <a:bodyPr spcFirstLastPara="1" wrap="square" lIns="91425" tIns="91425" rIns="91425" bIns="91425" anchor="t" anchorCtr="0">
             <a:noAutofit/>
           </a:bodyPr>
           <a:lstStyle>
-            <a:lvl1pPr indent="-317500" lvl="0" marL="457200">
+            <a:lvl1pPr marL="457200" lvl="0" indent="-317500">
               <a:spcBef>
                 <a:spcPts val="0"/>
               </a:spcBef>
@@ -2501,7 +5413,7 @@
               <a:buChar char="●"/>
               <a:defRPr sz="1400"/>
             </a:lvl1pPr>
-            <a:lvl2pPr indent="-304800" lvl="1" marL="914400">
+            <a:lvl2pPr marL="914400" lvl="1" indent="-304800">
               <a:spcBef>
                 <a:spcPts val="1600"/>
               </a:spcBef>
@@ -2512,7 +5424,7 @@
               <a:buChar char="○"/>
               <a:defRPr sz="1200"/>
             </a:lvl2pPr>
-            <a:lvl3pPr indent="-304800" lvl="2" marL="1371600">
+            <a:lvl3pPr marL="1371600" lvl="2" indent="-304800">
               <a:spcBef>
                 <a:spcPts val="1600"/>
               </a:spcBef>
@@ -2523,7 +5435,7 @@
               <a:buChar char="■"/>
               <a:defRPr sz="1200"/>
             </a:lvl3pPr>
-            <a:lvl4pPr indent="-304800" lvl="3" marL="1828800">
+            <a:lvl4pPr marL="1828800" lvl="3" indent="-304800">
               <a:spcBef>
                 <a:spcPts val="1600"/>
               </a:spcBef>
@@ -2534,7 +5446,7 @@
               <a:buChar char="●"/>
               <a:defRPr sz="1200"/>
             </a:lvl4pPr>
-            <a:lvl5pPr indent="-304800" lvl="4" marL="2286000">
+            <a:lvl5pPr marL="2286000" lvl="4" indent="-304800">
               <a:spcBef>
                 <a:spcPts val="1600"/>
               </a:spcBef>
@@ -2545,7 +5457,7 @@
               <a:buChar char="○"/>
               <a:defRPr sz="1200"/>
             </a:lvl5pPr>
-            <a:lvl6pPr indent="-304800" lvl="5" marL="2743200">
+            <a:lvl6pPr marL="2743200" lvl="5" indent="-304800">
               <a:spcBef>
                 <a:spcPts val="1600"/>
               </a:spcBef>
@@ -2556,7 +5468,7 @@
               <a:buChar char="■"/>
               <a:defRPr sz="1200"/>
             </a:lvl6pPr>
-            <a:lvl7pPr indent="-304800" lvl="6" marL="3200400">
+            <a:lvl7pPr marL="3200400" lvl="6" indent="-304800">
               <a:spcBef>
                 <a:spcPts val="1600"/>
               </a:spcBef>
@@ -2567,7 +5479,7 @@
               <a:buChar char="●"/>
               <a:defRPr sz="1200"/>
             </a:lvl7pPr>
-            <a:lvl8pPr indent="-304800" lvl="7" marL="3657600">
+            <a:lvl8pPr marL="3657600" lvl="7" indent="-304800">
               <a:spcBef>
                 <a:spcPts val="1600"/>
               </a:spcBef>
@@ -2578,7 +5490,7 @@
               <a:buChar char="○"/>
               <a:defRPr sz="1200"/>
             </a:lvl8pPr>
-            <a:lvl9pPr indent="-304800" lvl="8" marL="4114800">
+            <a:lvl9pPr marL="4114800" lvl="8" indent="-304800">
               <a:spcBef>
                 <a:spcPts val="1600"/>
               </a:spcBef>
@@ -2590,28 +5502,32 @@
               <a:defRPr sz="1200"/>
             </a:lvl9pPr>
           </a:lstStyle>
-          <a:p/>
+          <a:p>
+            <a:endParaRPr/>
+          </a:p>
         </p:txBody>
       </p:sp>
       <p:sp>
         <p:nvSpPr>
           <p:cNvPr id="24" name="Google Shape;24;p5"/>
-          <p:cNvSpPr txBox="1"/>
+          <p:cNvSpPr txBox="1">
+            <a:spLocks noGrp="1"/>
+          </p:cNvSpPr>
           <p:nvPr>
-            <p:ph idx="12" type="sldNum"/>
+            <p:ph type="sldNum" idx="12"/>
           </p:nvPr>
         </p:nvSpPr>
         <p:spPr>
           <a:xfrm>
-            <a:off x="8472458" y="4663217"/>
-            <a:ext cx="548700" cy="393600"/>
+            <a:off x="8472458" y="829017"/>
+            <a:ext cx="548700" cy="69973"/>
           </a:xfrm>
           <a:prstGeom prst="rect">
             <a:avLst/>
           </a:prstGeom>
         </p:spPr>
         <p:txBody>
-          <a:bodyPr anchorCtr="0" anchor="ctr" bIns="91425" lIns="91425" spcFirstLastPara="1" rIns="91425" wrap="square" tIns="91425">
+          <a:bodyPr spcFirstLastPara="1" wrap="square" lIns="91425" tIns="91425" rIns="91425" bIns="91425" anchor="ctr" anchorCtr="0">
             <a:noAutofit/>
           </a:bodyPr>
           <a:lstStyle>
@@ -2653,20 +5569,12 @@
             </a:lvl9pPr>
           </a:lstStyle>
           <a:p>
-            <a:pPr indent="0" lvl="0" marL="0" rtl="0" algn="r">
-              <a:spcBef>
-                <a:spcPts val="0"/>
-              </a:spcBef>
-              <a:spcAft>
-                <a:spcPts val="0"/>
-              </a:spcAft>
-              <a:buNone/>
-            </a:pPr>
             <a:fld id="{00000000-1234-1234-1234-123412341234}" type="slidenum">
-              <a:rPr lang="en"/>
+              <a:rPr lang="en" smtClean="0"/>
+              <a:pPr/>
               <a:t>‹#›</a:t>
             </a:fld>
-            <a:endParaRPr/>
+            <a:endParaRPr lang="en"/>
           </a:p>
         </p:txBody>
       </p:sp>
@@ -2679,11 +5587,11 @@
 </file>
 
 <file path=ppt/slideLayouts/slideLayout5.xml><?xml version="1.0" encoding="utf-8"?>
-<p:sldLayout xmlns:a="http://schemas.openxmlformats.org/drawingml/2006/main" xmlns:r="http://schemas.openxmlformats.org/officeDocument/2006/relationships" xmlns:mc="http://schemas.openxmlformats.org/markup-compatibility/2006" xmlns:mv="urn:schemas-microsoft-com:mac:vml" xmlns:p="http://schemas.openxmlformats.org/presentationml/2006/main" xmlns:c="http://schemas.openxmlformats.org/drawingml/2006/chart" xmlns:dgm="http://schemas.openxmlformats.org/drawingml/2006/diagram" xmlns:o="urn:schemas-microsoft-com:office:office" xmlns:v="urn:schemas-microsoft-com:vml" xmlns:pvml="urn:schemas-microsoft-com:office:powerpoint" xmlns:com="http://schemas.openxmlformats.org/drawingml/2006/compatibility" xmlns:p14="http://schemas.microsoft.com/office/powerpoint/2010/main" xmlns:p15="http://schemas.microsoft.com/office/powerpoint/2012/main" matchingName="Title only" type="titleOnly">
+<p:sldLayout xmlns:a="http://schemas.openxmlformats.org/drawingml/2006/main" xmlns:r="http://schemas.openxmlformats.org/officeDocument/2006/relationships" xmlns:p="http://schemas.openxmlformats.org/presentationml/2006/main" matchingName="Title only" type="titleOnly">
   <p:cSld name="TITLE_ONLY">
     <p:spTree>
       <p:nvGrpSpPr>
-        <p:cNvPr id="25" name="Shape 25"/>
+        <p:cNvPr id="1" name="Shape 25"/>
         <p:cNvGrpSpPr/>
         <p:nvPr/>
       </p:nvGrpSpPr>
@@ -2698,22 +5606,24 @@
       <p:sp>
         <p:nvSpPr>
           <p:cNvPr id="26" name="Google Shape;26;p6"/>
-          <p:cNvSpPr txBox="1"/>
+          <p:cNvSpPr txBox="1">
+            <a:spLocks noGrp="1"/>
+          </p:cNvSpPr>
           <p:nvPr>
             <p:ph type="title"/>
           </p:nvPr>
         </p:nvSpPr>
         <p:spPr>
           <a:xfrm>
-            <a:off x="311700" y="445025"/>
-            <a:ext cx="8520600" cy="572700"/>
+            <a:off x="311700" y="79116"/>
+            <a:ext cx="8520600" cy="101813"/>
           </a:xfrm>
           <a:prstGeom prst="rect">
             <a:avLst/>
           </a:prstGeom>
         </p:spPr>
         <p:txBody>
-          <a:bodyPr anchorCtr="0" anchor="t" bIns="91425" lIns="91425" spcFirstLastPara="1" rIns="91425" wrap="square" tIns="91425">
+          <a:bodyPr spcFirstLastPara="1" wrap="square" lIns="91425" tIns="91425" rIns="91425" bIns="91425" anchor="t" anchorCtr="0">
             <a:noAutofit/>
           </a:bodyPr>
           <a:lstStyle>
@@ -2817,28 +5727,32 @@
               <a:defRPr/>
             </a:lvl9pPr>
           </a:lstStyle>
-          <a:p/>
+          <a:p>
+            <a:endParaRPr/>
+          </a:p>
         </p:txBody>
       </p:sp>
       <p:sp>
         <p:nvSpPr>
           <p:cNvPr id="27" name="Google Shape;27;p6"/>
-          <p:cNvSpPr txBox="1"/>
+          <p:cNvSpPr txBox="1">
+            <a:spLocks noGrp="1"/>
+          </p:cNvSpPr>
           <p:nvPr>
-            <p:ph idx="12" type="sldNum"/>
+            <p:ph type="sldNum" idx="12"/>
           </p:nvPr>
         </p:nvSpPr>
         <p:spPr>
           <a:xfrm>
-            <a:off x="8472458" y="4663217"/>
-            <a:ext cx="548700" cy="393600"/>
+            <a:off x="8472458" y="829017"/>
+            <a:ext cx="548700" cy="69973"/>
           </a:xfrm>
           <a:prstGeom prst="rect">
             <a:avLst/>
           </a:prstGeom>
         </p:spPr>
         <p:txBody>
-          <a:bodyPr anchorCtr="0" anchor="ctr" bIns="91425" lIns="91425" spcFirstLastPara="1" rIns="91425" wrap="square" tIns="91425">
+          <a:bodyPr spcFirstLastPara="1" wrap="square" lIns="91425" tIns="91425" rIns="91425" bIns="91425" anchor="ctr" anchorCtr="0">
             <a:noAutofit/>
           </a:bodyPr>
           <a:lstStyle>
@@ -2880,20 +5794,12 @@
             </a:lvl9pPr>
           </a:lstStyle>
           <a:p>
-            <a:pPr indent="0" lvl="0" marL="0" rtl="0" algn="r">
-              <a:spcBef>
-                <a:spcPts val="0"/>
-              </a:spcBef>
-              <a:spcAft>
-                <a:spcPts val="0"/>
-              </a:spcAft>
-              <a:buNone/>
-            </a:pPr>
             <a:fld id="{00000000-1234-1234-1234-123412341234}" type="slidenum">
-              <a:rPr lang="en"/>
+              <a:rPr lang="en" smtClean="0"/>
+              <a:pPr/>
               <a:t>‹#›</a:t>
             </a:fld>
-            <a:endParaRPr/>
+            <a:endParaRPr lang="en"/>
           </a:p>
         </p:txBody>
       </p:sp>
@@ -2906,11 +5812,11 @@
 </file>
 
 <file path=ppt/slideLayouts/slideLayout6.xml><?xml version="1.0" encoding="utf-8"?>
-<p:sldLayout xmlns:a="http://schemas.openxmlformats.org/drawingml/2006/main" xmlns:r="http://schemas.openxmlformats.org/officeDocument/2006/relationships" xmlns:mc="http://schemas.openxmlformats.org/markup-compatibility/2006" xmlns:mv="urn:schemas-microsoft-com:mac:vml" xmlns:p="http://schemas.openxmlformats.org/presentationml/2006/main" xmlns:c="http://schemas.openxmlformats.org/drawingml/2006/chart" xmlns:dgm="http://schemas.openxmlformats.org/drawingml/2006/diagram" xmlns:o="urn:schemas-microsoft-com:office:office" xmlns:v="urn:schemas-microsoft-com:vml" xmlns:pvml="urn:schemas-microsoft-com:office:powerpoint" xmlns:com="http://schemas.openxmlformats.org/drawingml/2006/compatibility" xmlns:p14="http://schemas.microsoft.com/office/powerpoint/2010/main" xmlns:p15="http://schemas.microsoft.com/office/powerpoint/2012/main" matchingName="One column text">
+<p:sldLayout xmlns:a="http://schemas.openxmlformats.org/drawingml/2006/main" xmlns:r="http://schemas.openxmlformats.org/officeDocument/2006/relationships" xmlns:p="http://schemas.openxmlformats.org/presentationml/2006/main" matchingName="One column text">
   <p:cSld name="ONE_COLUMN_TEXT">
     <p:spTree>
       <p:nvGrpSpPr>
-        <p:cNvPr id="28" name="Shape 28"/>
+        <p:cNvPr id="1" name="Shape 28"/>
         <p:cNvGrpSpPr/>
         <p:nvPr/>
       </p:nvGrpSpPr>
@@ -2925,22 +5831,24 @@
       <p:sp>
         <p:nvSpPr>
           <p:cNvPr id="29" name="Google Shape;29;p7"/>
-          <p:cNvSpPr txBox="1"/>
+          <p:cNvSpPr txBox="1">
+            <a:spLocks noGrp="1"/>
+          </p:cNvSpPr>
           <p:nvPr>
             <p:ph type="title"/>
           </p:nvPr>
         </p:nvSpPr>
         <p:spPr>
           <a:xfrm>
-            <a:off x="311700" y="555600"/>
-            <a:ext cx="2808000" cy="755700"/>
+            <a:off x="311700" y="98773"/>
+            <a:ext cx="2808000" cy="134347"/>
           </a:xfrm>
           <a:prstGeom prst="rect">
             <a:avLst/>
           </a:prstGeom>
         </p:spPr>
         <p:txBody>
-          <a:bodyPr anchorCtr="0" anchor="b" bIns="91425" lIns="91425" spcFirstLastPara="1" rIns="91425" wrap="square" tIns="91425">
+          <a:bodyPr spcFirstLastPara="1" wrap="square" lIns="91425" tIns="91425" rIns="91425" bIns="91425" anchor="b" anchorCtr="0">
             <a:noAutofit/>
           </a:bodyPr>
           <a:lstStyle>
@@ -3044,32 +5952,36 @@
               <a:defRPr sz="2400"/>
             </a:lvl9pPr>
           </a:lstStyle>
-          <a:p/>
+          <a:p>
+            <a:endParaRPr/>
+          </a:p>
         </p:txBody>
       </p:sp>
       <p:sp>
         <p:nvSpPr>
           <p:cNvPr id="30" name="Google Shape;30;p7"/>
-          <p:cNvSpPr txBox="1"/>
+          <p:cNvSpPr txBox="1">
+            <a:spLocks noGrp="1"/>
+          </p:cNvSpPr>
           <p:nvPr>
-            <p:ph idx="1" type="body"/>
+            <p:ph type="body" idx="1"/>
           </p:nvPr>
         </p:nvSpPr>
         <p:spPr>
           <a:xfrm>
-            <a:off x="311700" y="1389600"/>
-            <a:ext cx="2808000" cy="3179400"/>
+            <a:off x="311700" y="247040"/>
+            <a:ext cx="2808000" cy="565227"/>
           </a:xfrm>
           <a:prstGeom prst="rect">
             <a:avLst/>
           </a:prstGeom>
         </p:spPr>
         <p:txBody>
-          <a:bodyPr anchorCtr="0" anchor="t" bIns="91425" lIns="91425" spcFirstLastPara="1" rIns="91425" wrap="square" tIns="91425">
+          <a:bodyPr spcFirstLastPara="1" wrap="square" lIns="91425" tIns="91425" rIns="91425" bIns="91425" anchor="t" anchorCtr="0">
             <a:noAutofit/>
           </a:bodyPr>
           <a:lstStyle>
-            <a:lvl1pPr indent="-304800" lvl="0" marL="457200">
+            <a:lvl1pPr marL="457200" lvl="0" indent="-304800">
               <a:spcBef>
                 <a:spcPts val="0"/>
               </a:spcBef>
@@ -3080,7 +5992,7 @@
               <a:buChar char="●"/>
               <a:defRPr sz="1200"/>
             </a:lvl1pPr>
-            <a:lvl2pPr indent="-304800" lvl="1" marL="914400">
+            <a:lvl2pPr marL="914400" lvl="1" indent="-304800">
               <a:spcBef>
                 <a:spcPts val="1600"/>
               </a:spcBef>
@@ -3091,7 +6003,7 @@
               <a:buChar char="○"/>
               <a:defRPr sz="1200"/>
             </a:lvl2pPr>
-            <a:lvl3pPr indent="-304800" lvl="2" marL="1371600">
+            <a:lvl3pPr marL="1371600" lvl="2" indent="-304800">
               <a:spcBef>
                 <a:spcPts val="1600"/>
               </a:spcBef>
@@ -3102,7 +6014,7 @@
               <a:buChar char="■"/>
               <a:defRPr sz="1200"/>
             </a:lvl3pPr>
-            <a:lvl4pPr indent="-304800" lvl="3" marL="1828800">
+            <a:lvl4pPr marL="1828800" lvl="3" indent="-304800">
               <a:spcBef>
                 <a:spcPts val="1600"/>
               </a:spcBef>
@@ -3113,7 +6025,7 @@
               <a:buChar char="●"/>
               <a:defRPr sz="1200"/>
             </a:lvl4pPr>
-            <a:lvl5pPr indent="-304800" lvl="4" marL="2286000">
+            <a:lvl5pPr marL="2286000" lvl="4" indent="-304800">
               <a:spcBef>
                 <a:spcPts val="1600"/>
               </a:spcBef>
@@ -3124,7 +6036,7 @@
               <a:buChar char="○"/>
               <a:defRPr sz="1200"/>
             </a:lvl5pPr>
-            <a:lvl6pPr indent="-304800" lvl="5" marL="2743200">
+            <a:lvl6pPr marL="2743200" lvl="5" indent="-304800">
               <a:spcBef>
                 <a:spcPts val="1600"/>
               </a:spcBef>
@@ -3135,7 +6047,7 @@
               <a:buChar char="■"/>
               <a:defRPr sz="1200"/>
             </a:lvl6pPr>
-            <a:lvl7pPr indent="-304800" lvl="6" marL="3200400">
+            <a:lvl7pPr marL="3200400" lvl="6" indent="-304800">
               <a:spcBef>
                 <a:spcPts val="1600"/>
               </a:spcBef>
@@ -3146,7 +6058,7 @@
               <a:buChar char="●"/>
               <a:defRPr sz="1200"/>
             </a:lvl7pPr>
-            <a:lvl8pPr indent="-304800" lvl="7" marL="3657600">
+            <a:lvl8pPr marL="3657600" lvl="7" indent="-304800">
               <a:spcBef>
                 <a:spcPts val="1600"/>
               </a:spcBef>
@@ -3157,7 +6069,7 @@
               <a:buChar char="○"/>
               <a:defRPr sz="1200"/>
             </a:lvl8pPr>
-            <a:lvl9pPr indent="-304800" lvl="8" marL="4114800">
+            <a:lvl9pPr marL="4114800" lvl="8" indent="-304800">
               <a:spcBef>
                 <a:spcPts val="1600"/>
               </a:spcBef>
@@ -3169,28 +6081,32 @@
               <a:defRPr sz="1200"/>
             </a:lvl9pPr>
           </a:lstStyle>
-          <a:p/>
+          <a:p>
+            <a:endParaRPr/>
+          </a:p>
         </p:txBody>
       </p:sp>
       <p:sp>
         <p:nvSpPr>
           <p:cNvPr id="31" name="Google Shape;31;p7"/>
-          <p:cNvSpPr txBox="1"/>
+          <p:cNvSpPr txBox="1">
+            <a:spLocks noGrp="1"/>
+          </p:cNvSpPr>
           <p:nvPr>
-            <p:ph idx="12" type="sldNum"/>
+            <p:ph type="sldNum" idx="12"/>
           </p:nvPr>
         </p:nvSpPr>
         <p:spPr>
           <a:xfrm>
-            <a:off x="8472458" y="4663217"/>
-            <a:ext cx="548700" cy="393600"/>
+            <a:off x="8472458" y="829017"/>
+            <a:ext cx="548700" cy="69973"/>
           </a:xfrm>
           <a:prstGeom prst="rect">
             <a:avLst/>
           </a:prstGeom>
         </p:spPr>
         <p:txBody>
-          <a:bodyPr anchorCtr="0" anchor="ctr" bIns="91425" lIns="91425" spcFirstLastPara="1" rIns="91425" wrap="square" tIns="91425">
+          <a:bodyPr spcFirstLastPara="1" wrap="square" lIns="91425" tIns="91425" rIns="91425" bIns="91425" anchor="ctr" anchorCtr="0">
             <a:noAutofit/>
           </a:bodyPr>
           <a:lstStyle>
@@ -3232,20 +6148,12 @@
             </a:lvl9pPr>
           </a:lstStyle>
           <a:p>
-            <a:pPr indent="0" lvl="0" marL="0" rtl="0" algn="r">
-              <a:spcBef>
-                <a:spcPts val="0"/>
-              </a:spcBef>
-              <a:spcAft>
-                <a:spcPts val="0"/>
-              </a:spcAft>
-              <a:buNone/>
-            </a:pPr>
             <a:fld id="{00000000-1234-1234-1234-123412341234}" type="slidenum">
-              <a:rPr lang="en"/>
+              <a:rPr lang="en" smtClean="0"/>
+              <a:pPr/>
               <a:t>‹#›</a:t>
             </a:fld>
-            <a:endParaRPr/>
+            <a:endParaRPr lang="en"/>
           </a:p>
         </p:txBody>
       </p:sp>
@@ -3258,11 +6166,11 @@
 </file>
 
 <file path=ppt/slideLayouts/slideLayout7.xml><?xml version="1.0" encoding="utf-8"?>
-<p:sldLayout xmlns:a="http://schemas.openxmlformats.org/drawingml/2006/main" xmlns:r="http://schemas.openxmlformats.org/officeDocument/2006/relationships" xmlns:mc="http://schemas.openxmlformats.org/markup-compatibility/2006" xmlns:mv="urn:schemas-microsoft-com:mac:vml" xmlns:p="http://schemas.openxmlformats.org/presentationml/2006/main" xmlns:c="http://schemas.openxmlformats.org/drawingml/2006/chart" xmlns:dgm="http://schemas.openxmlformats.org/drawingml/2006/diagram" xmlns:o="urn:schemas-microsoft-com:office:office" xmlns:v="urn:schemas-microsoft-com:vml" xmlns:pvml="urn:schemas-microsoft-com:office:powerpoint" xmlns:com="http://schemas.openxmlformats.org/drawingml/2006/compatibility" xmlns:p14="http://schemas.microsoft.com/office/powerpoint/2010/main" xmlns:p15="http://schemas.microsoft.com/office/powerpoint/2012/main" matchingName="Main point">
+<p:sldLayout xmlns:a="http://schemas.openxmlformats.org/drawingml/2006/main" xmlns:r="http://schemas.openxmlformats.org/officeDocument/2006/relationships" xmlns:p="http://schemas.openxmlformats.org/presentationml/2006/main" matchingName="Main point">
   <p:cSld name="MAIN_POINT">
     <p:spTree>
       <p:nvGrpSpPr>
-        <p:cNvPr id="32" name="Shape 32"/>
+        <p:cNvPr id="1" name="Shape 32"/>
         <p:cNvGrpSpPr/>
         <p:nvPr/>
       </p:nvGrpSpPr>
@@ -3277,22 +6185,24 @@
       <p:sp>
         <p:nvSpPr>
           <p:cNvPr id="33" name="Google Shape;33;p8"/>
-          <p:cNvSpPr txBox="1"/>
+          <p:cNvSpPr txBox="1">
+            <a:spLocks noGrp="1"/>
+          </p:cNvSpPr>
           <p:nvPr>
             <p:ph type="title"/>
           </p:nvPr>
         </p:nvSpPr>
         <p:spPr>
           <a:xfrm>
-            <a:off x="490250" y="450150"/>
-            <a:ext cx="6367800" cy="4090800"/>
+            <a:off x="490250" y="80027"/>
+            <a:ext cx="6367800" cy="727253"/>
           </a:xfrm>
           <a:prstGeom prst="rect">
             <a:avLst/>
           </a:prstGeom>
         </p:spPr>
         <p:txBody>
-          <a:bodyPr anchorCtr="0" anchor="ctr" bIns="91425" lIns="91425" spcFirstLastPara="1" rIns="91425" wrap="square" tIns="91425">
+          <a:bodyPr spcFirstLastPara="1" wrap="square" lIns="91425" tIns="91425" rIns="91425" bIns="91425" anchor="ctr" anchorCtr="0">
             <a:noAutofit/>
           </a:bodyPr>
           <a:lstStyle>
@@ -3396,28 +6306,32 @@
               <a:defRPr sz="4800"/>
             </a:lvl9pPr>
           </a:lstStyle>
-          <a:p/>
+          <a:p>
+            <a:endParaRPr/>
+          </a:p>
         </p:txBody>
       </p:sp>
       <p:sp>
         <p:nvSpPr>
           <p:cNvPr id="34" name="Google Shape;34;p8"/>
-          <p:cNvSpPr txBox="1"/>
+          <p:cNvSpPr txBox="1">
+            <a:spLocks noGrp="1"/>
+          </p:cNvSpPr>
           <p:nvPr>
-            <p:ph idx="12" type="sldNum"/>
+            <p:ph type="sldNum" idx="12"/>
           </p:nvPr>
         </p:nvSpPr>
         <p:spPr>
           <a:xfrm>
-            <a:off x="8472458" y="4663217"/>
-            <a:ext cx="548700" cy="393600"/>
+            <a:off x="8472458" y="829017"/>
+            <a:ext cx="548700" cy="69973"/>
           </a:xfrm>
           <a:prstGeom prst="rect">
             <a:avLst/>
           </a:prstGeom>
         </p:spPr>
         <p:txBody>
-          <a:bodyPr anchorCtr="0" anchor="ctr" bIns="91425" lIns="91425" spcFirstLastPara="1" rIns="91425" wrap="square" tIns="91425">
+          <a:bodyPr spcFirstLastPara="1" wrap="square" lIns="91425" tIns="91425" rIns="91425" bIns="91425" anchor="ctr" anchorCtr="0">
             <a:noAutofit/>
           </a:bodyPr>
           <a:lstStyle>
@@ -3459,20 +6373,12 @@
             </a:lvl9pPr>
           </a:lstStyle>
           <a:p>
-            <a:pPr indent="0" lvl="0" marL="0" rtl="0" algn="r">
-              <a:spcBef>
-                <a:spcPts val="0"/>
-              </a:spcBef>
-              <a:spcAft>
-                <a:spcPts val="0"/>
-              </a:spcAft>
-              <a:buNone/>
-            </a:pPr>
             <a:fld id="{00000000-1234-1234-1234-123412341234}" type="slidenum">
-              <a:rPr lang="en"/>
+              <a:rPr lang="en" smtClean="0"/>
+              <a:pPr/>
               <a:t>‹#›</a:t>
             </a:fld>
-            <a:endParaRPr/>
+            <a:endParaRPr lang="en"/>
           </a:p>
         </p:txBody>
       </p:sp>
@@ -3485,11 +6391,11 @@
 </file>
 
 <file path=ppt/slideLayouts/slideLayout8.xml><?xml version="1.0" encoding="utf-8"?>
-<p:sldLayout xmlns:a="http://schemas.openxmlformats.org/drawingml/2006/main" xmlns:r="http://schemas.openxmlformats.org/officeDocument/2006/relationships" xmlns:mc="http://schemas.openxmlformats.org/markup-compatibility/2006" xmlns:mv="urn:schemas-microsoft-com:mac:vml" xmlns:p="http://schemas.openxmlformats.org/presentationml/2006/main" xmlns:c="http://schemas.openxmlformats.org/drawingml/2006/chart" xmlns:dgm="http://schemas.openxmlformats.org/drawingml/2006/diagram" xmlns:o="urn:schemas-microsoft-com:office:office" xmlns:v="urn:schemas-microsoft-com:vml" xmlns:pvml="urn:schemas-microsoft-com:office:powerpoint" xmlns:com="http://schemas.openxmlformats.org/drawingml/2006/compatibility" xmlns:p14="http://schemas.microsoft.com/office/powerpoint/2010/main" xmlns:p15="http://schemas.microsoft.com/office/powerpoint/2012/main" matchingName="Section title and description">
+<p:sldLayout xmlns:a="http://schemas.openxmlformats.org/drawingml/2006/main" xmlns:r="http://schemas.openxmlformats.org/officeDocument/2006/relationships" xmlns:p="http://schemas.openxmlformats.org/presentationml/2006/main" matchingName="Section title and description">
   <p:cSld name="SECTION_TITLE_AND_DESCRIPTION">
     <p:spTree>
       <p:nvGrpSpPr>
-        <p:cNvPr id="35" name="Shape 35"/>
+        <p:cNvPr id="1" name="Shape 35"/>
         <p:cNvGrpSpPr/>
         <p:nvPr/>
       </p:nvGrpSpPr>
@@ -3509,8 +6415,8 @@
         </p:nvSpPr>
         <p:spPr>
           <a:xfrm>
-            <a:off x="4572000" y="-125"/>
-            <a:ext cx="4572000" cy="5143500"/>
+            <a:off x="4572000" y="-22"/>
+            <a:ext cx="4572000" cy="914400"/>
           </a:xfrm>
           <a:prstGeom prst="rect">
             <a:avLst/>
@@ -3523,12 +6429,12 @@
           </a:ln>
         </p:spPr>
         <p:txBody>
-          <a:bodyPr anchorCtr="0" anchor="ctr" bIns="91425" lIns="91425" spcFirstLastPara="1" rIns="91425" wrap="square" tIns="91425">
+          <a:bodyPr spcFirstLastPara="1" wrap="square" lIns="91425" tIns="91425" rIns="91425" bIns="91425" anchor="ctr" anchorCtr="0">
             <a:noAutofit/>
           </a:bodyPr>
           <a:lstStyle/>
           <a:p>
-            <a:pPr indent="0" lvl="0" marL="0" rtl="0" algn="l">
+            <a:pPr marL="0" lvl="0" indent="0" algn="l" rtl="0">
               <a:spcBef>
                 <a:spcPts val="0"/>
               </a:spcBef>
@@ -3537,157 +6443,160 @@
               </a:spcAft>
               <a:buNone/>
             </a:pPr>
-            <a:r>
-              <a:t/>
-            </a:r>
+            <a:endParaRPr sz="1400"/>
+          </a:p>
+        </p:txBody>
+      </p:sp>
+      <p:sp>
+        <p:nvSpPr>
+          <p:cNvPr id="37" name="Google Shape;37;p9"/>
+          <p:cNvSpPr txBox="1">
+            <a:spLocks noGrp="1"/>
+          </p:cNvSpPr>
+          <p:nvPr>
+            <p:ph type="title"/>
+          </p:nvPr>
+        </p:nvSpPr>
+        <p:spPr>
+          <a:xfrm>
+            <a:off x="265500" y="219231"/>
+            <a:ext cx="4045200" cy="263520"/>
+          </a:xfrm>
+          <a:prstGeom prst="rect">
+            <a:avLst/>
+          </a:prstGeom>
+        </p:spPr>
+        <p:txBody>
+          <a:bodyPr spcFirstLastPara="1" wrap="square" lIns="91425" tIns="91425" rIns="91425" bIns="91425" anchor="b" anchorCtr="0">
+            <a:noAutofit/>
+          </a:bodyPr>
+          <a:lstStyle>
+            <a:lvl1pPr lvl="0" algn="ctr">
+              <a:spcBef>
+                <a:spcPts val="0"/>
+              </a:spcBef>
+              <a:spcAft>
+                <a:spcPts val="0"/>
+              </a:spcAft>
+              <a:buSzPts val="4200"/>
+              <a:buNone/>
+              <a:defRPr sz="4200"/>
+            </a:lvl1pPr>
+            <a:lvl2pPr lvl="1" algn="ctr">
+              <a:spcBef>
+                <a:spcPts val="0"/>
+              </a:spcBef>
+              <a:spcAft>
+                <a:spcPts val="0"/>
+              </a:spcAft>
+              <a:buSzPts val="4200"/>
+              <a:buNone/>
+              <a:defRPr sz="4200"/>
+            </a:lvl2pPr>
+            <a:lvl3pPr lvl="2" algn="ctr">
+              <a:spcBef>
+                <a:spcPts val="0"/>
+              </a:spcBef>
+              <a:spcAft>
+                <a:spcPts val="0"/>
+              </a:spcAft>
+              <a:buSzPts val="4200"/>
+              <a:buNone/>
+              <a:defRPr sz="4200"/>
+            </a:lvl3pPr>
+            <a:lvl4pPr lvl="3" algn="ctr">
+              <a:spcBef>
+                <a:spcPts val="0"/>
+              </a:spcBef>
+              <a:spcAft>
+                <a:spcPts val="0"/>
+              </a:spcAft>
+              <a:buSzPts val="4200"/>
+              <a:buNone/>
+              <a:defRPr sz="4200"/>
+            </a:lvl4pPr>
+            <a:lvl5pPr lvl="4" algn="ctr">
+              <a:spcBef>
+                <a:spcPts val="0"/>
+              </a:spcBef>
+              <a:spcAft>
+                <a:spcPts val="0"/>
+              </a:spcAft>
+              <a:buSzPts val="4200"/>
+              <a:buNone/>
+              <a:defRPr sz="4200"/>
+            </a:lvl5pPr>
+            <a:lvl6pPr lvl="5" algn="ctr">
+              <a:spcBef>
+                <a:spcPts val="0"/>
+              </a:spcBef>
+              <a:spcAft>
+                <a:spcPts val="0"/>
+              </a:spcAft>
+              <a:buSzPts val="4200"/>
+              <a:buNone/>
+              <a:defRPr sz="4200"/>
+            </a:lvl6pPr>
+            <a:lvl7pPr lvl="6" algn="ctr">
+              <a:spcBef>
+                <a:spcPts val="0"/>
+              </a:spcBef>
+              <a:spcAft>
+                <a:spcPts val="0"/>
+              </a:spcAft>
+              <a:buSzPts val="4200"/>
+              <a:buNone/>
+              <a:defRPr sz="4200"/>
+            </a:lvl7pPr>
+            <a:lvl8pPr lvl="7" algn="ctr">
+              <a:spcBef>
+                <a:spcPts val="0"/>
+              </a:spcBef>
+              <a:spcAft>
+                <a:spcPts val="0"/>
+              </a:spcAft>
+              <a:buSzPts val="4200"/>
+              <a:buNone/>
+              <a:defRPr sz="4200"/>
+            </a:lvl8pPr>
+            <a:lvl9pPr lvl="8" algn="ctr">
+              <a:spcBef>
+                <a:spcPts val="0"/>
+              </a:spcBef>
+              <a:spcAft>
+                <a:spcPts val="0"/>
+              </a:spcAft>
+              <a:buSzPts val="4200"/>
+              <a:buNone/>
+              <a:defRPr sz="4200"/>
+            </a:lvl9pPr>
+          </a:lstStyle>
+          <a:p>
             <a:endParaRPr/>
           </a:p>
         </p:txBody>
       </p:sp>
       <p:sp>
         <p:nvSpPr>
-          <p:cNvPr id="37" name="Google Shape;37;p9"/>
-          <p:cNvSpPr txBox="1"/>
+          <p:cNvPr id="38" name="Google Shape;38;p9"/>
+          <p:cNvSpPr txBox="1">
+            <a:spLocks noGrp="1"/>
+          </p:cNvSpPr>
           <p:nvPr>
-            <p:ph type="title"/>
+            <p:ph type="subTitle" idx="1"/>
           </p:nvPr>
         </p:nvSpPr>
         <p:spPr>
           <a:xfrm>
-            <a:off x="265500" y="1233175"/>
-            <a:ext cx="4045200" cy="1482300"/>
+            <a:off x="265500" y="498325"/>
+            <a:ext cx="4045200" cy="219573"/>
           </a:xfrm>
           <a:prstGeom prst="rect">
             <a:avLst/>
           </a:prstGeom>
         </p:spPr>
         <p:txBody>
-          <a:bodyPr anchorCtr="0" anchor="b" bIns="91425" lIns="91425" spcFirstLastPara="1" rIns="91425" wrap="square" tIns="91425">
-            <a:noAutofit/>
-          </a:bodyPr>
-          <a:lstStyle>
-            <a:lvl1pPr lvl="0" algn="ctr">
-              <a:spcBef>
-                <a:spcPts val="0"/>
-              </a:spcBef>
-              <a:spcAft>
-                <a:spcPts val="0"/>
-              </a:spcAft>
-              <a:buSzPts val="4200"/>
-              <a:buNone/>
-              <a:defRPr sz="4200"/>
-            </a:lvl1pPr>
-            <a:lvl2pPr lvl="1" algn="ctr">
-              <a:spcBef>
-                <a:spcPts val="0"/>
-              </a:spcBef>
-              <a:spcAft>
-                <a:spcPts val="0"/>
-              </a:spcAft>
-              <a:buSzPts val="4200"/>
-              <a:buNone/>
-              <a:defRPr sz="4200"/>
-            </a:lvl2pPr>
-            <a:lvl3pPr lvl="2" algn="ctr">
-              <a:spcBef>
-                <a:spcPts val="0"/>
-              </a:spcBef>
-              <a:spcAft>
-                <a:spcPts val="0"/>
-              </a:spcAft>
-              <a:buSzPts val="4200"/>
-              <a:buNone/>
-              <a:defRPr sz="4200"/>
-            </a:lvl3pPr>
-            <a:lvl4pPr lvl="3" algn="ctr">
-              <a:spcBef>
-                <a:spcPts val="0"/>
-              </a:spcBef>
-              <a:spcAft>
-                <a:spcPts val="0"/>
-              </a:spcAft>
-              <a:buSzPts val="4200"/>
-              <a:buNone/>
-              <a:defRPr sz="4200"/>
-            </a:lvl4pPr>
-            <a:lvl5pPr lvl="4" algn="ctr">
-              <a:spcBef>
-                <a:spcPts val="0"/>
-              </a:spcBef>
-              <a:spcAft>
-                <a:spcPts val="0"/>
-              </a:spcAft>
-              <a:buSzPts val="4200"/>
-              <a:buNone/>
-              <a:defRPr sz="4200"/>
-            </a:lvl5pPr>
-            <a:lvl6pPr lvl="5" algn="ctr">
-              <a:spcBef>
-                <a:spcPts val="0"/>
-              </a:spcBef>
-              <a:spcAft>
-                <a:spcPts val="0"/>
-              </a:spcAft>
-              <a:buSzPts val="4200"/>
-              <a:buNone/>
-              <a:defRPr sz="4200"/>
-            </a:lvl6pPr>
-            <a:lvl7pPr lvl="6" algn="ctr">
-              <a:spcBef>
-                <a:spcPts val="0"/>
-              </a:spcBef>
-              <a:spcAft>
-                <a:spcPts val="0"/>
-              </a:spcAft>
-              <a:buSzPts val="4200"/>
-              <a:buNone/>
-              <a:defRPr sz="4200"/>
-            </a:lvl7pPr>
-            <a:lvl8pPr lvl="7" algn="ctr">
-              <a:spcBef>
-                <a:spcPts val="0"/>
-              </a:spcBef>
-              <a:spcAft>
-                <a:spcPts val="0"/>
-              </a:spcAft>
-              <a:buSzPts val="4200"/>
-              <a:buNone/>
-              <a:defRPr sz="4200"/>
-            </a:lvl8pPr>
-            <a:lvl9pPr lvl="8" algn="ctr">
-              <a:spcBef>
-                <a:spcPts val="0"/>
-              </a:spcBef>
-              <a:spcAft>
-                <a:spcPts val="0"/>
-              </a:spcAft>
-              <a:buSzPts val="4200"/>
-              <a:buNone/>
-              <a:defRPr sz="4200"/>
-            </a:lvl9pPr>
-          </a:lstStyle>
-          <a:p/>
-        </p:txBody>
-      </p:sp>
-      <p:sp>
-        <p:nvSpPr>
-          <p:cNvPr id="38" name="Google Shape;38;p9"/>
-          <p:cNvSpPr txBox="1"/>
-          <p:nvPr>
-            <p:ph idx="1" type="subTitle"/>
-          </p:nvPr>
-        </p:nvSpPr>
-        <p:spPr>
-          <a:xfrm>
-            <a:off x="265500" y="2803075"/>
-            <a:ext cx="4045200" cy="1235100"/>
-          </a:xfrm>
-          <a:prstGeom prst="rect">
-            <a:avLst/>
-          </a:prstGeom>
-        </p:spPr>
-        <p:txBody>
-          <a:bodyPr anchorCtr="0" anchor="t" bIns="91425" lIns="91425" spcFirstLastPara="1" rIns="91425" wrap="square" tIns="91425">
+          <a:bodyPr spcFirstLastPara="1" wrap="square" lIns="91425" tIns="91425" rIns="91425" bIns="91425" anchor="t" anchorCtr="0">
             <a:noAutofit/>
           </a:bodyPr>
           <a:lstStyle>
@@ -3818,32 +6727,36 @@
               <a:defRPr sz="2100"/>
             </a:lvl9pPr>
           </a:lstStyle>
-          <a:p/>
+          <a:p>
+            <a:endParaRPr/>
+          </a:p>
         </p:txBody>
       </p:sp>
       <p:sp>
         <p:nvSpPr>
           <p:cNvPr id="39" name="Google Shape;39;p9"/>
-          <p:cNvSpPr txBox="1"/>
+          <p:cNvSpPr txBox="1">
+            <a:spLocks noGrp="1"/>
+          </p:cNvSpPr>
           <p:nvPr>
-            <p:ph idx="2" type="body"/>
+            <p:ph type="body" idx="2"/>
           </p:nvPr>
         </p:nvSpPr>
         <p:spPr>
           <a:xfrm>
-            <a:off x="4939500" y="724075"/>
-            <a:ext cx="3837000" cy="3695100"/>
+            <a:off x="4939500" y="128724"/>
+            <a:ext cx="3837000" cy="656907"/>
           </a:xfrm>
           <a:prstGeom prst="rect">
             <a:avLst/>
           </a:prstGeom>
         </p:spPr>
         <p:txBody>
-          <a:bodyPr anchorCtr="0" anchor="ctr" bIns="91425" lIns="91425" spcFirstLastPara="1" rIns="91425" wrap="square" tIns="91425">
+          <a:bodyPr spcFirstLastPara="1" wrap="square" lIns="91425" tIns="91425" rIns="91425" bIns="91425" anchor="ctr" anchorCtr="0">
             <a:noAutofit/>
           </a:bodyPr>
           <a:lstStyle>
-            <a:lvl1pPr indent="-342900" lvl="0" marL="457200">
+            <a:lvl1pPr marL="457200" lvl="0" indent="-342900">
               <a:spcBef>
                 <a:spcPts val="0"/>
               </a:spcBef>
@@ -3854,7 +6767,7 @@
               <a:buChar char="●"/>
               <a:defRPr/>
             </a:lvl1pPr>
-            <a:lvl2pPr indent="-317500" lvl="1" marL="914400">
+            <a:lvl2pPr marL="914400" lvl="1" indent="-317500">
               <a:spcBef>
                 <a:spcPts val="1600"/>
               </a:spcBef>
@@ -3865,7 +6778,7 @@
               <a:buChar char="○"/>
               <a:defRPr/>
             </a:lvl2pPr>
-            <a:lvl3pPr indent="-317500" lvl="2" marL="1371600">
+            <a:lvl3pPr marL="1371600" lvl="2" indent="-317500">
               <a:spcBef>
                 <a:spcPts val="1600"/>
               </a:spcBef>
@@ -3876,7 +6789,7 @@
               <a:buChar char="■"/>
               <a:defRPr/>
             </a:lvl3pPr>
-            <a:lvl4pPr indent="-317500" lvl="3" marL="1828800">
+            <a:lvl4pPr marL="1828800" lvl="3" indent="-317500">
               <a:spcBef>
                 <a:spcPts val="1600"/>
               </a:spcBef>
@@ -3887,7 +6800,7 @@
               <a:buChar char="●"/>
               <a:defRPr/>
             </a:lvl4pPr>
-            <a:lvl5pPr indent="-317500" lvl="4" marL="2286000">
+            <a:lvl5pPr marL="2286000" lvl="4" indent="-317500">
               <a:spcBef>
                 <a:spcPts val="1600"/>
               </a:spcBef>
@@ -3898,7 +6811,7 @@
               <a:buChar char="○"/>
               <a:defRPr/>
             </a:lvl5pPr>
-            <a:lvl6pPr indent="-317500" lvl="5" marL="2743200">
+            <a:lvl6pPr marL="2743200" lvl="5" indent="-317500">
               <a:spcBef>
                 <a:spcPts val="1600"/>
               </a:spcBef>
@@ -3909,7 +6822,7 @@
               <a:buChar char="■"/>
               <a:defRPr/>
             </a:lvl6pPr>
-            <a:lvl7pPr indent="-317500" lvl="6" marL="3200400">
+            <a:lvl7pPr marL="3200400" lvl="6" indent="-317500">
               <a:spcBef>
                 <a:spcPts val="1600"/>
               </a:spcBef>
@@ -3920,7 +6833,7 @@
               <a:buChar char="●"/>
               <a:defRPr/>
             </a:lvl7pPr>
-            <a:lvl8pPr indent="-317500" lvl="7" marL="3657600">
+            <a:lvl8pPr marL="3657600" lvl="7" indent="-317500">
               <a:spcBef>
                 <a:spcPts val="1600"/>
               </a:spcBef>
@@ -3931,7 +6844,7 @@
               <a:buChar char="○"/>
               <a:defRPr/>
             </a:lvl8pPr>
-            <a:lvl9pPr indent="-317500" lvl="8" marL="4114800">
+            <a:lvl9pPr marL="4114800" lvl="8" indent="-317500">
               <a:spcBef>
                 <a:spcPts val="1600"/>
               </a:spcBef>
@@ -3943,28 +6856,32 @@
               <a:defRPr/>
             </a:lvl9pPr>
           </a:lstStyle>
-          <a:p/>
+          <a:p>
+            <a:endParaRPr/>
+          </a:p>
         </p:txBody>
       </p:sp>
       <p:sp>
         <p:nvSpPr>
           <p:cNvPr id="40" name="Google Shape;40;p9"/>
-          <p:cNvSpPr txBox="1"/>
+          <p:cNvSpPr txBox="1">
+            <a:spLocks noGrp="1"/>
+          </p:cNvSpPr>
           <p:nvPr>
-            <p:ph idx="12" type="sldNum"/>
+            <p:ph type="sldNum" idx="12"/>
           </p:nvPr>
         </p:nvSpPr>
         <p:spPr>
           <a:xfrm>
-            <a:off x="8472458" y="4663217"/>
-            <a:ext cx="548700" cy="393600"/>
+            <a:off x="8472458" y="829017"/>
+            <a:ext cx="548700" cy="69973"/>
           </a:xfrm>
           <a:prstGeom prst="rect">
             <a:avLst/>
           </a:prstGeom>
         </p:spPr>
         <p:txBody>
-          <a:bodyPr anchorCtr="0" anchor="ctr" bIns="91425" lIns="91425" spcFirstLastPara="1" rIns="91425" wrap="square" tIns="91425">
+          <a:bodyPr spcFirstLastPara="1" wrap="square" lIns="91425" tIns="91425" rIns="91425" bIns="91425" anchor="ctr" anchorCtr="0">
             <a:noAutofit/>
           </a:bodyPr>
           <a:lstStyle>
@@ -4006,20 +6923,12 @@
             </a:lvl9pPr>
           </a:lstStyle>
           <a:p>
-            <a:pPr indent="0" lvl="0" marL="0" rtl="0" algn="r">
-              <a:spcBef>
-                <a:spcPts val="0"/>
-              </a:spcBef>
-              <a:spcAft>
-                <a:spcPts val="0"/>
-              </a:spcAft>
-              <a:buNone/>
-            </a:pPr>
             <a:fld id="{00000000-1234-1234-1234-123412341234}" type="slidenum">
-              <a:rPr lang="en"/>
+              <a:rPr lang="en" smtClean="0"/>
+              <a:pPr/>
               <a:t>‹#›</a:t>
             </a:fld>
-            <a:endParaRPr/>
+            <a:endParaRPr lang="en"/>
           </a:p>
         </p:txBody>
       </p:sp>
@@ -4032,11 +6941,11 @@
 </file>
 
 <file path=ppt/slideLayouts/slideLayout9.xml><?xml version="1.0" encoding="utf-8"?>
-<p:sldLayout xmlns:a="http://schemas.openxmlformats.org/drawingml/2006/main" xmlns:r="http://schemas.openxmlformats.org/officeDocument/2006/relationships" xmlns:mc="http://schemas.openxmlformats.org/markup-compatibility/2006" xmlns:mv="urn:schemas-microsoft-com:mac:vml" xmlns:p="http://schemas.openxmlformats.org/presentationml/2006/main" xmlns:c="http://schemas.openxmlformats.org/drawingml/2006/chart" xmlns:dgm="http://schemas.openxmlformats.org/drawingml/2006/diagram" xmlns:o="urn:schemas-microsoft-com:office:office" xmlns:v="urn:schemas-microsoft-com:vml" xmlns:pvml="urn:schemas-microsoft-com:office:powerpoint" xmlns:com="http://schemas.openxmlformats.org/drawingml/2006/compatibility" xmlns:p14="http://schemas.microsoft.com/office/powerpoint/2010/main" xmlns:p15="http://schemas.microsoft.com/office/powerpoint/2012/main" matchingName="Caption">
+<p:sldLayout xmlns:a="http://schemas.openxmlformats.org/drawingml/2006/main" xmlns:r="http://schemas.openxmlformats.org/officeDocument/2006/relationships" xmlns:p="http://schemas.openxmlformats.org/presentationml/2006/main" matchingName="Caption">
   <p:cSld name="CAPTION_ONLY">
     <p:spTree>
       <p:nvGrpSpPr>
-        <p:cNvPr id="41" name="Shape 41"/>
+        <p:cNvPr id="1" name="Shape 41"/>
         <p:cNvGrpSpPr/>
         <p:nvPr/>
       </p:nvGrpSpPr>
@@ -4051,26 +6960,28 @@
       <p:sp>
         <p:nvSpPr>
           <p:cNvPr id="42" name="Google Shape;42;p10"/>
-          <p:cNvSpPr txBox="1"/>
+          <p:cNvSpPr txBox="1">
+            <a:spLocks noGrp="1"/>
+          </p:cNvSpPr>
           <p:nvPr>
-            <p:ph idx="1" type="body"/>
+            <p:ph type="body" idx="1"/>
           </p:nvPr>
         </p:nvSpPr>
         <p:spPr>
           <a:xfrm>
-            <a:off x="311700" y="4230575"/>
-            <a:ext cx="5998800" cy="605100"/>
+            <a:off x="311700" y="752102"/>
+            <a:ext cx="5998800" cy="107573"/>
           </a:xfrm>
           <a:prstGeom prst="rect">
             <a:avLst/>
           </a:prstGeom>
         </p:spPr>
         <p:txBody>
-          <a:bodyPr anchorCtr="0" anchor="ctr" bIns="91425" lIns="91425" spcFirstLastPara="1" rIns="91425" wrap="square" tIns="91425">
+          <a:bodyPr spcFirstLastPara="1" wrap="square" lIns="91425" tIns="91425" rIns="91425" bIns="91425" anchor="ctr" anchorCtr="0">
             <a:noAutofit/>
           </a:bodyPr>
           <a:lstStyle>
-            <a:lvl1pPr indent="-228600" lvl="0" marL="457200">
+            <a:lvl1pPr marL="457200" lvl="0" indent="-228600">
               <a:lnSpc>
                 <a:spcPct val="100000"/>
               </a:lnSpc>
@@ -4085,28 +6996,32 @@
               <a:defRPr/>
             </a:lvl1pPr>
           </a:lstStyle>
-          <a:p/>
+          <a:p>
+            <a:endParaRPr/>
+          </a:p>
         </p:txBody>
       </p:sp>
       <p:sp>
         <p:nvSpPr>
           <p:cNvPr id="43" name="Google Shape;43;p10"/>
-          <p:cNvSpPr txBox="1"/>
+          <p:cNvSpPr txBox="1">
+            <a:spLocks noGrp="1"/>
+          </p:cNvSpPr>
           <p:nvPr>
-            <p:ph idx="12" type="sldNum"/>
+            <p:ph type="sldNum" idx="12"/>
           </p:nvPr>
         </p:nvSpPr>
         <p:spPr>
           <a:xfrm>
-            <a:off x="8472458" y="4663217"/>
-            <a:ext cx="548700" cy="393600"/>
+            <a:off x="8472458" y="829017"/>
+            <a:ext cx="548700" cy="69973"/>
           </a:xfrm>
           <a:prstGeom prst="rect">
             <a:avLst/>
           </a:prstGeom>
         </p:spPr>
         <p:txBody>
-          <a:bodyPr anchorCtr="0" anchor="ctr" bIns="91425" lIns="91425" spcFirstLastPara="1" rIns="91425" wrap="square" tIns="91425">
+          <a:bodyPr spcFirstLastPara="1" wrap="square" lIns="91425" tIns="91425" rIns="91425" bIns="91425" anchor="ctr" anchorCtr="0">
             <a:noAutofit/>
           </a:bodyPr>
           <a:lstStyle>
@@ -4148,20 +7063,12 @@
             </a:lvl9pPr>
           </a:lstStyle>
           <a:p>
-            <a:pPr indent="0" lvl="0" marL="0" rtl="0" algn="r">
-              <a:spcBef>
-                <a:spcPts val="0"/>
-              </a:spcBef>
-              <a:spcAft>
-                <a:spcPts val="0"/>
-              </a:spcAft>
-              <a:buNone/>
-            </a:pPr>
             <a:fld id="{00000000-1234-1234-1234-123412341234}" type="slidenum">
-              <a:rPr lang="en"/>
+              <a:rPr lang="en" smtClean="0"/>
+              <a:pPr/>
               <a:t>‹#›</a:t>
             </a:fld>
-            <a:endParaRPr/>
+            <a:endParaRPr lang="en"/>
           </a:p>
         </p:txBody>
       </p:sp>
@@ -4174,18 +7081,19 @@
 </file>
 
 <file path=ppt/slideMasters/slideMaster1.xml><?xml version="1.0" encoding="utf-8"?>
-<p:sldMaster xmlns:a="http://schemas.openxmlformats.org/drawingml/2006/main" xmlns:r="http://schemas.openxmlformats.org/officeDocument/2006/relationships" xmlns:mc="http://schemas.openxmlformats.org/markup-compatibility/2006" xmlns:mv="urn:schemas-microsoft-com:mac:vml" xmlns:p="http://schemas.openxmlformats.org/presentationml/2006/main" xmlns:c="http://schemas.openxmlformats.org/drawingml/2006/chart" xmlns:dgm="http://schemas.openxmlformats.org/drawingml/2006/diagram" xmlns:o="urn:schemas-microsoft-com:office:office" xmlns:v="urn:schemas-microsoft-com:vml" xmlns:pvml="urn:schemas-microsoft-com:office:powerpoint" xmlns:com="http://schemas.openxmlformats.org/drawingml/2006/compatibility" xmlns:p14="http://schemas.microsoft.com/office/powerpoint/2010/main" xmlns:p15="http://schemas.microsoft.com/office/powerpoint/2012/main">
+<p:sldMaster xmlns:a="http://schemas.openxmlformats.org/drawingml/2006/main" xmlns:r="http://schemas.openxmlformats.org/officeDocument/2006/relationships" xmlns:p="http://schemas.openxmlformats.org/presentationml/2006/main">
   <p:cSld name="simple-light-2">
     <p:bg>
       <p:bgPr>
         <a:solidFill>
           <a:schemeClr val="lt1"/>
         </a:solidFill>
+        <a:effectLst/>
       </p:bgPr>
     </p:bg>
     <p:spTree>
       <p:nvGrpSpPr>
-        <p:cNvPr id="5" name="Shape 5"/>
+        <p:cNvPr id="1" name="Shape 5"/>
         <p:cNvGrpSpPr/>
         <p:nvPr/>
       </p:nvGrpSpPr>
@@ -4200,15 +7108,17 @@
       <p:sp>
         <p:nvSpPr>
           <p:cNvPr id="6" name="Google Shape;6;p1"/>
-          <p:cNvSpPr txBox="1"/>
+          <p:cNvSpPr txBox="1">
+            <a:spLocks noGrp="1"/>
+          </p:cNvSpPr>
           <p:nvPr>
             <p:ph type="title"/>
           </p:nvPr>
         </p:nvSpPr>
         <p:spPr>
           <a:xfrm>
-            <a:off x="311700" y="445025"/>
-            <a:ext cx="8520600" cy="572700"/>
+            <a:off x="311700" y="79116"/>
+            <a:ext cx="8520600" cy="101813"/>
           </a:xfrm>
           <a:prstGeom prst="rect">
             <a:avLst/>
@@ -4219,7 +7129,7 @@
           </a:ln>
         </p:spPr>
         <p:txBody>
-          <a:bodyPr anchorCtr="0" anchor="t" bIns="91425" lIns="91425" spcFirstLastPara="1" rIns="91425" wrap="square" tIns="91425">
+          <a:bodyPr spcFirstLastPara="1" wrap="square" lIns="91425" tIns="91425" rIns="91425" bIns="91425" anchor="t" anchorCtr="0">
             <a:noAutofit/>
           </a:bodyPr>
           <a:lstStyle>
@@ -4386,21 +7296,25 @@
               </a:defRPr>
             </a:lvl9pPr>
           </a:lstStyle>
-          <a:p/>
+          <a:p>
+            <a:endParaRPr/>
+          </a:p>
         </p:txBody>
       </p:sp>
       <p:sp>
         <p:nvSpPr>
           <p:cNvPr id="7" name="Google Shape;7;p1"/>
-          <p:cNvSpPr txBox="1"/>
+          <p:cNvSpPr txBox="1">
+            <a:spLocks noGrp="1"/>
+          </p:cNvSpPr>
           <p:nvPr>
-            <p:ph idx="1" type="body"/>
+            <p:ph type="body" idx="1"/>
           </p:nvPr>
         </p:nvSpPr>
         <p:spPr>
           <a:xfrm>
-            <a:off x="311700" y="1152475"/>
-            <a:ext cx="8520600" cy="3416400"/>
+            <a:off x="311700" y="204884"/>
+            <a:ext cx="8520600" cy="607360"/>
           </a:xfrm>
           <a:prstGeom prst="rect">
             <a:avLst/>
@@ -4411,11 +7325,11 @@
           </a:ln>
         </p:spPr>
         <p:txBody>
-          <a:bodyPr anchorCtr="0" anchor="t" bIns="91425" lIns="91425" spcFirstLastPara="1" rIns="91425" wrap="square" tIns="91425">
+          <a:bodyPr spcFirstLastPara="1" wrap="square" lIns="91425" tIns="91425" rIns="91425" bIns="91425" anchor="t" anchorCtr="0">
             <a:noAutofit/>
           </a:bodyPr>
           <a:lstStyle>
-            <a:lvl1pPr indent="-342900" lvl="0" marL="457200">
+            <a:lvl1pPr marL="457200" lvl="0" indent="-342900">
               <a:lnSpc>
                 <a:spcPct val="115000"/>
               </a:lnSpc>
@@ -4436,7 +7350,7 @@
                 </a:solidFill>
               </a:defRPr>
             </a:lvl1pPr>
-            <a:lvl2pPr indent="-317500" lvl="1" marL="914400">
+            <a:lvl2pPr marL="914400" lvl="1" indent="-317500">
               <a:lnSpc>
                 <a:spcPct val="115000"/>
               </a:lnSpc>
@@ -4457,7 +7371,7 @@
                 </a:solidFill>
               </a:defRPr>
             </a:lvl2pPr>
-            <a:lvl3pPr indent="-317500" lvl="2" marL="1371600">
+            <a:lvl3pPr marL="1371600" lvl="2" indent="-317500">
               <a:lnSpc>
                 <a:spcPct val="115000"/>
               </a:lnSpc>
@@ -4478,7 +7392,7 @@
                 </a:solidFill>
               </a:defRPr>
             </a:lvl3pPr>
-            <a:lvl4pPr indent="-317500" lvl="3" marL="1828800">
+            <a:lvl4pPr marL="1828800" lvl="3" indent="-317500">
               <a:lnSpc>
                 <a:spcPct val="115000"/>
               </a:lnSpc>
@@ -4499,7 +7413,7 @@
                 </a:solidFill>
               </a:defRPr>
             </a:lvl4pPr>
-            <a:lvl5pPr indent="-317500" lvl="4" marL="2286000">
+            <a:lvl5pPr marL="2286000" lvl="4" indent="-317500">
               <a:lnSpc>
                 <a:spcPct val="115000"/>
               </a:lnSpc>
@@ -4520,7 +7434,7 @@
                 </a:solidFill>
               </a:defRPr>
             </a:lvl5pPr>
-            <a:lvl6pPr indent="-317500" lvl="5" marL="2743200">
+            <a:lvl6pPr marL="2743200" lvl="5" indent="-317500">
               <a:lnSpc>
                 <a:spcPct val="115000"/>
               </a:lnSpc>
@@ -4541,7 +7455,7 @@
                 </a:solidFill>
               </a:defRPr>
             </a:lvl6pPr>
-            <a:lvl7pPr indent="-317500" lvl="6" marL="3200400">
+            <a:lvl7pPr marL="3200400" lvl="6" indent="-317500">
               <a:lnSpc>
                 <a:spcPct val="115000"/>
               </a:lnSpc>
@@ -4562,7 +7476,7 @@
                 </a:solidFill>
               </a:defRPr>
             </a:lvl7pPr>
-            <a:lvl8pPr indent="-317500" lvl="7" marL="3657600">
+            <a:lvl8pPr marL="3657600" lvl="7" indent="-317500">
               <a:lnSpc>
                 <a:spcPct val="115000"/>
               </a:lnSpc>
@@ -4583,7 +7497,7 @@
                 </a:solidFill>
               </a:defRPr>
             </a:lvl8pPr>
-            <a:lvl9pPr indent="-317500" lvl="8" marL="4114800">
+            <a:lvl9pPr marL="4114800" lvl="8" indent="-317500">
               <a:lnSpc>
                 <a:spcPct val="115000"/>
               </a:lnSpc>
@@ -4605,21 +7519,25 @@
               </a:defRPr>
             </a:lvl9pPr>
           </a:lstStyle>
-          <a:p/>
+          <a:p>
+            <a:endParaRPr/>
+          </a:p>
         </p:txBody>
       </p:sp>
       <p:sp>
         <p:nvSpPr>
           <p:cNvPr id="8" name="Google Shape;8;p1"/>
-          <p:cNvSpPr txBox="1"/>
+          <p:cNvSpPr txBox="1">
+            <a:spLocks noGrp="1"/>
+          </p:cNvSpPr>
           <p:nvPr>
-            <p:ph idx="12" type="sldNum"/>
+            <p:ph type="sldNum" idx="12"/>
           </p:nvPr>
         </p:nvSpPr>
         <p:spPr>
           <a:xfrm>
-            <a:off x="8472458" y="4663217"/>
-            <a:ext cx="548700" cy="393600"/>
+            <a:off x="8472458" y="829017"/>
+            <a:ext cx="548700" cy="69973"/>
           </a:xfrm>
           <a:prstGeom prst="rect">
             <a:avLst/>
@@ -4630,7 +7548,7 @@
           </a:ln>
         </p:spPr>
         <p:txBody>
-          <a:bodyPr anchorCtr="0" anchor="ctr" bIns="91425" lIns="91425" spcFirstLastPara="1" rIns="91425" wrap="square" tIns="91425">
+          <a:bodyPr spcFirstLastPara="1" wrap="square" lIns="91425" tIns="91425" rIns="91425" bIns="91425" anchor="ctr" anchorCtr="0">
             <a:noAutofit/>
           </a:bodyPr>
           <a:lstStyle>
@@ -4708,26 +7626,18 @@
             </a:lvl9pPr>
           </a:lstStyle>
           <a:p>
-            <a:pPr indent="0" lvl="0" marL="0" rtl="0" algn="r">
-              <a:spcBef>
-                <a:spcPts val="0"/>
-              </a:spcBef>
-              <a:spcAft>
-                <a:spcPts val="0"/>
-              </a:spcAft>
-              <a:buNone/>
-            </a:pPr>
             <a:fld id="{00000000-1234-1234-1234-123412341234}" type="slidenum">
-              <a:rPr lang="en"/>
+              <a:rPr lang="en" smtClean="0"/>
+              <a:pPr/>
               <a:t>‹#›</a:t>
             </a:fld>
-            <a:endParaRPr/>
+            <a:endParaRPr lang="en"/>
           </a:p>
         </p:txBody>
       </p:sp>
     </p:spTree>
   </p:cSld>
-  <p:clrMap accent1="accent1" accent2="accent2" accent3="accent3" accent4="accent4" accent5="accent5" accent6="accent6" bg1="lt1" bg2="dk2" tx1="dk1" tx2="lt2" folHlink="folHlink" hlink="hlink"/>
+  <p:clrMap bg1="lt1" tx1="dk1" bg2="dk2" tx2="lt2" accent1="accent1" accent2="accent2" accent3="accent3" accent4="accent4" accent5="accent5" accent6="accent6" hlink="hlink" folHlink="folHlink"/>
   <p:sldLayoutIdLst>
     <p:sldLayoutId id="2147483648" r:id="rId1"/>
     <p:sldLayoutId id="2147483649" r:id="rId2"/>
@@ -4741,10 +7651,10 @@
     <p:sldLayoutId id="2147483657" r:id="rId10"/>
     <p:sldLayoutId id="2147483658" r:id="rId11"/>
   </p:sldLayoutIdLst>
-  <p:hf dt="0" ftr="0" hdr="0" sldNum="0"/>
+  <p:hf sldNum="0" hdr="0" ftr="0" dt="0"/>
   <p:txStyles>
     <p:titleStyle>
-      <a:defPPr lvl="0" marR="0" rtl="0" algn="l">
+      <a:defPPr marR="0" lvl="0" algn="l" rtl="0">
         <a:lnSpc>
           <a:spcPct val="100000"/>
         </a:lnSpc>
@@ -4755,7 +7665,7 @@
           <a:spcPts val="0"/>
         </a:spcAft>
       </a:defPPr>
-      <a:lvl1pPr lvl="0" marR="0" rtl="0" algn="l">
+      <a:lvl1pPr marR="0" lvl="0" algn="l" rtl="0">
         <a:lnSpc>
           <a:spcPct val="100000"/>
         </a:lnSpc>
@@ -4769,7 +7679,7 @@
           <a:srgbClr val="000000"/>
         </a:buClr>
         <a:buFont typeface="Arial"/>
-        <a:defRPr b="0" i="0" sz="1400" u="none" cap="none" strike="noStrike">
+        <a:defRPr sz="1400" b="0" i="0" u="none" strike="noStrike" cap="none">
           <a:solidFill>
             <a:srgbClr val="000000"/>
           </a:solidFill>
@@ -4779,7 +7689,7 @@
           <a:sym typeface="Arial"/>
         </a:defRPr>
       </a:lvl1pPr>
-      <a:lvl2pPr lvl="1" marR="0" rtl="0" algn="l">
+      <a:lvl2pPr marR="0" lvl="1" algn="l" rtl="0">
         <a:lnSpc>
           <a:spcPct val="100000"/>
         </a:lnSpc>
@@ -4793,7 +7703,7 @@
           <a:srgbClr val="000000"/>
         </a:buClr>
         <a:buFont typeface="Arial"/>
-        <a:defRPr b="0" i="0" sz="1400" u="none" cap="none" strike="noStrike">
+        <a:defRPr sz="1400" b="0" i="0" u="none" strike="noStrike" cap="none">
           <a:solidFill>
             <a:srgbClr val="000000"/>
           </a:solidFill>
@@ -4803,7 +7713,7 @@
           <a:sym typeface="Arial"/>
         </a:defRPr>
       </a:lvl2pPr>
-      <a:lvl3pPr lvl="2" marR="0" rtl="0" algn="l">
+      <a:lvl3pPr marR="0" lvl="2" algn="l" rtl="0">
         <a:lnSpc>
           <a:spcPct val="100000"/>
         </a:lnSpc>
@@ -4817,7 +7727,7 @@
           <a:srgbClr val="000000"/>
         </a:buClr>
         <a:buFont typeface="Arial"/>
-        <a:defRPr b="0" i="0" sz="1400" u="none" cap="none" strike="noStrike">
+        <a:defRPr sz="1400" b="0" i="0" u="none" strike="noStrike" cap="none">
           <a:solidFill>
             <a:srgbClr val="000000"/>
           </a:solidFill>
@@ -4827,7 +7737,7 @@
           <a:sym typeface="Arial"/>
         </a:defRPr>
       </a:lvl3pPr>
-      <a:lvl4pPr lvl="3" marR="0" rtl="0" algn="l">
+      <a:lvl4pPr marR="0" lvl="3" algn="l" rtl="0">
         <a:lnSpc>
           <a:spcPct val="100000"/>
         </a:lnSpc>
@@ -4841,7 +7751,7 @@
           <a:srgbClr val="000000"/>
         </a:buClr>
         <a:buFont typeface="Arial"/>
-        <a:defRPr b="0" i="0" sz="1400" u="none" cap="none" strike="noStrike">
+        <a:defRPr sz="1400" b="0" i="0" u="none" strike="noStrike" cap="none">
           <a:solidFill>
             <a:srgbClr val="000000"/>
           </a:solidFill>
@@ -4851,7 +7761,7 @@
           <a:sym typeface="Arial"/>
         </a:defRPr>
       </a:lvl4pPr>
-      <a:lvl5pPr lvl="4" marR="0" rtl="0" algn="l">
+      <a:lvl5pPr marR="0" lvl="4" algn="l" rtl="0">
         <a:lnSpc>
           <a:spcPct val="100000"/>
         </a:lnSpc>
@@ -4865,7 +7775,7 @@
           <a:srgbClr val="000000"/>
         </a:buClr>
         <a:buFont typeface="Arial"/>
-        <a:defRPr b="0" i="0" sz="1400" u="none" cap="none" strike="noStrike">
+        <a:defRPr sz="1400" b="0" i="0" u="none" strike="noStrike" cap="none">
           <a:solidFill>
             <a:srgbClr val="000000"/>
           </a:solidFill>
@@ -4875,7 +7785,7 @@
           <a:sym typeface="Arial"/>
         </a:defRPr>
       </a:lvl5pPr>
-      <a:lvl6pPr lvl="5" marR="0" rtl="0" algn="l">
+      <a:lvl6pPr marR="0" lvl="5" algn="l" rtl="0">
         <a:lnSpc>
           <a:spcPct val="100000"/>
         </a:lnSpc>
@@ -4889,7 +7799,7 @@
           <a:srgbClr val="000000"/>
         </a:buClr>
         <a:buFont typeface="Arial"/>
-        <a:defRPr b="0" i="0" sz="1400" u="none" cap="none" strike="noStrike">
+        <a:defRPr sz="1400" b="0" i="0" u="none" strike="noStrike" cap="none">
           <a:solidFill>
             <a:srgbClr val="000000"/>
           </a:solidFill>
@@ -4899,7 +7809,7 @@
           <a:sym typeface="Arial"/>
         </a:defRPr>
       </a:lvl6pPr>
-      <a:lvl7pPr lvl="6" marR="0" rtl="0" algn="l">
+      <a:lvl7pPr marR="0" lvl="6" algn="l" rtl="0">
         <a:lnSpc>
           <a:spcPct val="100000"/>
         </a:lnSpc>
@@ -4913,7 +7823,7 @@
           <a:srgbClr val="000000"/>
         </a:buClr>
         <a:buFont typeface="Arial"/>
-        <a:defRPr b="0" i="0" sz="1400" u="none" cap="none" strike="noStrike">
+        <a:defRPr sz="1400" b="0" i="0" u="none" strike="noStrike" cap="none">
           <a:solidFill>
             <a:srgbClr val="000000"/>
           </a:solidFill>
@@ -4923,7 +7833,7 @@
           <a:sym typeface="Arial"/>
         </a:defRPr>
       </a:lvl7pPr>
-      <a:lvl8pPr lvl="7" marR="0" rtl="0" algn="l">
+      <a:lvl8pPr marR="0" lvl="7" algn="l" rtl="0">
         <a:lnSpc>
           <a:spcPct val="100000"/>
         </a:lnSpc>
@@ -4937,7 +7847,7 @@
           <a:srgbClr val="000000"/>
         </a:buClr>
         <a:buFont typeface="Arial"/>
-        <a:defRPr b="0" i="0" sz="1400" u="none" cap="none" strike="noStrike">
+        <a:defRPr sz="1400" b="0" i="0" u="none" strike="noStrike" cap="none">
           <a:solidFill>
             <a:srgbClr val="000000"/>
           </a:solidFill>
@@ -4947,7 +7857,7 @@
           <a:sym typeface="Arial"/>
         </a:defRPr>
       </a:lvl8pPr>
-      <a:lvl9pPr lvl="8" marR="0" rtl="0" algn="l">
+      <a:lvl9pPr marR="0" lvl="8" algn="l" rtl="0">
         <a:lnSpc>
           <a:spcPct val="100000"/>
         </a:lnSpc>
@@ -4961,7 +7871,7 @@
           <a:srgbClr val="000000"/>
         </a:buClr>
         <a:buFont typeface="Arial"/>
-        <a:defRPr b="0" i="0" sz="1400" u="none" cap="none" strike="noStrike">
+        <a:defRPr sz="1400" b="0" i="0" u="none" strike="noStrike" cap="none">
           <a:solidFill>
             <a:srgbClr val="000000"/>
           </a:solidFill>
@@ -4973,7 +7883,7 @@
       </a:lvl9pPr>
     </p:titleStyle>
     <p:bodyStyle>
-      <a:defPPr lvl="0" marR="0" rtl="0" algn="l">
+      <a:defPPr marR="0" lvl="0" algn="l" rtl="0">
         <a:lnSpc>
           <a:spcPct val="100000"/>
         </a:lnSpc>
@@ -4984,7 +7894,7 @@
           <a:spcPts val="0"/>
         </a:spcAft>
       </a:defPPr>
-      <a:lvl1pPr lvl="0" marR="0" rtl="0" algn="l">
+      <a:lvl1pPr marR="0" lvl="0" algn="l" rtl="0">
         <a:lnSpc>
           <a:spcPct val="100000"/>
         </a:lnSpc>
@@ -4998,7 +7908,7 @@
           <a:srgbClr val="000000"/>
         </a:buClr>
         <a:buFont typeface="Arial"/>
-        <a:defRPr b="0" i="0" sz="1400" u="none" cap="none" strike="noStrike">
+        <a:defRPr sz="1400" b="0" i="0" u="none" strike="noStrike" cap="none">
           <a:solidFill>
             <a:srgbClr val="000000"/>
           </a:solidFill>
@@ -5008,7 +7918,7 @@
           <a:sym typeface="Arial"/>
         </a:defRPr>
       </a:lvl1pPr>
-      <a:lvl2pPr lvl="1" marR="0" rtl="0" algn="l">
+      <a:lvl2pPr marR="0" lvl="1" algn="l" rtl="0">
         <a:lnSpc>
           <a:spcPct val="100000"/>
         </a:lnSpc>
@@ -5022,7 +7932,7 @@
           <a:srgbClr val="000000"/>
         </a:buClr>
         <a:buFont typeface="Arial"/>
-        <a:defRPr b="0" i="0" sz="1400" u="none" cap="none" strike="noStrike">
+        <a:defRPr sz="1400" b="0" i="0" u="none" strike="noStrike" cap="none">
           <a:solidFill>
             <a:srgbClr val="000000"/>
           </a:solidFill>
@@ -5032,7 +7942,7 @@
           <a:sym typeface="Arial"/>
         </a:defRPr>
       </a:lvl2pPr>
-      <a:lvl3pPr lvl="2" marR="0" rtl="0" algn="l">
+      <a:lvl3pPr marR="0" lvl="2" algn="l" rtl="0">
         <a:lnSpc>
           <a:spcPct val="100000"/>
         </a:lnSpc>
@@ -5046,7 +7956,7 @@
           <a:srgbClr val="000000"/>
         </a:buClr>
         <a:buFont typeface="Arial"/>
-        <a:defRPr b="0" i="0" sz="1400" u="none" cap="none" strike="noStrike">
+        <a:defRPr sz="1400" b="0" i="0" u="none" strike="noStrike" cap="none">
           <a:solidFill>
             <a:srgbClr val="000000"/>
           </a:solidFill>
@@ -5056,7 +7966,7 @@
           <a:sym typeface="Arial"/>
         </a:defRPr>
       </a:lvl3pPr>
-      <a:lvl4pPr lvl="3" marR="0" rtl="0" algn="l">
+      <a:lvl4pPr marR="0" lvl="3" algn="l" rtl="0">
         <a:lnSpc>
           <a:spcPct val="100000"/>
         </a:lnSpc>
@@ -5070,7 +7980,7 @@
           <a:srgbClr val="000000"/>
         </a:buClr>
         <a:buFont typeface="Arial"/>
-        <a:defRPr b="0" i="0" sz="1400" u="none" cap="none" strike="noStrike">
+        <a:defRPr sz="1400" b="0" i="0" u="none" strike="noStrike" cap="none">
           <a:solidFill>
             <a:srgbClr val="000000"/>
           </a:solidFill>
@@ -5080,7 +7990,7 @@
           <a:sym typeface="Arial"/>
         </a:defRPr>
       </a:lvl4pPr>
-      <a:lvl5pPr lvl="4" marR="0" rtl="0" algn="l">
+      <a:lvl5pPr marR="0" lvl="4" algn="l" rtl="0">
         <a:lnSpc>
           <a:spcPct val="100000"/>
         </a:lnSpc>
@@ -5094,7 +8004,7 @@
           <a:srgbClr val="000000"/>
         </a:buClr>
         <a:buFont typeface="Arial"/>
-        <a:defRPr b="0" i="0" sz="1400" u="none" cap="none" strike="noStrike">
+        <a:defRPr sz="1400" b="0" i="0" u="none" strike="noStrike" cap="none">
           <a:solidFill>
             <a:srgbClr val="000000"/>
           </a:solidFill>
@@ -5104,7 +8014,7 @@
           <a:sym typeface="Arial"/>
         </a:defRPr>
       </a:lvl5pPr>
-      <a:lvl6pPr lvl="5" marR="0" rtl="0" algn="l">
+      <a:lvl6pPr marR="0" lvl="5" algn="l" rtl="0">
         <a:lnSpc>
           <a:spcPct val="100000"/>
         </a:lnSpc>
@@ -5118,7 +8028,7 @@
           <a:srgbClr val="000000"/>
         </a:buClr>
         <a:buFont typeface="Arial"/>
-        <a:defRPr b="0" i="0" sz="1400" u="none" cap="none" strike="noStrike">
+        <a:defRPr sz="1400" b="0" i="0" u="none" strike="noStrike" cap="none">
           <a:solidFill>
             <a:srgbClr val="000000"/>
           </a:solidFill>
@@ -5128,7 +8038,7 @@
           <a:sym typeface="Arial"/>
         </a:defRPr>
       </a:lvl6pPr>
-      <a:lvl7pPr lvl="6" marR="0" rtl="0" algn="l">
+      <a:lvl7pPr marR="0" lvl="6" algn="l" rtl="0">
         <a:lnSpc>
           <a:spcPct val="100000"/>
         </a:lnSpc>
@@ -5142,7 +8052,7 @@
           <a:srgbClr val="000000"/>
         </a:buClr>
         <a:buFont typeface="Arial"/>
-        <a:defRPr b="0" i="0" sz="1400" u="none" cap="none" strike="noStrike">
+        <a:defRPr sz="1400" b="0" i="0" u="none" strike="noStrike" cap="none">
           <a:solidFill>
             <a:srgbClr val="000000"/>
           </a:solidFill>
@@ -5152,7 +8062,7 @@
           <a:sym typeface="Arial"/>
         </a:defRPr>
       </a:lvl7pPr>
-      <a:lvl8pPr lvl="7" marR="0" rtl="0" algn="l">
+      <a:lvl8pPr marR="0" lvl="7" algn="l" rtl="0">
         <a:lnSpc>
           <a:spcPct val="100000"/>
         </a:lnSpc>
@@ -5166,7 +8076,7 @@
           <a:srgbClr val="000000"/>
         </a:buClr>
         <a:buFont typeface="Arial"/>
-        <a:defRPr b="0" i="0" sz="1400" u="none" cap="none" strike="noStrike">
+        <a:defRPr sz="1400" b="0" i="0" u="none" strike="noStrike" cap="none">
           <a:solidFill>
             <a:srgbClr val="000000"/>
           </a:solidFill>
@@ -5176,7 +8086,7 @@
           <a:sym typeface="Arial"/>
         </a:defRPr>
       </a:lvl8pPr>
-      <a:lvl9pPr lvl="8" marR="0" rtl="0" algn="l">
+      <a:lvl9pPr marR="0" lvl="8" algn="l" rtl="0">
         <a:lnSpc>
           <a:spcPct val="100000"/>
         </a:lnSpc>
@@ -5190,7 +8100,7 @@
           <a:srgbClr val="000000"/>
         </a:buClr>
         <a:buFont typeface="Arial"/>
-        <a:defRPr b="0" i="0" sz="1400" u="none" cap="none" strike="noStrike">
+        <a:defRPr sz="1400" b="0" i="0" u="none" strike="noStrike" cap="none">
           <a:solidFill>
             <a:srgbClr val="000000"/>
           </a:solidFill>
@@ -5202,7 +8112,7 @@
       </a:lvl9pPr>
     </p:bodyStyle>
     <p:otherStyle>
-      <a:defPPr lvl="0" marR="0" rtl="0" algn="l">
+      <a:defPPr marR="0" lvl="0" algn="l" rtl="0">
         <a:lnSpc>
           <a:spcPct val="100000"/>
         </a:lnSpc>
@@ -5213,7 +8123,7 @@
           <a:spcPts val="0"/>
         </a:spcAft>
       </a:defPPr>
-      <a:lvl1pPr lvl="0" marR="0" rtl="0" algn="l">
+      <a:lvl1pPr marR="0" lvl="0" algn="l" rtl="0">
         <a:lnSpc>
           <a:spcPct val="100000"/>
         </a:lnSpc>
@@ -5227,7 +8137,7 @@
           <a:srgbClr val="000000"/>
         </a:buClr>
         <a:buFont typeface="Arial"/>
-        <a:defRPr b="0" i="0" sz="1400" u="none" cap="none" strike="noStrike">
+        <a:defRPr sz="1400" b="0" i="0" u="none" strike="noStrike" cap="none">
           <a:solidFill>
             <a:srgbClr val="000000"/>
           </a:solidFill>
@@ -5237,7 +8147,7 @@
           <a:sym typeface="Arial"/>
         </a:defRPr>
       </a:lvl1pPr>
-      <a:lvl2pPr lvl="1" marR="0" rtl="0" algn="l">
+      <a:lvl2pPr marR="0" lvl="1" algn="l" rtl="0">
         <a:lnSpc>
           <a:spcPct val="100000"/>
         </a:lnSpc>
@@ -5251,7 +8161,7 @@
           <a:srgbClr val="000000"/>
         </a:buClr>
         <a:buFont typeface="Arial"/>
-        <a:defRPr b="0" i="0" sz="1400" u="none" cap="none" strike="noStrike">
+        <a:defRPr sz="1400" b="0" i="0" u="none" strike="noStrike" cap="none">
           <a:solidFill>
             <a:srgbClr val="000000"/>
           </a:solidFill>
@@ -5261,7 +8171,7 @@
           <a:sym typeface="Arial"/>
         </a:defRPr>
       </a:lvl2pPr>
-      <a:lvl3pPr lvl="2" marR="0" rtl="0" algn="l">
+      <a:lvl3pPr marR="0" lvl="2" algn="l" rtl="0">
         <a:lnSpc>
           <a:spcPct val="100000"/>
         </a:lnSpc>
@@ -5275,7 +8185,7 @@
           <a:srgbClr val="000000"/>
         </a:buClr>
         <a:buFont typeface="Arial"/>
-        <a:defRPr b="0" i="0" sz="1400" u="none" cap="none" strike="noStrike">
+        <a:defRPr sz="1400" b="0" i="0" u="none" strike="noStrike" cap="none">
           <a:solidFill>
             <a:srgbClr val="000000"/>
           </a:solidFill>
@@ -5285,7 +8195,7 @@
           <a:sym typeface="Arial"/>
         </a:defRPr>
       </a:lvl3pPr>
-      <a:lvl4pPr lvl="3" marR="0" rtl="0" algn="l">
+      <a:lvl4pPr marR="0" lvl="3" algn="l" rtl="0">
         <a:lnSpc>
           <a:spcPct val="100000"/>
         </a:lnSpc>
@@ -5299,7 +8209,7 @@
           <a:srgbClr val="000000"/>
         </a:buClr>
         <a:buFont typeface="Arial"/>
-        <a:defRPr b="0" i="0" sz="1400" u="none" cap="none" strike="noStrike">
+        <a:defRPr sz="1400" b="0" i="0" u="none" strike="noStrike" cap="none">
           <a:solidFill>
             <a:srgbClr val="000000"/>
           </a:solidFill>
@@ -5309,7 +8219,7 @@
           <a:sym typeface="Arial"/>
         </a:defRPr>
       </a:lvl4pPr>
-      <a:lvl5pPr lvl="4" marR="0" rtl="0" algn="l">
+      <a:lvl5pPr marR="0" lvl="4" algn="l" rtl="0">
         <a:lnSpc>
           <a:spcPct val="100000"/>
         </a:lnSpc>
@@ -5323,7 +8233,7 @@
           <a:srgbClr val="000000"/>
         </a:buClr>
         <a:buFont typeface="Arial"/>
-        <a:defRPr b="0" i="0" sz="1400" u="none" cap="none" strike="noStrike">
+        <a:defRPr sz="1400" b="0" i="0" u="none" strike="noStrike" cap="none">
           <a:solidFill>
             <a:srgbClr val="000000"/>
           </a:solidFill>
@@ -5333,7 +8243,7 @@
           <a:sym typeface="Arial"/>
         </a:defRPr>
       </a:lvl5pPr>
-      <a:lvl6pPr lvl="5" marR="0" rtl="0" algn="l">
+      <a:lvl6pPr marR="0" lvl="5" algn="l" rtl="0">
         <a:lnSpc>
           <a:spcPct val="100000"/>
         </a:lnSpc>
@@ -5347,7 +8257,7 @@
           <a:srgbClr val="000000"/>
         </a:buClr>
         <a:buFont typeface="Arial"/>
-        <a:defRPr b="0" i="0" sz="1400" u="none" cap="none" strike="noStrike">
+        <a:defRPr sz="1400" b="0" i="0" u="none" strike="noStrike" cap="none">
           <a:solidFill>
             <a:srgbClr val="000000"/>
           </a:solidFill>
@@ -5357,7 +8267,7 @@
           <a:sym typeface="Arial"/>
         </a:defRPr>
       </a:lvl6pPr>
-      <a:lvl7pPr lvl="6" marR="0" rtl="0" algn="l">
+      <a:lvl7pPr marR="0" lvl="6" algn="l" rtl="0">
         <a:lnSpc>
           <a:spcPct val="100000"/>
         </a:lnSpc>
@@ -5371,7 +8281,7 @@
           <a:srgbClr val="000000"/>
         </a:buClr>
         <a:buFont typeface="Arial"/>
-        <a:defRPr b="0" i="0" sz="1400" u="none" cap="none" strike="noStrike">
+        <a:defRPr sz="1400" b="0" i="0" u="none" strike="noStrike" cap="none">
           <a:solidFill>
             <a:srgbClr val="000000"/>
           </a:solidFill>
@@ -5381,7 +8291,7 @@
           <a:sym typeface="Arial"/>
         </a:defRPr>
       </a:lvl7pPr>
-      <a:lvl8pPr lvl="7" marR="0" rtl="0" algn="l">
+      <a:lvl8pPr marR="0" lvl="7" algn="l" rtl="0">
         <a:lnSpc>
           <a:spcPct val="100000"/>
         </a:lnSpc>
@@ -5395,7 +8305,7 @@
           <a:srgbClr val="000000"/>
         </a:buClr>
         <a:buFont typeface="Arial"/>
-        <a:defRPr b="0" i="0" sz="1400" u="none" cap="none" strike="noStrike">
+        <a:defRPr sz="1400" b="0" i="0" u="none" strike="noStrike" cap="none">
           <a:solidFill>
             <a:srgbClr val="000000"/>
           </a:solidFill>
@@ -5405,7 +8315,7 @@
           <a:sym typeface="Arial"/>
         </a:defRPr>
       </a:lvl8pPr>
-      <a:lvl9pPr lvl="8" marR="0" rtl="0" algn="l">
+      <a:lvl9pPr marR="0" lvl="8" algn="l" rtl="0">
         <a:lnSpc>
           <a:spcPct val="100000"/>
         </a:lnSpc>
@@ -5419,7 +8329,7 @@
           <a:srgbClr val="000000"/>
         </a:buClr>
         <a:buFont typeface="Arial"/>
-        <a:defRPr b="0" i="0" sz="1400" u="none" cap="none" strike="noStrike">
+        <a:defRPr sz="1400" b="0" i="0" u="none" strike="noStrike" cap="none">
           <a:solidFill>
             <a:srgbClr val="000000"/>
           </a:solidFill>
@@ -5435,11 +8345,11 @@
 </file>
 
 <file path=ppt/slides/slide1.xml><?xml version="1.0" encoding="utf-8"?>
-<p:sld xmlns:a="http://schemas.openxmlformats.org/drawingml/2006/main" xmlns:r="http://schemas.openxmlformats.org/officeDocument/2006/relationships" xmlns:mc="http://schemas.openxmlformats.org/markup-compatibility/2006" xmlns:mv="urn:schemas-microsoft-com:mac:vml" xmlns:p="http://schemas.openxmlformats.org/presentationml/2006/main" xmlns:c="http://schemas.openxmlformats.org/drawingml/2006/chart" xmlns:dgm="http://schemas.openxmlformats.org/drawingml/2006/diagram" xmlns:o="urn:schemas-microsoft-com:office:office" xmlns:v="urn:schemas-microsoft-com:vml" xmlns:pvml="urn:schemas-microsoft-com:office:powerpoint" xmlns:com="http://schemas.openxmlformats.org/drawingml/2006/compatibility" xmlns:p14="http://schemas.microsoft.com/office/powerpoint/2010/main" xmlns:p15="http://schemas.microsoft.com/office/powerpoint/2012/main">
+<p:sld xmlns:a="http://schemas.openxmlformats.org/drawingml/2006/main" xmlns:r="http://schemas.openxmlformats.org/officeDocument/2006/relationships" xmlns:p="http://schemas.openxmlformats.org/presentationml/2006/main">
   <p:cSld>
     <p:spTree>
       <p:nvGrpSpPr>
-        <p:cNvPr id="53" name="Shape 53"/>
+        <p:cNvPr id="1" name=""/>
         <p:cNvGrpSpPr/>
         <p:nvPr/>
       </p:nvGrpSpPr>
@@ -5451,361 +8361,40 @@
           <a:chExt cx="0" cy="0"/>
         </a:xfrm>
       </p:grpSpPr>
-      <p:pic>
-        <p:nvPicPr>
-          <p:cNvPr id="54" name="Google Shape;54;p13"/>
-          <p:cNvPicPr preferRelativeResize="0"/>
-          <p:nvPr/>
-        </p:nvPicPr>
-        <p:blipFill>
-          <a:blip r:embed="rId3">
-            <a:alphaModFix/>
-          </a:blip>
-          <a:stretch>
-            <a:fillRect/>
-          </a:stretch>
-        </p:blipFill>
-        <p:spPr>
-          <a:xfrm>
-            <a:off x="3799007" y="1964075"/>
-            <a:ext cx="2495922" cy="1215350"/>
-          </a:xfrm>
-          <a:prstGeom prst="rect">
-            <a:avLst/>
-          </a:prstGeom>
-          <a:noFill/>
-          <a:ln>
-            <a:noFill/>
-          </a:ln>
-        </p:spPr>
-      </p:pic>
-      <p:sp>
-        <p:nvSpPr>
-          <p:cNvPr id="55" name="Google Shape;55;p13"/>
-          <p:cNvSpPr txBox="1"/>
-          <p:nvPr/>
-        </p:nvSpPr>
-        <p:spPr>
-          <a:xfrm>
-            <a:off x="6493606" y="2275344"/>
-            <a:ext cx="1070700" cy="592800"/>
-          </a:xfrm>
-          <a:prstGeom prst="rect">
-            <a:avLst/>
-          </a:prstGeom>
-          <a:noFill/>
-          <a:ln>
-            <a:noFill/>
-          </a:ln>
-        </p:spPr>
-        <p:txBody>
-          <a:bodyPr anchorCtr="0" anchor="t" bIns="91425" lIns="91425" spcFirstLastPara="1" rIns="91425" wrap="square" tIns="91425">
-            <a:noAutofit/>
-          </a:bodyPr>
-          <a:lstStyle/>
-          <a:p>
-            <a:pPr indent="0" lvl="0" marL="0" rtl="0" algn="ctr">
-              <a:spcBef>
-                <a:spcPts val="0"/>
-              </a:spcBef>
-              <a:spcAft>
-                <a:spcPts val="0"/>
-              </a:spcAft>
-              <a:buNone/>
-            </a:pPr>
-            <a:r>
-              <a:rPr lang="en"/>
-              <a:t>Modified</a:t>
-            </a:r>
-            <a:endParaRPr/>
-          </a:p>
-          <a:p>
-            <a:pPr indent="0" lvl="0" marL="0" rtl="0" algn="ctr">
-              <a:spcBef>
-                <a:spcPts val="0"/>
-              </a:spcBef>
-              <a:spcAft>
-                <a:spcPts val="0"/>
-              </a:spcAft>
-              <a:buNone/>
-            </a:pPr>
-            <a:r>
-              <a:rPr lang="en"/>
-              <a:t>Netlist</a:t>
-            </a:r>
-            <a:endParaRPr/>
-          </a:p>
-        </p:txBody>
-      </p:sp>
-      <p:sp>
-        <p:nvSpPr>
-          <p:cNvPr id="56" name="Google Shape;56;p13"/>
-          <p:cNvSpPr txBox="1"/>
-          <p:nvPr/>
-        </p:nvSpPr>
-        <p:spPr>
-          <a:xfrm>
-            <a:off x="-125" y="2380646"/>
-            <a:ext cx="694800" cy="382200"/>
-          </a:xfrm>
-          <a:prstGeom prst="rect">
-            <a:avLst/>
-          </a:prstGeom>
-          <a:noFill/>
-          <a:ln>
-            <a:noFill/>
-          </a:ln>
-        </p:spPr>
-        <p:txBody>
-          <a:bodyPr anchorCtr="0" anchor="t" bIns="91425" lIns="91425" spcFirstLastPara="1" rIns="91425" wrap="square" tIns="91425">
-            <a:noAutofit/>
-          </a:bodyPr>
-          <a:lstStyle/>
-          <a:p>
-            <a:pPr indent="0" lvl="0" marL="0" rtl="0" algn="ctr">
-              <a:spcBef>
-                <a:spcPts val="0"/>
-              </a:spcBef>
-              <a:spcAft>
-                <a:spcPts val="0"/>
-              </a:spcAft>
-              <a:buNone/>
-            </a:pPr>
-            <a:r>
-              <a:rPr lang="en"/>
-              <a:t>HDL</a:t>
-            </a:r>
-            <a:endParaRPr/>
-          </a:p>
-        </p:txBody>
-      </p:sp>
-      <p:sp>
-        <p:nvSpPr>
-          <p:cNvPr id="57" name="Google Shape;57;p13"/>
-          <p:cNvSpPr txBox="1"/>
-          <p:nvPr/>
-        </p:nvSpPr>
-        <p:spPr>
-          <a:xfrm>
-            <a:off x="893352" y="2361446"/>
-            <a:ext cx="1037700" cy="420600"/>
-          </a:xfrm>
-          <a:prstGeom prst="rect">
-            <a:avLst/>
-          </a:prstGeom>
-          <a:noFill/>
-          <a:ln>
-            <a:noFill/>
-          </a:ln>
-        </p:spPr>
-        <p:txBody>
-          <a:bodyPr anchorCtr="0" anchor="t" bIns="91425" lIns="91425" spcFirstLastPara="1" rIns="91425" wrap="square" tIns="91425">
-            <a:noAutofit/>
-          </a:bodyPr>
-          <a:lstStyle/>
-          <a:p>
-            <a:pPr indent="0" lvl="0" marL="0" rtl="0" algn="ctr">
-              <a:spcBef>
-                <a:spcPts val="0"/>
-              </a:spcBef>
-              <a:spcAft>
-                <a:spcPts val="0"/>
-              </a:spcAft>
-              <a:buNone/>
-            </a:pPr>
-            <a:r>
-              <a:rPr lang="en"/>
-              <a:t>Synthesis</a:t>
-            </a:r>
-            <a:endParaRPr/>
-          </a:p>
-        </p:txBody>
-      </p:sp>
-      <p:sp>
-        <p:nvSpPr>
-          <p:cNvPr id="58" name="Google Shape;58;p13"/>
-          <p:cNvSpPr txBox="1"/>
-          <p:nvPr/>
-        </p:nvSpPr>
-        <p:spPr>
-          <a:xfrm>
-            <a:off x="2129730" y="2165242"/>
-            <a:ext cx="1470600" cy="813000"/>
-          </a:xfrm>
-          <a:prstGeom prst="rect">
-            <a:avLst/>
-          </a:prstGeom>
-          <a:noFill/>
-          <a:ln>
-            <a:noFill/>
-          </a:ln>
-        </p:spPr>
-        <p:txBody>
-          <a:bodyPr anchorCtr="0" anchor="t" bIns="91425" lIns="91425" spcFirstLastPara="1" rIns="91425" wrap="square" tIns="91425">
-            <a:noAutofit/>
-          </a:bodyPr>
-          <a:lstStyle/>
-          <a:p>
-            <a:pPr indent="0" lvl="0" marL="0" rtl="0" algn="ctr">
-              <a:spcBef>
-                <a:spcPts val="0"/>
-              </a:spcBef>
-              <a:spcAft>
-                <a:spcPts val="0"/>
-              </a:spcAft>
-              <a:buNone/>
-            </a:pPr>
-            <a:r>
-              <a:rPr lang="en"/>
-              <a:t>Logical or </a:t>
-            </a:r>
-            <a:endParaRPr/>
-          </a:p>
-          <a:p>
-            <a:pPr indent="0" lvl="0" marL="0" rtl="0" algn="ctr">
-              <a:spcBef>
-                <a:spcPts val="0"/>
-              </a:spcBef>
-              <a:spcAft>
-                <a:spcPts val="0"/>
-              </a:spcAft>
-              <a:buNone/>
-            </a:pPr>
-            <a:r>
-              <a:rPr lang="en"/>
-              <a:t>Tech mapped</a:t>
-            </a:r>
-            <a:endParaRPr/>
-          </a:p>
-          <a:p>
-            <a:pPr indent="0" lvl="0" marL="0" rtl="0" algn="ctr">
-              <a:spcBef>
-                <a:spcPts val="0"/>
-              </a:spcBef>
-              <a:spcAft>
-                <a:spcPts val="0"/>
-              </a:spcAft>
-              <a:buNone/>
-            </a:pPr>
-            <a:r>
-              <a:rPr lang="en"/>
-              <a:t>netlist</a:t>
-            </a:r>
-            <a:endParaRPr/>
-          </a:p>
-        </p:txBody>
-      </p:sp>
-      <p:cxnSp>
-        <p:nvCxnSpPr>
-          <p:cNvPr id="59" name="Google Shape;59;p13"/>
-          <p:cNvCxnSpPr/>
-          <p:nvPr/>
-        </p:nvCxnSpPr>
-        <p:spPr>
-          <a:xfrm>
-            <a:off x="1016400" y="3179425"/>
-            <a:ext cx="7111200" cy="0"/>
-          </a:xfrm>
-          <a:prstGeom prst="straightConnector1">
-            <a:avLst/>
-          </a:prstGeom>
-          <a:noFill/>
-          <a:ln cap="flat" cmpd="sng" w="114300">
-            <a:solidFill>
-              <a:schemeClr val="dk2"/>
-            </a:solidFill>
-            <a:prstDash val="solid"/>
-            <a:round/>
-            <a:headEnd len="med" w="med" type="none"/>
-            <a:tailEnd len="med" w="med" type="triangle"/>
-          </a:ln>
-        </p:spPr>
-      </p:cxnSp>
-      <p:sp>
-        <p:nvSpPr>
-          <p:cNvPr id="60" name="Google Shape;60;p13"/>
-          <p:cNvSpPr txBox="1"/>
-          <p:nvPr/>
-        </p:nvSpPr>
-        <p:spPr>
-          <a:xfrm>
-            <a:off x="7762983" y="2165242"/>
-            <a:ext cx="1380900" cy="813000"/>
-          </a:xfrm>
-          <a:prstGeom prst="rect">
-            <a:avLst/>
-          </a:prstGeom>
-          <a:noFill/>
-          <a:ln>
-            <a:noFill/>
-          </a:ln>
-        </p:spPr>
-        <p:txBody>
-          <a:bodyPr anchorCtr="0" anchor="t" bIns="91425" lIns="91425" spcFirstLastPara="1" rIns="91425" wrap="square" tIns="91425">
-            <a:noAutofit/>
-          </a:bodyPr>
-          <a:lstStyle/>
-          <a:p>
-            <a:pPr indent="0" lvl="0" marL="0" rtl="0" algn="ctr">
-              <a:spcBef>
-                <a:spcPts val="0"/>
-              </a:spcBef>
-              <a:spcAft>
-                <a:spcPts val="0"/>
-              </a:spcAft>
-              <a:buNone/>
-            </a:pPr>
-            <a:r>
-              <a:rPr lang="en"/>
-              <a:t>Hardware Design Output Files</a:t>
-            </a:r>
-            <a:endParaRPr/>
-          </a:p>
-        </p:txBody>
-      </p:sp>
-      <p:sp>
-        <p:nvSpPr>
-          <p:cNvPr id="61" name="Google Shape;61;p13"/>
-          <p:cNvSpPr txBox="1"/>
-          <p:nvPr/>
-        </p:nvSpPr>
-        <p:spPr>
-          <a:xfrm>
-            <a:off x="3538800" y="3179425"/>
-            <a:ext cx="2066400" cy="699000"/>
-          </a:xfrm>
-          <a:prstGeom prst="rect">
-            <a:avLst/>
-          </a:prstGeom>
-          <a:noFill/>
-          <a:ln>
-            <a:noFill/>
-          </a:ln>
-        </p:spPr>
-        <p:txBody>
-          <a:bodyPr anchorCtr="0" anchor="t" bIns="91425" lIns="91425" spcFirstLastPara="1" rIns="91425" wrap="square" tIns="91425">
-            <a:noAutofit/>
-          </a:bodyPr>
-          <a:lstStyle/>
-          <a:p>
-            <a:pPr indent="0" lvl="0" marL="0" rtl="0" algn="ctr">
-              <a:spcBef>
-                <a:spcPts val="0"/>
-              </a:spcBef>
-              <a:spcAft>
-                <a:spcPts val="0"/>
-              </a:spcAft>
-              <a:buNone/>
-            </a:pPr>
-            <a:r>
-              <a:rPr lang="en"/>
-              <a:t>Direction of design flow</a:t>
-            </a:r>
-            <a:endParaRPr/>
-          </a:p>
-        </p:txBody>
-      </p:sp>
+      <p:graphicFrame>
+        <p:nvGraphicFramePr>
+          <p:cNvPr id="4" name="Diagram 3">
+            <a:extLst>
+              <a:ext uri="{FF2B5EF4-FFF2-40B4-BE49-F238E27FC236}">
+                <a16:creationId xmlns:a16="http://schemas.microsoft.com/office/drawing/2014/main" id="{71976B87-9A25-4AC7-9EAD-271ECE23EFCF}"/>
+              </a:ext>
+            </a:extLst>
+          </p:cNvPr>
+          <p:cNvGraphicFramePr/>
+          <p:nvPr>
+            <p:extLst>
+              <p:ext uri="{D42A27DB-BD31-4B8C-83A1-F6EECF244321}">
+                <p14:modId xmlns:p14="http://schemas.microsoft.com/office/powerpoint/2010/main" val="1431034086"/>
+              </p:ext>
+            </p:extLst>
+          </p:nvPr>
+        </p:nvGraphicFramePr>
+        <p:xfrm>
+          <a:off x="95250" y="-2087738"/>
+          <a:ext cx="8953499" cy="5089876"/>
+        </p:xfrm>
+        <a:graphic>
+          <a:graphicData uri="http://schemas.openxmlformats.org/drawingml/2006/diagram">
+            <dgm:relIds xmlns:dgm="http://schemas.openxmlformats.org/drawingml/2006/diagram" xmlns:r="http://schemas.openxmlformats.org/officeDocument/2006/relationships" r:dm="rId2" r:lo="rId3" r:qs="rId4" r:cs="rId5"/>
+          </a:graphicData>
+        </a:graphic>
+      </p:graphicFrame>
     </p:spTree>
+    <p:extLst>
+      <p:ext uri="{BB962C8B-B14F-4D97-AF65-F5344CB8AC3E}">
+        <p14:creationId xmlns:p14="http://schemas.microsoft.com/office/powerpoint/2010/main" val="3027301436"/>
+      </p:ext>
+    </p:extLst>
   </p:cSld>
   <p:clrMapOvr>
     <a:masterClrMapping/>
@@ -5814,7 +8403,288 @@
 </file>
 
 <file path=ppt/theme/theme1.xml><?xml version="1.0" encoding="utf-8"?>
-<a:theme xmlns:a="http://schemas.openxmlformats.org/drawingml/2006/main" xmlns:r="http://schemas.openxmlformats.org/officeDocument/2006/relationships">
+<a:theme xmlns:a="http://schemas.openxmlformats.org/drawingml/2006/main" name="Simple Light">
+  <a:themeElements>
+    <a:clrScheme name="Simple Light">
+      <a:dk1>
+        <a:srgbClr val="000000"/>
+      </a:dk1>
+      <a:lt1>
+        <a:srgbClr val="FFFFFF"/>
+      </a:lt1>
+      <a:dk2>
+        <a:srgbClr val="595959"/>
+      </a:dk2>
+      <a:lt2>
+        <a:srgbClr val="EEEEEE"/>
+      </a:lt2>
+      <a:accent1>
+        <a:srgbClr val="FFAB40"/>
+      </a:accent1>
+      <a:accent2>
+        <a:srgbClr val="212121"/>
+      </a:accent2>
+      <a:accent3>
+        <a:srgbClr val="78909C"/>
+      </a:accent3>
+      <a:accent4>
+        <a:srgbClr val="FFAB40"/>
+      </a:accent4>
+      <a:accent5>
+        <a:srgbClr val="0097A7"/>
+      </a:accent5>
+      <a:accent6>
+        <a:srgbClr val="EEFF41"/>
+      </a:accent6>
+      <a:hlink>
+        <a:srgbClr val="0097A7"/>
+      </a:hlink>
+      <a:folHlink>
+        <a:srgbClr val="0097A7"/>
+      </a:folHlink>
+    </a:clrScheme>
+    <a:fontScheme name="Office">
+      <a:majorFont>
+        <a:latin typeface="Arial"/>
+        <a:ea typeface=""/>
+        <a:cs typeface=""/>
+        <a:font script="Jpan" typeface="ＭＳ Ｐゴシック"/>
+        <a:font script="Hang" typeface="맑은 고딕"/>
+        <a:font script="Hans" typeface="宋体"/>
+        <a:font script="Hant" typeface="新細明體"/>
+        <a:font script="Arab" typeface="Times New Roman"/>
+        <a:font script="Hebr" typeface="Times New Roman"/>
+        <a:font script="Thai" typeface="Angsana New"/>
+        <a:font script="Ethi" typeface="Nyala"/>
+        <a:font script="Beng" typeface="Vrinda"/>
+        <a:font script="Gujr" typeface="Shruti"/>
+        <a:font script="Khmr" typeface="MoolBoran"/>
+        <a:font script="Knda" typeface="Tunga"/>
+        <a:font script="Guru" typeface="Raavi"/>
+        <a:font script="Cans" typeface="Euphemia"/>
+        <a:font script="Cher" typeface="Plantagenet Cherokee"/>
+        <a:font script="Yiii" typeface="Microsoft Yi Baiti"/>
+        <a:font script="Tibt" typeface="Microsoft Himalaya"/>
+        <a:font script="Thaa" typeface="MV Boli"/>
+        <a:font script="Deva" typeface="Mangal"/>
+        <a:font script="Telu" typeface="Gautami"/>
+        <a:font script="Taml" typeface="Latha"/>
+        <a:font script="Syrc" typeface="Estrangelo Edessa"/>
+        <a:font script="Orya" typeface="Kalinga"/>
+        <a:font script="Mlym" typeface="Kartika"/>
+        <a:font script="Laoo" typeface="DokChampa"/>
+        <a:font script="Sinh" typeface="Iskoola Pota"/>
+        <a:font script="Mong" typeface="Mongolian Baiti"/>
+        <a:font script="Viet" typeface="Times New Roman"/>
+        <a:font script="Uigh" typeface="Microsoft Uighur"/>
+        <a:font script="Geor" typeface="Sylfaen"/>
+      </a:majorFont>
+      <a:minorFont>
+        <a:latin typeface="Arial"/>
+        <a:ea typeface=""/>
+        <a:cs typeface=""/>
+        <a:font script="Jpan" typeface="ＭＳ Ｐゴシック"/>
+        <a:font script="Hang" typeface="맑은 고딕"/>
+        <a:font script="Hans" typeface="宋体"/>
+        <a:font script="Hant" typeface="新細明體"/>
+        <a:font script="Arab" typeface="Arial"/>
+        <a:font script="Hebr" typeface="Arial"/>
+        <a:font script="Thai" typeface="Cordia New"/>
+        <a:font script="Ethi" typeface="Nyala"/>
+        <a:font script="Beng" typeface="Vrinda"/>
+        <a:font script="Gujr" typeface="Shruti"/>
+        <a:font script="Khmr" typeface="DaunPenh"/>
+        <a:font script="Knda" typeface="Tunga"/>
+        <a:font script="Guru" typeface="Raavi"/>
+        <a:font script="Cans" typeface="Euphemia"/>
+        <a:font script="Cher" typeface="Plantagenet Cherokee"/>
+        <a:font script="Yiii" typeface="Microsoft Yi Baiti"/>
+        <a:font script="Tibt" typeface="Microsoft Himalaya"/>
+        <a:font script="Thaa" typeface="MV Boli"/>
+        <a:font script="Deva" typeface="Mangal"/>
+        <a:font script="Telu" typeface="Gautami"/>
+        <a:font script="Taml" typeface="Latha"/>
+        <a:font script="Syrc" typeface="Estrangelo Edessa"/>
+        <a:font script="Orya" typeface="Kalinga"/>
+        <a:font script="Mlym" typeface="Kartika"/>
+        <a:font script="Laoo" typeface="DokChampa"/>
+        <a:font script="Sinh" typeface="Iskoola Pota"/>
+        <a:font script="Mong" typeface="Mongolian Baiti"/>
+        <a:font script="Viet" typeface="Arial"/>
+        <a:font script="Uigh" typeface="Microsoft Uighur"/>
+        <a:font script="Geor" typeface="Sylfaen"/>
+      </a:minorFont>
+    </a:fontScheme>
+    <a:fmtScheme name="Office">
+      <a:fillStyleLst>
+        <a:solidFill>
+          <a:schemeClr val="phClr"/>
+        </a:solidFill>
+        <a:gradFill rotWithShape="1">
+          <a:gsLst>
+            <a:gs pos="0">
+              <a:schemeClr val="phClr">
+                <a:tint val="50000"/>
+                <a:satMod val="300000"/>
+              </a:schemeClr>
+            </a:gs>
+            <a:gs pos="35000">
+              <a:schemeClr val="phClr">
+                <a:tint val="37000"/>
+                <a:satMod val="300000"/>
+              </a:schemeClr>
+            </a:gs>
+            <a:gs pos="100000">
+              <a:schemeClr val="phClr">
+                <a:tint val="15000"/>
+                <a:satMod val="350000"/>
+              </a:schemeClr>
+            </a:gs>
+          </a:gsLst>
+          <a:lin ang="16200000" scaled="1"/>
+        </a:gradFill>
+        <a:gradFill rotWithShape="1">
+          <a:gsLst>
+            <a:gs pos="0">
+              <a:schemeClr val="phClr">
+                <a:tint val="100000"/>
+                <a:shade val="100000"/>
+                <a:satMod val="130000"/>
+              </a:schemeClr>
+            </a:gs>
+            <a:gs pos="100000">
+              <a:schemeClr val="phClr">
+                <a:tint val="50000"/>
+                <a:shade val="100000"/>
+                <a:satMod val="350000"/>
+              </a:schemeClr>
+            </a:gs>
+          </a:gsLst>
+          <a:lin ang="16200000" scaled="0"/>
+        </a:gradFill>
+      </a:fillStyleLst>
+      <a:lnStyleLst>
+        <a:ln w="9525" cap="flat" cmpd="sng" algn="ctr">
+          <a:solidFill>
+            <a:schemeClr val="phClr">
+              <a:shade val="95000"/>
+              <a:satMod val="105000"/>
+            </a:schemeClr>
+          </a:solidFill>
+          <a:prstDash val="solid"/>
+        </a:ln>
+        <a:ln w="25400" cap="flat" cmpd="sng" algn="ctr">
+          <a:solidFill>
+            <a:schemeClr val="phClr"/>
+          </a:solidFill>
+          <a:prstDash val="solid"/>
+        </a:ln>
+        <a:ln w="38100" cap="flat" cmpd="sng" algn="ctr">
+          <a:solidFill>
+            <a:schemeClr val="phClr"/>
+          </a:solidFill>
+          <a:prstDash val="solid"/>
+        </a:ln>
+      </a:lnStyleLst>
+      <a:effectStyleLst>
+        <a:effectStyle>
+          <a:effectLst>
+            <a:outerShdw blurRad="40000" dist="20000" dir="5400000" rotWithShape="0">
+              <a:srgbClr val="000000">
+                <a:alpha val="38000"/>
+              </a:srgbClr>
+            </a:outerShdw>
+          </a:effectLst>
+        </a:effectStyle>
+        <a:effectStyle>
+          <a:effectLst>
+            <a:outerShdw blurRad="40000" dist="23000" dir="5400000" rotWithShape="0">
+              <a:srgbClr val="000000">
+                <a:alpha val="35000"/>
+              </a:srgbClr>
+            </a:outerShdw>
+          </a:effectLst>
+        </a:effectStyle>
+        <a:effectStyle>
+          <a:effectLst>
+            <a:outerShdw blurRad="40000" dist="23000" dir="5400000" rotWithShape="0">
+              <a:srgbClr val="000000">
+                <a:alpha val="35000"/>
+              </a:srgbClr>
+            </a:outerShdw>
+          </a:effectLst>
+          <a:scene3d>
+            <a:camera prst="orthographicFront">
+              <a:rot lat="0" lon="0" rev="0"/>
+            </a:camera>
+            <a:lightRig rig="threePt" dir="t">
+              <a:rot lat="0" lon="0" rev="1200000"/>
+            </a:lightRig>
+          </a:scene3d>
+          <a:sp3d>
+            <a:bevelT w="63500" h="25400"/>
+          </a:sp3d>
+        </a:effectStyle>
+      </a:effectStyleLst>
+      <a:bgFillStyleLst>
+        <a:solidFill>
+          <a:schemeClr val="phClr"/>
+        </a:solidFill>
+        <a:gradFill rotWithShape="1">
+          <a:gsLst>
+            <a:gs pos="0">
+              <a:schemeClr val="phClr">
+                <a:tint val="40000"/>
+                <a:satMod val="350000"/>
+              </a:schemeClr>
+            </a:gs>
+            <a:gs pos="40000">
+              <a:schemeClr val="phClr">
+                <a:tint val="45000"/>
+                <a:shade val="99000"/>
+                <a:satMod val="350000"/>
+              </a:schemeClr>
+            </a:gs>
+            <a:gs pos="100000">
+              <a:schemeClr val="phClr">
+                <a:shade val="20000"/>
+                <a:satMod val="255000"/>
+              </a:schemeClr>
+            </a:gs>
+          </a:gsLst>
+          <a:path path="circle">
+            <a:fillToRect l="50000" t="-80000" r="50000" b="180000"/>
+          </a:path>
+        </a:gradFill>
+        <a:gradFill rotWithShape="1">
+          <a:gsLst>
+            <a:gs pos="0">
+              <a:schemeClr val="phClr">
+                <a:tint val="80000"/>
+                <a:satMod val="300000"/>
+              </a:schemeClr>
+            </a:gs>
+            <a:gs pos="100000">
+              <a:schemeClr val="phClr">
+                <a:shade val="30000"/>
+                <a:satMod val="200000"/>
+              </a:schemeClr>
+            </a:gs>
+          </a:gsLst>
+          <a:path path="circle">
+            <a:fillToRect l="50000" t="50000" r="50000" b="50000"/>
+          </a:path>
+        </a:gradFill>
+      </a:bgFillStyleLst>
+    </a:fmtScheme>
+  </a:themeElements>
+  <a:objectDefaults/>
+  <a:extraClrSchemeLst/>
+</a:theme>
+</file>
+
+<file path=ppt/theme/theme2.xml><?xml version="1.0" encoding="utf-8"?>
+<a:theme xmlns:a="http://schemas.openxmlformats.org/drawingml/2006/main">
   <a:themeElements>
     <a:clrScheme name="Default">
       <a:dk1>
@@ -6089,284 +8959,7 @@
       </a:bgFillStyleLst>
     </a:fmtScheme>
   </a:themeElements>
-</a:theme>
-</file>
-
-<file path=ppt/theme/theme2.xml><?xml version="1.0" encoding="utf-8"?>
-<a:theme xmlns:a="http://schemas.openxmlformats.org/drawingml/2006/main" xmlns:r="http://schemas.openxmlformats.org/officeDocument/2006/relationships" name="Simple Light">
-  <a:themeElements>
-    <a:clrScheme name="Simple Light">
-      <a:dk1>
-        <a:srgbClr val="000000"/>
-      </a:dk1>
-      <a:lt1>
-        <a:srgbClr val="FFFFFF"/>
-      </a:lt1>
-      <a:dk2>
-        <a:srgbClr val="595959"/>
-      </a:dk2>
-      <a:lt2>
-        <a:srgbClr val="EEEEEE"/>
-      </a:lt2>
-      <a:accent1>
-        <a:srgbClr val="FFAB40"/>
-      </a:accent1>
-      <a:accent2>
-        <a:srgbClr val="212121"/>
-      </a:accent2>
-      <a:accent3>
-        <a:srgbClr val="78909C"/>
-      </a:accent3>
-      <a:accent4>
-        <a:srgbClr val="FFAB40"/>
-      </a:accent4>
-      <a:accent5>
-        <a:srgbClr val="0097A7"/>
-      </a:accent5>
-      <a:accent6>
-        <a:srgbClr val="EEFF41"/>
-      </a:accent6>
-      <a:hlink>
-        <a:srgbClr val="0097A7"/>
-      </a:hlink>
-      <a:folHlink>
-        <a:srgbClr val="0097A7"/>
-      </a:folHlink>
-    </a:clrScheme>
-    <a:fontScheme name="Office">
-      <a:majorFont>
-        <a:latin typeface="Arial"/>
-        <a:ea typeface=""/>
-        <a:cs typeface=""/>
-        <a:font script="Jpan" typeface="ＭＳ Ｐゴシック"/>
-        <a:font script="Hang" typeface="맑은 고딕"/>
-        <a:font script="Hans" typeface="宋体"/>
-        <a:font script="Hant" typeface="新細明體"/>
-        <a:font script="Arab" typeface="Times New Roman"/>
-        <a:font script="Hebr" typeface="Times New Roman"/>
-        <a:font script="Thai" typeface="Angsana New"/>
-        <a:font script="Ethi" typeface="Nyala"/>
-        <a:font script="Beng" typeface="Vrinda"/>
-        <a:font script="Gujr" typeface="Shruti"/>
-        <a:font script="Khmr" typeface="MoolBoran"/>
-        <a:font script="Knda" typeface="Tunga"/>
-        <a:font script="Guru" typeface="Raavi"/>
-        <a:font script="Cans" typeface="Euphemia"/>
-        <a:font script="Cher" typeface="Plantagenet Cherokee"/>
-        <a:font script="Yiii" typeface="Microsoft Yi Baiti"/>
-        <a:font script="Tibt" typeface="Microsoft Himalaya"/>
-        <a:font script="Thaa" typeface="MV Boli"/>
-        <a:font script="Deva" typeface="Mangal"/>
-        <a:font script="Telu" typeface="Gautami"/>
-        <a:font script="Taml" typeface="Latha"/>
-        <a:font script="Syrc" typeface="Estrangelo Edessa"/>
-        <a:font script="Orya" typeface="Kalinga"/>
-        <a:font script="Mlym" typeface="Kartika"/>
-        <a:font script="Laoo" typeface="DokChampa"/>
-        <a:font script="Sinh" typeface="Iskoola Pota"/>
-        <a:font script="Mong" typeface="Mongolian Baiti"/>
-        <a:font script="Viet" typeface="Times New Roman"/>
-        <a:font script="Uigh" typeface="Microsoft Uighur"/>
-        <a:font script="Geor" typeface="Sylfaen"/>
-      </a:majorFont>
-      <a:minorFont>
-        <a:latin typeface="Arial"/>
-        <a:ea typeface=""/>
-        <a:cs typeface=""/>
-        <a:font script="Jpan" typeface="ＭＳ Ｐゴシック"/>
-        <a:font script="Hang" typeface="맑은 고딕"/>
-        <a:font script="Hans" typeface="宋体"/>
-        <a:font script="Hant" typeface="新細明體"/>
-        <a:font script="Arab" typeface="Arial"/>
-        <a:font script="Hebr" typeface="Arial"/>
-        <a:font script="Thai" typeface="Cordia New"/>
-        <a:font script="Ethi" typeface="Nyala"/>
-        <a:font script="Beng" typeface="Vrinda"/>
-        <a:font script="Gujr" typeface="Shruti"/>
-        <a:font script="Khmr" typeface="DaunPenh"/>
-        <a:font script="Knda" typeface="Tunga"/>
-        <a:font script="Guru" typeface="Raavi"/>
-        <a:font script="Cans" typeface="Euphemia"/>
-        <a:font script="Cher" typeface="Plantagenet Cherokee"/>
-        <a:font script="Yiii" typeface="Microsoft Yi Baiti"/>
-        <a:font script="Tibt" typeface="Microsoft Himalaya"/>
-        <a:font script="Thaa" typeface="MV Boli"/>
-        <a:font script="Deva" typeface="Mangal"/>
-        <a:font script="Telu" typeface="Gautami"/>
-        <a:font script="Taml" typeface="Latha"/>
-        <a:font script="Syrc" typeface="Estrangelo Edessa"/>
-        <a:font script="Orya" typeface="Kalinga"/>
-        <a:font script="Mlym" typeface="Kartika"/>
-        <a:font script="Laoo" typeface="DokChampa"/>
-        <a:font script="Sinh" typeface="Iskoola Pota"/>
-        <a:font script="Mong" typeface="Mongolian Baiti"/>
-        <a:font script="Viet" typeface="Arial"/>
-        <a:font script="Uigh" typeface="Microsoft Uighur"/>
-        <a:font script="Geor" typeface="Sylfaen"/>
-      </a:minorFont>
-    </a:fontScheme>
-    <a:fmtScheme name="Office">
-      <a:fillStyleLst>
-        <a:solidFill>
-          <a:schemeClr val="phClr"/>
-        </a:solidFill>
-        <a:gradFill rotWithShape="1">
-          <a:gsLst>
-            <a:gs pos="0">
-              <a:schemeClr val="phClr">
-                <a:tint val="50000"/>
-                <a:satMod val="300000"/>
-              </a:schemeClr>
-            </a:gs>
-            <a:gs pos="35000">
-              <a:schemeClr val="phClr">
-                <a:tint val="37000"/>
-                <a:satMod val="300000"/>
-              </a:schemeClr>
-            </a:gs>
-            <a:gs pos="100000">
-              <a:schemeClr val="phClr">
-                <a:tint val="15000"/>
-                <a:satMod val="350000"/>
-              </a:schemeClr>
-            </a:gs>
-          </a:gsLst>
-          <a:lin ang="16200000" scaled="1"/>
-        </a:gradFill>
-        <a:gradFill rotWithShape="1">
-          <a:gsLst>
-            <a:gs pos="0">
-              <a:schemeClr val="phClr">
-                <a:tint val="100000"/>
-                <a:shade val="100000"/>
-                <a:satMod val="130000"/>
-              </a:schemeClr>
-            </a:gs>
-            <a:gs pos="100000">
-              <a:schemeClr val="phClr">
-                <a:tint val="50000"/>
-                <a:shade val="100000"/>
-                <a:satMod val="350000"/>
-              </a:schemeClr>
-            </a:gs>
-          </a:gsLst>
-          <a:lin ang="16200000" scaled="0"/>
-        </a:gradFill>
-      </a:fillStyleLst>
-      <a:lnStyleLst>
-        <a:ln w="9525" cap="flat" cmpd="sng" algn="ctr">
-          <a:solidFill>
-            <a:schemeClr val="phClr">
-              <a:shade val="95000"/>
-              <a:satMod val="105000"/>
-            </a:schemeClr>
-          </a:solidFill>
-          <a:prstDash val="solid"/>
-        </a:ln>
-        <a:ln w="25400" cap="flat" cmpd="sng" algn="ctr">
-          <a:solidFill>
-            <a:schemeClr val="phClr"/>
-          </a:solidFill>
-          <a:prstDash val="solid"/>
-        </a:ln>
-        <a:ln w="38100" cap="flat" cmpd="sng" algn="ctr">
-          <a:solidFill>
-            <a:schemeClr val="phClr"/>
-          </a:solidFill>
-          <a:prstDash val="solid"/>
-        </a:ln>
-      </a:lnStyleLst>
-      <a:effectStyleLst>
-        <a:effectStyle>
-          <a:effectLst>
-            <a:outerShdw blurRad="40000" dist="20000" dir="5400000" rotWithShape="0">
-              <a:srgbClr val="000000">
-                <a:alpha val="38000"/>
-              </a:srgbClr>
-            </a:outerShdw>
-          </a:effectLst>
-        </a:effectStyle>
-        <a:effectStyle>
-          <a:effectLst>
-            <a:outerShdw blurRad="40000" dist="23000" dir="5400000" rotWithShape="0">
-              <a:srgbClr val="000000">
-                <a:alpha val="35000"/>
-              </a:srgbClr>
-            </a:outerShdw>
-          </a:effectLst>
-        </a:effectStyle>
-        <a:effectStyle>
-          <a:effectLst>
-            <a:outerShdw blurRad="40000" dist="23000" dir="5400000" rotWithShape="0">
-              <a:srgbClr val="000000">
-                <a:alpha val="35000"/>
-              </a:srgbClr>
-            </a:outerShdw>
-          </a:effectLst>
-          <a:scene3d>
-            <a:camera prst="orthographicFront">
-              <a:rot lat="0" lon="0" rev="0"/>
-            </a:camera>
-            <a:lightRig rig="threePt" dir="t">
-              <a:rot lat="0" lon="0" rev="1200000"/>
-            </a:lightRig>
-          </a:scene3d>
-          <a:sp3d>
-            <a:bevelT w="63500" h="25400"/>
-          </a:sp3d>
-        </a:effectStyle>
-      </a:effectStyleLst>
-      <a:bgFillStyleLst>
-        <a:solidFill>
-          <a:schemeClr val="phClr"/>
-        </a:solidFill>
-        <a:gradFill rotWithShape="1">
-          <a:gsLst>
-            <a:gs pos="0">
-              <a:schemeClr val="phClr">
-                <a:tint val="40000"/>
-                <a:satMod val="350000"/>
-              </a:schemeClr>
-            </a:gs>
-            <a:gs pos="40000">
-              <a:schemeClr val="phClr">
-                <a:tint val="45000"/>
-                <a:shade val="99000"/>
-                <a:satMod val="350000"/>
-              </a:schemeClr>
-            </a:gs>
-            <a:gs pos="100000">
-              <a:schemeClr val="phClr">
-                <a:shade val="20000"/>
-                <a:satMod val="255000"/>
-              </a:schemeClr>
-            </a:gs>
-          </a:gsLst>
-          <a:path path="circle">
-            <a:fillToRect l="50000" t="-80000" r="50000" b="180000"/>
-          </a:path>
-        </a:gradFill>
-        <a:gradFill rotWithShape="1">
-          <a:gsLst>
-            <a:gs pos="0">
-              <a:schemeClr val="phClr">
-                <a:tint val="80000"/>
-                <a:satMod val="300000"/>
-              </a:schemeClr>
-            </a:gs>
-            <a:gs pos="100000">
-              <a:schemeClr val="phClr">
-                <a:shade val="30000"/>
-                <a:satMod val="200000"/>
-              </a:schemeClr>
-            </a:gs>
-          </a:gsLst>
-          <a:path path="circle">
-            <a:fillToRect l="50000" t="50000" r="50000" b="50000"/>
-          </a:path>
-        </a:gradFill>
-      </a:bgFillStyleLst>
-    </a:fmtScheme>
-  </a:themeElements>
+  <a:objectDefaults/>
+  <a:extraClrSchemeLst/>
 </a:theme>
 </file>
--- a/papers/dallin_skouson/SpyDrNetFlow.pptx
+++ b/papers/dallin_skouson/SpyDrNetFlow.pptx
@@ -1071,7 +1071,7 @@
 <dgm:dataModel xmlns:dgm="http://schemas.openxmlformats.org/drawingml/2006/diagram" xmlns:a="http://schemas.openxmlformats.org/drawingml/2006/main">
   <dgm:ptLst>
     <dgm:pt modelId="{814D9219-B480-4108-A671-4E94489B26F8}" type="doc">
-      <dgm:prSet loTypeId="urn:microsoft.com/office/officeart/2005/8/layout/chevron1" loCatId="process" qsTypeId="urn:microsoft.com/office/officeart/2005/8/quickstyle/simple1" qsCatId="simple" csTypeId="urn:microsoft.com/office/officeart/2005/8/colors/accent0_1" csCatId="mainScheme" phldr="1"/>
+      <dgm:prSet loTypeId="urn:microsoft.com/office/officeart/2005/8/layout/lProcess1" loCatId="process" qsTypeId="urn:microsoft.com/office/officeart/2005/8/quickstyle/simple1" qsCatId="simple" csTypeId="urn:microsoft.com/office/officeart/2005/8/colors/accent0_1" csCatId="mainScheme" phldr="1"/>
       <dgm:spPr/>
     </dgm:pt>
     <dgm:pt modelId="{8D3489DE-B65F-4E47-A396-7EB84473545D}">
@@ -1310,7 +1310,7 @@
         </a:p>
       </dgm:t>
     </dgm:pt>
-    <dgm:pt modelId="{611A4C62-4178-47A9-A27C-4D1ADB78F2CC}" type="pres">
+    <dgm:pt modelId="{BACEC9F2-20FC-41EB-B2D8-05979B759285}" type="pres">
       <dgm:prSet presAssocID="{814D9219-B480-4108-A671-4E94489B26F8}" presName="Name0" presStyleCnt="0">
         <dgm:presLayoutVars>
           <dgm:dir/>
@@ -1320,112 +1320,106 @@
       </dgm:prSet>
       <dgm:spPr/>
     </dgm:pt>
-    <dgm:pt modelId="{A9418CE6-F44B-4BA0-9A4A-C9AF6528DA20}" type="pres">
-      <dgm:prSet presAssocID="{8D3489DE-B65F-4E47-A396-7EB84473545D}" presName="parTxOnly" presStyleLbl="node1" presStyleIdx="0" presStyleCnt="6">
-        <dgm:presLayoutVars>
-          <dgm:chMax val="0"/>
-          <dgm:chPref val="0"/>
-          <dgm:bulletEnabled val="1"/>
-        </dgm:presLayoutVars>
-      </dgm:prSet>
+    <dgm:pt modelId="{643CAA24-1602-44DD-BFC4-22928C709C1C}" type="pres">
+      <dgm:prSet presAssocID="{8D3489DE-B65F-4E47-A396-7EB84473545D}" presName="vertFlow" presStyleCnt="0"/>
       <dgm:spPr/>
     </dgm:pt>
-    <dgm:pt modelId="{FAE16C1F-420C-4171-80C5-F2D6AEADD5B3}" type="pres">
-      <dgm:prSet presAssocID="{20E08DB6-A08B-4D1F-8FD9-36AEC1CA8C49}" presName="parTxOnlySpace" presStyleCnt="0"/>
+    <dgm:pt modelId="{A032623A-53CA-4590-960B-94B8D1FA852A}" type="pres">
+      <dgm:prSet presAssocID="{8D3489DE-B65F-4E47-A396-7EB84473545D}" presName="header" presStyleLbl="node1" presStyleIdx="0" presStyleCnt="6"/>
       <dgm:spPr/>
     </dgm:pt>
-    <dgm:pt modelId="{4573F355-D35F-44AB-B5C2-B6CB6698A71D}" type="pres">
-      <dgm:prSet presAssocID="{5937BA0F-9861-4863-995E-610D8E41DC93}" presName="parTxOnly" presStyleLbl="node1" presStyleIdx="1" presStyleCnt="6">
-        <dgm:presLayoutVars>
-          <dgm:chMax val="0"/>
-          <dgm:chPref val="0"/>
-          <dgm:bulletEnabled val="1"/>
-        </dgm:presLayoutVars>
-      </dgm:prSet>
+    <dgm:pt modelId="{CD2070C4-DDAC-4CEE-B77D-A0AAEEB3C177}" type="pres">
+      <dgm:prSet presAssocID="{8D3489DE-B65F-4E47-A396-7EB84473545D}" presName="hSp" presStyleCnt="0"/>
       <dgm:spPr/>
     </dgm:pt>
-    <dgm:pt modelId="{7102C90E-B512-4CE3-B447-F067096CE2A5}" type="pres">
-      <dgm:prSet presAssocID="{E7036EB7-4B39-42D8-AF35-626CB20670B8}" presName="parTxOnlySpace" presStyleCnt="0"/>
+    <dgm:pt modelId="{C97C13BA-10DE-4E00-875E-4D7B6EE37464}" type="pres">
+      <dgm:prSet presAssocID="{5937BA0F-9861-4863-995E-610D8E41DC93}" presName="vertFlow" presStyleCnt="0"/>
       <dgm:spPr/>
     </dgm:pt>
-    <dgm:pt modelId="{4F971579-C15E-4BB1-A7A7-97DA9A116006}" type="pres">
-      <dgm:prSet presAssocID="{31BA1C23-965F-4A08-866C-60F465527D31}" presName="parTxOnly" presStyleLbl="node1" presStyleIdx="2" presStyleCnt="6">
-        <dgm:presLayoutVars>
-          <dgm:chMax val="0"/>
-          <dgm:chPref val="0"/>
-          <dgm:bulletEnabled val="1"/>
-        </dgm:presLayoutVars>
-      </dgm:prSet>
+    <dgm:pt modelId="{B0C67399-4A7A-4567-B0F9-4EB84DBEB1CD}" type="pres">
+      <dgm:prSet presAssocID="{5937BA0F-9861-4863-995E-610D8E41DC93}" presName="header" presStyleLbl="node1" presStyleIdx="1" presStyleCnt="6"/>
       <dgm:spPr/>
     </dgm:pt>
-    <dgm:pt modelId="{13CF2BCB-7C8E-4434-857E-96C8EF1AC7FF}" type="pres">
-      <dgm:prSet presAssocID="{31340B1F-2108-4780-BE4F-75F46081EC54}" presName="parTxOnlySpace" presStyleCnt="0"/>
+    <dgm:pt modelId="{FE80DCBA-645F-492A-B237-AD4AE9167E37}" type="pres">
+      <dgm:prSet presAssocID="{5937BA0F-9861-4863-995E-610D8E41DC93}" presName="hSp" presStyleCnt="0"/>
       <dgm:spPr/>
     </dgm:pt>
-    <dgm:pt modelId="{22F3282C-6FF2-4801-A274-02FF02B8327D}" type="pres">
-      <dgm:prSet presAssocID="{57C84856-79E7-4BC8-BBA9-6444F5EB7A28}" presName="parTxOnly" presStyleLbl="node1" presStyleIdx="3" presStyleCnt="6">
-        <dgm:presLayoutVars>
-          <dgm:chMax val="0"/>
-          <dgm:chPref val="0"/>
-          <dgm:bulletEnabled val="1"/>
-        </dgm:presLayoutVars>
-      </dgm:prSet>
+    <dgm:pt modelId="{4F7FDAA9-72F1-4C4E-8FC3-1841925FC0A5}" type="pres">
+      <dgm:prSet presAssocID="{31BA1C23-965F-4A08-866C-60F465527D31}" presName="vertFlow" presStyleCnt="0"/>
       <dgm:spPr/>
     </dgm:pt>
-    <dgm:pt modelId="{64CDAB66-AE82-4FC7-986E-4AF918EDFC1B}" type="pres">
-      <dgm:prSet presAssocID="{B34530A6-2982-4844-9926-6EDBB6A9984F}" presName="parTxOnlySpace" presStyleCnt="0"/>
+    <dgm:pt modelId="{8AE6C759-23F3-4D68-8A92-C9CD1CCAFC46}" type="pres">
+      <dgm:prSet presAssocID="{31BA1C23-965F-4A08-866C-60F465527D31}" presName="header" presStyleLbl="node1" presStyleIdx="2" presStyleCnt="6"/>
       <dgm:spPr/>
     </dgm:pt>
-    <dgm:pt modelId="{EDFBC494-9FC8-4D56-81D4-C34EC4B766FC}" type="pres">
-      <dgm:prSet presAssocID="{33341C1B-01FA-4A4F-8079-907A98550C61}" presName="parTxOnly" presStyleLbl="node1" presStyleIdx="4" presStyleCnt="6">
-        <dgm:presLayoutVars>
-          <dgm:chMax val="0"/>
-          <dgm:chPref val="0"/>
-          <dgm:bulletEnabled val="1"/>
-        </dgm:presLayoutVars>
-      </dgm:prSet>
+    <dgm:pt modelId="{EAB80F29-B5ED-4D73-AD9F-BCEDBB153762}" type="pres">
+      <dgm:prSet presAssocID="{31BA1C23-965F-4A08-866C-60F465527D31}" presName="hSp" presStyleCnt="0"/>
       <dgm:spPr/>
     </dgm:pt>
-    <dgm:pt modelId="{06322151-0593-4398-96B8-76B84DB472AC}" type="pres">
-      <dgm:prSet presAssocID="{25A7162E-52D5-403A-B35F-32DFA78099C0}" presName="parTxOnlySpace" presStyleCnt="0"/>
+    <dgm:pt modelId="{A1EDE5BF-3336-47E3-99D6-D69D1E828570}" type="pres">
+      <dgm:prSet presAssocID="{57C84856-79E7-4BC8-BBA9-6444F5EB7A28}" presName="vertFlow" presStyleCnt="0"/>
       <dgm:spPr/>
     </dgm:pt>
-    <dgm:pt modelId="{3E22DBB6-69B6-4FD9-B01F-C4219EF1B864}" type="pres">
-      <dgm:prSet presAssocID="{47B719C7-DC03-4FB8-A2C3-8C7AE9278697}" presName="parTxOnly" presStyleLbl="node1" presStyleIdx="5" presStyleCnt="6">
-        <dgm:presLayoutVars>
-          <dgm:chMax val="0"/>
-          <dgm:chPref val="0"/>
-          <dgm:bulletEnabled val="1"/>
-        </dgm:presLayoutVars>
-      </dgm:prSet>
+    <dgm:pt modelId="{A3E8692D-7786-4E0C-AB24-6B95704E0AC4}" type="pres">
+      <dgm:prSet presAssocID="{57C84856-79E7-4BC8-BBA9-6444F5EB7A28}" presName="header" presStyleLbl="node1" presStyleIdx="3" presStyleCnt="6"/>
+      <dgm:spPr/>
+    </dgm:pt>
+    <dgm:pt modelId="{573FC0D5-0EEC-4E53-B425-2649E1C7B913}" type="pres">
+      <dgm:prSet presAssocID="{57C84856-79E7-4BC8-BBA9-6444F5EB7A28}" presName="hSp" presStyleCnt="0"/>
+      <dgm:spPr/>
+    </dgm:pt>
+    <dgm:pt modelId="{918AA7BA-56A5-41DE-809E-99D09946C16C}" type="pres">
+      <dgm:prSet presAssocID="{33341C1B-01FA-4A4F-8079-907A98550C61}" presName="vertFlow" presStyleCnt="0"/>
+      <dgm:spPr/>
+    </dgm:pt>
+    <dgm:pt modelId="{9C2F49E6-30EC-4FC8-B8BF-3DB9901D06CA}" type="pres">
+      <dgm:prSet presAssocID="{33341C1B-01FA-4A4F-8079-907A98550C61}" presName="header" presStyleLbl="node1" presStyleIdx="4" presStyleCnt="6"/>
+      <dgm:spPr/>
+    </dgm:pt>
+    <dgm:pt modelId="{9E027A7A-6AA5-489C-A4C3-1EE9720FC6B3}" type="pres">
+      <dgm:prSet presAssocID="{33341C1B-01FA-4A4F-8079-907A98550C61}" presName="hSp" presStyleCnt="0"/>
+      <dgm:spPr/>
+    </dgm:pt>
+    <dgm:pt modelId="{2F6C8D58-9328-4DB1-8ACB-C38333ED5BB5}" type="pres">
+      <dgm:prSet presAssocID="{47B719C7-DC03-4FB8-A2C3-8C7AE9278697}" presName="vertFlow" presStyleCnt="0"/>
+      <dgm:spPr/>
+    </dgm:pt>
+    <dgm:pt modelId="{28DD7189-59CB-4A0F-A1DB-FD6BDA082E9B}" type="pres">
+      <dgm:prSet presAssocID="{47B719C7-DC03-4FB8-A2C3-8C7AE9278697}" presName="header" presStyleLbl="node1" presStyleIdx="5" presStyleCnt="6"/>
       <dgm:spPr/>
     </dgm:pt>
   </dgm:ptLst>
   <dgm:cxnLst>
     <dgm:cxn modelId="{F5B46B06-3DA2-46D8-AB9D-9F4655C0212C}" srcId="{814D9219-B480-4108-A671-4E94489B26F8}" destId="{31BA1C23-965F-4A08-866C-60F465527D31}" srcOrd="2" destOrd="0" parTransId="{F7B04D4A-736F-450B-8CCC-72E064F16098}" sibTransId="{31340B1F-2108-4780-BE4F-75F46081EC54}"/>
-    <dgm:cxn modelId="{AF7E9D15-8C43-4764-88F9-B259B00A8A5B}" type="presOf" srcId="{8D3489DE-B65F-4E47-A396-7EB84473545D}" destId="{A9418CE6-F44B-4BA0-9A4A-C9AF6528DA20}" srcOrd="0" destOrd="0" presId="urn:microsoft.com/office/officeart/2005/8/layout/chevron1"/>
+    <dgm:cxn modelId="{00DF4707-E041-4215-8BC5-49FC24BA2EA0}" type="presOf" srcId="{8D3489DE-B65F-4E47-A396-7EB84473545D}" destId="{A032623A-53CA-4590-960B-94B8D1FA852A}" srcOrd="0" destOrd="0" presId="urn:microsoft.com/office/officeart/2005/8/layout/lProcess1"/>
     <dgm:cxn modelId="{4D8F4A20-59F7-497D-8581-015BA79BEA6A}" srcId="{814D9219-B480-4108-A671-4E94489B26F8}" destId="{5937BA0F-9861-4863-995E-610D8E41DC93}" srcOrd="1" destOrd="0" parTransId="{46C498AF-DA9F-4185-BC0D-7B686DAFD6B4}" sibTransId="{E7036EB7-4B39-42D8-AF35-626CB20670B8}"/>
+    <dgm:cxn modelId="{14450221-C002-42A4-93C9-FB0801D34657}" type="presOf" srcId="{33341C1B-01FA-4A4F-8079-907A98550C61}" destId="{9C2F49E6-30EC-4FC8-B8BF-3DB9901D06CA}" srcOrd="0" destOrd="0" presId="urn:microsoft.com/office/officeart/2005/8/layout/lProcess1"/>
+    <dgm:cxn modelId="{A7999621-6709-47B6-84C6-20ADECDD5345}" type="presOf" srcId="{57C84856-79E7-4BC8-BBA9-6444F5EB7A28}" destId="{A3E8692D-7786-4E0C-AB24-6B95704E0AC4}" srcOrd="0" destOrd="0" presId="urn:microsoft.com/office/officeart/2005/8/layout/lProcess1"/>
     <dgm:cxn modelId="{0958E94E-2B20-46FF-B341-76FF35A85ECC}" srcId="{814D9219-B480-4108-A671-4E94489B26F8}" destId="{57C84856-79E7-4BC8-BBA9-6444F5EB7A28}" srcOrd="3" destOrd="0" parTransId="{C7FD1690-AC56-41A5-B5D8-614E3B13BF41}" sibTransId="{B34530A6-2982-4844-9926-6EDBB6A9984F}"/>
-    <dgm:cxn modelId="{328DE783-0DA8-4883-AF42-297C0F0073AB}" type="presOf" srcId="{814D9219-B480-4108-A671-4E94489B26F8}" destId="{611A4C62-4178-47A9-A27C-4D1ADB78F2CC}" srcOrd="0" destOrd="0" presId="urn:microsoft.com/office/officeart/2005/8/layout/chevron1"/>
+    <dgm:cxn modelId="{CCBB0171-7479-4F1F-9F00-655EAB67E7F5}" type="presOf" srcId="{5937BA0F-9861-4863-995E-610D8E41DC93}" destId="{B0C67399-4A7A-4567-B0F9-4EB84DBEB1CD}" srcOrd="0" destOrd="0" presId="urn:microsoft.com/office/officeart/2005/8/layout/lProcess1"/>
+    <dgm:cxn modelId="{466F5D80-DCC8-494B-BBED-7FA1B47368A8}" type="presOf" srcId="{31BA1C23-965F-4A08-866C-60F465527D31}" destId="{8AE6C759-23F3-4D68-8A92-C9CD1CCAFC46}" srcOrd="0" destOrd="0" presId="urn:microsoft.com/office/officeart/2005/8/layout/lProcess1"/>
+    <dgm:cxn modelId="{49928383-F4E3-4621-B54F-5680433197AE}" type="presOf" srcId="{814D9219-B480-4108-A671-4E94489B26F8}" destId="{BACEC9F2-20FC-41EB-B2D8-05979B759285}" srcOrd="0" destOrd="0" presId="urn:microsoft.com/office/officeart/2005/8/layout/lProcess1"/>
     <dgm:cxn modelId="{65B4C19A-3DEE-4F65-9A2A-DE558273E758}" srcId="{814D9219-B480-4108-A671-4E94489B26F8}" destId="{33341C1B-01FA-4A4F-8079-907A98550C61}" srcOrd="4" destOrd="0" parTransId="{B6256648-67E5-4504-A5C3-F512B83873D3}" sibTransId="{25A7162E-52D5-403A-B35F-32DFA78099C0}"/>
-    <dgm:cxn modelId="{58E6D8B9-AB49-45B3-A769-22EF6CE5B390}" type="presOf" srcId="{47B719C7-DC03-4FB8-A2C3-8C7AE9278697}" destId="{3E22DBB6-69B6-4FD9-B01F-C4219EF1B864}" srcOrd="0" destOrd="0" presId="urn:microsoft.com/office/officeart/2005/8/layout/chevron1"/>
-    <dgm:cxn modelId="{02C08CCA-D3AD-4DD7-9F95-F906DFE65B94}" type="presOf" srcId="{31BA1C23-965F-4A08-866C-60F465527D31}" destId="{4F971579-C15E-4BB1-A7A7-97DA9A116006}" srcOrd="0" destOrd="0" presId="urn:microsoft.com/office/officeart/2005/8/layout/chevron1"/>
+    <dgm:cxn modelId="{A9F86DAA-2646-479D-8C02-DD5ED61CDA87}" type="presOf" srcId="{47B719C7-DC03-4FB8-A2C3-8C7AE9278697}" destId="{28DD7189-59CB-4A0F-A1DB-FD6BDA082E9B}" srcOrd="0" destOrd="0" presId="urn:microsoft.com/office/officeart/2005/8/layout/lProcess1"/>
     <dgm:cxn modelId="{3B81CFD4-DD8E-4A98-BF5E-B17A95F8EB46}" srcId="{814D9219-B480-4108-A671-4E94489B26F8}" destId="{47B719C7-DC03-4FB8-A2C3-8C7AE9278697}" srcOrd="5" destOrd="0" parTransId="{96D746BA-6B61-4D6C-8699-D2EF89C6244E}" sibTransId="{7A0270CA-4176-4D19-A25A-271D33DDE0CD}"/>
-    <dgm:cxn modelId="{FB5736E1-B806-469C-B79C-2F5BEE085D94}" type="presOf" srcId="{5937BA0F-9861-4863-995E-610D8E41DC93}" destId="{4573F355-D35F-44AB-B5C2-B6CB6698A71D}" srcOrd="0" destOrd="0" presId="urn:microsoft.com/office/officeart/2005/8/layout/chevron1"/>
-    <dgm:cxn modelId="{441F25F0-C9EC-44D7-B9BB-C0CA48C1FD21}" type="presOf" srcId="{57C84856-79E7-4BC8-BBA9-6444F5EB7A28}" destId="{22F3282C-6FF2-4801-A274-02FF02B8327D}" srcOrd="0" destOrd="0" presId="urn:microsoft.com/office/officeart/2005/8/layout/chevron1"/>
     <dgm:cxn modelId="{DF0E62F7-45CD-4711-9CC8-DD454E03F139}" srcId="{814D9219-B480-4108-A671-4E94489B26F8}" destId="{8D3489DE-B65F-4E47-A396-7EB84473545D}" srcOrd="0" destOrd="0" parTransId="{8BFD4492-00C8-44E5-97B5-30C19538609F}" sibTransId="{20E08DB6-A08B-4D1F-8FD9-36AEC1CA8C49}"/>
-    <dgm:cxn modelId="{75914FF8-B8F0-4400-8E8F-12B7B1965416}" type="presOf" srcId="{33341C1B-01FA-4A4F-8079-907A98550C61}" destId="{EDFBC494-9FC8-4D56-81D4-C34EC4B766FC}" srcOrd="0" destOrd="0" presId="urn:microsoft.com/office/officeart/2005/8/layout/chevron1"/>
-    <dgm:cxn modelId="{18E9A92C-9CBE-4879-B264-2641D6C9F93E}" type="presParOf" srcId="{611A4C62-4178-47A9-A27C-4D1ADB78F2CC}" destId="{A9418CE6-F44B-4BA0-9A4A-C9AF6528DA20}" srcOrd="0" destOrd="0" presId="urn:microsoft.com/office/officeart/2005/8/layout/chevron1"/>
-    <dgm:cxn modelId="{C09B6FEA-8F41-4E0B-9F4E-C604A57820F1}" type="presParOf" srcId="{611A4C62-4178-47A9-A27C-4D1ADB78F2CC}" destId="{FAE16C1F-420C-4171-80C5-F2D6AEADD5B3}" srcOrd="1" destOrd="0" presId="urn:microsoft.com/office/officeart/2005/8/layout/chevron1"/>
-    <dgm:cxn modelId="{1FE6B0B0-0770-45B9-B340-97B02028A9D5}" type="presParOf" srcId="{611A4C62-4178-47A9-A27C-4D1ADB78F2CC}" destId="{4573F355-D35F-44AB-B5C2-B6CB6698A71D}" srcOrd="2" destOrd="0" presId="urn:microsoft.com/office/officeart/2005/8/layout/chevron1"/>
-    <dgm:cxn modelId="{6E336244-7B19-4EE7-AEEA-1E4EDEA1F7A9}" type="presParOf" srcId="{611A4C62-4178-47A9-A27C-4D1ADB78F2CC}" destId="{7102C90E-B512-4CE3-B447-F067096CE2A5}" srcOrd="3" destOrd="0" presId="urn:microsoft.com/office/officeart/2005/8/layout/chevron1"/>
-    <dgm:cxn modelId="{CAD4D024-5885-4E18-B327-D6AA3E5FEA83}" type="presParOf" srcId="{611A4C62-4178-47A9-A27C-4D1ADB78F2CC}" destId="{4F971579-C15E-4BB1-A7A7-97DA9A116006}" srcOrd="4" destOrd="0" presId="urn:microsoft.com/office/officeart/2005/8/layout/chevron1"/>
-    <dgm:cxn modelId="{69A4B915-FABB-4174-8563-1B24C2640C03}" type="presParOf" srcId="{611A4C62-4178-47A9-A27C-4D1ADB78F2CC}" destId="{13CF2BCB-7C8E-4434-857E-96C8EF1AC7FF}" srcOrd="5" destOrd="0" presId="urn:microsoft.com/office/officeart/2005/8/layout/chevron1"/>
-    <dgm:cxn modelId="{B2C3BEB6-C273-498A-9A0E-4D99B38B21C9}" type="presParOf" srcId="{611A4C62-4178-47A9-A27C-4D1ADB78F2CC}" destId="{22F3282C-6FF2-4801-A274-02FF02B8327D}" srcOrd="6" destOrd="0" presId="urn:microsoft.com/office/officeart/2005/8/layout/chevron1"/>
-    <dgm:cxn modelId="{4F99F0D6-74E4-4D0D-BBDA-24FDA812FE63}" type="presParOf" srcId="{611A4C62-4178-47A9-A27C-4D1ADB78F2CC}" destId="{64CDAB66-AE82-4FC7-986E-4AF918EDFC1B}" srcOrd="7" destOrd="0" presId="urn:microsoft.com/office/officeart/2005/8/layout/chevron1"/>
-    <dgm:cxn modelId="{8291C5DC-DF7D-4A00-A452-666BB0285909}" type="presParOf" srcId="{611A4C62-4178-47A9-A27C-4D1ADB78F2CC}" destId="{EDFBC494-9FC8-4D56-81D4-C34EC4B766FC}" srcOrd="8" destOrd="0" presId="urn:microsoft.com/office/officeart/2005/8/layout/chevron1"/>
-    <dgm:cxn modelId="{8C9DEC15-65F0-4637-9239-CAB8593337D4}" type="presParOf" srcId="{611A4C62-4178-47A9-A27C-4D1ADB78F2CC}" destId="{06322151-0593-4398-96B8-76B84DB472AC}" srcOrd="9" destOrd="0" presId="urn:microsoft.com/office/officeart/2005/8/layout/chevron1"/>
-    <dgm:cxn modelId="{CE6032B9-D859-4E55-9037-9C7616FF79FC}" type="presParOf" srcId="{611A4C62-4178-47A9-A27C-4D1ADB78F2CC}" destId="{3E22DBB6-69B6-4FD9-B01F-C4219EF1B864}" srcOrd="10" destOrd="0" presId="urn:microsoft.com/office/officeart/2005/8/layout/chevron1"/>
+    <dgm:cxn modelId="{4A304C6E-135A-4BD2-9935-1F58DF871D0F}" type="presParOf" srcId="{BACEC9F2-20FC-41EB-B2D8-05979B759285}" destId="{643CAA24-1602-44DD-BFC4-22928C709C1C}" srcOrd="0" destOrd="0" presId="urn:microsoft.com/office/officeart/2005/8/layout/lProcess1"/>
+    <dgm:cxn modelId="{3D1CC090-0BC2-4ADC-A9A6-A45408ED5CFD}" type="presParOf" srcId="{643CAA24-1602-44DD-BFC4-22928C709C1C}" destId="{A032623A-53CA-4590-960B-94B8D1FA852A}" srcOrd="0" destOrd="0" presId="urn:microsoft.com/office/officeart/2005/8/layout/lProcess1"/>
+    <dgm:cxn modelId="{CED65BA3-862A-49B4-9BCF-F80660721840}" type="presParOf" srcId="{BACEC9F2-20FC-41EB-B2D8-05979B759285}" destId="{CD2070C4-DDAC-4CEE-B77D-A0AAEEB3C177}" srcOrd="1" destOrd="0" presId="urn:microsoft.com/office/officeart/2005/8/layout/lProcess1"/>
+    <dgm:cxn modelId="{83345715-6606-4AC2-94DF-289DF8A90CF9}" type="presParOf" srcId="{BACEC9F2-20FC-41EB-B2D8-05979B759285}" destId="{C97C13BA-10DE-4E00-875E-4D7B6EE37464}" srcOrd="2" destOrd="0" presId="urn:microsoft.com/office/officeart/2005/8/layout/lProcess1"/>
+    <dgm:cxn modelId="{D73A02AA-CB4B-4F43-A54E-18230D7C1812}" type="presParOf" srcId="{C97C13BA-10DE-4E00-875E-4D7B6EE37464}" destId="{B0C67399-4A7A-4567-B0F9-4EB84DBEB1CD}" srcOrd="0" destOrd="0" presId="urn:microsoft.com/office/officeart/2005/8/layout/lProcess1"/>
+    <dgm:cxn modelId="{E0A1BF18-39CD-45E1-81FE-0E77E55F6956}" type="presParOf" srcId="{BACEC9F2-20FC-41EB-B2D8-05979B759285}" destId="{FE80DCBA-645F-492A-B237-AD4AE9167E37}" srcOrd="3" destOrd="0" presId="urn:microsoft.com/office/officeart/2005/8/layout/lProcess1"/>
+    <dgm:cxn modelId="{5D81BD68-3168-4F34-A229-75C11DD8C1F6}" type="presParOf" srcId="{BACEC9F2-20FC-41EB-B2D8-05979B759285}" destId="{4F7FDAA9-72F1-4C4E-8FC3-1841925FC0A5}" srcOrd="4" destOrd="0" presId="urn:microsoft.com/office/officeart/2005/8/layout/lProcess1"/>
+    <dgm:cxn modelId="{B1D09554-05C6-4995-B231-E8FD91A3D565}" type="presParOf" srcId="{4F7FDAA9-72F1-4C4E-8FC3-1841925FC0A5}" destId="{8AE6C759-23F3-4D68-8A92-C9CD1CCAFC46}" srcOrd="0" destOrd="0" presId="urn:microsoft.com/office/officeart/2005/8/layout/lProcess1"/>
+    <dgm:cxn modelId="{404E8DB6-51A2-4695-96A2-76256BAB5DC8}" type="presParOf" srcId="{BACEC9F2-20FC-41EB-B2D8-05979B759285}" destId="{EAB80F29-B5ED-4D73-AD9F-BCEDBB153762}" srcOrd="5" destOrd="0" presId="urn:microsoft.com/office/officeart/2005/8/layout/lProcess1"/>
+    <dgm:cxn modelId="{8373AD5B-4025-4E8E-9E22-91449FCA49B6}" type="presParOf" srcId="{BACEC9F2-20FC-41EB-B2D8-05979B759285}" destId="{A1EDE5BF-3336-47E3-99D6-D69D1E828570}" srcOrd="6" destOrd="0" presId="urn:microsoft.com/office/officeart/2005/8/layout/lProcess1"/>
+    <dgm:cxn modelId="{F059E433-5F0A-439C-A189-041525167EFC}" type="presParOf" srcId="{A1EDE5BF-3336-47E3-99D6-D69D1E828570}" destId="{A3E8692D-7786-4E0C-AB24-6B95704E0AC4}" srcOrd="0" destOrd="0" presId="urn:microsoft.com/office/officeart/2005/8/layout/lProcess1"/>
+    <dgm:cxn modelId="{86991A2E-F508-4B61-B7E1-9FC9C4DA47F9}" type="presParOf" srcId="{BACEC9F2-20FC-41EB-B2D8-05979B759285}" destId="{573FC0D5-0EEC-4E53-B425-2649E1C7B913}" srcOrd="7" destOrd="0" presId="urn:microsoft.com/office/officeart/2005/8/layout/lProcess1"/>
+    <dgm:cxn modelId="{E60F61D4-002F-44A0-AB00-F104172240A7}" type="presParOf" srcId="{BACEC9F2-20FC-41EB-B2D8-05979B759285}" destId="{918AA7BA-56A5-41DE-809E-99D09946C16C}" srcOrd="8" destOrd="0" presId="urn:microsoft.com/office/officeart/2005/8/layout/lProcess1"/>
+    <dgm:cxn modelId="{CDA2C33A-6080-4BFF-AA28-38A335A0EE56}" type="presParOf" srcId="{918AA7BA-56A5-41DE-809E-99D09946C16C}" destId="{9C2F49E6-30EC-4FC8-B8BF-3DB9901D06CA}" srcOrd="0" destOrd="0" presId="urn:microsoft.com/office/officeart/2005/8/layout/lProcess1"/>
+    <dgm:cxn modelId="{D52086BF-47D1-4174-B2AB-401624C7991E}" type="presParOf" srcId="{BACEC9F2-20FC-41EB-B2D8-05979B759285}" destId="{9E027A7A-6AA5-489C-A4C3-1EE9720FC6B3}" srcOrd="9" destOrd="0" presId="urn:microsoft.com/office/officeart/2005/8/layout/lProcess1"/>
+    <dgm:cxn modelId="{42816C5A-78C0-475D-AADE-8BDFAFED4A5A}" type="presParOf" srcId="{BACEC9F2-20FC-41EB-B2D8-05979B759285}" destId="{2F6C8D58-9328-4DB1-8ACB-C38333ED5BB5}" srcOrd="10" destOrd="0" presId="urn:microsoft.com/office/officeart/2005/8/layout/lProcess1"/>
+    <dgm:cxn modelId="{ECF7B8E0-42CE-4729-AEDE-871AFAD83DE0}" type="presParOf" srcId="{2F6C8D58-9328-4DB1-8ACB-C38333ED5BB5}" destId="{28DD7189-59CB-4A0F-A1DB-FD6BDA082E9B}" srcOrd="0" destOrd="0" presId="urn:microsoft.com/office/officeart/2005/8/layout/lProcess1"/>
   </dgm:cxnLst>
   <dgm:bg/>
   <dgm:whole/>
@@ -1445,18 +1439,20 @@
       <dsp:cNvGrpSpPr/>
     </dsp:nvGrpSpPr>
     <dsp:grpSpPr/>
-    <dsp:sp modelId="{A9418CE6-F44B-4BA0-9A4A-C9AF6528DA20}">
+    <dsp:sp modelId="{A032623A-53CA-4590-960B-94B8D1FA852A}">
       <dsp:nvSpPr>
         <dsp:cNvPr id="0" name=""/>
         <dsp:cNvSpPr/>
       </dsp:nvSpPr>
       <dsp:spPr>
         <a:xfrm>
-          <a:off x="4371" y="2219674"/>
-          <a:ext cx="1626319" cy="650527"/>
+          <a:off x="5835" y="2378112"/>
+          <a:ext cx="1334601" cy="333650"/>
         </a:xfrm>
-        <a:prstGeom prst="chevron">
-          <a:avLst/>
+        <a:prstGeom prst="roundRect">
+          <a:avLst>
+            <a:gd name="adj" fmla="val 10000"/>
+          </a:avLst>
         </a:prstGeom>
         <a:solidFill>
           <a:schemeClr val="lt1">
@@ -1495,12 +1491,12 @@
         </a:fontRef>
       </dsp:style>
       <dsp:txBody>
-        <a:bodyPr spcFirstLastPara="0" vert="horz" wrap="square" lIns="48006" tIns="16002" rIns="16002" bIns="16002" numCol="1" spcCol="1270" anchor="ctr" anchorCtr="0">
+        <a:bodyPr spcFirstLastPara="0" vert="horz" wrap="square" lIns="12700" tIns="12700" rIns="12700" bIns="12700" numCol="1" spcCol="1270" anchor="ctr" anchorCtr="0">
           <a:noAutofit/>
         </a:bodyPr>
         <a:lstStyle/>
         <a:p>
-          <a:pPr marL="0" lvl="0" indent="0" algn="ctr" defTabSz="533400">
+          <a:pPr marL="0" lvl="0" indent="0" algn="ctr" defTabSz="444500">
             <a:lnSpc>
               <a:spcPct val="90000"/>
             </a:lnSpc>
@@ -1513,31 +1509,33 @@
             <a:buNone/>
           </a:pPr>
           <a:r>
-            <a:rPr lang="en-US" sz="1200" kern="1200" dirty="0">
+            <a:rPr lang="en-US" sz="1000" kern="1200" dirty="0">
               <a:latin typeface="Arial"/>
             </a:rPr>
             <a:t>HDL</a:t>
           </a:r>
-          <a:endParaRPr lang="en-US" sz="1200" kern="1200" dirty="0"/>
+          <a:endParaRPr lang="en-US" sz="1000" kern="1200" dirty="0"/>
         </a:p>
       </dsp:txBody>
       <dsp:txXfrm>
-        <a:off x="329635" y="2219674"/>
-        <a:ext cx="975792" cy="650527"/>
+        <a:off x="15607" y="2387884"/>
+        <a:ext cx="1315057" cy="314106"/>
       </dsp:txXfrm>
     </dsp:sp>
-    <dsp:sp modelId="{4573F355-D35F-44AB-B5C2-B6CB6698A71D}">
+    <dsp:sp modelId="{B0C67399-4A7A-4567-B0F9-4EB84DBEB1CD}">
       <dsp:nvSpPr>
         <dsp:cNvPr id="0" name=""/>
         <dsp:cNvSpPr/>
       </dsp:nvSpPr>
       <dsp:spPr>
         <a:xfrm>
-          <a:off x="1468059" y="2219674"/>
-          <a:ext cx="1626319" cy="650527"/>
+          <a:off x="1527280" y="2378112"/>
+          <a:ext cx="1334601" cy="333650"/>
         </a:xfrm>
-        <a:prstGeom prst="chevron">
-          <a:avLst/>
+        <a:prstGeom prst="roundRect">
+          <a:avLst>
+            <a:gd name="adj" fmla="val 10000"/>
+          </a:avLst>
         </a:prstGeom>
         <a:solidFill>
           <a:schemeClr val="lt1">
@@ -1576,12 +1574,12 @@
         </a:fontRef>
       </dsp:style>
       <dsp:txBody>
-        <a:bodyPr spcFirstLastPara="0" vert="horz" wrap="square" lIns="48006" tIns="16002" rIns="16002" bIns="16002" numCol="1" spcCol="1270" anchor="ctr" anchorCtr="0">
+        <a:bodyPr spcFirstLastPara="0" vert="horz" wrap="square" lIns="12700" tIns="12700" rIns="12700" bIns="12700" numCol="1" spcCol="1270" anchor="ctr" anchorCtr="0">
           <a:noAutofit/>
         </a:bodyPr>
         <a:lstStyle/>
         <a:p>
-          <a:pPr marL="0" lvl="0" indent="0" algn="ctr" defTabSz="533400">
+          <a:pPr marL="0" lvl="0" indent="0" algn="ctr" defTabSz="444500">
             <a:lnSpc>
               <a:spcPct val="90000"/>
             </a:lnSpc>
@@ -1594,31 +1592,33 @@
             <a:buNone/>
           </a:pPr>
           <a:r>
-            <a:rPr lang="en-US" sz="1200" kern="1200" dirty="0">
+            <a:rPr lang="en-US" sz="1000" kern="1200" dirty="0">
               <a:latin typeface="Arial"/>
             </a:rPr>
             <a:t>Synthesis</a:t>
           </a:r>
-          <a:endParaRPr lang="en-US" sz="1200" kern="1200" dirty="0"/>
+          <a:endParaRPr lang="en-US" sz="1000" kern="1200" dirty="0"/>
         </a:p>
       </dsp:txBody>
       <dsp:txXfrm>
-        <a:off x="1793323" y="2219674"/>
-        <a:ext cx="975792" cy="650527"/>
+        <a:off x="1537052" y="2387884"/>
+        <a:ext cx="1315057" cy="314106"/>
       </dsp:txXfrm>
     </dsp:sp>
-    <dsp:sp modelId="{4F971579-C15E-4BB1-A7A7-97DA9A116006}">
+    <dsp:sp modelId="{8AE6C759-23F3-4D68-8A92-C9CD1CCAFC46}">
       <dsp:nvSpPr>
         <dsp:cNvPr id="0" name=""/>
         <dsp:cNvSpPr/>
       </dsp:nvSpPr>
       <dsp:spPr>
         <a:xfrm>
-          <a:off x="2931746" y="2219674"/>
-          <a:ext cx="1626319" cy="650527"/>
+          <a:off x="3048726" y="2378112"/>
+          <a:ext cx="1334601" cy="333650"/>
         </a:xfrm>
-        <a:prstGeom prst="chevron">
-          <a:avLst/>
+        <a:prstGeom prst="roundRect">
+          <a:avLst>
+            <a:gd name="adj" fmla="val 10000"/>
+          </a:avLst>
         </a:prstGeom>
         <a:solidFill>
           <a:schemeClr val="lt1">
@@ -1657,12 +1657,12 @@
         </a:fontRef>
       </dsp:style>
       <dsp:txBody>
-        <a:bodyPr spcFirstLastPara="0" vert="horz" wrap="square" lIns="48006" tIns="16002" rIns="16002" bIns="16002" numCol="1" spcCol="1270" anchor="ctr" anchorCtr="0">
+        <a:bodyPr spcFirstLastPara="0" vert="horz" wrap="square" lIns="12700" tIns="12700" rIns="12700" bIns="12700" numCol="1" spcCol="1270" anchor="ctr" anchorCtr="0">
           <a:noAutofit/>
         </a:bodyPr>
         <a:lstStyle/>
         <a:p>
-          <a:pPr marL="0" lvl="0" indent="0" algn="ctr" defTabSz="533400" rtl="0">
+          <a:pPr marL="0" lvl="0" indent="0" algn="ctr" defTabSz="444500" rtl="0">
             <a:lnSpc>
               <a:spcPct val="90000"/>
             </a:lnSpc>
@@ -1675,31 +1675,33 @@
             <a:buNone/>
           </a:pPr>
           <a:r>
-            <a:rPr lang="en-US" sz="1200" kern="1200" dirty="0">
+            <a:rPr lang="en-US" sz="1000" kern="1200" dirty="0">
               <a:latin typeface="Arial"/>
             </a:rPr>
             <a:t> Netlist</a:t>
           </a:r>
-          <a:endParaRPr lang="en-US" sz="1200" kern="1200" dirty="0"/>
+          <a:endParaRPr lang="en-US" sz="1000" kern="1200" dirty="0"/>
         </a:p>
       </dsp:txBody>
       <dsp:txXfrm>
-        <a:off x="3257010" y="2219674"/>
-        <a:ext cx="975792" cy="650527"/>
+        <a:off x="3058498" y="2387884"/>
+        <a:ext cx="1315057" cy="314106"/>
       </dsp:txXfrm>
     </dsp:sp>
-    <dsp:sp modelId="{22F3282C-6FF2-4801-A274-02FF02B8327D}">
+    <dsp:sp modelId="{A3E8692D-7786-4E0C-AB24-6B95704E0AC4}">
       <dsp:nvSpPr>
         <dsp:cNvPr id="0" name=""/>
         <dsp:cNvSpPr/>
       </dsp:nvSpPr>
       <dsp:spPr>
         <a:xfrm>
-          <a:off x="4395433" y="2219674"/>
-          <a:ext cx="1626319" cy="650527"/>
+          <a:off x="4570171" y="2378112"/>
+          <a:ext cx="1334601" cy="333650"/>
         </a:xfrm>
-        <a:prstGeom prst="chevron">
-          <a:avLst/>
+        <a:prstGeom prst="roundRect">
+          <a:avLst>
+            <a:gd name="adj" fmla="val 10000"/>
+          </a:avLst>
         </a:prstGeom>
         <a:solidFill>
           <a:schemeClr val="lt1">
@@ -1738,12 +1740,12 @@
         </a:fontRef>
       </dsp:style>
       <dsp:txBody>
-        <a:bodyPr spcFirstLastPara="0" vert="horz" wrap="square" lIns="48006" tIns="16002" rIns="16002" bIns="16002" numCol="1" spcCol="1270" anchor="ctr" anchorCtr="0">
+        <a:bodyPr spcFirstLastPara="0" vert="horz" wrap="square" lIns="12700" tIns="12700" rIns="12700" bIns="12700" numCol="1" spcCol="1270" anchor="ctr" anchorCtr="0">
           <a:noAutofit/>
         </a:bodyPr>
         <a:lstStyle/>
         <a:p>
-          <a:pPr marL="0" lvl="0" indent="0" algn="ctr" defTabSz="533400" rtl="0">
+          <a:pPr marL="0" lvl="0" indent="0" algn="ctr" defTabSz="444500" rtl="0">
             <a:lnSpc>
               <a:spcPct val="90000"/>
             </a:lnSpc>
@@ -1756,7 +1758,7 @@
             <a:buNone/>
           </a:pPr>
           <a:r>
-            <a:rPr lang="en-US" sz="1200" kern="1200" dirty="0">
+            <a:rPr lang="en-US" sz="1000" kern="1200" dirty="0">
               <a:latin typeface="Arial"/>
             </a:rPr>
             <a:t>SpyDrNet</a:t>
@@ -1764,22 +1766,24 @@
         </a:p>
       </dsp:txBody>
       <dsp:txXfrm>
-        <a:off x="4720697" y="2219674"/>
-        <a:ext cx="975792" cy="650527"/>
+        <a:off x="4579943" y="2387884"/>
+        <a:ext cx="1315057" cy="314106"/>
       </dsp:txXfrm>
     </dsp:sp>
-    <dsp:sp modelId="{EDFBC494-9FC8-4D56-81D4-C34EC4B766FC}">
+    <dsp:sp modelId="{9C2F49E6-30EC-4FC8-B8BF-3DB9901D06CA}">
       <dsp:nvSpPr>
         <dsp:cNvPr id="0" name=""/>
         <dsp:cNvSpPr/>
       </dsp:nvSpPr>
       <dsp:spPr>
         <a:xfrm>
-          <a:off x="5859120" y="2219674"/>
-          <a:ext cx="1626319" cy="650527"/>
+          <a:off x="6091617" y="2378112"/>
+          <a:ext cx="1334601" cy="333650"/>
         </a:xfrm>
-        <a:prstGeom prst="chevron">
-          <a:avLst/>
+        <a:prstGeom prst="roundRect">
+          <a:avLst>
+            <a:gd name="adj" fmla="val 10000"/>
+          </a:avLst>
         </a:prstGeom>
         <a:solidFill>
           <a:schemeClr val="lt1">
@@ -1818,12 +1822,12 @@
         </a:fontRef>
       </dsp:style>
       <dsp:txBody>
-        <a:bodyPr spcFirstLastPara="0" vert="horz" wrap="square" lIns="48006" tIns="16002" rIns="16002" bIns="16002" numCol="1" spcCol="1270" anchor="ctr" anchorCtr="0">
+        <a:bodyPr spcFirstLastPara="0" vert="horz" wrap="square" lIns="12700" tIns="12700" rIns="12700" bIns="12700" numCol="1" spcCol="1270" anchor="ctr" anchorCtr="0">
           <a:noAutofit/>
         </a:bodyPr>
         <a:lstStyle/>
         <a:p>
-          <a:pPr marL="0" lvl="0" indent="0" algn="ctr" defTabSz="533400" rtl="0">
+          <a:pPr marL="0" lvl="0" indent="0" algn="ctr" defTabSz="444500" rtl="0">
             <a:lnSpc>
               <a:spcPct val="90000"/>
             </a:lnSpc>
@@ -1836,31 +1840,33 @@
             <a:buNone/>
           </a:pPr>
           <a:r>
-            <a:rPr lang="en-US" sz="1200" kern="1200" dirty="0">
+            <a:rPr lang="en-US" sz="1000" kern="1200" dirty="0">
               <a:latin typeface="Arial"/>
             </a:rPr>
             <a:t>Transformed Netlist</a:t>
           </a:r>
-          <a:endParaRPr lang="en-US" sz="1200" kern="1200" dirty="0"/>
+          <a:endParaRPr lang="en-US" sz="1000" kern="1200" dirty="0"/>
         </a:p>
       </dsp:txBody>
       <dsp:txXfrm>
-        <a:off x="6184384" y="2219674"/>
-        <a:ext cx="975792" cy="650527"/>
+        <a:off x="6101389" y="2387884"/>
+        <a:ext cx="1315057" cy="314106"/>
       </dsp:txXfrm>
     </dsp:sp>
-    <dsp:sp modelId="{3E22DBB6-69B6-4FD9-B01F-C4219EF1B864}">
+    <dsp:sp modelId="{28DD7189-59CB-4A0F-A1DB-FD6BDA082E9B}">
       <dsp:nvSpPr>
         <dsp:cNvPr id="0" name=""/>
         <dsp:cNvSpPr/>
       </dsp:nvSpPr>
       <dsp:spPr>
         <a:xfrm>
-          <a:off x="7322808" y="2219674"/>
-          <a:ext cx="1626319" cy="650527"/>
+          <a:off x="7613062" y="2378112"/>
+          <a:ext cx="1334601" cy="333650"/>
         </a:xfrm>
-        <a:prstGeom prst="chevron">
-          <a:avLst/>
+        <a:prstGeom prst="roundRect">
+          <a:avLst>
+            <a:gd name="adj" fmla="val 10000"/>
+          </a:avLst>
         </a:prstGeom>
         <a:solidFill>
           <a:schemeClr val="lt1">
@@ -1899,12 +1905,12 @@
         </a:fontRef>
       </dsp:style>
       <dsp:txBody>
-        <a:bodyPr spcFirstLastPara="0" vert="horz" wrap="square" lIns="48006" tIns="16002" rIns="16002" bIns="16002" numCol="1" spcCol="1270" anchor="ctr" anchorCtr="0">
+        <a:bodyPr spcFirstLastPara="0" vert="horz" wrap="square" lIns="12700" tIns="12700" rIns="12700" bIns="12700" numCol="1" spcCol="1270" anchor="ctr" anchorCtr="0">
           <a:noAutofit/>
         </a:bodyPr>
         <a:lstStyle/>
         <a:p>
-          <a:pPr marL="0" lvl="0" indent="0" algn="ctr" defTabSz="533400" rtl="0">
+          <a:pPr marL="0" lvl="0" indent="0" algn="ctr" defTabSz="444500" rtl="0">
             <a:lnSpc>
               <a:spcPct val="90000"/>
             </a:lnSpc>
@@ -1917,7 +1923,7 @@
             <a:buNone/>
           </a:pPr>
           <a:r>
-            <a:rPr lang="en-US" sz="1200" kern="1200" dirty="0">
+            <a:rPr lang="en-US" sz="1000" kern="1200" dirty="0">
               <a:latin typeface="Arial"/>
             </a:rPr>
             <a:t>Generate Hardware Files</a:t>
@@ -1925,8 +1931,8 @@
         </a:p>
       </dsp:txBody>
       <dsp:txXfrm>
-        <a:off x="7648072" y="2219674"/>
-        <a:ext cx="975792" cy="650527"/>
+        <a:off x="7622834" y="2387884"/>
+        <a:ext cx="1315057" cy="314106"/>
       </dsp:txXfrm>
     </dsp:sp>
   </dsp:spTree>
@@ -1934,15 +1940,43 @@
 </file>
 
 <file path=ppt/diagrams/layout1.xml><?xml version="1.0" encoding="utf-8"?>
-<dgm:layoutDef xmlns:dgm="http://schemas.openxmlformats.org/drawingml/2006/diagram" xmlns:a="http://schemas.openxmlformats.org/drawingml/2006/main" uniqueId="urn:microsoft.com/office/officeart/2005/8/layout/chevron1">
+<dgm:layoutDef xmlns:dgm="http://schemas.openxmlformats.org/drawingml/2006/diagram" xmlns:a="http://schemas.openxmlformats.org/drawingml/2006/main" uniqueId="urn:microsoft.com/office/officeart/2005/8/layout/lProcess1">
   <dgm:title val=""/>
   <dgm:desc val=""/>
   <dgm:catLst>
-    <dgm:cat type="process" pri="9000"/>
+    <dgm:cat type="process" pri="15000"/>
   </dgm:catLst>
-  <dgm:sampData useDef="1">
+  <dgm:sampData>
     <dgm:dataModel>
-      <dgm:ptLst/>
+      <dgm:ptLst>
+        <dgm:pt modelId="0" type="doc"/>
+        <dgm:pt modelId="1">
+          <dgm:prSet phldr="1"/>
+        </dgm:pt>
+        <dgm:pt modelId="2">
+          <dgm:prSet phldr="1"/>
+        </dgm:pt>
+        <dgm:pt modelId="21">
+          <dgm:prSet phldr="1"/>
+        </dgm:pt>
+        <dgm:pt modelId="22">
+          <dgm:prSet phldr="1"/>
+        </dgm:pt>
+        <dgm:pt modelId="3">
+          <dgm:prSet phldr="1"/>
+        </dgm:pt>
+        <dgm:pt modelId="31">
+          <dgm:prSet phldr="1"/>
+        </dgm:pt>
+      </dgm:ptLst>
+      <dgm:cxnLst>
+        <dgm:cxn modelId="4" srcId="0" destId="1" srcOrd="0" destOrd="0"/>
+        <dgm:cxn modelId="5" srcId="0" destId="2" srcOrd="0" destOrd="0"/>
+        <dgm:cxn modelId="6" srcId="1" destId="3" srcOrd="1" destOrd="0"/>
+        <dgm:cxn modelId="23" srcId="2" destId="21" srcOrd="0" destOrd="0"/>
+        <dgm:cxn modelId="24" srcId="2" destId="22" srcOrd="1" destOrd="0"/>
+        <dgm:cxn modelId="33" srcId="1" destId="31" srcOrd="0" destOrd="0"/>
+      </dgm:cxnLst>
       <dgm:bg/>
       <dgm:whole/>
     </dgm:dataModel>
@@ -1952,11 +1986,15 @@
       <dgm:ptLst>
         <dgm:pt modelId="0" type="doc"/>
         <dgm:pt modelId="1"/>
+        <dgm:pt modelId="11"/>
         <dgm:pt modelId="2"/>
+        <dgm:pt modelId="22"/>
       </dgm:ptLst>
       <dgm:cxnLst>
         <dgm:cxn modelId="3" srcId="0" destId="1" srcOrd="0" destOrd="0"/>
-        <dgm:cxn modelId="4" srcId="0" destId="2" srcOrd="1" destOrd="0"/>
+        <dgm:cxn modelId="4" srcId="0" destId="2" srcOrd="0" destOrd="0"/>
+        <dgm:cxn modelId="5" srcId="1" destId="11" srcOrd="0" destOrd="0"/>
+        <dgm:cxn modelId="6" srcId="2" destId="22" srcOrd="0" destOrd="0"/>
       </dgm:cxnLst>
       <dgm:bg/>
       <dgm:whole/>
@@ -1967,15 +2005,23 @@
       <dgm:ptLst>
         <dgm:pt modelId="0" type="doc"/>
         <dgm:pt modelId="1"/>
+        <dgm:pt modelId="11"/>
         <dgm:pt modelId="2"/>
+        <dgm:pt modelId="21"/>
         <dgm:pt modelId="3"/>
+        <dgm:pt modelId="31"/>
         <dgm:pt modelId="4"/>
+        <dgm:pt modelId="41"/>
       </dgm:ptLst>
       <dgm:cxnLst>
         <dgm:cxn modelId="5" srcId="0" destId="1" srcOrd="0" destOrd="0"/>
         <dgm:cxn modelId="6" srcId="0" destId="2" srcOrd="1" destOrd="0"/>
         <dgm:cxn modelId="7" srcId="0" destId="3" srcOrd="2" destOrd="0"/>
         <dgm:cxn modelId="8" srcId="0" destId="4" srcOrd="3" destOrd="0"/>
+        <dgm:cxn modelId="51" srcId="1" destId="11" srcOrd="0" destOrd="0"/>
+        <dgm:cxn modelId="61" srcId="2" destId="21" srcOrd="0" destOrd="0"/>
+        <dgm:cxn modelId="71" srcId="3" destId="31" srcOrd="0" destOrd="0"/>
+        <dgm:cxn modelId="81" srcId="4" destId="41" srcOrd="0" destOrd="0"/>
       </dgm:cxnLst>
       <dgm:bg/>
       <dgm:whole/>
@@ -1989,11 +2035,21 @@
     </dgm:varLst>
     <dgm:choose name="Name1">
       <dgm:if name="Name2" func="var" arg="dir" op="equ" val="norm">
-        <dgm:alg type="lin"/>
+        <dgm:alg type="lin">
+          <dgm:param type="linDir" val="fromL"/>
+          <dgm:param type="vertAlign" val="mid"/>
+          <dgm:param type="nodeHorzAlign" val="l"/>
+          <dgm:param type="nodeVertAlign" val="t"/>
+          <dgm:param type="fallback" val="2D"/>
+        </dgm:alg>
       </dgm:if>
       <dgm:else name="Name3">
         <dgm:alg type="lin">
           <dgm:param type="linDir" val="fromR"/>
+          <dgm:param type="vertAlign" val="mid"/>
+          <dgm:param type="nodeHorzAlign" val="r"/>
+          <dgm:param type="nodeVertAlign" val="t"/>
+          <dgm:param type="fallback" val="2D"/>
         </dgm:alg>
       </dgm:else>
     </dgm:choose>
@@ -2001,217 +2057,146 @@
       <dgm:adjLst/>
     </dgm:shape>
     <dgm:presOf/>
-    <dgm:choose name="Name4">
-      <dgm:if name="Name5" axis="des" func="maxDepth" op="gte" val="2">
-        <dgm:constrLst>
-          <dgm:constr type="h" for="ch" forName="composite" refType="h"/>
-          <dgm:constr type="w" for="ch" forName="composite" refType="w"/>
-          <dgm:constr type="w" for="des" forName="parTx"/>
-          <dgm:constr type="h" for="des" forName="parTx" op="equ"/>
-          <dgm:constr type="w" for="des" forName="desTx"/>
-          <dgm:constr type="h" for="des" forName="desTx" op="equ"/>
-          <dgm:constr type="primFontSz" for="des" forName="parTx" val="65"/>
-          <dgm:constr type="secFontSz" for="des" forName="desTx" refType="primFontSz" refFor="des" refForName="parTx" op="equ"/>
-          <dgm:constr type="h" for="des" forName="parTx" refType="primFontSz" refFor="des" refForName="parTx" fact="1.5"/>
-          <dgm:constr type="h" for="des" forName="desTx" refType="primFontSz" refFor="des" refForName="parTx" fact="0.5"/>
-          <dgm:constr type="w" for="ch" forName="space" op="equ" val="-6"/>
-        </dgm:constrLst>
-        <dgm:ruleLst>
-          <dgm:rule type="w" for="ch" forName="composite" val="0" fact="NaN" max="NaN"/>
-          <dgm:rule type="primFontSz" for="des" forName="parTx" val="5" fact="NaN" max="NaN"/>
-        </dgm:ruleLst>
-        <dgm:forEach name="Name6" axis="ch" ptType="node">
-          <dgm:layoutNode name="composite">
-            <dgm:alg type="composite"/>
+    <dgm:constrLst>
+      <dgm:constr type="h" for="des" forName="header" refType="h"/>
+      <dgm:constr type="w" for="des" forName="header" refType="h" refFor="des" refForName="header" op="equ" fact="4"/>
+      <dgm:constr type="h" for="des" forName="child" refType="h" refFor="des" refForName="header" op="equ"/>
+      <dgm:constr type="w" for="des" forName="child" refType="w" refFor="des" refForName="header" op="equ"/>
+      <dgm:constr type="w" for="ch" forName="hSp" refType="w" refFor="des" refForName="header" op="equ" fact="0.14"/>
+      <dgm:constr type="h" for="des" forName="parTrans" refType="h" refFor="des" refForName="header" op="equ" fact="0.35"/>
+      <dgm:constr type="h" for="des" forName="sibTrans" refType="h" refFor="des" refForName="parTrans" op="equ"/>
+      <dgm:constr type="primFontSz" for="des" forName="child" op="equ" val="65"/>
+      <dgm:constr type="primFontSz" for="des" forName="header" op="equ" val="65"/>
+    </dgm:constrLst>
+    <dgm:ruleLst/>
+    <dgm:forEach name="Name4" axis="ch" ptType="node">
+      <dgm:layoutNode name="vertFlow">
+        <dgm:choose name="Name5">
+          <dgm:if name="Name6" func="var" arg="dir" op="equ" val="norm">
+            <dgm:alg type="lin">
+              <dgm:param type="linDir" val="fromT"/>
+              <dgm:param type="nodeHorzAlign" val="ctr"/>
+              <dgm:param type="nodeVertAlign" val="t"/>
+              <dgm:param type="fallback" val="2D"/>
+            </dgm:alg>
+          </dgm:if>
+          <dgm:else name="Name7">
+            <dgm:alg type="lin">
+              <dgm:param type="linDir" val="fromT"/>
+              <dgm:param type="nodeHorzAlign" val="ctr"/>
+              <dgm:param type="nodeVertAlign" val="t"/>
+              <dgm:param type="fallback" val="2D"/>
+            </dgm:alg>
+          </dgm:else>
+        </dgm:choose>
+        <dgm:shape xmlns:r="http://schemas.openxmlformats.org/officeDocument/2006/relationships" r:blip="">
+          <dgm:adjLst/>
+        </dgm:shape>
+        <dgm:presOf/>
+        <dgm:constrLst/>
+        <dgm:ruleLst/>
+        <dgm:layoutNode name="header" styleLbl="node1">
+          <dgm:alg type="tx"/>
+          <dgm:shape xmlns:r="http://schemas.openxmlformats.org/officeDocument/2006/relationships" type="roundRect" r:blip="">
+            <dgm:adjLst>
+              <dgm:adj idx="1" val="0.1"/>
+            </dgm:adjLst>
+          </dgm:shape>
+          <dgm:presOf axis="self"/>
+          <dgm:constrLst>
+            <dgm:constr type="tMarg" refType="primFontSz" fact="0.1"/>
+            <dgm:constr type="bMarg" refType="primFontSz" fact="0.1"/>
+            <dgm:constr type="lMarg" refType="primFontSz" fact="0.1"/>
+            <dgm:constr type="rMarg" refType="primFontSz" fact="0.1"/>
+          </dgm:constrLst>
+          <dgm:ruleLst>
+            <dgm:rule type="primFontSz" val="5" fact="NaN" max="NaN"/>
+          </dgm:ruleLst>
+        </dgm:layoutNode>
+        <dgm:forEach name="Name8" axis="ch" ptType="parTrans" cnt="1">
+          <dgm:layoutNode name="parTrans" styleLbl="sibTrans2D1">
+            <dgm:alg type="conn">
+              <dgm:param type="begPts" val="auto"/>
+              <dgm:param type="endPts" val="auto"/>
+            </dgm:alg>
+            <dgm:shape xmlns:r="http://schemas.openxmlformats.org/officeDocument/2006/relationships" type="conn" r:blip="">
+              <dgm:adjLst/>
+            </dgm:shape>
+            <dgm:presOf axis="self"/>
+            <dgm:constrLst>
+              <dgm:constr type="w" refType="h"/>
+              <dgm:constr type="connDist"/>
+              <dgm:constr type="wArH" refType="h" fact="0.25"/>
+              <dgm:constr type="hArH" refType="wArH" fact="2"/>
+              <dgm:constr type="stemThick" refType="hArH" fact="0.667"/>
+              <dgm:constr type="begPad" refType="connDist" fact="0.25"/>
+              <dgm:constr type="endPad" refType="connDist" fact="0.25"/>
+            </dgm:constrLst>
+            <dgm:ruleLst/>
+          </dgm:layoutNode>
+        </dgm:forEach>
+        <dgm:forEach name="Name9" axis="ch" ptType="node">
+          <dgm:layoutNode name="child" styleLbl="alignAccFollowNode1">
+            <dgm:varLst>
+              <dgm:chMax val="0"/>
+              <dgm:bulletEnabled val="1"/>
+            </dgm:varLst>
+            <dgm:alg type="tx"/>
+            <dgm:shape xmlns:r="http://schemas.openxmlformats.org/officeDocument/2006/relationships" type="roundRect" r:blip="">
+              <dgm:adjLst>
+                <dgm:adj idx="1" val="0.1"/>
+              </dgm:adjLst>
+            </dgm:shape>
+            <dgm:presOf axis="desOrSelf" ptType="node"/>
+            <dgm:constrLst>
+              <dgm:constr type="tMarg" refType="primFontSz" fact="0.1"/>
+              <dgm:constr type="bMarg" refType="primFontSz" fact="0.1"/>
+              <dgm:constr type="lMarg" refType="primFontSz" fact="0.1"/>
+              <dgm:constr type="rMarg" refType="primFontSz" fact="0.1"/>
+            </dgm:constrLst>
+            <dgm:ruleLst>
+              <dgm:rule type="primFontSz" val="5" fact="NaN" max="NaN"/>
+            </dgm:ruleLst>
+          </dgm:layoutNode>
+          <dgm:forEach name="Name10" axis="followSib" ptType="sibTrans" cnt="1">
+            <dgm:layoutNode name="sibTrans" styleLbl="sibTrans2D1">
+              <dgm:alg type="conn">
+                <dgm:param type="begPts" val="auto"/>
+                <dgm:param type="endPts" val="auto"/>
+              </dgm:alg>
+              <dgm:shape xmlns:r="http://schemas.openxmlformats.org/officeDocument/2006/relationships" type="conn" r:blip="">
+                <dgm:adjLst/>
+              </dgm:shape>
+              <dgm:presOf axis="self"/>
+              <dgm:constrLst>
+                <dgm:constr type="w" refType="h"/>
+                <dgm:constr type="connDist"/>
+                <dgm:constr type="wArH" refType="h" fact="0.25"/>
+                <dgm:constr type="hArH" refType="wArH" fact="2"/>
+                <dgm:constr type="stemThick" refType="hArH" fact="0.667"/>
+                <dgm:constr type="begPad" refType="w" fact="0.25"/>
+                <dgm:constr type="endPad" refType="w" fact="0.25"/>
+              </dgm:constrLst>
+              <dgm:ruleLst/>
+            </dgm:layoutNode>
+          </dgm:forEach>
+        </dgm:forEach>
+      </dgm:layoutNode>
+      <dgm:choose name="Name11">
+        <dgm:if name="Name12" axis="self" ptType="node" func="revPos" op="gte" val="2">
+          <dgm:layoutNode name="hSp">
+            <dgm:alg type="sp"/>
             <dgm:shape xmlns:r="http://schemas.openxmlformats.org/officeDocument/2006/relationships" r:blip="">
               <dgm:adjLst/>
             </dgm:shape>
             <dgm:presOf/>
-            <dgm:choose name="Name7">
-              <dgm:if name="Name8" func="var" arg="dir" op="equ" val="norm">
-                <dgm:constrLst>
-                  <dgm:constr type="l" for="ch" forName="parTx"/>
-                  <dgm:constr type="w" for="ch" forName="parTx" refType="w"/>
-                  <dgm:constr type="t" for="ch" forName="parTx"/>
-                  <dgm:constr type="l" for="ch" forName="desTx"/>
-                  <dgm:constr type="w" for="ch" forName="desTx" refType="w" refFor="ch" refForName="parTx" fact="0.8"/>
-                  <dgm:constr type="t" for="ch" forName="desTx" refType="h" refFor="ch" refForName="parTx" fact="1.125"/>
-                </dgm:constrLst>
-              </dgm:if>
-              <dgm:else name="Name9">
-                <dgm:constrLst>
-                  <dgm:constr type="l" for="ch" forName="parTx"/>
-                  <dgm:constr type="w" for="ch" forName="parTx" refType="w"/>
-                  <dgm:constr type="t" for="ch" forName="parTx"/>
-                  <dgm:constr type="l" for="ch" forName="desTx" refType="w" fact="0.2"/>
-                  <dgm:constr type="w" for="ch" forName="desTx" refType="w" refFor="ch" refForName="parTx" fact="0.8"/>
-                  <dgm:constr type="t" for="ch" forName="desTx" refType="h" refFor="ch" refForName="parTx" fact="1.125"/>
-                </dgm:constrLst>
-              </dgm:else>
-            </dgm:choose>
-            <dgm:ruleLst>
-              <dgm:rule type="h" val="INF" fact="NaN" max="NaN"/>
-            </dgm:ruleLst>
-            <dgm:layoutNode name="parTx">
-              <dgm:varLst>
-                <dgm:chMax val="0"/>
-                <dgm:chPref val="0"/>
-                <dgm:bulletEnabled val="1"/>
-              </dgm:varLst>
-              <dgm:alg type="tx"/>
-              <dgm:choose name="Name10">
-                <dgm:if name="Name11" func="var" arg="dir" op="equ" val="norm">
-                  <dgm:shape xmlns:r="http://schemas.openxmlformats.org/officeDocument/2006/relationships" type="chevron" r:blip="">
-                    <dgm:adjLst/>
-                  </dgm:shape>
-                </dgm:if>
-                <dgm:else name="Name12">
-                  <dgm:shape xmlns:r="http://schemas.openxmlformats.org/officeDocument/2006/relationships" rot="180" type="chevron" r:blip="">
-                    <dgm:adjLst/>
-                  </dgm:shape>
-                </dgm:else>
-              </dgm:choose>
-              <dgm:presOf axis="self" ptType="node"/>
-              <dgm:choose name="Name13">
-                <dgm:if name="Name14" func="var" arg="dir" op="equ" val="norm">
-                  <dgm:constrLst>
-                    <dgm:constr type="h" refType="w" op="lte" fact="0.4"/>
-                    <dgm:constr type="h"/>
-                    <dgm:constr type="tMarg" refType="primFontSz" fact="0.105"/>
-                    <dgm:constr type="bMarg" refType="primFontSz" fact="0.105"/>
-                    <dgm:constr type="lMarg" refType="primFontSz" fact="0.315"/>
-                    <dgm:constr type="rMarg" refType="primFontSz" fact="0.105"/>
-                  </dgm:constrLst>
-                </dgm:if>
-                <dgm:else name="Name15">
-                  <dgm:constrLst>
-                    <dgm:constr type="h" refType="w" op="lte" fact="0.4"/>
-                    <dgm:constr type="h"/>
-                    <dgm:constr type="tMarg" refType="primFontSz" fact="0.105"/>
-                    <dgm:constr type="bMarg" refType="primFontSz" fact="0.105"/>
-                    <dgm:constr type="lMarg" refType="primFontSz" fact="0.105"/>
-                    <dgm:constr type="rMarg" refType="primFontSz" fact="0.315"/>
-                  </dgm:constrLst>
-                </dgm:else>
-              </dgm:choose>
-              <dgm:ruleLst>
-                <dgm:rule type="h" val="INF" fact="NaN" max="NaN"/>
-              </dgm:ruleLst>
-            </dgm:layoutNode>
-            <dgm:layoutNode name="desTx" styleLbl="revTx">
-              <dgm:varLst>
-                <dgm:bulletEnabled val="1"/>
-              </dgm:varLst>
-              <dgm:alg type="tx">
-                <dgm:param type="stBulletLvl" val="1"/>
-              </dgm:alg>
-              <dgm:choose name="Name16">
-                <dgm:if name="Name17" axis="ch" ptType="node" func="cnt" op="gte" val="1">
-                  <dgm:shape xmlns:r="http://schemas.openxmlformats.org/officeDocument/2006/relationships" type="rect" r:blip="">
-                    <dgm:adjLst/>
-                  </dgm:shape>
-                </dgm:if>
-                <dgm:else name="Name18">
-                  <dgm:shape xmlns:r="http://schemas.openxmlformats.org/officeDocument/2006/relationships" type="rect" r:blip="" hideGeom="1">
-                    <dgm:adjLst/>
-                  </dgm:shape>
-                </dgm:else>
-              </dgm:choose>
-              <dgm:presOf axis="des" ptType="node"/>
-              <dgm:constrLst>
-                <dgm:constr type="secFontSz" val="65"/>
-                <dgm:constr type="primFontSz" refType="secFontSz"/>
-                <dgm:constr type="h"/>
-                <dgm:constr type="tMarg"/>
-                <dgm:constr type="bMarg"/>
-                <dgm:constr type="rMarg"/>
-                <dgm:constr type="lMarg"/>
-              </dgm:constrLst>
-              <dgm:ruleLst>
-                <dgm:rule type="h" val="INF" fact="NaN" max="NaN"/>
-              </dgm:ruleLst>
-            </dgm:layoutNode>
+            <dgm:constrLst/>
+            <dgm:ruleLst/>
           </dgm:layoutNode>
-          <dgm:forEach name="Name19" axis="followSib" ptType="sibTrans" cnt="1">
-            <dgm:layoutNode name="space">
-              <dgm:alg type="sp"/>
-              <dgm:shape xmlns:r="http://schemas.openxmlformats.org/officeDocument/2006/relationships" r:blip="">
-                <dgm:adjLst/>
-              </dgm:shape>
-              <dgm:presOf/>
-              <dgm:constrLst/>
-              <dgm:ruleLst/>
-            </dgm:layoutNode>
-          </dgm:forEach>
-        </dgm:forEach>
-      </dgm:if>
-      <dgm:else name="Name20">
-        <dgm:constrLst>
-          <dgm:constr type="w" for="ch" forName="parTxOnly" refType="w"/>
-          <dgm:constr type="h" for="des" forName="parTxOnly" op="equ"/>
-          <dgm:constr type="primFontSz" for="des" forName="parTxOnly" op="equ" val="65"/>
-          <dgm:constr type="w" for="ch" forName="parTxOnlySpace" refType="w" refFor="ch" refForName="parTxOnly" fact="-0.1"/>
-        </dgm:constrLst>
-        <dgm:ruleLst/>
-        <dgm:forEach name="Name21" axis="ch" ptType="node">
-          <dgm:layoutNode name="parTxOnly">
-            <dgm:varLst>
-              <dgm:chMax val="0"/>
-              <dgm:chPref val="0"/>
-              <dgm:bulletEnabled val="1"/>
-            </dgm:varLst>
-            <dgm:alg type="tx"/>
-            <dgm:choose name="Name22">
-              <dgm:if name="Name23" func="var" arg="dir" op="equ" val="norm">
-                <dgm:shape xmlns:r="http://schemas.openxmlformats.org/officeDocument/2006/relationships" type="chevron" r:blip="">
-                  <dgm:adjLst/>
-                </dgm:shape>
-              </dgm:if>
-              <dgm:else name="Name24">
-                <dgm:shape xmlns:r="http://schemas.openxmlformats.org/officeDocument/2006/relationships" rot="180" type="chevron" r:blip="">
-                  <dgm:adjLst/>
-                </dgm:shape>
-              </dgm:else>
-            </dgm:choose>
-            <dgm:presOf axis="self" ptType="node"/>
-            <dgm:choose name="Name25">
-              <dgm:if name="Name26" func="var" arg="dir" op="equ" val="norm">
-                <dgm:constrLst>
-                  <dgm:constr type="h" refType="w" op="equ" fact="0.4"/>
-                  <dgm:constr type="tMarg" refType="primFontSz" fact="0.105"/>
-                  <dgm:constr type="bMarg" refType="primFontSz" fact="0.105"/>
-                  <dgm:constr type="lMarg" refType="primFontSz" fact="0.315"/>
-                  <dgm:constr type="rMarg" refType="primFontSz" fact="0.105"/>
-                </dgm:constrLst>
-              </dgm:if>
-              <dgm:else name="Name27">
-                <dgm:constrLst>
-                  <dgm:constr type="h" refType="w" op="equ" fact="0.4"/>
-                  <dgm:constr type="tMarg" refType="primFontSz" fact="0.105"/>
-                  <dgm:constr type="bMarg" refType="primFontSz" fact="0.105"/>
-                  <dgm:constr type="lMarg" refType="primFontSz" fact="0.105"/>
-                  <dgm:constr type="rMarg" refType="primFontSz" fact="0.315"/>
-                </dgm:constrLst>
-              </dgm:else>
-            </dgm:choose>
-            <dgm:ruleLst>
-              <dgm:rule type="primFontSz" val="5" fact="NaN" max="NaN"/>
-            </dgm:ruleLst>
-          </dgm:layoutNode>
-          <dgm:forEach name="Name28" axis="followSib" ptType="sibTrans" cnt="1">
-            <dgm:layoutNode name="parTxOnlySpace">
-              <dgm:alg type="sp"/>
-              <dgm:shape xmlns:r="http://schemas.openxmlformats.org/officeDocument/2006/relationships" r:blip="">
-                <dgm:adjLst/>
-              </dgm:shape>
-              <dgm:presOf/>
-              <dgm:constrLst/>
-              <dgm:ruleLst/>
-            </dgm:layoutNode>
-          </dgm:forEach>
-        </dgm:forEach>
-      </dgm:else>
-    </dgm:choose>
+        </dgm:if>
+        <dgm:else name="Name13"/>
+      </dgm:choose>
+    </dgm:forEach>
   </dgm:layoutNode>
 </dgm:layoutDef>
 </file>
@@ -8374,7 +8359,7 @@
           <p:nvPr>
             <p:extLst>
               <p:ext uri="{D42A27DB-BD31-4B8C-83A1-F6EECF244321}">
-                <p14:modId xmlns:p14="http://schemas.microsoft.com/office/powerpoint/2010/main" val="1431034086"/>
+                <p14:modId xmlns:p14="http://schemas.microsoft.com/office/powerpoint/2010/main" val="1580825448"/>
               </p:ext>
             </p:extLst>
           </p:nvPr>
@@ -8389,6 +8374,201 @@
           </a:graphicData>
         </a:graphic>
       </p:graphicFrame>
+      <p:cxnSp>
+        <p:nvCxnSpPr>
+          <p:cNvPr id="3" name="Straight Arrow Connector 2">
+            <a:extLst>
+              <a:ext uri="{FF2B5EF4-FFF2-40B4-BE49-F238E27FC236}">
+                <a16:creationId xmlns:a16="http://schemas.microsoft.com/office/drawing/2014/main" id="{08053E19-C064-45F6-AC4F-28E44F240644}"/>
+              </a:ext>
+            </a:extLst>
+          </p:cNvPr>
+          <p:cNvCxnSpPr/>
+          <p:nvPr/>
+        </p:nvCxnSpPr>
+        <p:spPr>
+          <a:xfrm>
+            <a:off x="1437774" y="457200"/>
+            <a:ext cx="180473" cy="0"/>
+          </a:xfrm>
+          <a:prstGeom prst="straightConnector1">
+            <a:avLst/>
+          </a:prstGeom>
+          <a:ln w="19050">
+            <a:tailEnd type="arrow" w="lg" len="med"/>
+          </a:ln>
+        </p:spPr>
+        <p:style>
+          <a:lnRef idx="1">
+            <a:schemeClr val="dk1"/>
+          </a:lnRef>
+          <a:fillRef idx="0">
+            <a:schemeClr val="dk1"/>
+          </a:fillRef>
+          <a:effectRef idx="0">
+            <a:schemeClr val="dk1"/>
+          </a:effectRef>
+          <a:fontRef idx="minor">
+            <a:schemeClr val="tx1"/>
+          </a:fontRef>
+        </p:style>
+      </p:cxnSp>
+      <p:cxnSp>
+        <p:nvCxnSpPr>
+          <p:cNvPr id="5" name="Straight Arrow Connector 4">
+            <a:extLst>
+              <a:ext uri="{FF2B5EF4-FFF2-40B4-BE49-F238E27FC236}">
+                <a16:creationId xmlns:a16="http://schemas.microsoft.com/office/drawing/2014/main" id="{6B74FDA2-6AC4-44C2-BE72-CF30CAC7B300}"/>
+              </a:ext>
+            </a:extLst>
+          </p:cNvPr>
+          <p:cNvCxnSpPr/>
+          <p:nvPr/>
+        </p:nvCxnSpPr>
+        <p:spPr>
+          <a:xfrm>
+            <a:off x="2954685" y="457200"/>
+            <a:ext cx="180473" cy="0"/>
+          </a:xfrm>
+          <a:prstGeom prst="straightConnector1">
+            <a:avLst/>
+          </a:prstGeom>
+          <a:ln w="19050">
+            <a:tailEnd type="arrow" w="lg" len="med"/>
+          </a:ln>
+        </p:spPr>
+        <p:style>
+          <a:lnRef idx="1">
+            <a:schemeClr val="dk1"/>
+          </a:lnRef>
+          <a:fillRef idx="0">
+            <a:schemeClr val="dk1"/>
+          </a:fillRef>
+          <a:effectRef idx="0">
+            <a:schemeClr val="dk1"/>
+          </a:effectRef>
+          <a:fontRef idx="minor">
+            <a:schemeClr val="tx1"/>
+          </a:fontRef>
+        </p:style>
+      </p:cxnSp>
+      <p:cxnSp>
+        <p:nvCxnSpPr>
+          <p:cNvPr id="6" name="Straight Arrow Connector 5">
+            <a:extLst>
+              <a:ext uri="{FF2B5EF4-FFF2-40B4-BE49-F238E27FC236}">
+                <a16:creationId xmlns:a16="http://schemas.microsoft.com/office/drawing/2014/main" id="{BCBB3A80-15A0-45D6-AF68-834B562A7882}"/>
+              </a:ext>
+            </a:extLst>
+          </p:cNvPr>
+          <p:cNvCxnSpPr/>
+          <p:nvPr/>
+        </p:nvCxnSpPr>
+        <p:spPr>
+          <a:xfrm>
+            <a:off x="4481763" y="457200"/>
+            <a:ext cx="180473" cy="0"/>
+          </a:xfrm>
+          <a:prstGeom prst="straightConnector1">
+            <a:avLst/>
+          </a:prstGeom>
+          <a:ln w="19050">
+            <a:tailEnd type="arrow" w="lg" len="med"/>
+          </a:ln>
+        </p:spPr>
+        <p:style>
+          <a:lnRef idx="1">
+            <a:schemeClr val="dk1"/>
+          </a:lnRef>
+          <a:fillRef idx="0">
+            <a:schemeClr val="dk1"/>
+          </a:fillRef>
+          <a:effectRef idx="0">
+            <a:schemeClr val="dk1"/>
+          </a:effectRef>
+          <a:fontRef idx="minor">
+            <a:schemeClr val="tx1"/>
+          </a:fontRef>
+        </p:style>
+      </p:cxnSp>
+      <p:cxnSp>
+        <p:nvCxnSpPr>
+          <p:cNvPr id="7" name="Straight Arrow Connector 6">
+            <a:extLst>
+              <a:ext uri="{FF2B5EF4-FFF2-40B4-BE49-F238E27FC236}">
+                <a16:creationId xmlns:a16="http://schemas.microsoft.com/office/drawing/2014/main" id="{99D1BAD8-0C2C-483C-8428-99E03617434C}"/>
+              </a:ext>
+            </a:extLst>
+          </p:cNvPr>
+          <p:cNvCxnSpPr/>
+          <p:nvPr/>
+        </p:nvCxnSpPr>
+        <p:spPr>
+          <a:xfrm>
+            <a:off x="5998674" y="457200"/>
+            <a:ext cx="180473" cy="0"/>
+          </a:xfrm>
+          <a:prstGeom prst="straightConnector1">
+            <a:avLst/>
+          </a:prstGeom>
+          <a:ln w="19050">
+            <a:tailEnd type="arrow" w="lg" len="med"/>
+          </a:ln>
+        </p:spPr>
+        <p:style>
+          <a:lnRef idx="1">
+            <a:schemeClr val="dk1"/>
+          </a:lnRef>
+          <a:fillRef idx="0">
+            <a:schemeClr val="dk1"/>
+          </a:fillRef>
+          <a:effectRef idx="0">
+            <a:schemeClr val="dk1"/>
+          </a:effectRef>
+          <a:fontRef idx="minor">
+            <a:schemeClr val="tx1"/>
+          </a:fontRef>
+        </p:style>
+      </p:cxnSp>
+      <p:cxnSp>
+        <p:nvCxnSpPr>
+          <p:cNvPr id="8" name="Straight Arrow Connector 7">
+            <a:extLst>
+              <a:ext uri="{FF2B5EF4-FFF2-40B4-BE49-F238E27FC236}">
+                <a16:creationId xmlns:a16="http://schemas.microsoft.com/office/drawing/2014/main" id="{801B4888-9EF1-45D2-AC13-EE6B61A852C4}"/>
+              </a:ext>
+            </a:extLst>
+          </p:cNvPr>
+          <p:cNvCxnSpPr/>
+          <p:nvPr/>
+        </p:nvCxnSpPr>
+        <p:spPr>
+          <a:xfrm>
+            <a:off x="7529763" y="457200"/>
+            <a:ext cx="180473" cy="0"/>
+          </a:xfrm>
+          <a:prstGeom prst="straightConnector1">
+            <a:avLst/>
+          </a:prstGeom>
+          <a:ln w="19050">
+            <a:tailEnd type="arrow" w="lg" len="med"/>
+          </a:ln>
+        </p:spPr>
+        <p:style>
+          <a:lnRef idx="1">
+            <a:schemeClr val="dk1"/>
+          </a:lnRef>
+          <a:fillRef idx="0">
+            <a:schemeClr val="dk1"/>
+          </a:fillRef>
+          <a:effectRef idx="0">
+            <a:schemeClr val="dk1"/>
+          </a:effectRef>
+          <a:fontRef idx="minor">
+            <a:schemeClr val="tx1"/>
+          </a:fontRef>
+        </p:style>
+      </p:cxnSp>
     </p:spTree>
     <p:extLst>
       <p:ext uri="{BB962C8B-B14F-4D97-AF65-F5344CB8AC3E}">
